--- a/rocker_app/static/description/Rocker_install.pptx
+++ b/rocker_app/static/description/Rocker_install.pptx
@@ -8,15 +8,22 @@
     <p:sldId id="282" r:id="rId2"/>
     <p:sldId id="283" r:id="rId3"/>
     <p:sldId id="297" r:id="rId4"/>
-    <p:sldId id="285" r:id="rId5"/>
-    <p:sldId id="286" r:id="rId6"/>
-    <p:sldId id="298" r:id="rId7"/>
-    <p:sldId id="288" r:id="rId8"/>
-    <p:sldId id="291" r:id="rId9"/>
-    <p:sldId id="299" r:id="rId10"/>
-    <p:sldId id="292" r:id="rId11"/>
-    <p:sldId id="294" r:id="rId12"/>
-    <p:sldId id="277" r:id="rId13"/>
+    <p:sldId id="301" r:id="rId5"/>
+    <p:sldId id="302" r:id="rId6"/>
+    <p:sldId id="303" r:id="rId7"/>
+    <p:sldId id="285" r:id="rId8"/>
+    <p:sldId id="286" r:id="rId9"/>
+    <p:sldId id="298" r:id="rId10"/>
+    <p:sldId id="288" r:id="rId11"/>
+    <p:sldId id="291" r:id="rId12"/>
+    <p:sldId id="299" r:id="rId13"/>
+    <p:sldId id="292" r:id="rId14"/>
+    <p:sldId id="300" r:id="rId15"/>
+    <p:sldId id="294" r:id="rId16"/>
+    <p:sldId id="306" r:id="rId17"/>
+    <p:sldId id="305" r:id="rId18"/>
+    <p:sldId id="304" r:id="rId19"/>
+    <p:sldId id="277" r:id="rId20"/>
   </p:sldIdLst>
   <p:sldSz cx="12192000" cy="6858000"/>
   <p:notesSz cx="6858000" cy="9144000"/>
@@ -1713,37 +1720,6 @@
     </pc:docChg>
   </pc:docChgLst>
   <pc:docChgLst>
-    <pc:chgData name="Antti Kärki" userId="ab9f1eaf7ee70c5c" providerId="LiveId" clId="{BF661082-BE8A-4C72-83E5-4795344B30AD}"/>
-    <pc:docChg chg="custSel delSld modSld">
-      <pc:chgData name="Antti Kärki" userId="ab9f1eaf7ee70c5c" providerId="LiveId" clId="{BF661082-BE8A-4C72-83E5-4795344B30AD}" dt="2020-03-19T09:46:19.292" v="17" actId="207"/>
-      <pc:docMkLst>
-        <pc:docMk/>
-      </pc:docMkLst>
-      <pc:sldChg chg="addSp modSp">
-        <pc:chgData name="Antti Kärki" userId="ab9f1eaf7ee70c5c" providerId="LiveId" clId="{BF661082-BE8A-4C72-83E5-4795344B30AD}" dt="2020-03-19T09:46:19.292" v="17" actId="207"/>
-        <pc:sldMkLst>
-          <pc:docMk/>
-          <pc:sldMk cId="305823356" sldId="285"/>
-        </pc:sldMkLst>
-        <pc:spChg chg="add mod">
-          <ac:chgData name="Antti Kärki" userId="ab9f1eaf7ee70c5c" providerId="LiveId" clId="{BF661082-BE8A-4C72-83E5-4795344B30AD}" dt="2020-03-19T09:46:19.292" v="17" actId="207"/>
-          <ac:spMkLst>
-            <pc:docMk/>
-            <pc:sldMk cId="305823356" sldId="285"/>
-            <ac:spMk id="4" creationId="{6DF4274D-5402-4E4E-AB6B-505BC9B2E0F2}"/>
-          </ac:spMkLst>
-        </pc:spChg>
-      </pc:sldChg>
-      <pc:sldChg chg="del">
-        <pc:chgData name="Antti Kärki" userId="ab9f1eaf7ee70c5c" providerId="LiveId" clId="{BF661082-BE8A-4C72-83E5-4795344B30AD}" dt="2020-03-19T09:45:29.287" v="0" actId="2696"/>
-        <pc:sldMkLst>
-          <pc:docMk/>
-          <pc:sldMk cId="2410279594" sldId="296"/>
-        </pc:sldMkLst>
-      </pc:sldChg>
-    </pc:docChg>
-  </pc:docChgLst>
-  <pc:docChgLst>
     <pc:chgData name="Antti Kärki" userId="ab9f1eaf7ee70c5c" providerId="LiveId" clId="{16214568-00C9-4FC1-93E5-88FD43C19225}"/>
     <pc:docChg chg="custSel modSld">
       <pc:chgData name="Antti Kärki" userId="ab9f1eaf7ee70c5c" providerId="LiveId" clId="{16214568-00C9-4FC1-93E5-88FD43C19225}" dt="2020-01-23T15:15:11.827" v="63" actId="20577"/>
@@ -1772,6 +1748,37 @@
             <ac:spMk id="8" creationId="{26104AB3-7D3C-4327-9286-07AE97B73415}"/>
           </ac:spMkLst>
         </pc:spChg>
+      </pc:sldChg>
+    </pc:docChg>
+  </pc:docChgLst>
+  <pc:docChgLst>
+    <pc:chgData name="Antti Kärki" userId="ab9f1eaf7ee70c5c" providerId="LiveId" clId="{BF661082-BE8A-4C72-83E5-4795344B30AD}"/>
+    <pc:docChg chg="custSel delSld modSld">
+      <pc:chgData name="Antti Kärki" userId="ab9f1eaf7ee70c5c" providerId="LiveId" clId="{BF661082-BE8A-4C72-83E5-4795344B30AD}" dt="2020-03-19T09:46:19.292" v="17" actId="207"/>
+      <pc:docMkLst>
+        <pc:docMk/>
+      </pc:docMkLst>
+      <pc:sldChg chg="addSp modSp">
+        <pc:chgData name="Antti Kärki" userId="ab9f1eaf7ee70c5c" providerId="LiveId" clId="{BF661082-BE8A-4C72-83E5-4795344B30AD}" dt="2020-03-19T09:46:19.292" v="17" actId="207"/>
+        <pc:sldMkLst>
+          <pc:docMk/>
+          <pc:sldMk cId="305823356" sldId="285"/>
+        </pc:sldMkLst>
+        <pc:spChg chg="add mod">
+          <ac:chgData name="Antti Kärki" userId="ab9f1eaf7ee70c5c" providerId="LiveId" clId="{BF661082-BE8A-4C72-83E5-4795344B30AD}" dt="2020-03-19T09:46:19.292" v="17" actId="207"/>
+          <ac:spMkLst>
+            <pc:docMk/>
+            <pc:sldMk cId="305823356" sldId="285"/>
+            <ac:spMk id="4" creationId="{6DF4274D-5402-4E4E-AB6B-505BC9B2E0F2}"/>
+          </ac:spMkLst>
+        </pc:spChg>
+      </pc:sldChg>
+      <pc:sldChg chg="del">
+        <pc:chgData name="Antti Kärki" userId="ab9f1eaf7ee70c5c" providerId="LiveId" clId="{BF661082-BE8A-4C72-83E5-4795344B30AD}" dt="2020-03-19T09:45:29.287" v="0" actId="2696"/>
+        <pc:sldMkLst>
+          <pc:docMk/>
+          <pc:sldMk cId="2410279594" sldId="296"/>
+        </pc:sldMkLst>
       </pc:sldChg>
     </pc:docChg>
   </pc:docChgLst>
@@ -1966,7 +1973,7 @@
           <a:p>
             <a:fld id="{2BA53152-5DF5-4979-A537-0FE8AB80BD2D}" type="datetimeFigureOut">
               <a:rPr lang="fi-FI" smtClean="0"/>
-              <a:t>25.1.2021</a:t>
+              <a:t>27.1.2021</a:t>
             </a:fld>
             <a:endParaRPr lang="fi-FI"/>
           </a:p>
@@ -2304,7 +2311,7 @@
           <a:p>
             <a:fld id="{2BA53152-5DF5-4979-A537-0FE8AB80BD2D}" type="datetimeFigureOut">
               <a:rPr lang="fi-FI" smtClean="0"/>
-              <a:t>25.1.2021</a:t>
+              <a:t>27.1.2021</a:t>
             </a:fld>
             <a:endParaRPr lang="fi-FI"/>
           </a:p>
@@ -2705,7 +2712,7 @@
           <a:p>
             <a:fld id="{2BA53152-5DF5-4979-A537-0FE8AB80BD2D}" type="datetimeFigureOut">
               <a:rPr lang="fi-FI" smtClean="0"/>
-              <a:t>25.1.2021</a:t>
+              <a:t>27.1.2021</a:t>
             </a:fld>
             <a:endParaRPr lang="fi-FI"/>
           </a:p>
@@ -3041,7 +3048,7 @@
           <a:p>
             <a:fld id="{2BA53152-5DF5-4979-A537-0FE8AB80BD2D}" type="datetimeFigureOut">
               <a:rPr lang="fi-FI" smtClean="0"/>
-              <a:t>25.1.2021</a:t>
+              <a:t>27.1.2021</a:t>
             </a:fld>
             <a:endParaRPr lang="fi-FI"/>
           </a:p>
@@ -3361,7 +3368,7 @@
           <a:p>
             <a:fld id="{2BA53152-5DF5-4979-A537-0FE8AB80BD2D}" type="datetimeFigureOut">
               <a:rPr lang="fi-FI" smtClean="0"/>
-              <a:t>25.1.2021</a:t>
+              <a:t>27.1.2021</a:t>
             </a:fld>
             <a:endParaRPr lang="fi-FI"/>
           </a:p>
@@ -3757,7 +3764,7 @@
           <a:p>
             <a:fld id="{2BA53152-5DF5-4979-A537-0FE8AB80BD2D}" type="datetimeFigureOut">
               <a:rPr lang="fi-FI" smtClean="0"/>
-              <a:t>25.1.2021</a:t>
+              <a:t>27.1.2021</a:t>
             </a:fld>
             <a:endParaRPr lang="fi-FI"/>
           </a:p>
@@ -4014,7 +4021,7 @@
           <a:p>
             <a:fld id="{2BA53152-5DF5-4979-A537-0FE8AB80BD2D}" type="datetimeFigureOut">
               <a:rPr lang="fi-FI" smtClean="0"/>
-              <a:t>25.1.2021</a:t>
+              <a:t>27.1.2021</a:t>
             </a:fld>
             <a:endParaRPr lang="fi-FI"/>
           </a:p>
@@ -4276,7 +4283,7 @@
           <a:p>
             <a:fld id="{2BA53152-5DF5-4979-A537-0FE8AB80BD2D}" type="datetimeFigureOut">
               <a:rPr lang="fi-FI" smtClean="0"/>
-              <a:t>25.1.2021</a:t>
+              <a:t>27.1.2021</a:t>
             </a:fld>
             <a:endParaRPr lang="fi-FI"/>
           </a:p>
@@ -4538,7 +4545,7 @@
           <a:p>
             <a:fld id="{2BA53152-5DF5-4979-A537-0FE8AB80BD2D}" type="datetimeFigureOut">
               <a:rPr lang="fi-FI" smtClean="0"/>
-              <a:t>25.1.2021</a:t>
+              <a:t>27.1.2021</a:t>
             </a:fld>
             <a:endParaRPr lang="fi-FI"/>
           </a:p>
@@ -4897,7 +4904,7 @@
           <a:p>
             <a:fld id="{2BA53152-5DF5-4979-A537-0FE8AB80BD2D}" type="datetimeFigureOut">
               <a:rPr lang="fi-FI" smtClean="0"/>
-              <a:t>25.1.2021</a:t>
+              <a:t>27.1.2021</a:t>
             </a:fld>
             <a:endParaRPr lang="fi-FI"/>
           </a:p>
@@ -5220,7 +5227,7 @@
           <a:p>
             <a:fld id="{2BA53152-5DF5-4979-A537-0FE8AB80BD2D}" type="datetimeFigureOut">
               <a:rPr lang="fi-FI" smtClean="0"/>
-              <a:t>25.1.2021</a:t>
+              <a:t>27.1.2021</a:t>
             </a:fld>
             <a:endParaRPr lang="fi-FI"/>
           </a:p>
@@ -5677,7 +5684,7 @@
           <a:p>
             <a:fld id="{2BA53152-5DF5-4979-A537-0FE8AB80BD2D}" type="datetimeFigureOut">
               <a:rPr lang="fi-FI" smtClean="0"/>
-              <a:t>25.1.2021</a:t>
+              <a:t>27.1.2021</a:t>
             </a:fld>
             <a:endParaRPr lang="fi-FI"/>
           </a:p>
@@ -5882,7 +5889,7 @@
           <a:p>
             <a:fld id="{2BA53152-5DF5-4979-A537-0FE8AB80BD2D}" type="datetimeFigureOut">
               <a:rPr lang="fi-FI" smtClean="0"/>
-              <a:t>25.1.2021</a:t>
+              <a:t>27.1.2021</a:t>
             </a:fld>
             <a:endParaRPr lang="fi-FI"/>
           </a:p>
@@ -6089,7 +6096,7 @@
           <a:p>
             <a:fld id="{2BA53152-5DF5-4979-A537-0FE8AB80BD2D}" type="datetimeFigureOut">
               <a:rPr lang="fi-FI" smtClean="0"/>
-              <a:t>25.1.2021</a:t>
+              <a:t>27.1.2021</a:t>
             </a:fld>
             <a:endParaRPr lang="fi-FI"/>
           </a:p>
@@ -6422,7 +6429,7 @@
           <a:p>
             <a:fld id="{2BA53152-5DF5-4979-A537-0FE8AB80BD2D}" type="datetimeFigureOut">
               <a:rPr lang="fi-FI" smtClean="0"/>
-              <a:t>25.1.2021</a:t>
+              <a:t>27.1.2021</a:t>
             </a:fld>
             <a:endParaRPr lang="fi-FI"/>
           </a:p>
@@ -6767,7 +6774,7 @@
           <a:p>
             <a:fld id="{2BA53152-5DF5-4979-A537-0FE8AB80BD2D}" type="datetimeFigureOut">
               <a:rPr lang="fi-FI" smtClean="0"/>
-              <a:t>25.1.2021</a:t>
+              <a:t>27.1.2021</a:t>
             </a:fld>
             <a:endParaRPr lang="fi-FI"/>
           </a:p>
@@ -8884,7 +8891,7 @@
           <a:p>
             <a:fld id="{2BA53152-5DF5-4979-A537-0FE8AB80BD2D}" type="datetimeFigureOut">
               <a:rPr lang="fi-FI" smtClean="0"/>
-              <a:t>25.1.2021</a:t>
+              <a:t>27.1.2021</a:t>
             </a:fld>
             <a:endParaRPr lang="fi-FI"/>
           </a:p>
@@ -9589,2306 +9596,6 @@
             </a:pPr>
             <a:r>
               <a:rPr lang="fi-FI" sz="3700"/>
-              <a:t>Create database / datasource for MySQL or MariaDB</a:t>
-            </a:r>
-            <a:endParaRPr lang="en-US" sz="3700"/>
-          </a:p>
-        </p:txBody>
-      </p:sp>
-      <p:sp>
-        <p:nvSpPr>
-          <p:cNvPr id="8" name="Content Placeholder 7">
-            <a:extLst>
-              <a:ext uri="{FF2B5EF4-FFF2-40B4-BE49-F238E27FC236}">
-                <a16:creationId xmlns:a16="http://schemas.microsoft.com/office/drawing/2014/main" id="{1E86017D-A4ED-4C23-BEFB-3386A1BD9842}"/>
-              </a:ext>
-            </a:extLst>
-          </p:cNvPr>
-          <p:cNvSpPr>
-            <a:spLocks noGrp="1"/>
-          </p:cNvSpPr>
-          <p:nvPr>
-            <p:ph idx="1"/>
-          </p:nvPr>
-        </p:nvSpPr>
-        <p:spPr>
-          <a:xfrm>
-            <a:off x="1484311" y="2666999"/>
-            <a:ext cx="4074345" cy="3124201"/>
-          </a:xfrm>
-        </p:spPr>
-        <p:txBody>
-          <a:bodyPr>
-            <a:normAutofit/>
-          </a:bodyPr>
-          <a:lstStyle/>
-          <a:p>
-            <a:pPr>
-              <a:lnSpc>
-                <a:spcPct val="90000"/>
-              </a:lnSpc>
-            </a:pPr>
-            <a:r>
-              <a:rPr lang="en-US" sz="1500"/>
-              <a:t>C:\Program Files (x86)\Odoo 12.0\python\Scripts&gt; </a:t>
-            </a:r>
-            <a:r>
-              <a:rPr lang="fi-FI" sz="1500"/>
-              <a:t>pip install mysql-connector-python</a:t>
-            </a:r>
-          </a:p>
-          <a:p>
-            <a:pPr>
-              <a:lnSpc>
-                <a:spcPct val="90000"/>
-              </a:lnSpc>
-            </a:pPr>
-            <a:r>
-              <a:rPr lang="fi-FI" sz="1500"/>
-              <a:t>Select Databases from menu</a:t>
-            </a:r>
-          </a:p>
-          <a:p>
-            <a:pPr>
-              <a:lnSpc>
-                <a:spcPct val="90000"/>
-              </a:lnSpc>
-            </a:pPr>
-            <a:r>
-              <a:rPr lang="fi-FI" sz="1500" err="1"/>
-              <a:t>Create</a:t>
-            </a:r>
-            <a:r>
-              <a:rPr lang="fi-FI" sz="1500"/>
-              <a:t>…</a:t>
-            </a:r>
-          </a:p>
-          <a:p>
-            <a:pPr>
-              <a:lnSpc>
-                <a:spcPct val="90000"/>
-              </a:lnSpc>
-            </a:pPr>
-            <a:r>
-              <a:rPr lang="en-US" sz="1500"/>
-              <a:t>Select MySQL or MariaDB driver, Change database name &amp; other data when necessary</a:t>
-            </a:r>
-          </a:p>
-          <a:p>
-            <a:pPr>
-              <a:lnSpc>
-                <a:spcPct val="90000"/>
-              </a:lnSpc>
-            </a:pPr>
-            <a:r>
-              <a:rPr lang="en-US" sz="1500"/>
-              <a:t>Save</a:t>
-            </a:r>
-          </a:p>
-          <a:p>
-            <a:pPr>
-              <a:lnSpc>
-                <a:spcPct val="90000"/>
-              </a:lnSpc>
-            </a:pPr>
-            <a:r>
-              <a:rPr lang="en-US" sz="1500"/>
-              <a:t>Test connection</a:t>
-            </a:r>
-          </a:p>
-          <a:p>
-            <a:pPr>
-              <a:lnSpc>
-                <a:spcPct val="90000"/>
-              </a:lnSpc>
-            </a:pPr>
-            <a:endParaRPr lang="en-US" sz="1500"/>
-          </a:p>
-        </p:txBody>
-      </p:sp>
-      <p:pic>
-        <p:nvPicPr>
-          <p:cNvPr id="10" name="Picture 9">
-            <a:extLst>
-              <a:ext uri="{FF2B5EF4-FFF2-40B4-BE49-F238E27FC236}">
-                <a16:creationId xmlns:a16="http://schemas.microsoft.com/office/drawing/2014/main" id="{2C93426E-37D2-40B9-8CEB-2DA7DBEE2D4C}"/>
-              </a:ext>
-            </a:extLst>
-          </p:cNvPr>
-          <p:cNvPicPr>
-            <a:picLocks noChangeAspect="1"/>
-          </p:cNvPicPr>
-          <p:nvPr/>
-        </p:nvPicPr>
-        <p:blipFill>
-          <a:blip r:embed="rId3"/>
-          <a:stretch>
-            <a:fillRect/>
-          </a:stretch>
-        </p:blipFill>
-        <p:spPr>
-          <a:xfrm>
-            <a:off x="6633345" y="930557"/>
-            <a:ext cx="3086713" cy="2338185"/>
-          </a:xfrm>
-          <a:prstGeom prst="roundRect">
-            <a:avLst>
-              <a:gd name="adj" fmla="val 4380"/>
-            </a:avLst>
-          </a:prstGeom>
-          <a:ln w="38100">
-            <a:gradFill flip="none" rotWithShape="1">
-              <a:gsLst>
-                <a:gs pos="0">
-                  <a:schemeClr val="bg2"/>
-                </a:gs>
-                <a:gs pos="100000">
-                  <a:schemeClr val="bg2">
-                    <a:lumMod val="75000"/>
-                  </a:schemeClr>
-                </a:gs>
-              </a:gsLst>
-              <a:lin ang="5400000" scaled="0"/>
-              <a:tileRect/>
-            </a:gradFill>
-          </a:ln>
-          <a:effectLst>
-            <a:innerShdw blurRad="57150" dist="38100" dir="14460000">
-              <a:srgbClr val="000000">
-                <a:alpha val="70000"/>
-              </a:srgbClr>
-            </a:innerShdw>
-          </a:effectLst>
-        </p:spPr>
-        <p:style>
-          <a:lnRef idx="2">
-            <a:schemeClr val="accent1"/>
-          </a:lnRef>
-          <a:fillRef idx="1">
-            <a:schemeClr val="lt1"/>
-          </a:fillRef>
-          <a:effectRef idx="0">
-            <a:schemeClr val="accent1"/>
-          </a:effectRef>
-          <a:fontRef idx="minor">
-            <a:schemeClr val="dk1"/>
-          </a:fontRef>
-        </p:style>
-      </p:pic>
-      <p:pic>
-        <p:nvPicPr>
-          <p:cNvPr id="11" name="Picture 10">
-            <a:extLst>
-              <a:ext uri="{FF2B5EF4-FFF2-40B4-BE49-F238E27FC236}">
-                <a16:creationId xmlns:a16="http://schemas.microsoft.com/office/drawing/2014/main" id="{FF45B3DD-4EF4-451F-BC0B-9A61676FAD65}"/>
-              </a:ext>
-            </a:extLst>
-          </p:cNvPr>
-          <p:cNvPicPr>
-            <a:picLocks noChangeAspect="1"/>
-          </p:cNvPicPr>
-          <p:nvPr/>
-        </p:nvPicPr>
-        <p:blipFill>
-          <a:blip r:embed="rId4"/>
-          <a:stretch>
-            <a:fillRect/>
-          </a:stretch>
-        </p:blipFill>
-        <p:spPr>
-          <a:xfrm>
-            <a:off x="8708800" y="2008378"/>
-            <a:ext cx="3036604" cy="2338185"/>
-          </a:xfrm>
-          <a:prstGeom prst="roundRect">
-            <a:avLst>
-              <a:gd name="adj" fmla="val 4380"/>
-            </a:avLst>
-          </a:prstGeom>
-          <a:ln w="38100">
-            <a:gradFill flip="none" rotWithShape="1">
-              <a:gsLst>
-                <a:gs pos="0">
-                  <a:schemeClr val="bg2"/>
-                </a:gs>
-                <a:gs pos="100000">
-                  <a:schemeClr val="bg2">
-                    <a:lumMod val="75000"/>
-                  </a:schemeClr>
-                </a:gs>
-              </a:gsLst>
-              <a:lin ang="5400000" scaled="0"/>
-              <a:tileRect/>
-            </a:gradFill>
-          </a:ln>
-          <a:effectLst>
-            <a:innerShdw blurRad="57150" dist="38100" dir="14460000">
-              <a:srgbClr val="000000">
-                <a:alpha val="70000"/>
-              </a:srgbClr>
-            </a:innerShdw>
-          </a:effectLst>
-        </p:spPr>
-        <p:style>
-          <a:lnRef idx="2">
-            <a:schemeClr val="accent1"/>
-          </a:lnRef>
-          <a:fillRef idx="1">
-            <a:schemeClr val="lt1"/>
-          </a:fillRef>
-          <a:effectRef idx="0">
-            <a:schemeClr val="accent1"/>
-          </a:effectRef>
-          <a:fontRef idx="minor">
-            <a:schemeClr val="dk1"/>
-          </a:fontRef>
-        </p:style>
-      </p:pic>
-      <p:pic>
-        <p:nvPicPr>
-          <p:cNvPr id="6" name="Kuva 5">
-            <a:extLst>
-              <a:ext uri="{FF2B5EF4-FFF2-40B4-BE49-F238E27FC236}">
-                <a16:creationId xmlns:a16="http://schemas.microsoft.com/office/drawing/2014/main" id="{3C5D5E0C-B6AA-4048-A7A1-F0E7C4B784A1}"/>
-              </a:ext>
-            </a:extLst>
-          </p:cNvPr>
-          <p:cNvPicPr>
-            <a:picLocks noChangeAspect="1"/>
-          </p:cNvPicPr>
-          <p:nvPr/>
-        </p:nvPicPr>
-        <p:blipFill>
-          <a:blip r:embed="rId5"/>
-          <a:stretch>
-            <a:fillRect/>
-          </a:stretch>
-        </p:blipFill>
-        <p:spPr>
-          <a:xfrm>
-            <a:off x="6958660" y="4265255"/>
-            <a:ext cx="1863744" cy="1668050"/>
-          </a:xfrm>
-          <a:prstGeom prst="roundRect">
-            <a:avLst>
-              <a:gd name="adj" fmla="val 4380"/>
-            </a:avLst>
-          </a:prstGeom>
-          <a:ln w="38100">
-            <a:gradFill flip="none" rotWithShape="1">
-              <a:gsLst>
-                <a:gs pos="0">
-                  <a:schemeClr val="bg2"/>
-                </a:gs>
-                <a:gs pos="100000">
-                  <a:schemeClr val="bg2">
-                    <a:lumMod val="75000"/>
-                  </a:schemeClr>
-                </a:gs>
-              </a:gsLst>
-              <a:lin ang="5400000" scaled="0"/>
-              <a:tileRect/>
-            </a:gradFill>
-          </a:ln>
-          <a:effectLst>
-            <a:innerShdw blurRad="57150" dist="38100" dir="14460000">
-              <a:srgbClr val="000000">
-                <a:alpha val="70000"/>
-              </a:srgbClr>
-            </a:innerShdw>
-          </a:effectLst>
-        </p:spPr>
-        <p:style>
-          <a:lnRef idx="2">
-            <a:schemeClr val="accent1"/>
-          </a:lnRef>
-          <a:fillRef idx="1">
-            <a:schemeClr val="lt1"/>
-          </a:fillRef>
-          <a:effectRef idx="0">
-            <a:schemeClr val="accent1"/>
-          </a:effectRef>
-          <a:fontRef idx="minor">
-            <a:schemeClr val="dk1"/>
-          </a:fontRef>
-        </p:style>
-      </p:pic>
-      <p:sp>
-        <p:nvSpPr>
-          <p:cNvPr id="7" name="TextBox 6">
-            <a:extLst>
-              <a:ext uri="{FF2B5EF4-FFF2-40B4-BE49-F238E27FC236}">
-                <a16:creationId xmlns:a16="http://schemas.microsoft.com/office/drawing/2014/main" id="{BE7EC6BD-6A06-4DB5-B7EB-6DE2133E2FAE}"/>
-              </a:ext>
-            </a:extLst>
-          </p:cNvPr>
-          <p:cNvSpPr txBox="1"/>
-          <p:nvPr/>
-        </p:nvSpPr>
-        <p:spPr>
-          <a:xfrm>
-            <a:off x="6890046" y="448411"/>
-            <a:ext cx="2238113" cy="369332"/>
-          </a:xfrm>
-          <a:prstGeom prst="rect">
-            <a:avLst/>
-          </a:prstGeom>
-        </p:spPr>
-        <p:style>
-          <a:lnRef idx="1">
-            <a:schemeClr val="accent6"/>
-          </a:lnRef>
-          <a:fillRef idx="2">
-            <a:schemeClr val="accent6"/>
-          </a:fillRef>
-          <a:effectRef idx="1">
-            <a:schemeClr val="accent6"/>
-          </a:effectRef>
-          <a:fontRef idx="minor">
-            <a:schemeClr val="dk1"/>
-          </a:fontRef>
-        </p:style>
-        <p:txBody>
-          <a:bodyPr wrap="none" rtlCol="0">
-            <a:spAutoFit/>
-          </a:bodyPr>
-          <a:lstStyle/>
-          <a:p>
-            <a:r>
-              <a:rPr lang="fi-FI" dirty="0"/>
-              <a:t>Windows </a:t>
-            </a:r>
-            <a:r>
-              <a:rPr lang="fi-FI" dirty="0" err="1"/>
-              <a:t>example</a:t>
-            </a:r>
-            <a:endParaRPr lang="en-US" dirty="0"/>
-          </a:p>
-        </p:txBody>
-      </p:sp>
-    </p:spTree>
-    <p:extLst>
-      <p:ext uri="{BB962C8B-B14F-4D97-AF65-F5344CB8AC3E}">
-        <p14:creationId xmlns:p14="http://schemas.microsoft.com/office/powerpoint/2010/main" val="3753466296"/>
-      </p:ext>
-    </p:extLst>
-  </p:cSld>
-  <p:clrMapOvr>
-    <a:masterClrMapping/>
-  </p:clrMapOvr>
-</p:sld>
-</file>
-
-<file path=ppt/slides/slide11.xml><?xml version="1.0" encoding="utf-8"?>
-<p:sld xmlns:a="http://schemas.openxmlformats.org/drawingml/2006/main" xmlns:r="http://schemas.openxmlformats.org/officeDocument/2006/relationships" xmlns:p="http://schemas.openxmlformats.org/presentationml/2006/main">
-  <p:cSld>
-    <p:bg>
-      <p:bgPr>
-        <a:blipFill rotWithShape="1">
-          <a:blip r:embed="rId2">
-            <a:duotone>
-              <a:schemeClr val="bg2">
-                <a:shade val="76000"/>
-                <a:satMod val="180000"/>
-              </a:schemeClr>
-              <a:schemeClr val="bg2">
-                <a:tint val="80000"/>
-                <a:satMod val="120000"/>
-                <a:lumMod val="180000"/>
-              </a:schemeClr>
-            </a:duotone>
-          </a:blip>
-          <a:stretch/>
-        </a:blipFill>
-        <a:effectLst/>
-      </p:bgPr>
-    </p:bg>
-    <p:spTree>
-      <p:nvGrpSpPr>
-        <p:cNvPr id="1" name=""/>
-        <p:cNvGrpSpPr/>
-        <p:nvPr/>
-      </p:nvGrpSpPr>
-      <p:grpSpPr>
-        <a:xfrm>
-          <a:off x="0" y="0"/>
-          <a:ext cx="0" cy="0"/>
-          <a:chOff x="0" y="0"/>
-          <a:chExt cx="0" cy="0"/>
-        </a:xfrm>
-      </p:grpSpPr>
-      <p:sp>
-        <p:nvSpPr>
-          <p:cNvPr id="2" name="Otsikko 1">
-            <a:extLst>
-              <a:ext uri="{FF2B5EF4-FFF2-40B4-BE49-F238E27FC236}">
-                <a16:creationId xmlns:a16="http://schemas.microsoft.com/office/drawing/2014/main" id="{00619EB1-3DA1-4009-A947-B71E1BBF0695}"/>
-              </a:ext>
-            </a:extLst>
-          </p:cNvPr>
-          <p:cNvSpPr>
-            <a:spLocks noGrp="1"/>
-          </p:cNvSpPr>
-          <p:nvPr>
-            <p:ph type="title"/>
-          </p:nvPr>
-        </p:nvSpPr>
-        <p:spPr>
-          <a:xfrm>
-            <a:off x="1484312" y="685800"/>
-            <a:ext cx="5747778" cy="1752599"/>
-          </a:xfrm>
-        </p:spPr>
-        <p:txBody>
-          <a:bodyPr>
-            <a:normAutofit/>
-          </a:bodyPr>
-          <a:lstStyle/>
-          <a:p>
-            <a:r>
-              <a:rPr lang="fi-FI" dirty="0"/>
-              <a:t>Create database / datasource for Oracle</a:t>
-            </a:r>
-            <a:endParaRPr lang="en-US" dirty="0"/>
-          </a:p>
-        </p:txBody>
-      </p:sp>
-      <p:sp>
-        <p:nvSpPr>
-          <p:cNvPr id="5" name="Content Placeholder 4">
-            <a:extLst>
-              <a:ext uri="{FF2B5EF4-FFF2-40B4-BE49-F238E27FC236}">
-                <a16:creationId xmlns:a16="http://schemas.microsoft.com/office/drawing/2014/main" id="{AF8F1177-B63B-4223-B20D-EAB395153FFA}"/>
-              </a:ext>
-            </a:extLst>
-          </p:cNvPr>
-          <p:cNvSpPr>
-            <a:spLocks noGrp="1"/>
-          </p:cNvSpPr>
-          <p:nvPr>
-            <p:ph idx="1"/>
-          </p:nvPr>
-        </p:nvSpPr>
-        <p:spPr>
-          <a:xfrm>
-            <a:off x="1484310" y="2166257"/>
-            <a:ext cx="6712634" cy="4477938"/>
-          </a:xfrm>
-        </p:spPr>
-        <p:txBody>
-          <a:bodyPr>
-            <a:normAutofit fontScale="92500" lnSpcReduction="20000"/>
-          </a:bodyPr>
-          <a:lstStyle/>
-          <a:p>
-            <a:pPr>
-              <a:lnSpc>
-                <a:spcPct val="90000"/>
-              </a:lnSpc>
-            </a:pPr>
-            <a:r>
-              <a:rPr lang="fi-FI" sz="1600" dirty="0"/>
-              <a:t>Download and install Oracle instant client from: </a:t>
-            </a:r>
-            <a:r>
-              <a:rPr lang="en-US" sz="1600" dirty="0">
-                <a:hlinkClick r:id="rId3"/>
-              </a:rPr>
-              <a:t>https://www.oracle.com/database/technologies/instant-client/downloads.html</a:t>
-            </a:r>
-            <a:endParaRPr lang="en-US" sz="1600" dirty="0"/>
-          </a:p>
-          <a:p>
-            <a:pPr lvl="1">
-              <a:lnSpc>
-                <a:spcPct val="90000"/>
-              </a:lnSpc>
-            </a:pPr>
-            <a:r>
-              <a:rPr lang="fi-FI" sz="1600" dirty="0"/>
-              <a:t>Extract file to e.g. C:\Oracle\instantclient_19_5</a:t>
-            </a:r>
-          </a:p>
-          <a:p>
-            <a:pPr lvl="1">
-              <a:lnSpc>
-                <a:spcPct val="90000"/>
-              </a:lnSpc>
-            </a:pPr>
-            <a:r>
-              <a:rPr lang="fi-FI" sz="1600" dirty="0"/>
-              <a:t>Add C:\Oracle\instantclient_19_5 to PATH  (System variables side)</a:t>
-            </a:r>
-          </a:p>
-          <a:p>
-            <a:pPr>
-              <a:lnSpc>
-                <a:spcPct val="90000"/>
-              </a:lnSpc>
-            </a:pPr>
-            <a:r>
-              <a:rPr lang="fi-FI" sz="1600" dirty="0"/>
-              <a:t>Install </a:t>
-            </a:r>
-            <a:r>
-              <a:rPr lang="en-US" sz="1600" dirty="0"/>
-              <a:t>Microsoft Visual C++ Redistributable from </a:t>
-            </a:r>
-            <a:r>
-              <a:rPr lang="en-US" sz="1600" dirty="0">
-                <a:hlinkClick r:id="rId4"/>
-              </a:rPr>
-              <a:t>https://support.microsoft.com/en-us/help/2977003/the-latest-supported-visual-c-downloads</a:t>
-            </a:r>
-            <a:endParaRPr lang="en-US" sz="1600" dirty="0"/>
-          </a:p>
-          <a:p>
-            <a:pPr lvl="1">
-              <a:lnSpc>
-                <a:spcPct val="90000"/>
-              </a:lnSpc>
-            </a:pPr>
-            <a:r>
-              <a:rPr lang="fi-FI" sz="1600" dirty="0"/>
-              <a:t>I installed both 32 &amp; 64-bit</a:t>
-            </a:r>
-          </a:p>
-          <a:p>
-            <a:pPr>
-              <a:lnSpc>
-                <a:spcPct val="90000"/>
-              </a:lnSpc>
-            </a:pPr>
-            <a:r>
-              <a:rPr lang="en-US" sz="1600" dirty="0"/>
-              <a:t>Install python drivers </a:t>
-            </a:r>
-          </a:p>
-          <a:p>
-            <a:pPr lvl="1">
-              <a:lnSpc>
-                <a:spcPct val="90000"/>
-              </a:lnSpc>
-            </a:pPr>
-            <a:r>
-              <a:rPr lang="en-US" sz="1600" dirty="0"/>
-              <a:t>C:\Program Files (x86)\Odoo 12.0\python\Scripts&gt; pip install </a:t>
-            </a:r>
-            <a:r>
-              <a:rPr lang="en-US" sz="1600" dirty="0" err="1"/>
-              <a:t>cx_Oracle</a:t>
-            </a:r>
-            <a:r>
-              <a:rPr lang="en-US" sz="1600" dirty="0"/>
-              <a:t> –upgrade</a:t>
-            </a:r>
-          </a:p>
-          <a:p>
-            <a:pPr>
-              <a:lnSpc>
-                <a:spcPct val="90000"/>
-              </a:lnSpc>
-            </a:pPr>
-            <a:r>
-              <a:rPr lang="en-US" sz="1600" dirty="0"/>
-              <a:t>Reboot</a:t>
-            </a:r>
-          </a:p>
-          <a:p>
-            <a:pPr>
-              <a:lnSpc>
-                <a:spcPct val="90000"/>
-              </a:lnSpc>
-            </a:pPr>
-            <a:r>
-              <a:rPr lang="fi-FI" sz="1600" dirty="0"/>
-              <a:t>Select Databases from menu</a:t>
-            </a:r>
-          </a:p>
-          <a:p>
-            <a:pPr>
-              <a:lnSpc>
-                <a:spcPct val="90000"/>
-              </a:lnSpc>
-            </a:pPr>
-            <a:r>
-              <a:rPr lang="fi-FI" sz="1600" dirty="0"/>
-              <a:t>Create…</a:t>
-            </a:r>
-          </a:p>
-          <a:p>
-            <a:pPr>
-              <a:lnSpc>
-                <a:spcPct val="90000"/>
-              </a:lnSpc>
-            </a:pPr>
-            <a:r>
-              <a:rPr lang="en-US" sz="1600" dirty="0"/>
-              <a:t>Select Oracle driver, Change SID &amp; other data when necessary</a:t>
-            </a:r>
-          </a:p>
-          <a:p>
-            <a:pPr>
-              <a:lnSpc>
-                <a:spcPct val="90000"/>
-              </a:lnSpc>
-            </a:pPr>
-            <a:r>
-              <a:rPr lang="en-US" sz="1600" dirty="0"/>
-              <a:t>Save &amp; Test connection</a:t>
-            </a:r>
-          </a:p>
-        </p:txBody>
-      </p:sp>
-      <p:pic>
-        <p:nvPicPr>
-          <p:cNvPr id="3" name="Picture 2">
-            <a:extLst>
-              <a:ext uri="{FF2B5EF4-FFF2-40B4-BE49-F238E27FC236}">
-                <a16:creationId xmlns:a16="http://schemas.microsoft.com/office/drawing/2014/main" id="{89164C29-51D8-4910-A697-5C0D28326A56}"/>
-              </a:ext>
-            </a:extLst>
-          </p:cNvPr>
-          <p:cNvPicPr>
-            <a:picLocks noChangeAspect="1"/>
-          </p:cNvPicPr>
-          <p:nvPr/>
-        </p:nvPicPr>
-        <p:blipFill>
-          <a:blip r:embed="rId5"/>
-          <a:stretch>
-            <a:fillRect/>
-          </a:stretch>
-        </p:blipFill>
-        <p:spPr>
-          <a:xfrm>
-            <a:off x="8242518" y="1670922"/>
-            <a:ext cx="3224071" cy="2457372"/>
-          </a:xfrm>
-          <a:prstGeom prst="roundRect">
-            <a:avLst>
-              <a:gd name="adj" fmla="val 4380"/>
-            </a:avLst>
-          </a:prstGeom>
-          <a:ln w="38100">
-            <a:gradFill flip="none" rotWithShape="1">
-              <a:gsLst>
-                <a:gs pos="0">
-                  <a:schemeClr val="bg2"/>
-                </a:gs>
-                <a:gs pos="100000">
-                  <a:schemeClr val="bg2">
-                    <a:lumMod val="75000"/>
-                  </a:schemeClr>
-                </a:gs>
-              </a:gsLst>
-              <a:lin ang="5400000" scaled="0"/>
-              <a:tileRect/>
-            </a:gradFill>
-          </a:ln>
-          <a:effectLst>
-            <a:innerShdw blurRad="57150" dist="38100" dir="14460000">
-              <a:srgbClr val="000000">
-                <a:alpha val="70000"/>
-              </a:srgbClr>
-            </a:innerShdw>
-          </a:effectLst>
-        </p:spPr>
-        <p:style>
-          <a:lnRef idx="2">
-            <a:schemeClr val="accent1"/>
-          </a:lnRef>
-          <a:fillRef idx="1">
-            <a:schemeClr val="lt1"/>
-          </a:fillRef>
-          <a:effectRef idx="0">
-            <a:schemeClr val="accent1"/>
-          </a:effectRef>
-          <a:fontRef idx="minor">
-            <a:schemeClr val="dk1"/>
-          </a:fontRef>
-        </p:style>
-      </p:pic>
-      <p:sp>
-        <p:nvSpPr>
-          <p:cNvPr id="4" name="Rectangle 3">
-            <a:extLst>
-              <a:ext uri="{FF2B5EF4-FFF2-40B4-BE49-F238E27FC236}">
-                <a16:creationId xmlns:a16="http://schemas.microsoft.com/office/drawing/2014/main" id="{E95816B8-70EF-467F-8CC6-528BFF5175FD}"/>
-              </a:ext>
-            </a:extLst>
-          </p:cNvPr>
-          <p:cNvSpPr/>
-          <p:nvPr/>
-        </p:nvSpPr>
-        <p:spPr>
-          <a:xfrm>
-            <a:off x="4951873" y="6330032"/>
-            <a:ext cx="6978869" cy="307777"/>
-          </a:xfrm>
-          <a:prstGeom prst="rect">
-            <a:avLst/>
-          </a:prstGeom>
-        </p:spPr>
-        <p:txBody>
-          <a:bodyPr wrap="square">
-            <a:spAutoFit/>
-          </a:bodyPr>
-          <a:lstStyle/>
-          <a:p>
-            <a:pPr>
-              <a:spcAft>
-                <a:spcPts val="600"/>
-              </a:spcAft>
-            </a:pPr>
-            <a:r>
-              <a:rPr lang="en-US" sz="1400" dirty="0">
-                <a:hlinkClick r:id="rId6"/>
-              </a:rPr>
-              <a:t>https://cx-oracle.readthedocs.io/en/latest/user_guide/installation.html</a:t>
-            </a:r>
-            <a:endParaRPr lang="en-US" sz="1400" dirty="0"/>
-          </a:p>
-        </p:txBody>
-      </p:sp>
-      <p:pic>
-        <p:nvPicPr>
-          <p:cNvPr id="6" name="Kuva 5">
-            <a:extLst>
-              <a:ext uri="{FF2B5EF4-FFF2-40B4-BE49-F238E27FC236}">
-                <a16:creationId xmlns:a16="http://schemas.microsoft.com/office/drawing/2014/main" id="{3C5D5E0C-B6AA-4048-A7A1-F0E7C4B784A1}"/>
-              </a:ext>
-            </a:extLst>
-          </p:cNvPr>
-          <p:cNvPicPr>
-            <a:picLocks noChangeAspect="1"/>
-          </p:cNvPicPr>
-          <p:nvPr/>
-        </p:nvPicPr>
-        <p:blipFill>
-          <a:blip r:embed="rId7"/>
-          <a:stretch>
-            <a:fillRect/>
-          </a:stretch>
-        </p:blipFill>
-        <p:spPr>
-          <a:xfrm>
-            <a:off x="10025136" y="3872660"/>
-            <a:ext cx="1905606" cy="1705518"/>
-          </a:xfrm>
-          <a:prstGeom prst="roundRect">
-            <a:avLst>
-              <a:gd name="adj" fmla="val 4380"/>
-            </a:avLst>
-          </a:prstGeom>
-          <a:ln w="38100">
-            <a:gradFill flip="none" rotWithShape="1">
-              <a:gsLst>
-                <a:gs pos="0">
-                  <a:schemeClr val="bg2"/>
-                </a:gs>
-                <a:gs pos="100000">
-                  <a:schemeClr val="bg2">
-                    <a:lumMod val="75000"/>
-                  </a:schemeClr>
-                </a:gs>
-              </a:gsLst>
-              <a:lin ang="5400000" scaled="0"/>
-              <a:tileRect/>
-            </a:gradFill>
-          </a:ln>
-          <a:effectLst>
-            <a:innerShdw blurRad="57150" dist="38100" dir="14460000">
-              <a:srgbClr val="000000">
-                <a:alpha val="70000"/>
-              </a:srgbClr>
-            </a:innerShdw>
-          </a:effectLst>
-        </p:spPr>
-        <p:style>
-          <a:lnRef idx="2">
-            <a:schemeClr val="accent1"/>
-          </a:lnRef>
-          <a:fillRef idx="1">
-            <a:schemeClr val="lt1"/>
-          </a:fillRef>
-          <a:effectRef idx="0">
-            <a:schemeClr val="accent1"/>
-          </a:effectRef>
-          <a:fontRef idx="minor">
-            <a:schemeClr val="dk1"/>
-          </a:fontRef>
-        </p:style>
-      </p:pic>
-      <p:sp>
-        <p:nvSpPr>
-          <p:cNvPr id="7" name="TextBox 6">
-            <a:extLst>
-              <a:ext uri="{FF2B5EF4-FFF2-40B4-BE49-F238E27FC236}">
-                <a16:creationId xmlns:a16="http://schemas.microsoft.com/office/drawing/2014/main" id="{3666D34B-8DB0-4B10-A123-D1B8173E8B52}"/>
-              </a:ext>
-            </a:extLst>
-          </p:cNvPr>
-          <p:cNvSpPr txBox="1"/>
-          <p:nvPr/>
-        </p:nvSpPr>
-        <p:spPr>
-          <a:xfrm>
-            <a:off x="6890046" y="540727"/>
-            <a:ext cx="2238113" cy="369332"/>
-          </a:xfrm>
-          <a:prstGeom prst="rect">
-            <a:avLst/>
-          </a:prstGeom>
-        </p:spPr>
-        <p:style>
-          <a:lnRef idx="1">
-            <a:schemeClr val="accent6"/>
-          </a:lnRef>
-          <a:fillRef idx="2">
-            <a:schemeClr val="accent6"/>
-          </a:fillRef>
-          <a:effectRef idx="1">
-            <a:schemeClr val="accent6"/>
-          </a:effectRef>
-          <a:fontRef idx="minor">
-            <a:schemeClr val="dk1"/>
-          </a:fontRef>
-        </p:style>
-        <p:txBody>
-          <a:bodyPr wrap="none" rtlCol="0">
-            <a:spAutoFit/>
-          </a:bodyPr>
-          <a:lstStyle/>
-          <a:p>
-            <a:r>
-              <a:rPr lang="fi-FI" dirty="0"/>
-              <a:t>Windows </a:t>
-            </a:r>
-            <a:r>
-              <a:rPr lang="fi-FI" dirty="0" err="1"/>
-              <a:t>example</a:t>
-            </a:r>
-            <a:endParaRPr lang="en-US" dirty="0"/>
-          </a:p>
-        </p:txBody>
-      </p:sp>
-    </p:spTree>
-    <p:extLst>
-      <p:ext uri="{BB962C8B-B14F-4D97-AF65-F5344CB8AC3E}">
-        <p14:creationId xmlns:p14="http://schemas.microsoft.com/office/powerpoint/2010/main" val="40515889"/>
-      </p:ext>
-    </p:extLst>
-  </p:cSld>
-  <p:clrMapOvr>
-    <a:masterClrMapping/>
-  </p:clrMapOvr>
-</p:sld>
-</file>
-
-<file path=ppt/slides/slide12.xml><?xml version="1.0" encoding="utf-8"?>
-<p:sld xmlns:a="http://schemas.openxmlformats.org/drawingml/2006/main" xmlns:r="http://schemas.openxmlformats.org/officeDocument/2006/relationships" xmlns:p="http://schemas.openxmlformats.org/presentationml/2006/main">
-  <p:cSld>
-    <p:bg>
-      <p:bgPr>
-        <a:blipFill rotWithShape="1">
-          <a:blip r:embed="rId2">
-            <a:duotone>
-              <a:schemeClr val="bg2">
-                <a:shade val="76000"/>
-                <a:satMod val="180000"/>
-              </a:schemeClr>
-              <a:schemeClr val="bg2">
-                <a:tint val="80000"/>
-                <a:satMod val="120000"/>
-                <a:lumMod val="180000"/>
-              </a:schemeClr>
-            </a:duotone>
-          </a:blip>
-          <a:stretch/>
-        </a:blipFill>
-        <a:effectLst/>
-      </p:bgPr>
-    </p:bg>
-    <p:spTree>
-      <p:nvGrpSpPr>
-        <p:cNvPr id="1" name=""/>
-        <p:cNvGrpSpPr/>
-        <p:nvPr/>
-      </p:nvGrpSpPr>
-      <p:grpSpPr>
-        <a:xfrm>
-          <a:off x="0" y="0"/>
-          <a:ext cx="0" cy="0"/>
-          <a:chOff x="0" y="0"/>
-          <a:chExt cx="0" cy="0"/>
-        </a:xfrm>
-      </p:grpSpPr>
-      <p:sp>
-        <p:nvSpPr>
-          <p:cNvPr id="3" name="Otsikko 2">
-            <a:extLst>
-              <a:ext uri="{FF2B5EF4-FFF2-40B4-BE49-F238E27FC236}">
-                <a16:creationId xmlns:a16="http://schemas.microsoft.com/office/drawing/2014/main" id="{53E54C8A-907E-4D7A-A2E0-6B4EBEBB3177}"/>
-              </a:ext>
-            </a:extLst>
-          </p:cNvPr>
-          <p:cNvSpPr>
-            <a:spLocks noGrp="1"/>
-          </p:cNvSpPr>
-          <p:nvPr>
-            <p:ph type="title"/>
-          </p:nvPr>
-        </p:nvSpPr>
-        <p:spPr>
-          <a:xfrm>
-            <a:off x="3618200" y="852055"/>
-            <a:ext cx="7257455" cy="1752599"/>
-          </a:xfrm>
-        </p:spPr>
-        <p:txBody>
-          <a:bodyPr>
-            <a:normAutofit/>
-          </a:bodyPr>
-          <a:lstStyle/>
-          <a:p>
-            <a:r>
-              <a:rPr lang="fi-FI" sz="3600" dirty="0"/>
-              <a:t>If </a:t>
-            </a:r>
-            <a:r>
-              <a:rPr lang="fi-FI" sz="3600" dirty="0" err="1"/>
-              <a:t>something</a:t>
-            </a:r>
-            <a:r>
-              <a:rPr lang="fi-FI" sz="3600" dirty="0"/>
-              <a:t> </a:t>
-            </a:r>
-            <a:r>
-              <a:rPr lang="fi-FI" sz="3600" dirty="0" err="1"/>
-              <a:t>goes</a:t>
-            </a:r>
-            <a:r>
-              <a:rPr lang="fi-FI" sz="3600" dirty="0"/>
-              <a:t> </a:t>
-            </a:r>
-            <a:r>
-              <a:rPr lang="fi-FI" sz="3600" dirty="0" err="1"/>
-              <a:t>wrong</a:t>
-            </a:r>
-            <a:endParaRPr lang="en-US" sz="3600" dirty="0"/>
-          </a:p>
-        </p:txBody>
-      </p:sp>
-      <p:sp>
-        <p:nvSpPr>
-          <p:cNvPr id="6" name="Sisällön paikkamerkki 5">
-            <a:extLst>
-              <a:ext uri="{FF2B5EF4-FFF2-40B4-BE49-F238E27FC236}">
-                <a16:creationId xmlns:a16="http://schemas.microsoft.com/office/drawing/2014/main" id="{C47B6C3B-5F2E-47A4-ADC1-AA8C50A11420}"/>
-              </a:ext>
-            </a:extLst>
-          </p:cNvPr>
-          <p:cNvSpPr>
-            <a:spLocks noGrp="1"/>
-          </p:cNvSpPr>
-          <p:nvPr>
-            <p:ph idx="1"/>
-          </p:nvPr>
-        </p:nvSpPr>
-        <p:spPr>
-          <a:xfrm>
-            <a:off x="3613237" y="2839605"/>
-            <a:ext cx="7200236" cy="2712842"/>
-          </a:xfrm>
-        </p:spPr>
-        <p:txBody>
-          <a:bodyPr anchor="t">
-            <a:normAutofit/>
-          </a:bodyPr>
-          <a:lstStyle/>
-          <a:p>
-            <a:pPr>
-              <a:lnSpc>
-                <a:spcPct val="90000"/>
-              </a:lnSpc>
-            </a:pPr>
-            <a:r>
-              <a:rPr lang="fi-FI" dirty="0" err="1"/>
-              <a:t>Start</a:t>
-            </a:r>
-            <a:r>
-              <a:rPr lang="fi-FI" dirty="0"/>
-              <a:t> </a:t>
-            </a:r>
-            <a:r>
-              <a:rPr lang="fi-FI" dirty="0" err="1"/>
-              <a:t>Odoo</a:t>
-            </a:r>
-            <a:r>
-              <a:rPr lang="fi-FI" dirty="0"/>
-              <a:t> in </a:t>
-            </a:r>
-            <a:r>
-              <a:rPr lang="fi-FI" dirty="0" err="1"/>
-              <a:t>Debug</a:t>
-            </a:r>
-            <a:r>
-              <a:rPr lang="fi-FI" dirty="0"/>
-              <a:t> </a:t>
-            </a:r>
-            <a:r>
-              <a:rPr lang="fi-FI" dirty="0" err="1"/>
-              <a:t>mode</a:t>
-            </a:r>
-            <a:br>
-              <a:rPr lang="fi-FI" sz="1800" dirty="0"/>
-            </a:br>
-            <a:br>
-              <a:rPr lang="fi-FI" sz="1800" dirty="0"/>
-            </a:br>
-            <a:r>
-              <a:rPr lang="fi-FI" sz="1800" dirty="0"/>
-              <a:t>"C:\Program Files (x86)\Odoo 12.0\python\python.exe" ./odoo-bin -c odoo.conf --log-level=debug</a:t>
-            </a:r>
-            <a:br>
-              <a:rPr lang="fi-FI" sz="1800" dirty="0"/>
-            </a:br>
-            <a:br>
-              <a:rPr lang="fi-FI" sz="1800" dirty="0"/>
-            </a:br>
-            <a:r>
-              <a:rPr lang="fi-FI" sz="1800" dirty="0"/>
-              <a:t>in C:\Program Files (x86)\Odoo 12.0\server    -folder</a:t>
-            </a:r>
-            <a:br>
-              <a:rPr lang="fi-FI" sz="1800" dirty="0"/>
-            </a:br>
-            <a:endParaRPr lang="fi-FI" sz="1800" dirty="0"/>
-          </a:p>
-          <a:p>
-            <a:pPr>
-              <a:lnSpc>
-                <a:spcPct val="90000"/>
-              </a:lnSpc>
-            </a:pPr>
-            <a:r>
-              <a:rPr lang="fi-FI" sz="1800" dirty="0"/>
-              <a:t>Check odoo.log from </a:t>
-            </a:r>
-          </a:p>
-          <a:p>
-            <a:pPr lvl="1">
-              <a:lnSpc>
-                <a:spcPct val="90000"/>
-              </a:lnSpc>
-            </a:pPr>
-            <a:r>
-              <a:rPr lang="fi-FI" sz="1800" dirty="0"/>
-              <a:t>"C:\Program Files (x86)\Odoo 12.0\server\odoo.log"</a:t>
-            </a:r>
-          </a:p>
-          <a:p>
-            <a:pPr lvl="1">
-              <a:lnSpc>
-                <a:spcPct val="90000"/>
-              </a:lnSpc>
-            </a:pPr>
-            <a:endParaRPr lang="fi-FI" sz="1800" dirty="0"/>
-          </a:p>
-          <a:p>
-            <a:pPr>
-              <a:lnSpc>
-                <a:spcPct val="90000"/>
-              </a:lnSpc>
-            </a:pPr>
-            <a:endParaRPr lang="en-US" sz="1800" dirty="0"/>
-          </a:p>
-        </p:txBody>
-      </p:sp>
-    </p:spTree>
-    <p:extLst>
-      <p:ext uri="{BB962C8B-B14F-4D97-AF65-F5344CB8AC3E}">
-        <p14:creationId xmlns:p14="http://schemas.microsoft.com/office/powerpoint/2010/main" val="3547133680"/>
-      </p:ext>
-    </p:extLst>
-  </p:cSld>
-  <p:clrMapOvr>
-    <a:masterClrMapping/>
-  </p:clrMapOvr>
-</p:sld>
-</file>
-
-<file path=ppt/slides/slide2.xml><?xml version="1.0" encoding="utf-8"?>
-<p:sld xmlns:a="http://schemas.openxmlformats.org/drawingml/2006/main" xmlns:r="http://schemas.openxmlformats.org/officeDocument/2006/relationships" xmlns:p="http://schemas.openxmlformats.org/presentationml/2006/main">
-  <p:cSld>
-    <p:bg>
-      <p:bgPr>
-        <a:blipFill rotWithShape="1">
-          <a:blip r:embed="rId2">
-            <a:duotone>
-              <a:schemeClr val="bg2">
-                <a:shade val="76000"/>
-                <a:satMod val="180000"/>
-              </a:schemeClr>
-              <a:schemeClr val="bg2">
-                <a:tint val="80000"/>
-                <a:satMod val="120000"/>
-                <a:lumMod val="180000"/>
-              </a:schemeClr>
-            </a:duotone>
-          </a:blip>
-          <a:stretch/>
-        </a:blipFill>
-        <a:effectLst/>
-      </p:bgPr>
-    </p:bg>
-    <p:spTree>
-      <p:nvGrpSpPr>
-        <p:cNvPr id="1" name=""/>
-        <p:cNvGrpSpPr/>
-        <p:nvPr/>
-      </p:nvGrpSpPr>
-      <p:grpSpPr>
-        <a:xfrm>
-          <a:off x="0" y="0"/>
-          <a:ext cx="0" cy="0"/>
-          <a:chOff x="0" y="0"/>
-          <a:chExt cx="0" cy="0"/>
-        </a:xfrm>
-      </p:grpSpPr>
-      <p:sp>
-        <p:nvSpPr>
-          <p:cNvPr id="2" name="Otsikko 1">
-            <a:extLst>
-              <a:ext uri="{FF2B5EF4-FFF2-40B4-BE49-F238E27FC236}">
-                <a16:creationId xmlns:a16="http://schemas.microsoft.com/office/drawing/2014/main" id="{38C02522-AFD3-43C9-8F4E-88D387DDADC1}"/>
-              </a:ext>
-            </a:extLst>
-          </p:cNvPr>
-          <p:cNvSpPr>
-            <a:spLocks noGrp="1"/>
-          </p:cNvSpPr>
-          <p:nvPr>
-            <p:ph type="title"/>
-          </p:nvPr>
-        </p:nvSpPr>
-        <p:spPr>
-          <a:xfrm>
-            <a:off x="1484311" y="685800"/>
-            <a:ext cx="10018713" cy="1185333"/>
-          </a:xfrm>
-        </p:spPr>
-        <p:txBody>
-          <a:bodyPr>
-            <a:normAutofit fontScale="90000"/>
-          </a:bodyPr>
-          <a:lstStyle/>
-          <a:p>
-            <a:r>
-              <a:rPr lang="fi-FI" dirty="0"/>
-              <a:t>Install </a:t>
-            </a:r>
-            <a:r>
-              <a:rPr lang="fi-FI" dirty="0" err="1"/>
-              <a:t>Odoo</a:t>
-            </a:r>
-            <a:r>
-              <a:rPr lang="fi-FI" dirty="0"/>
-              <a:t> 12 </a:t>
-            </a:r>
-            <a:r>
-              <a:rPr lang="fi-FI" dirty="0" err="1"/>
-              <a:t>or</a:t>
-            </a:r>
-            <a:r>
-              <a:rPr lang="fi-FI" dirty="0"/>
-              <a:t> </a:t>
-            </a:r>
-            <a:r>
-              <a:rPr lang="fi-FI" dirty="0" err="1"/>
-              <a:t>Odoo</a:t>
-            </a:r>
-            <a:r>
-              <a:rPr lang="fi-FI" dirty="0"/>
-              <a:t> 13 </a:t>
-            </a:r>
-            <a:r>
-              <a:rPr lang="fi-FI" dirty="0" err="1"/>
-              <a:t>or</a:t>
-            </a:r>
-            <a:r>
-              <a:rPr lang="fi-FI" dirty="0"/>
-              <a:t> </a:t>
-            </a:r>
-            <a:r>
-              <a:rPr lang="fi-FI" dirty="0" err="1"/>
-              <a:t>Odoo</a:t>
-            </a:r>
-            <a:r>
-              <a:rPr lang="fi-FI" dirty="0"/>
-              <a:t> 14</a:t>
-            </a:r>
-            <a:br>
-              <a:rPr lang="fi-FI" dirty="0"/>
-            </a:br>
-            <a:r>
-              <a:rPr lang="fi-FI" dirty="0"/>
-              <a:t>Linux / Unix &amp; Windows </a:t>
-            </a:r>
-            <a:r>
-              <a:rPr lang="fi-FI" dirty="0" err="1"/>
-              <a:t>platforms</a:t>
-            </a:r>
-            <a:r>
-              <a:rPr lang="fi-FI" dirty="0"/>
-              <a:t> </a:t>
-            </a:r>
-            <a:r>
-              <a:rPr lang="fi-FI" dirty="0" err="1"/>
-              <a:t>are</a:t>
-            </a:r>
-            <a:r>
-              <a:rPr lang="fi-FI" dirty="0"/>
-              <a:t> </a:t>
-            </a:r>
-            <a:r>
-              <a:rPr lang="fi-FI" dirty="0" err="1"/>
-              <a:t>all</a:t>
-            </a:r>
-            <a:r>
-              <a:rPr lang="fi-FI" dirty="0"/>
-              <a:t> OK</a:t>
-            </a:r>
-            <a:endParaRPr lang="en-US" dirty="0"/>
-          </a:p>
-        </p:txBody>
-      </p:sp>
-      <p:sp>
-        <p:nvSpPr>
-          <p:cNvPr id="3" name="Sisällön paikkamerkki 2">
-            <a:extLst>
-              <a:ext uri="{FF2B5EF4-FFF2-40B4-BE49-F238E27FC236}">
-                <a16:creationId xmlns:a16="http://schemas.microsoft.com/office/drawing/2014/main" id="{220AA5C5-192A-4163-A244-851E946EF725}"/>
-              </a:ext>
-            </a:extLst>
-          </p:cNvPr>
-          <p:cNvSpPr>
-            <a:spLocks noGrp="1"/>
-          </p:cNvSpPr>
-          <p:nvPr>
-            <p:ph idx="1"/>
-          </p:nvPr>
-        </p:nvSpPr>
-        <p:spPr>
-          <a:xfrm>
-            <a:off x="1484310" y="1791948"/>
-            <a:ext cx="7740371" cy="3793067"/>
-          </a:xfrm>
-        </p:spPr>
-        <p:txBody>
-          <a:bodyPr>
-            <a:normAutofit/>
-          </a:bodyPr>
-          <a:lstStyle/>
-          <a:p>
-            <a:r>
-              <a:rPr lang="fi-FI" dirty="0" err="1"/>
-              <a:t>Download</a:t>
-            </a:r>
-            <a:r>
-              <a:rPr lang="fi-FI" dirty="0"/>
-              <a:t> from</a:t>
-            </a:r>
-          </a:p>
-          <a:p>
-            <a:pPr lvl="1"/>
-            <a:r>
-              <a:rPr lang="en-US" dirty="0">
-                <a:hlinkClick r:id="rId3"/>
-              </a:rPr>
-              <a:t>https://www.odoo.com/page/download</a:t>
-            </a:r>
-            <a:endParaRPr lang="en-US" dirty="0"/>
-          </a:p>
-        </p:txBody>
-      </p:sp>
-    </p:spTree>
-    <p:extLst>
-      <p:ext uri="{BB962C8B-B14F-4D97-AF65-F5344CB8AC3E}">
-        <p14:creationId xmlns:p14="http://schemas.microsoft.com/office/powerpoint/2010/main" val="2931425298"/>
-      </p:ext>
-    </p:extLst>
-  </p:cSld>
-  <p:clrMapOvr>
-    <a:masterClrMapping/>
-  </p:clrMapOvr>
-</p:sld>
-</file>
-
-<file path=ppt/slides/slide3.xml><?xml version="1.0" encoding="utf-8"?>
-<p:sld xmlns:a="http://schemas.openxmlformats.org/drawingml/2006/main" xmlns:r="http://schemas.openxmlformats.org/officeDocument/2006/relationships" xmlns:p="http://schemas.openxmlformats.org/presentationml/2006/main">
-  <p:cSld>
-    <p:spTree>
-      <p:nvGrpSpPr>
-        <p:cNvPr id="1" name=""/>
-        <p:cNvGrpSpPr/>
-        <p:nvPr/>
-      </p:nvGrpSpPr>
-      <p:grpSpPr>
-        <a:xfrm>
-          <a:off x="0" y="0"/>
-          <a:ext cx="0" cy="0"/>
-          <a:chOff x="0" y="0"/>
-          <a:chExt cx="0" cy="0"/>
-        </a:xfrm>
-      </p:grpSpPr>
-      <p:sp>
-        <p:nvSpPr>
-          <p:cNvPr id="2" name="Title 1">
-            <a:extLst>
-              <a:ext uri="{FF2B5EF4-FFF2-40B4-BE49-F238E27FC236}">
-                <a16:creationId xmlns:a16="http://schemas.microsoft.com/office/drawing/2014/main" id="{9047B0D6-4DD6-4E61-96B4-69E091EB6400}"/>
-              </a:ext>
-            </a:extLst>
-          </p:cNvPr>
-          <p:cNvSpPr>
-            <a:spLocks noGrp="1"/>
-          </p:cNvSpPr>
-          <p:nvPr>
-            <p:ph type="title"/>
-          </p:nvPr>
-        </p:nvSpPr>
-        <p:spPr/>
-        <p:txBody>
-          <a:bodyPr/>
-          <a:lstStyle/>
-          <a:p>
-            <a:r>
-              <a:rPr lang="fi-FI" dirty="0" err="1"/>
-              <a:t>Install</a:t>
-            </a:r>
-            <a:r>
-              <a:rPr lang="fi-FI" dirty="0"/>
-              <a:t> some Python </a:t>
-            </a:r>
-            <a:r>
-              <a:rPr lang="fi-FI" dirty="0" err="1"/>
-              <a:t>packages</a:t>
-            </a:r>
-            <a:endParaRPr lang="en-US" dirty="0"/>
-          </a:p>
-        </p:txBody>
-      </p:sp>
-      <p:sp>
-        <p:nvSpPr>
-          <p:cNvPr id="3" name="Content Placeholder 2">
-            <a:extLst>
-              <a:ext uri="{FF2B5EF4-FFF2-40B4-BE49-F238E27FC236}">
-                <a16:creationId xmlns:a16="http://schemas.microsoft.com/office/drawing/2014/main" id="{3918CC8C-D3F1-4384-9FB8-E0738C7F621C}"/>
-              </a:ext>
-            </a:extLst>
-          </p:cNvPr>
-          <p:cNvSpPr>
-            <a:spLocks noGrp="1"/>
-          </p:cNvSpPr>
-          <p:nvPr>
-            <p:ph idx="1"/>
-          </p:nvPr>
-        </p:nvSpPr>
-        <p:spPr>
-          <a:xfrm>
-            <a:off x="1926738" y="2114939"/>
-            <a:ext cx="8915400" cy="3777622"/>
-          </a:xfrm>
-        </p:spPr>
-        <p:txBody>
-          <a:bodyPr/>
-          <a:lstStyle/>
-          <a:p>
-            <a:r>
-              <a:rPr lang="fi-FI" sz="2000" dirty="0" err="1"/>
-              <a:t>apt</a:t>
-            </a:r>
-            <a:r>
-              <a:rPr lang="fi-FI" sz="2000" dirty="0"/>
-              <a:t> </a:t>
-            </a:r>
-            <a:r>
-              <a:rPr lang="fi-FI" sz="2000" dirty="0" err="1"/>
-              <a:t>install</a:t>
-            </a:r>
-            <a:r>
-              <a:rPr lang="fi-FI" sz="2000" dirty="0"/>
-              <a:t> python3-pip</a:t>
-            </a:r>
-          </a:p>
-          <a:p>
-            <a:r>
-              <a:rPr lang="fi-FI" sz="2000" dirty="0"/>
-              <a:t>pip3 </a:t>
-            </a:r>
-            <a:r>
-              <a:rPr lang="fi-FI" sz="2000" dirty="0" err="1"/>
-              <a:t>install</a:t>
-            </a:r>
-            <a:r>
-              <a:rPr lang="fi-FI" sz="2000" dirty="0"/>
-              <a:t> </a:t>
-            </a:r>
-            <a:r>
-              <a:rPr lang="fi-FI" sz="2000" dirty="0" err="1"/>
-              <a:t>openpyxl</a:t>
-            </a:r>
-            <a:endParaRPr lang="fi-FI" sz="2000" dirty="0"/>
-          </a:p>
-          <a:p>
-            <a:r>
-              <a:rPr lang="en-US" sz="2000" dirty="0"/>
-              <a:t>pip3 install pandas</a:t>
-            </a:r>
-          </a:p>
-          <a:p>
-            <a:r>
-              <a:rPr lang="en-US" sz="2000" dirty="0"/>
-              <a:t>Pip3 install </a:t>
-            </a:r>
-            <a:r>
-              <a:rPr lang="en-US" sz="2000" dirty="0" err="1"/>
-              <a:t>pythpn</a:t>
-            </a:r>
-            <a:r>
-              <a:rPr lang="en-US" sz="2000" dirty="0"/>
-              <a:t>-pptx</a:t>
-            </a:r>
-          </a:p>
-          <a:p>
-            <a:r>
-              <a:rPr lang="en-US" sz="2000" dirty="0"/>
-              <a:t>Install needed database drivers</a:t>
-            </a:r>
-          </a:p>
-          <a:p>
-            <a:pPr lvl="1"/>
-            <a:r>
-              <a:rPr lang="en-US" sz="1800" dirty="0"/>
-              <a:t>By default Odoo’s </a:t>
-            </a:r>
-            <a:r>
-              <a:rPr lang="en-US" sz="1800" dirty="0" err="1"/>
-              <a:t>postgresql</a:t>
-            </a:r>
-            <a:r>
-              <a:rPr lang="en-US" sz="1800" dirty="0"/>
-              <a:t> database drivers exist</a:t>
-            </a:r>
-          </a:p>
-          <a:p>
-            <a:pPr lvl="1"/>
-            <a:r>
-              <a:rPr lang="en-US" sz="1800" dirty="0"/>
-              <a:t>You just need to create reporting user</a:t>
-            </a:r>
-          </a:p>
-          <a:p>
-            <a:endParaRPr lang="en-US" sz="2000" b="1" dirty="0"/>
-          </a:p>
-        </p:txBody>
-      </p:sp>
-    </p:spTree>
-    <p:extLst>
-      <p:ext uri="{BB962C8B-B14F-4D97-AF65-F5344CB8AC3E}">
-        <p14:creationId xmlns:p14="http://schemas.microsoft.com/office/powerpoint/2010/main" val="3807908021"/>
-      </p:ext>
-    </p:extLst>
-  </p:cSld>
-  <p:clrMapOvr>
-    <a:masterClrMapping/>
-  </p:clrMapOvr>
-</p:sld>
-</file>
-
-<file path=ppt/slides/slide4.xml><?xml version="1.0" encoding="utf-8"?>
-<p:sld xmlns:a="http://schemas.openxmlformats.org/drawingml/2006/main" xmlns:r="http://schemas.openxmlformats.org/officeDocument/2006/relationships" xmlns:p="http://schemas.openxmlformats.org/presentationml/2006/main">
-  <p:cSld>
-    <p:bg>
-      <p:bgPr>
-        <a:blipFill rotWithShape="1">
-          <a:blip r:embed="rId2">
-            <a:duotone>
-              <a:schemeClr val="bg2">
-                <a:shade val="76000"/>
-                <a:satMod val="180000"/>
-              </a:schemeClr>
-              <a:schemeClr val="bg2">
-                <a:tint val="80000"/>
-                <a:satMod val="120000"/>
-                <a:lumMod val="180000"/>
-              </a:schemeClr>
-            </a:duotone>
-          </a:blip>
-          <a:stretch/>
-        </a:blipFill>
-        <a:effectLst/>
-      </p:bgPr>
-    </p:bg>
-    <p:spTree>
-      <p:nvGrpSpPr>
-        <p:cNvPr id="1" name=""/>
-        <p:cNvGrpSpPr/>
-        <p:nvPr/>
-      </p:nvGrpSpPr>
-      <p:grpSpPr>
-        <a:xfrm>
-          <a:off x="0" y="0"/>
-          <a:ext cx="0" cy="0"/>
-          <a:chOff x="0" y="0"/>
-          <a:chExt cx="0" cy="0"/>
-        </a:xfrm>
-      </p:grpSpPr>
-      <p:sp>
-        <p:nvSpPr>
-          <p:cNvPr id="2" name="Otsikko 1">
-            <a:extLst>
-              <a:ext uri="{FF2B5EF4-FFF2-40B4-BE49-F238E27FC236}">
-                <a16:creationId xmlns:a16="http://schemas.microsoft.com/office/drawing/2014/main" id="{B73305C8-CD7B-4848-9A71-D512275DFDD4}"/>
-              </a:ext>
-            </a:extLst>
-          </p:cNvPr>
-          <p:cNvSpPr>
-            <a:spLocks noGrp="1"/>
-          </p:cNvSpPr>
-          <p:nvPr>
-            <p:ph type="title"/>
-          </p:nvPr>
-        </p:nvSpPr>
-        <p:spPr>
-          <a:xfrm>
-            <a:off x="1836013" y="1072609"/>
-            <a:ext cx="3041557" cy="4522647"/>
-          </a:xfrm>
-          <a:effectLst/>
-        </p:spPr>
-        <p:txBody>
-          <a:bodyPr anchor="ctr">
-            <a:normAutofit/>
-          </a:bodyPr>
-          <a:lstStyle/>
-          <a:p>
-            <a:pPr algn="l"/>
-            <a:r>
-              <a:rPr lang="fi-FI" sz="3200">
-                <a:solidFill>
-                  <a:schemeClr val="tx2"/>
-                </a:solidFill>
-              </a:rPr>
-              <a:t>Download and install rocker_app</a:t>
-            </a:r>
-            <a:endParaRPr lang="en-US" sz="3200">
-              <a:solidFill>
-                <a:schemeClr val="tx2"/>
-              </a:solidFill>
-            </a:endParaRPr>
-          </a:p>
-        </p:txBody>
-      </p:sp>
-      <p:sp>
-        <p:nvSpPr>
-          <p:cNvPr id="3" name="Sisällön paikkamerkki 2">
-            <a:extLst>
-              <a:ext uri="{FF2B5EF4-FFF2-40B4-BE49-F238E27FC236}">
-                <a16:creationId xmlns:a16="http://schemas.microsoft.com/office/drawing/2014/main" id="{E2145EFE-3C3A-40B5-A73A-73DAA80BBC84}"/>
-              </a:ext>
-            </a:extLst>
-          </p:cNvPr>
-          <p:cNvSpPr>
-            <a:spLocks noGrp="1"/>
-          </p:cNvSpPr>
-          <p:nvPr>
-            <p:ph idx="1"/>
-          </p:nvPr>
-        </p:nvSpPr>
-        <p:spPr>
-          <a:xfrm>
-            <a:off x="5149032" y="1072609"/>
-            <a:ext cx="6383207" cy="4522647"/>
-          </a:xfrm>
-        </p:spPr>
-        <p:txBody>
-          <a:bodyPr anchor="ctr">
-            <a:normAutofit/>
-          </a:bodyPr>
-          <a:lstStyle/>
-          <a:p>
-            <a:r>
-              <a:rPr lang="fi-FI" sz="2000" dirty="0"/>
-              <a:t>Download rocker_app.zip from Odoo Apps</a:t>
-            </a:r>
-          </a:p>
-          <a:p>
-            <a:r>
-              <a:rPr lang="fi-FI" sz="2000" dirty="0"/>
-              <a:t>Check addons_path from odoo.conf</a:t>
-            </a:r>
-          </a:p>
-          <a:p>
-            <a:pPr lvl="1"/>
-            <a:r>
-              <a:rPr lang="en-US" dirty="0"/>
-              <a:t>[options]</a:t>
-            </a:r>
-          </a:p>
-          <a:p>
-            <a:pPr lvl="1"/>
-            <a:r>
-              <a:rPr lang="en-US" dirty="0" err="1"/>
-              <a:t>addons_path</a:t>
-            </a:r>
-            <a:r>
-              <a:rPr lang="en-US" dirty="0"/>
-              <a:t> = C:\Program Files (x86)\Odoo 12.0\server\</a:t>
-            </a:r>
-            <a:r>
-              <a:rPr lang="en-US" dirty="0" err="1"/>
-              <a:t>odoo</a:t>
-            </a:r>
-            <a:r>
-              <a:rPr lang="en-US" dirty="0"/>
-              <a:t>\addons</a:t>
-            </a:r>
-          </a:p>
-          <a:p>
-            <a:r>
-              <a:rPr lang="en-US" sz="2000" dirty="0"/>
-              <a:t>Extract rocker_app.zip (to documents folder)</a:t>
-            </a:r>
-          </a:p>
-          <a:p>
-            <a:r>
-              <a:rPr lang="en-US" sz="2000" dirty="0"/>
-              <a:t>Copy </a:t>
-            </a:r>
-            <a:r>
-              <a:rPr lang="en-US" sz="2000" dirty="0" err="1"/>
-              <a:t>rocker_app</a:t>
-            </a:r>
-            <a:r>
-              <a:rPr lang="en-US" sz="2000" dirty="0"/>
-              <a:t> folder to C:\Program Files (x86)\Odoo 12.0\server\</a:t>
-            </a:r>
-            <a:r>
-              <a:rPr lang="en-US" sz="2000" dirty="0" err="1"/>
-              <a:t>odoo</a:t>
-            </a:r>
-            <a:r>
-              <a:rPr lang="en-US" sz="2000" dirty="0"/>
-              <a:t>\addons</a:t>
-            </a:r>
-          </a:p>
-          <a:p>
-            <a:r>
-              <a:rPr lang="en-US" sz="2000" dirty="0"/>
-              <a:t>Restart Odoo service</a:t>
-            </a:r>
-          </a:p>
-          <a:p>
-            <a:endParaRPr lang="en-US" sz="2000" dirty="0"/>
-          </a:p>
-          <a:p>
-            <a:pPr lvl="1"/>
-            <a:endParaRPr lang="en-US" dirty="0"/>
-          </a:p>
-        </p:txBody>
-      </p:sp>
-      <p:sp>
-        <p:nvSpPr>
-          <p:cNvPr id="4" name="TextBox 3">
-            <a:extLst>
-              <a:ext uri="{FF2B5EF4-FFF2-40B4-BE49-F238E27FC236}">
-                <a16:creationId xmlns:a16="http://schemas.microsoft.com/office/drawing/2014/main" id="{6DF4274D-5402-4E4E-AB6B-505BC9B2E0F2}"/>
-              </a:ext>
-            </a:extLst>
-          </p:cNvPr>
-          <p:cNvSpPr txBox="1"/>
-          <p:nvPr/>
-        </p:nvSpPr>
-        <p:spPr>
-          <a:xfrm>
-            <a:off x="8340635" y="4936350"/>
-            <a:ext cx="2250937" cy="369332"/>
-          </a:xfrm>
-          <a:prstGeom prst="rect">
-            <a:avLst/>
-          </a:prstGeom>
-          <a:solidFill>
-            <a:srgbClr val="FFFF00"/>
-          </a:solidFill>
-        </p:spPr>
-        <p:style>
-          <a:lnRef idx="1">
-            <a:schemeClr val="accent5"/>
-          </a:lnRef>
-          <a:fillRef idx="2">
-            <a:schemeClr val="accent5"/>
-          </a:fillRef>
-          <a:effectRef idx="1">
-            <a:schemeClr val="accent5"/>
-          </a:effectRef>
-          <a:fontRef idx="minor">
-            <a:schemeClr val="dk1"/>
-          </a:fontRef>
-        </p:style>
-        <p:txBody>
-          <a:bodyPr wrap="none" rtlCol="0">
-            <a:spAutoFit/>
-          </a:bodyPr>
-          <a:lstStyle/>
-          <a:p>
-            <a:r>
-              <a:rPr lang="fi-FI" dirty="0"/>
-              <a:t>Or </a:t>
-            </a:r>
-            <a:r>
-              <a:rPr lang="fi-FI" dirty="0" err="1"/>
-              <a:t>Odoo</a:t>
-            </a:r>
-            <a:r>
-              <a:rPr lang="fi-FI" dirty="0"/>
-              <a:t> 13.0 &amp; 14</a:t>
-            </a:r>
-            <a:endParaRPr lang="en-US" dirty="0"/>
-          </a:p>
-        </p:txBody>
-      </p:sp>
-    </p:spTree>
-    <p:extLst>
-      <p:ext uri="{BB962C8B-B14F-4D97-AF65-F5344CB8AC3E}">
-        <p14:creationId xmlns:p14="http://schemas.microsoft.com/office/powerpoint/2010/main" val="305823356"/>
-      </p:ext>
-    </p:extLst>
-  </p:cSld>
-  <p:clrMapOvr>
-    <a:masterClrMapping/>
-  </p:clrMapOvr>
-</p:sld>
-</file>
-
-<file path=ppt/slides/slide5.xml><?xml version="1.0" encoding="utf-8"?>
-<p:sld xmlns:a="http://schemas.openxmlformats.org/drawingml/2006/main" xmlns:r="http://schemas.openxmlformats.org/officeDocument/2006/relationships" xmlns:p="http://schemas.openxmlformats.org/presentationml/2006/main">
-  <p:cSld>
-    <p:bg>
-      <p:bgPr>
-        <a:gradFill rotWithShape="1">
-          <a:gsLst>
-            <a:gs pos="0">
-              <a:schemeClr val="bg2">
-                <a:tint val="90000"/>
-                <a:satMod val="92000"/>
-                <a:lumMod val="120000"/>
-              </a:schemeClr>
-            </a:gs>
-            <a:gs pos="100000">
-              <a:schemeClr val="bg2">
-                <a:shade val="98000"/>
-                <a:satMod val="120000"/>
-                <a:lumMod val="98000"/>
-              </a:schemeClr>
-            </a:gs>
-          </a:gsLst>
-          <a:path path="circle">
-            <a:fillToRect l="50000" t="50000" r="100000" b="100000"/>
-          </a:path>
-        </a:gradFill>
-        <a:effectLst/>
-      </p:bgPr>
-    </p:bg>
-    <p:spTree>
-      <p:nvGrpSpPr>
-        <p:cNvPr id="1" name=""/>
-        <p:cNvGrpSpPr/>
-        <p:nvPr/>
-      </p:nvGrpSpPr>
-      <p:grpSpPr>
-        <a:xfrm>
-          <a:off x="0" y="0"/>
-          <a:ext cx="0" cy="0"/>
-          <a:chOff x="0" y="0"/>
-          <a:chExt cx="0" cy="0"/>
-        </a:xfrm>
-      </p:grpSpPr>
-      <p:sp>
-        <p:nvSpPr>
-          <p:cNvPr id="2" name="Otsikko 1">
-            <a:extLst>
-              <a:ext uri="{FF2B5EF4-FFF2-40B4-BE49-F238E27FC236}">
-                <a16:creationId xmlns:a16="http://schemas.microsoft.com/office/drawing/2014/main" id="{459DE456-70E9-40EC-BDC5-C0FEB972B887}"/>
-              </a:ext>
-            </a:extLst>
-          </p:cNvPr>
-          <p:cNvSpPr>
-            <a:spLocks noGrp="1"/>
-          </p:cNvSpPr>
-          <p:nvPr>
-            <p:ph type="title"/>
-          </p:nvPr>
-        </p:nvSpPr>
-        <p:spPr>
-          <a:xfrm>
-            <a:off x="2592925" y="624110"/>
-            <a:ext cx="8911687" cy="1280890"/>
-          </a:xfrm>
-        </p:spPr>
-        <p:txBody>
-          <a:bodyPr>
-            <a:normAutofit/>
-          </a:bodyPr>
-          <a:lstStyle/>
-          <a:p>
-            <a:r>
-              <a:rPr lang="fi-FI"/>
-              <a:t>Install Rocker module</a:t>
-            </a:r>
-            <a:endParaRPr lang="en-US"/>
-          </a:p>
-        </p:txBody>
-      </p:sp>
-      <p:sp>
-        <p:nvSpPr>
-          <p:cNvPr id="3" name="Sisällön paikkamerkki 2">
-            <a:extLst>
-              <a:ext uri="{FF2B5EF4-FFF2-40B4-BE49-F238E27FC236}">
-                <a16:creationId xmlns:a16="http://schemas.microsoft.com/office/drawing/2014/main" id="{F25C326B-71B1-4131-8337-274B6BEFEF52}"/>
-              </a:ext>
-            </a:extLst>
-          </p:cNvPr>
-          <p:cNvSpPr>
-            <a:spLocks noGrp="1"/>
-          </p:cNvSpPr>
-          <p:nvPr>
-            <p:ph idx="1"/>
-          </p:nvPr>
-        </p:nvSpPr>
-        <p:spPr>
-          <a:xfrm>
-            <a:off x="2589212" y="2125362"/>
-            <a:ext cx="5835121" cy="3785860"/>
-          </a:xfrm>
-        </p:spPr>
-        <p:txBody>
-          <a:bodyPr>
-            <a:normAutofit/>
-          </a:bodyPr>
-          <a:lstStyle/>
-          <a:p>
-            <a:r>
-              <a:rPr lang="fi-FI"/>
-              <a:t>Activate developer mode</a:t>
-            </a:r>
-          </a:p>
-          <a:p>
-            <a:r>
-              <a:rPr lang="fi-FI"/>
-              <a:t>Update Apps List</a:t>
-            </a:r>
-          </a:p>
-          <a:p>
-            <a:r>
-              <a:rPr lang="en-US"/>
-              <a:t>Search for Rocker</a:t>
-            </a:r>
-          </a:p>
-          <a:p>
-            <a:r>
-              <a:rPr lang="en-US"/>
-              <a:t>Install</a:t>
-            </a:r>
-            <a:endParaRPr lang="fi-FI"/>
-          </a:p>
-        </p:txBody>
-      </p:sp>
-      <p:pic>
-        <p:nvPicPr>
-          <p:cNvPr id="4" name="Kuva 3">
-            <a:extLst>
-              <a:ext uri="{FF2B5EF4-FFF2-40B4-BE49-F238E27FC236}">
-                <a16:creationId xmlns:a16="http://schemas.microsoft.com/office/drawing/2014/main" id="{7DCCAE32-D722-4939-8806-9EDD94374808}"/>
-              </a:ext>
-            </a:extLst>
-          </p:cNvPr>
-          <p:cNvPicPr>
-            <a:picLocks noChangeAspect="1"/>
-          </p:cNvPicPr>
-          <p:nvPr/>
-        </p:nvPicPr>
-        <p:blipFill>
-          <a:blip r:embed="rId2"/>
-          <a:stretch>
-            <a:fillRect/>
-          </a:stretch>
-        </p:blipFill>
-        <p:spPr>
-          <a:xfrm>
-            <a:off x="4681474" y="3720123"/>
-            <a:ext cx="6510559" cy="1871785"/>
-          </a:xfrm>
-          <a:prstGeom prst="rect">
-            <a:avLst/>
-          </a:prstGeom>
-        </p:spPr>
-        <p:style>
-          <a:lnRef idx="2">
-            <a:schemeClr val="accent1"/>
-          </a:lnRef>
-          <a:fillRef idx="1">
-            <a:schemeClr val="lt1"/>
-          </a:fillRef>
-          <a:effectRef idx="0">
-            <a:schemeClr val="accent1"/>
-          </a:effectRef>
-          <a:fontRef idx="minor">
-            <a:schemeClr val="dk1"/>
-          </a:fontRef>
-        </p:style>
-      </p:pic>
-    </p:spTree>
-    <p:extLst>
-      <p:ext uri="{BB962C8B-B14F-4D97-AF65-F5344CB8AC3E}">
-        <p14:creationId xmlns:p14="http://schemas.microsoft.com/office/powerpoint/2010/main" val="1438393376"/>
-      </p:ext>
-    </p:extLst>
-  </p:cSld>
-  <p:clrMapOvr>
-    <a:masterClrMapping/>
-  </p:clrMapOvr>
-</p:sld>
-</file>
-
-<file path=ppt/slides/slide6.xml><?xml version="1.0" encoding="utf-8"?>
-<p:sld xmlns:a="http://schemas.openxmlformats.org/drawingml/2006/main" xmlns:r="http://schemas.openxmlformats.org/officeDocument/2006/relationships" xmlns:p="http://schemas.openxmlformats.org/presentationml/2006/main">
-  <p:cSld>
-    <p:spTree>
-      <p:nvGrpSpPr>
-        <p:cNvPr id="1" name=""/>
-        <p:cNvGrpSpPr/>
-        <p:nvPr/>
-      </p:nvGrpSpPr>
-      <p:grpSpPr>
-        <a:xfrm>
-          <a:off x="0" y="0"/>
-          <a:ext cx="0" cy="0"/>
-          <a:chOff x="0" y="0"/>
-          <a:chExt cx="0" cy="0"/>
-        </a:xfrm>
-      </p:grpSpPr>
-      <p:sp>
-        <p:nvSpPr>
-          <p:cNvPr id="2" name="Title 1">
-            <a:extLst>
-              <a:ext uri="{FF2B5EF4-FFF2-40B4-BE49-F238E27FC236}">
-                <a16:creationId xmlns:a16="http://schemas.microsoft.com/office/drawing/2014/main" id="{1A46C0F2-5A13-4675-90D2-C28BA0BE550E}"/>
-              </a:ext>
-            </a:extLst>
-          </p:cNvPr>
-          <p:cNvSpPr>
-            <a:spLocks noGrp="1"/>
-          </p:cNvSpPr>
-          <p:nvPr>
-            <p:ph type="title"/>
-          </p:nvPr>
-        </p:nvSpPr>
-        <p:spPr/>
-        <p:txBody>
-          <a:bodyPr/>
-          <a:lstStyle/>
-          <a:p>
-            <a:r>
-              <a:rPr lang="fi-FI" dirty="0" err="1"/>
-              <a:t>Create</a:t>
-            </a:r>
-            <a:r>
-              <a:rPr lang="fi-FI" dirty="0"/>
-              <a:t> </a:t>
-            </a:r>
-            <a:r>
-              <a:rPr lang="fi-FI" dirty="0" err="1"/>
-              <a:t>reporting</a:t>
-            </a:r>
-            <a:r>
-              <a:rPr lang="fi-FI" dirty="0"/>
-              <a:t> </a:t>
-            </a:r>
-            <a:r>
-              <a:rPr lang="fi-FI" dirty="0" err="1"/>
-              <a:t>user</a:t>
-            </a:r>
-            <a:r>
-              <a:rPr lang="fi-FI" dirty="0"/>
-              <a:t> for </a:t>
-            </a:r>
-            <a:r>
-              <a:rPr lang="fi-FI" dirty="0" err="1"/>
-              <a:t>Odoo</a:t>
-            </a:r>
-            <a:endParaRPr lang="en-US" dirty="0"/>
-          </a:p>
-        </p:txBody>
-      </p:sp>
-      <p:sp>
-        <p:nvSpPr>
-          <p:cNvPr id="3" name="Content Placeholder 2">
-            <a:extLst>
-              <a:ext uri="{FF2B5EF4-FFF2-40B4-BE49-F238E27FC236}">
-                <a16:creationId xmlns:a16="http://schemas.microsoft.com/office/drawing/2014/main" id="{8309473F-B7E0-446C-8CB5-C8D1441BD47C}"/>
-              </a:ext>
-            </a:extLst>
-          </p:cNvPr>
-          <p:cNvSpPr>
-            <a:spLocks noGrp="1"/>
-          </p:cNvSpPr>
-          <p:nvPr>
-            <p:ph idx="1"/>
-          </p:nvPr>
-        </p:nvSpPr>
-        <p:spPr/>
-        <p:txBody>
-          <a:bodyPr>
-            <a:normAutofit fontScale="85000" lnSpcReduction="20000"/>
-          </a:bodyPr>
-          <a:lstStyle/>
-          <a:p>
-            <a:r>
-              <a:rPr lang="en-US" dirty="0" err="1"/>
-              <a:t>sudo</a:t>
-            </a:r>
-            <a:r>
-              <a:rPr lang="en-US" dirty="0"/>
-              <a:t> -u </a:t>
-            </a:r>
-            <a:r>
-              <a:rPr lang="en-US" dirty="0" err="1"/>
-              <a:t>postgres</a:t>
-            </a:r>
-            <a:r>
-              <a:rPr lang="en-US" dirty="0"/>
-              <a:t> </a:t>
-            </a:r>
-            <a:r>
-              <a:rPr lang="en-US" dirty="0" err="1"/>
-              <a:t>createuser</a:t>
-            </a:r>
-            <a:r>
-              <a:rPr lang="en-US" dirty="0"/>
-              <a:t> --login --</a:t>
-            </a:r>
-            <a:r>
-              <a:rPr lang="en-US" dirty="0" err="1"/>
-              <a:t>pwprompt</a:t>
-            </a:r>
-            <a:r>
-              <a:rPr lang="en-US" dirty="0"/>
-              <a:t> rocker</a:t>
-            </a:r>
-          </a:p>
-          <a:p>
-            <a:endParaRPr lang="en-US" dirty="0"/>
-          </a:p>
-          <a:p>
-            <a:r>
-              <a:rPr lang="en-US" dirty="0"/>
-              <a:t>login with user </a:t>
-            </a:r>
-            <a:r>
-              <a:rPr lang="en-US" dirty="0" err="1"/>
-              <a:t>odoo</a:t>
-            </a:r>
-            <a:endParaRPr lang="en-US" dirty="0"/>
-          </a:p>
-          <a:p>
-            <a:r>
-              <a:rPr lang="en-US" dirty="0"/>
-              <a:t>Execute </a:t>
-            </a:r>
-            <a:r>
-              <a:rPr lang="en-US" dirty="0" err="1"/>
-              <a:t>psql</a:t>
-            </a:r>
-            <a:r>
-              <a:rPr lang="en-US" dirty="0"/>
-              <a:t>, then</a:t>
-            </a:r>
-          </a:p>
-          <a:p>
-            <a:pPr lvl="1"/>
-            <a:r>
-              <a:rPr lang="en-US" dirty="0"/>
-              <a:t>GRANT CONNECT ON DATABASE </a:t>
-            </a:r>
-            <a:r>
-              <a:rPr lang="en-US" dirty="0" err="1"/>
-              <a:t>database_name</a:t>
-            </a:r>
-            <a:r>
-              <a:rPr lang="en-US" dirty="0"/>
-              <a:t> TO username;</a:t>
-            </a:r>
-          </a:p>
-          <a:p>
-            <a:pPr lvl="1"/>
-            <a:r>
-              <a:rPr lang="en-US" dirty="0"/>
-              <a:t>GRANT SELECT ON ALL TABLES IN SCHEMA name TO username;</a:t>
-            </a:r>
-          </a:p>
-          <a:p>
-            <a:pPr lvl="1"/>
-            <a:r>
-              <a:rPr lang="en-US" dirty="0"/>
-              <a:t>GRANT CONNECT ON DATABASE </a:t>
-            </a:r>
-            <a:r>
-              <a:rPr lang="en-US" dirty="0" err="1"/>
-              <a:t>odoo</a:t>
-            </a:r>
-            <a:r>
-              <a:rPr lang="en-US" dirty="0"/>
-              <a:t> TO rocker;</a:t>
-            </a:r>
-          </a:p>
-          <a:p>
-            <a:pPr lvl="1"/>
-            <a:r>
-              <a:rPr lang="en-US" dirty="0"/>
-              <a:t>GRANT SELECT ON ALL TABLES IN SCHEMA "public" TO rocker;</a:t>
-            </a:r>
-          </a:p>
-          <a:p>
-            <a:endParaRPr lang="en-US" dirty="0"/>
-          </a:p>
-          <a:p>
-            <a:endParaRPr lang="en-US" dirty="0"/>
-          </a:p>
-          <a:p>
-            <a:r>
-              <a:rPr lang="en-US" dirty="0"/>
-              <a:t>service </a:t>
-            </a:r>
-            <a:r>
-              <a:rPr lang="en-US" dirty="0" err="1"/>
-              <a:t>odoo</a:t>
-            </a:r>
-            <a:r>
-              <a:rPr lang="en-US" dirty="0"/>
-              <a:t> restart</a:t>
-            </a:r>
-          </a:p>
-          <a:p>
-            <a:pPr lvl="1"/>
-            <a:r>
-              <a:rPr lang="en-US" dirty="0"/>
-              <a:t>Works in Ubuntu </a:t>
-            </a:r>
-            <a:r>
-              <a:rPr lang="en-US" dirty="0">
-                <a:sym typeface="Wingdings" panose="05000000000000000000" pitchFamily="2" charset="2"/>
-              </a:rPr>
-              <a:t></a:t>
-            </a:r>
-            <a:endParaRPr lang="en-US" dirty="0"/>
-          </a:p>
-          <a:p>
-            <a:endParaRPr lang="en-US" dirty="0"/>
-          </a:p>
-          <a:p>
-            <a:endParaRPr lang="en-US" dirty="0"/>
-          </a:p>
-        </p:txBody>
-      </p:sp>
-    </p:spTree>
-    <p:extLst>
-      <p:ext uri="{BB962C8B-B14F-4D97-AF65-F5344CB8AC3E}">
-        <p14:creationId xmlns:p14="http://schemas.microsoft.com/office/powerpoint/2010/main" val="2515539717"/>
-      </p:ext>
-    </p:extLst>
-  </p:cSld>
-  <p:clrMapOvr>
-    <a:masterClrMapping/>
-  </p:clrMapOvr>
-</p:sld>
-</file>
-
-<file path=ppt/slides/slide7.xml><?xml version="1.0" encoding="utf-8"?>
-<p:sld xmlns:a="http://schemas.openxmlformats.org/drawingml/2006/main" xmlns:r="http://schemas.openxmlformats.org/officeDocument/2006/relationships" xmlns:p="http://schemas.openxmlformats.org/presentationml/2006/main">
-  <p:cSld>
-    <p:bg>
-      <p:bgPr>
-        <a:blipFill rotWithShape="1">
-          <a:blip r:embed="rId2">
-            <a:duotone>
-              <a:schemeClr val="bg2">
-                <a:shade val="76000"/>
-                <a:satMod val="180000"/>
-              </a:schemeClr>
-              <a:schemeClr val="bg2">
-                <a:tint val="80000"/>
-                <a:satMod val="120000"/>
-                <a:lumMod val="180000"/>
-              </a:schemeClr>
-            </a:duotone>
-          </a:blip>
-          <a:stretch/>
-        </a:blipFill>
-        <a:effectLst/>
-      </p:bgPr>
-    </p:bg>
-    <p:spTree>
-      <p:nvGrpSpPr>
-        <p:cNvPr id="1" name=""/>
-        <p:cNvGrpSpPr/>
-        <p:nvPr/>
-      </p:nvGrpSpPr>
-      <p:grpSpPr>
-        <a:xfrm>
-          <a:off x="0" y="0"/>
-          <a:ext cx="0" cy="0"/>
-          <a:chOff x="0" y="0"/>
-          <a:chExt cx="0" cy="0"/>
-        </a:xfrm>
-      </p:grpSpPr>
-      <p:sp>
-        <p:nvSpPr>
-          <p:cNvPr id="2" name="Otsikko 1">
-            <a:extLst>
-              <a:ext uri="{FF2B5EF4-FFF2-40B4-BE49-F238E27FC236}">
-                <a16:creationId xmlns:a16="http://schemas.microsoft.com/office/drawing/2014/main" id="{00619EB1-3DA1-4009-A947-B71E1BBF0695}"/>
-              </a:ext>
-            </a:extLst>
-          </p:cNvPr>
-          <p:cNvSpPr>
-            <a:spLocks noGrp="1"/>
-          </p:cNvSpPr>
-          <p:nvPr>
-            <p:ph type="title"/>
-          </p:nvPr>
-        </p:nvSpPr>
-        <p:spPr>
-          <a:xfrm>
-            <a:off x="1484312" y="685800"/>
-            <a:ext cx="4074345" cy="1752599"/>
-          </a:xfrm>
-        </p:spPr>
-        <p:txBody>
-          <a:bodyPr>
-            <a:normAutofit fontScale="90000"/>
-          </a:bodyPr>
-          <a:lstStyle/>
-          <a:p>
-            <a:pPr>
-              <a:lnSpc>
-                <a:spcPct val="90000"/>
-              </a:lnSpc>
-            </a:pPr>
-            <a:r>
-              <a:rPr lang="fi-FI" sz="3700"/>
               <a:t>Create database / datasource for PostgreSQL ( Odoo)</a:t>
             </a:r>
             <a:endParaRPr lang="en-US" sz="3700"/>
@@ -12206,7 +9913,7 @@
 </p:sld>
 </file>
 
-<file path=ppt/slides/slide8.xml><?xml version="1.0" encoding="utf-8"?>
+<file path=ppt/slides/slide11.xml><?xml version="1.0" encoding="utf-8"?>
 <p:sld xmlns:a="http://schemas.openxmlformats.org/drawingml/2006/main" xmlns:r="http://schemas.openxmlformats.org/officeDocument/2006/relationships" xmlns:p="http://schemas.openxmlformats.org/presentationml/2006/main">
   <p:cSld>
     <p:bg>
@@ -12752,7 +10459,7 @@
 </p:sld>
 </file>
 
-<file path=ppt/slides/slide9.xml><?xml version="1.0" encoding="utf-8"?>
+<file path=ppt/slides/slide12.xml><?xml version="1.0" encoding="utf-8"?>
 <p:sld xmlns:a="http://schemas.openxmlformats.org/drawingml/2006/main" xmlns:r="http://schemas.openxmlformats.org/officeDocument/2006/relationships" xmlns:p="http://schemas.openxmlformats.org/presentationml/2006/main">
   <p:cSld>
     <p:spTree>
@@ -13060,6 +10767,5163 @@
     <p:extLst>
       <p:ext uri="{BB962C8B-B14F-4D97-AF65-F5344CB8AC3E}">
         <p14:creationId xmlns:p14="http://schemas.microsoft.com/office/powerpoint/2010/main" val="2714209175"/>
+      </p:ext>
+    </p:extLst>
+  </p:cSld>
+  <p:clrMapOvr>
+    <a:masterClrMapping/>
+  </p:clrMapOvr>
+</p:sld>
+</file>
+
+<file path=ppt/slides/slide13.xml><?xml version="1.0" encoding="utf-8"?>
+<p:sld xmlns:a="http://schemas.openxmlformats.org/drawingml/2006/main" xmlns:r="http://schemas.openxmlformats.org/officeDocument/2006/relationships" xmlns:p="http://schemas.openxmlformats.org/presentationml/2006/main">
+  <p:cSld>
+    <p:bg>
+      <p:bgPr>
+        <a:blipFill rotWithShape="1">
+          <a:blip r:embed="rId2">
+            <a:duotone>
+              <a:schemeClr val="bg2">
+                <a:shade val="76000"/>
+                <a:satMod val="180000"/>
+              </a:schemeClr>
+              <a:schemeClr val="bg2">
+                <a:tint val="80000"/>
+                <a:satMod val="120000"/>
+                <a:lumMod val="180000"/>
+              </a:schemeClr>
+            </a:duotone>
+          </a:blip>
+          <a:stretch/>
+        </a:blipFill>
+        <a:effectLst/>
+      </p:bgPr>
+    </p:bg>
+    <p:spTree>
+      <p:nvGrpSpPr>
+        <p:cNvPr id="1" name=""/>
+        <p:cNvGrpSpPr/>
+        <p:nvPr/>
+      </p:nvGrpSpPr>
+      <p:grpSpPr>
+        <a:xfrm>
+          <a:off x="0" y="0"/>
+          <a:ext cx="0" cy="0"/>
+          <a:chOff x="0" y="0"/>
+          <a:chExt cx="0" cy="0"/>
+        </a:xfrm>
+      </p:grpSpPr>
+      <p:sp>
+        <p:nvSpPr>
+          <p:cNvPr id="2" name="Otsikko 1">
+            <a:extLst>
+              <a:ext uri="{FF2B5EF4-FFF2-40B4-BE49-F238E27FC236}">
+                <a16:creationId xmlns:a16="http://schemas.microsoft.com/office/drawing/2014/main" id="{00619EB1-3DA1-4009-A947-B71E1BBF0695}"/>
+              </a:ext>
+            </a:extLst>
+          </p:cNvPr>
+          <p:cNvSpPr>
+            <a:spLocks noGrp="1"/>
+          </p:cNvSpPr>
+          <p:nvPr>
+            <p:ph type="title"/>
+          </p:nvPr>
+        </p:nvSpPr>
+        <p:spPr>
+          <a:xfrm>
+            <a:off x="1484312" y="685800"/>
+            <a:ext cx="4074345" cy="1752599"/>
+          </a:xfrm>
+        </p:spPr>
+        <p:txBody>
+          <a:bodyPr>
+            <a:normAutofit fontScale="90000"/>
+          </a:bodyPr>
+          <a:lstStyle/>
+          <a:p>
+            <a:pPr>
+              <a:lnSpc>
+                <a:spcPct val="90000"/>
+              </a:lnSpc>
+            </a:pPr>
+            <a:r>
+              <a:rPr lang="fi-FI" sz="3700"/>
+              <a:t>Create database / datasource for MySQL or MariaDB</a:t>
+            </a:r>
+            <a:endParaRPr lang="en-US" sz="3700"/>
+          </a:p>
+        </p:txBody>
+      </p:sp>
+      <p:sp>
+        <p:nvSpPr>
+          <p:cNvPr id="8" name="Content Placeholder 7">
+            <a:extLst>
+              <a:ext uri="{FF2B5EF4-FFF2-40B4-BE49-F238E27FC236}">
+                <a16:creationId xmlns:a16="http://schemas.microsoft.com/office/drawing/2014/main" id="{1E86017D-A4ED-4C23-BEFB-3386A1BD9842}"/>
+              </a:ext>
+            </a:extLst>
+          </p:cNvPr>
+          <p:cNvSpPr>
+            <a:spLocks noGrp="1"/>
+          </p:cNvSpPr>
+          <p:nvPr>
+            <p:ph idx="1"/>
+          </p:nvPr>
+        </p:nvSpPr>
+        <p:spPr>
+          <a:xfrm>
+            <a:off x="1484311" y="2666999"/>
+            <a:ext cx="4074345" cy="3124201"/>
+          </a:xfrm>
+        </p:spPr>
+        <p:txBody>
+          <a:bodyPr>
+            <a:normAutofit/>
+          </a:bodyPr>
+          <a:lstStyle/>
+          <a:p>
+            <a:pPr>
+              <a:lnSpc>
+                <a:spcPct val="90000"/>
+              </a:lnSpc>
+            </a:pPr>
+            <a:r>
+              <a:rPr lang="en-US" sz="1500"/>
+              <a:t>C:\Program Files (x86)\Odoo 12.0\python\Scripts&gt; </a:t>
+            </a:r>
+            <a:r>
+              <a:rPr lang="fi-FI" sz="1500"/>
+              <a:t>pip install mysql-connector-python</a:t>
+            </a:r>
+          </a:p>
+          <a:p>
+            <a:pPr>
+              <a:lnSpc>
+                <a:spcPct val="90000"/>
+              </a:lnSpc>
+            </a:pPr>
+            <a:r>
+              <a:rPr lang="fi-FI" sz="1500"/>
+              <a:t>Select Databases from menu</a:t>
+            </a:r>
+          </a:p>
+          <a:p>
+            <a:pPr>
+              <a:lnSpc>
+                <a:spcPct val="90000"/>
+              </a:lnSpc>
+            </a:pPr>
+            <a:r>
+              <a:rPr lang="fi-FI" sz="1500" err="1"/>
+              <a:t>Create</a:t>
+            </a:r>
+            <a:r>
+              <a:rPr lang="fi-FI" sz="1500"/>
+              <a:t>…</a:t>
+            </a:r>
+          </a:p>
+          <a:p>
+            <a:pPr>
+              <a:lnSpc>
+                <a:spcPct val="90000"/>
+              </a:lnSpc>
+            </a:pPr>
+            <a:r>
+              <a:rPr lang="en-US" sz="1500"/>
+              <a:t>Select MySQL or MariaDB driver, Change database name &amp; other data when necessary</a:t>
+            </a:r>
+          </a:p>
+          <a:p>
+            <a:pPr>
+              <a:lnSpc>
+                <a:spcPct val="90000"/>
+              </a:lnSpc>
+            </a:pPr>
+            <a:r>
+              <a:rPr lang="en-US" sz="1500"/>
+              <a:t>Save</a:t>
+            </a:r>
+          </a:p>
+          <a:p>
+            <a:pPr>
+              <a:lnSpc>
+                <a:spcPct val="90000"/>
+              </a:lnSpc>
+            </a:pPr>
+            <a:r>
+              <a:rPr lang="en-US" sz="1500"/>
+              <a:t>Test connection</a:t>
+            </a:r>
+          </a:p>
+          <a:p>
+            <a:pPr>
+              <a:lnSpc>
+                <a:spcPct val="90000"/>
+              </a:lnSpc>
+            </a:pPr>
+            <a:endParaRPr lang="en-US" sz="1500"/>
+          </a:p>
+        </p:txBody>
+      </p:sp>
+      <p:pic>
+        <p:nvPicPr>
+          <p:cNvPr id="10" name="Picture 9">
+            <a:extLst>
+              <a:ext uri="{FF2B5EF4-FFF2-40B4-BE49-F238E27FC236}">
+                <a16:creationId xmlns:a16="http://schemas.microsoft.com/office/drawing/2014/main" id="{2C93426E-37D2-40B9-8CEB-2DA7DBEE2D4C}"/>
+              </a:ext>
+            </a:extLst>
+          </p:cNvPr>
+          <p:cNvPicPr>
+            <a:picLocks noChangeAspect="1"/>
+          </p:cNvPicPr>
+          <p:nvPr/>
+        </p:nvPicPr>
+        <p:blipFill>
+          <a:blip r:embed="rId3"/>
+          <a:stretch>
+            <a:fillRect/>
+          </a:stretch>
+        </p:blipFill>
+        <p:spPr>
+          <a:xfrm>
+            <a:off x="6633345" y="930557"/>
+            <a:ext cx="3086713" cy="2338185"/>
+          </a:xfrm>
+          <a:prstGeom prst="roundRect">
+            <a:avLst>
+              <a:gd name="adj" fmla="val 4380"/>
+            </a:avLst>
+          </a:prstGeom>
+          <a:ln w="38100">
+            <a:gradFill flip="none" rotWithShape="1">
+              <a:gsLst>
+                <a:gs pos="0">
+                  <a:schemeClr val="bg2"/>
+                </a:gs>
+                <a:gs pos="100000">
+                  <a:schemeClr val="bg2">
+                    <a:lumMod val="75000"/>
+                  </a:schemeClr>
+                </a:gs>
+              </a:gsLst>
+              <a:lin ang="5400000" scaled="0"/>
+              <a:tileRect/>
+            </a:gradFill>
+          </a:ln>
+          <a:effectLst>
+            <a:innerShdw blurRad="57150" dist="38100" dir="14460000">
+              <a:srgbClr val="000000">
+                <a:alpha val="70000"/>
+              </a:srgbClr>
+            </a:innerShdw>
+          </a:effectLst>
+        </p:spPr>
+        <p:style>
+          <a:lnRef idx="2">
+            <a:schemeClr val="accent1"/>
+          </a:lnRef>
+          <a:fillRef idx="1">
+            <a:schemeClr val="lt1"/>
+          </a:fillRef>
+          <a:effectRef idx="0">
+            <a:schemeClr val="accent1"/>
+          </a:effectRef>
+          <a:fontRef idx="minor">
+            <a:schemeClr val="dk1"/>
+          </a:fontRef>
+        </p:style>
+      </p:pic>
+      <p:pic>
+        <p:nvPicPr>
+          <p:cNvPr id="11" name="Picture 10">
+            <a:extLst>
+              <a:ext uri="{FF2B5EF4-FFF2-40B4-BE49-F238E27FC236}">
+                <a16:creationId xmlns:a16="http://schemas.microsoft.com/office/drawing/2014/main" id="{FF45B3DD-4EF4-451F-BC0B-9A61676FAD65}"/>
+              </a:ext>
+            </a:extLst>
+          </p:cNvPr>
+          <p:cNvPicPr>
+            <a:picLocks noChangeAspect="1"/>
+          </p:cNvPicPr>
+          <p:nvPr/>
+        </p:nvPicPr>
+        <p:blipFill>
+          <a:blip r:embed="rId4"/>
+          <a:stretch>
+            <a:fillRect/>
+          </a:stretch>
+        </p:blipFill>
+        <p:spPr>
+          <a:xfrm>
+            <a:off x="8708800" y="2008378"/>
+            <a:ext cx="3036604" cy="2338185"/>
+          </a:xfrm>
+          <a:prstGeom prst="roundRect">
+            <a:avLst>
+              <a:gd name="adj" fmla="val 4380"/>
+            </a:avLst>
+          </a:prstGeom>
+          <a:ln w="38100">
+            <a:gradFill flip="none" rotWithShape="1">
+              <a:gsLst>
+                <a:gs pos="0">
+                  <a:schemeClr val="bg2"/>
+                </a:gs>
+                <a:gs pos="100000">
+                  <a:schemeClr val="bg2">
+                    <a:lumMod val="75000"/>
+                  </a:schemeClr>
+                </a:gs>
+              </a:gsLst>
+              <a:lin ang="5400000" scaled="0"/>
+              <a:tileRect/>
+            </a:gradFill>
+          </a:ln>
+          <a:effectLst>
+            <a:innerShdw blurRad="57150" dist="38100" dir="14460000">
+              <a:srgbClr val="000000">
+                <a:alpha val="70000"/>
+              </a:srgbClr>
+            </a:innerShdw>
+          </a:effectLst>
+        </p:spPr>
+        <p:style>
+          <a:lnRef idx="2">
+            <a:schemeClr val="accent1"/>
+          </a:lnRef>
+          <a:fillRef idx="1">
+            <a:schemeClr val="lt1"/>
+          </a:fillRef>
+          <a:effectRef idx="0">
+            <a:schemeClr val="accent1"/>
+          </a:effectRef>
+          <a:fontRef idx="minor">
+            <a:schemeClr val="dk1"/>
+          </a:fontRef>
+        </p:style>
+      </p:pic>
+      <p:pic>
+        <p:nvPicPr>
+          <p:cNvPr id="6" name="Kuva 5">
+            <a:extLst>
+              <a:ext uri="{FF2B5EF4-FFF2-40B4-BE49-F238E27FC236}">
+                <a16:creationId xmlns:a16="http://schemas.microsoft.com/office/drawing/2014/main" id="{3C5D5E0C-B6AA-4048-A7A1-F0E7C4B784A1}"/>
+              </a:ext>
+            </a:extLst>
+          </p:cNvPr>
+          <p:cNvPicPr>
+            <a:picLocks noChangeAspect="1"/>
+          </p:cNvPicPr>
+          <p:nvPr/>
+        </p:nvPicPr>
+        <p:blipFill>
+          <a:blip r:embed="rId5"/>
+          <a:stretch>
+            <a:fillRect/>
+          </a:stretch>
+        </p:blipFill>
+        <p:spPr>
+          <a:xfrm>
+            <a:off x="6958660" y="4265255"/>
+            <a:ext cx="1863744" cy="1668050"/>
+          </a:xfrm>
+          <a:prstGeom prst="roundRect">
+            <a:avLst>
+              <a:gd name="adj" fmla="val 4380"/>
+            </a:avLst>
+          </a:prstGeom>
+          <a:ln w="38100">
+            <a:gradFill flip="none" rotWithShape="1">
+              <a:gsLst>
+                <a:gs pos="0">
+                  <a:schemeClr val="bg2"/>
+                </a:gs>
+                <a:gs pos="100000">
+                  <a:schemeClr val="bg2">
+                    <a:lumMod val="75000"/>
+                  </a:schemeClr>
+                </a:gs>
+              </a:gsLst>
+              <a:lin ang="5400000" scaled="0"/>
+              <a:tileRect/>
+            </a:gradFill>
+          </a:ln>
+          <a:effectLst>
+            <a:innerShdw blurRad="57150" dist="38100" dir="14460000">
+              <a:srgbClr val="000000">
+                <a:alpha val="70000"/>
+              </a:srgbClr>
+            </a:innerShdw>
+          </a:effectLst>
+        </p:spPr>
+        <p:style>
+          <a:lnRef idx="2">
+            <a:schemeClr val="accent1"/>
+          </a:lnRef>
+          <a:fillRef idx="1">
+            <a:schemeClr val="lt1"/>
+          </a:fillRef>
+          <a:effectRef idx="0">
+            <a:schemeClr val="accent1"/>
+          </a:effectRef>
+          <a:fontRef idx="minor">
+            <a:schemeClr val="dk1"/>
+          </a:fontRef>
+        </p:style>
+      </p:pic>
+      <p:sp>
+        <p:nvSpPr>
+          <p:cNvPr id="7" name="TextBox 6">
+            <a:extLst>
+              <a:ext uri="{FF2B5EF4-FFF2-40B4-BE49-F238E27FC236}">
+                <a16:creationId xmlns:a16="http://schemas.microsoft.com/office/drawing/2014/main" id="{BE7EC6BD-6A06-4DB5-B7EB-6DE2133E2FAE}"/>
+              </a:ext>
+            </a:extLst>
+          </p:cNvPr>
+          <p:cNvSpPr txBox="1"/>
+          <p:nvPr/>
+        </p:nvSpPr>
+        <p:spPr>
+          <a:xfrm>
+            <a:off x="6890046" y="448411"/>
+            <a:ext cx="2238113" cy="369332"/>
+          </a:xfrm>
+          <a:prstGeom prst="rect">
+            <a:avLst/>
+          </a:prstGeom>
+        </p:spPr>
+        <p:style>
+          <a:lnRef idx="1">
+            <a:schemeClr val="accent6"/>
+          </a:lnRef>
+          <a:fillRef idx="2">
+            <a:schemeClr val="accent6"/>
+          </a:fillRef>
+          <a:effectRef idx="1">
+            <a:schemeClr val="accent6"/>
+          </a:effectRef>
+          <a:fontRef idx="minor">
+            <a:schemeClr val="dk1"/>
+          </a:fontRef>
+        </p:style>
+        <p:txBody>
+          <a:bodyPr wrap="none" rtlCol="0">
+            <a:spAutoFit/>
+          </a:bodyPr>
+          <a:lstStyle/>
+          <a:p>
+            <a:r>
+              <a:rPr lang="fi-FI" dirty="0"/>
+              <a:t>Windows </a:t>
+            </a:r>
+            <a:r>
+              <a:rPr lang="fi-FI" dirty="0" err="1"/>
+              <a:t>example</a:t>
+            </a:r>
+            <a:endParaRPr lang="en-US" dirty="0"/>
+          </a:p>
+        </p:txBody>
+      </p:sp>
+    </p:spTree>
+    <p:extLst>
+      <p:ext uri="{BB962C8B-B14F-4D97-AF65-F5344CB8AC3E}">
+        <p14:creationId xmlns:p14="http://schemas.microsoft.com/office/powerpoint/2010/main" val="3753466296"/>
+      </p:ext>
+    </p:extLst>
+  </p:cSld>
+  <p:clrMapOvr>
+    <a:masterClrMapping/>
+  </p:clrMapOvr>
+</p:sld>
+</file>
+
+<file path=ppt/slides/slide14.xml><?xml version="1.0" encoding="utf-8"?>
+<p:sld xmlns:a="http://schemas.openxmlformats.org/drawingml/2006/main" xmlns:r="http://schemas.openxmlformats.org/officeDocument/2006/relationships" xmlns:p="http://schemas.openxmlformats.org/presentationml/2006/main">
+  <p:cSld>
+    <p:bg>
+      <p:bgPr>
+        <a:gradFill rotWithShape="1">
+          <a:gsLst>
+            <a:gs pos="0">
+              <a:schemeClr val="bg2">
+                <a:tint val="90000"/>
+                <a:satMod val="92000"/>
+                <a:lumMod val="120000"/>
+              </a:schemeClr>
+            </a:gs>
+            <a:gs pos="100000">
+              <a:schemeClr val="bg2">
+                <a:shade val="98000"/>
+                <a:satMod val="120000"/>
+                <a:lumMod val="98000"/>
+              </a:schemeClr>
+            </a:gs>
+          </a:gsLst>
+          <a:path path="circle">
+            <a:fillToRect l="50000" t="50000" r="100000" b="100000"/>
+          </a:path>
+        </a:gradFill>
+        <a:effectLst/>
+      </p:bgPr>
+    </p:bg>
+    <p:spTree>
+      <p:nvGrpSpPr>
+        <p:cNvPr id="1" name=""/>
+        <p:cNvGrpSpPr/>
+        <p:nvPr/>
+      </p:nvGrpSpPr>
+      <p:grpSpPr>
+        <a:xfrm>
+          <a:off x="0" y="0"/>
+          <a:ext cx="0" cy="0"/>
+          <a:chOff x="0" y="0"/>
+          <a:chExt cx="0" cy="0"/>
+        </a:xfrm>
+      </p:grpSpPr>
+      <p:sp useBgFill="1">
+        <p:nvSpPr>
+          <p:cNvPr id="16" name="Rectangle 15">
+            <a:extLst>
+              <a:ext uri="{FF2B5EF4-FFF2-40B4-BE49-F238E27FC236}">
+                <a16:creationId xmlns:a16="http://schemas.microsoft.com/office/drawing/2014/main" id="{9F2E081B-CB5A-48B7-A440-B179A2EFBCE9}"/>
+              </a:ext>
+              <a:ext uri="{C183D7F6-B498-43B3-948B-1728B52AA6E4}">
+                <adec:decorative xmlns:adec="http://schemas.microsoft.com/office/drawing/2017/decorative" val="1"/>
+              </a:ext>
+            </a:extLst>
+          </p:cNvPr>
+          <p:cNvSpPr>
+            <a:spLocks noGrp="1" noRot="1" noChangeAspect="1" noMove="1" noResize="1" noEditPoints="1" noAdjustHandles="1" noChangeArrowheads="1" noChangeShapeType="1" noTextEdit="1"/>
+          </p:cNvSpPr>
+          <p:nvPr>
+            <p:extLst>
+              <p:ext uri="{386F3935-93C4-4BCD-93E2-E3B085C9AB24}">
+                <p16:designElem xmlns:p16="http://schemas.microsoft.com/office/powerpoint/2015/main" val="1"/>
+              </p:ext>
+            </p:extLst>
+          </p:nvPr>
+        </p:nvSpPr>
+        <p:spPr>
+          <a:xfrm>
+            <a:off x="0" y="-786"/>
+            <a:ext cx="12192000" cy="6854038"/>
+          </a:xfrm>
+          <a:prstGeom prst="rect">
+            <a:avLst/>
+          </a:prstGeom>
+          <a:ln>
+            <a:noFill/>
+          </a:ln>
+        </p:spPr>
+        <p:style>
+          <a:lnRef idx="2">
+            <a:schemeClr val="accent1">
+              <a:shade val="50000"/>
+            </a:schemeClr>
+          </a:lnRef>
+          <a:fillRef idx="1">
+            <a:schemeClr val="accent1"/>
+          </a:fillRef>
+          <a:effectRef idx="0">
+            <a:schemeClr val="accent1"/>
+          </a:effectRef>
+          <a:fontRef idx="minor">
+            <a:schemeClr val="lt1"/>
+          </a:fontRef>
+        </p:style>
+        <p:txBody>
+          <a:bodyPr rtlCol="0" anchor="ctr"/>
+          <a:lstStyle/>
+          <a:p>
+            <a:pPr algn="ctr"/>
+            <a:endParaRPr lang="en-US"/>
+          </a:p>
+        </p:txBody>
+      </p:sp>
+      <p:sp>
+        <p:nvSpPr>
+          <p:cNvPr id="2" name="Otsikko 1">
+            <a:extLst>
+              <a:ext uri="{FF2B5EF4-FFF2-40B4-BE49-F238E27FC236}">
+                <a16:creationId xmlns:a16="http://schemas.microsoft.com/office/drawing/2014/main" id="{00619EB1-3DA1-4009-A947-B71E1BBF0695}"/>
+              </a:ext>
+            </a:extLst>
+          </p:cNvPr>
+          <p:cNvSpPr>
+            <a:spLocks noGrp="1"/>
+          </p:cNvSpPr>
+          <p:nvPr>
+            <p:ph type="title"/>
+          </p:nvPr>
+        </p:nvSpPr>
+        <p:spPr>
+          <a:xfrm>
+            <a:off x="649224" y="645106"/>
+            <a:ext cx="3650279" cy="1259894"/>
+          </a:xfrm>
+        </p:spPr>
+        <p:txBody>
+          <a:bodyPr>
+            <a:normAutofit/>
+          </a:bodyPr>
+          <a:lstStyle/>
+          <a:p>
+            <a:pPr>
+              <a:lnSpc>
+                <a:spcPct val="90000"/>
+              </a:lnSpc>
+            </a:pPr>
+            <a:r>
+              <a:rPr lang="fi-FI" sz="2800" err="1"/>
+              <a:t>Ubuntu</a:t>
+            </a:r>
+            <a:r>
+              <a:rPr lang="fi-FI" sz="2800"/>
+              <a:t> / </a:t>
+            </a:r>
+            <a:r>
+              <a:rPr lang="fi-FI" sz="2800" err="1"/>
+              <a:t>datasource</a:t>
+            </a:r>
+            <a:r>
+              <a:rPr lang="fi-FI" sz="2800"/>
+              <a:t> for MySQL </a:t>
+            </a:r>
+            <a:r>
+              <a:rPr lang="fi-FI" sz="2800" err="1"/>
+              <a:t>or</a:t>
+            </a:r>
+            <a:r>
+              <a:rPr lang="fi-FI" sz="2800"/>
+              <a:t> </a:t>
+            </a:r>
+            <a:r>
+              <a:rPr lang="fi-FI" sz="2800" err="1"/>
+              <a:t>MariaDB</a:t>
+            </a:r>
+            <a:endParaRPr lang="en-US" sz="2800"/>
+          </a:p>
+        </p:txBody>
+      </p:sp>
+      <p:sp>
+        <p:nvSpPr>
+          <p:cNvPr id="18" name="Rectangle 17">
+            <a:extLst>
+              <a:ext uri="{FF2B5EF4-FFF2-40B4-BE49-F238E27FC236}">
+                <a16:creationId xmlns:a16="http://schemas.microsoft.com/office/drawing/2014/main" id="{012F442E-AE2B-4E8D-B609-E1E0A01DA023}"/>
+              </a:ext>
+              <a:ext uri="{C183D7F6-B498-43B3-948B-1728B52AA6E4}">
+                <adec:decorative xmlns:adec="http://schemas.microsoft.com/office/drawing/2017/decorative" val="1"/>
+              </a:ext>
+            </a:extLst>
+          </p:cNvPr>
+          <p:cNvSpPr>
+            <a:spLocks noGrp="1" noRot="1" noChangeAspect="1" noMove="1" noResize="1" noEditPoints="1" noAdjustHandles="1" noChangeArrowheads="1" noChangeShapeType="1" noTextEdit="1"/>
+          </p:cNvSpPr>
+          <p:nvPr>
+            <p:extLst>
+              <p:ext uri="{386F3935-93C4-4BCD-93E2-E3B085C9AB24}">
+                <p16:designElem xmlns:p16="http://schemas.microsoft.com/office/powerpoint/2015/main" val="1"/>
+              </p:ext>
+            </p:extLst>
+          </p:nvPr>
+        </p:nvSpPr>
+        <p:spPr>
+          <a:xfrm>
+            <a:off x="0" y="0"/>
+            <a:ext cx="182880" cy="6858000"/>
+          </a:xfrm>
+          <a:prstGeom prst="rect">
+            <a:avLst/>
+          </a:prstGeom>
+          <a:solidFill>
+            <a:schemeClr val="tx2"/>
+          </a:solidFill>
+          <a:ln>
+            <a:noFill/>
+          </a:ln>
+          <a:effectLst/>
+        </p:spPr>
+        <p:style>
+          <a:lnRef idx="1">
+            <a:schemeClr val="accent1"/>
+          </a:lnRef>
+          <a:fillRef idx="3">
+            <a:schemeClr val="accent1"/>
+          </a:fillRef>
+          <a:effectRef idx="2">
+            <a:schemeClr val="accent1"/>
+          </a:effectRef>
+          <a:fontRef idx="minor">
+            <a:schemeClr val="lt1"/>
+          </a:fontRef>
+        </p:style>
+      </p:sp>
+      <p:sp>
+        <p:nvSpPr>
+          <p:cNvPr id="8" name="Content Placeholder 7">
+            <a:extLst>
+              <a:ext uri="{FF2B5EF4-FFF2-40B4-BE49-F238E27FC236}">
+                <a16:creationId xmlns:a16="http://schemas.microsoft.com/office/drawing/2014/main" id="{1E86017D-A4ED-4C23-BEFB-3386A1BD9842}"/>
+              </a:ext>
+            </a:extLst>
+          </p:cNvPr>
+          <p:cNvSpPr>
+            <a:spLocks noGrp="1"/>
+          </p:cNvSpPr>
+          <p:nvPr>
+            <p:ph idx="1"/>
+          </p:nvPr>
+        </p:nvSpPr>
+        <p:spPr>
+          <a:xfrm>
+            <a:off x="649225" y="2133600"/>
+            <a:ext cx="3650278" cy="3759253"/>
+          </a:xfrm>
+        </p:spPr>
+        <p:txBody>
+          <a:bodyPr>
+            <a:normAutofit/>
+          </a:bodyPr>
+          <a:lstStyle/>
+          <a:p>
+            <a:pPr>
+              <a:lnSpc>
+                <a:spcPct val="90000"/>
+              </a:lnSpc>
+            </a:pPr>
+            <a:r>
+              <a:rPr lang="en-US" sz="1300"/>
+              <a:t>sudo apt-get update</a:t>
+            </a:r>
+          </a:p>
+          <a:p>
+            <a:pPr>
+              <a:lnSpc>
+                <a:spcPct val="90000"/>
+              </a:lnSpc>
+            </a:pPr>
+            <a:r>
+              <a:rPr lang="en-US" sz="1300"/>
+              <a:t>sudo apt-get install mysql-client</a:t>
+            </a:r>
+          </a:p>
+          <a:p>
+            <a:pPr>
+              <a:lnSpc>
+                <a:spcPct val="90000"/>
+              </a:lnSpc>
+            </a:pPr>
+            <a:r>
+              <a:rPr lang="en-US" sz="1300"/>
+              <a:t>pip3 install mysql-connector</a:t>
+            </a:r>
+          </a:p>
+          <a:p>
+            <a:pPr>
+              <a:lnSpc>
+                <a:spcPct val="90000"/>
+              </a:lnSpc>
+            </a:pPr>
+            <a:r>
+              <a:rPr lang="en-US" sz="1300"/>
+              <a:t>Test</a:t>
+            </a:r>
+          </a:p>
+          <a:p>
+            <a:pPr lvl="1">
+              <a:lnSpc>
+                <a:spcPct val="90000"/>
+              </a:lnSpc>
+            </a:pPr>
+            <a:r>
+              <a:rPr lang="en-US" sz="1300"/>
+              <a:t>mysql -u root -p -h 127.0.0.1</a:t>
+            </a:r>
+          </a:p>
+          <a:p>
+            <a:pPr lvl="1">
+              <a:lnSpc>
+                <a:spcPct val="90000"/>
+              </a:lnSpc>
+            </a:pPr>
+            <a:r>
+              <a:rPr lang="en-US" sz="1300"/>
+              <a:t>mysql -u root -p -h 192.168.1.88</a:t>
+            </a:r>
+          </a:p>
+          <a:p>
+            <a:pPr>
+              <a:lnSpc>
+                <a:spcPct val="90000"/>
+              </a:lnSpc>
+            </a:pPr>
+            <a:r>
+              <a:rPr lang="fi-FI" sz="1300"/>
+              <a:t>Select Databases from menu</a:t>
+            </a:r>
+          </a:p>
+          <a:p>
+            <a:pPr>
+              <a:lnSpc>
+                <a:spcPct val="90000"/>
+              </a:lnSpc>
+            </a:pPr>
+            <a:r>
+              <a:rPr lang="fi-FI" sz="1300"/>
+              <a:t>Create…</a:t>
+            </a:r>
+          </a:p>
+          <a:p>
+            <a:pPr>
+              <a:lnSpc>
+                <a:spcPct val="90000"/>
+              </a:lnSpc>
+            </a:pPr>
+            <a:r>
+              <a:rPr lang="en-US" sz="1300"/>
+              <a:t>Select MySQL or MariaDB driver, Change database name &amp; other data when necessary</a:t>
+            </a:r>
+          </a:p>
+          <a:p>
+            <a:pPr>
+              <a:lnSpc>
+                <a:spcPct val="90000"/>
+              </a:lnSpc>
+            </a:pPr>
+            <a:r>
+              <a:rPr lang="en-US" sz="1300"/>
+              <a:t>Save</a:t>
+            </a:r>
+          </a:p>
+          <a:p>
+            <a:pPr>
+              <a:lnSpc>
+                <a:spcPct val="90000"/>
+              </a:lnSpc>
+            </a:pPr>
+            <a:r>
+              <a:rPr lang="en-US" sz="1300"/>
+              <a:t>Test connection</a:t>
+            </a:r>
+          </a:p>
+          <a:p>
+            <a:pPr>
+              <a:lnSpc>
+                <a:spcPct val="90000"/>
+              </a:lnSpc>
+            </a:pPr>
+            <a:endParaRPr lang="en-US" sz="1300"/>
+          </a:p>
+        </p:txBody>
+      </p:sp>
+      <p:pic>
+        <p:nvPicPr>
+          <p:cNvPr id="11" name="Picture 10">
+            <a:extLst>
+              <a:ext uri="{FF2B5EF4-FFF2-40B4-BE49-F238E27FC236}">
+                <a16:creationId xmlns:a16="http://schemas.microsoft.com/office/drawing/2014/main" id="{FF45B3DD-4EF4-451F-BC0B-9A61676FAD65}"/>
+              </a:ext>
+            </a:extLst>
+          </p:cNvPr>
+          <p:cNvPicPr>
+            <a:picLocks noChangeAspect="1"/>
+          </p:cNvPicPr>
+          <p:nvPr/>
+        </p:nvPicPr>
+        <p:blipFill>
+          <a:blip r:embed="rId2"/>
+          <a:stretch>
+            <a:fillRect/>
+          </a:stretch>
+        </p:blipFill>
+        <p:spPr>
+          <a:xfrm>
+            <a:off x="4681166" y="640081"/>
+            <a:ext cx="3306430" cy="2545952"/>
+          </a:xfrm>
+          <a:prstGeom prst="rect">
+            <a:avLst/>
+          </a:prstGeom>
+        </p:spPr>
+        <p:style>
+          <a:lnRef idx="2">
+            <a:schemeClr val="accent1"/>
+          </a:lnRef>
+          <a:fillRef idx="1">
+            <a:schemeClr val="lt1"/>
+          </a:fillRef>
+          <a:effectRef idx="0">
+            <a:schemeClr val="accent1"/>
+          </a:effectRef>
+          <a:fontRef idx="minor">
+            <a:schemeClr val="dk1"/>
+          </a:fontRef>
+        </p:style>
+      </p:pic>
+      <p:pic>
+        <p:nvPicPr>
+          <p:cNvPr id="10" name="Picture 9">
+            <a:extLst>
+              <a:ext uri="{FF2B5EF4-FFF2-40B4-BE49-F238E27FC236}">
+                <a16:creationId xmlns:a16="http://schemas.microsoft.com/office/drawing/2014/main" id="{2C93426E-37D2-40B9-8CEB-2DA7DBEE2D4C}"/>
+              </a:ext>
+            </a:extLst>
+          </p:cNvPr>
+          <p:cNvPicPr>
+            <a:picLocks noChangeAspect="1"/>
+          </p:cNvPicPr>
+          <p:nvPr/>
+        </p:nvPicPr>
+        <p:blipFill>
+          <a:blip r:embed="rId3"/>
+          <a:stretch>
+            <a:fillRect/>
+          </a:stretch>
+        </p:blipFill>
+        <p:spPr>
+          <a:xfrm>
+            <a:off x="4654295" y="3347209"/>
+            <a:ext cx="3360173" cy="2545331"/>
+          </a:xfrm>
+          <a:prstGeom prst="rect">
+            <a:avLst/>
+          </a:prstGeom>
+        </p:spPr>
+        <p:style>
+          <a:lnRef idx="2">
+            <a:schemeClr val="accent1"/>
+          </a:lnRef>
+          <a:fillRef idx="1">
+            <a:schemeClr val="lt1"/>
+          </a:fillRef>
+          <a:effectRef idx="0">
+            <a:schemeClr val="accent1"/>
+          </a:effectRef>
+          <a:fontRef idx="minor">
+            <a:schemeClr val="dk1"/>
+          </a:fontRef>
+        </p:style>
+      </p:pic>
+      <p:pic>
+        <p:nvPicPr>
+          <p:cNvPr id="6" name="Kuva 5">
+            <a:extLst>
+              <a:ext uri="{FF2B5EF4-FFF2-40B4-BE49-F238E27FC236}">
+                <a16:creationId xmlns:a16="http://schemas.microsoft.com/office/drawing/2014/main" id="{3C5D5E0C-B6AA-4048-A7A1-F0E7C4B784A1}"/>
+              </a:ext>
+            </a:extLst>
+          </p:cNvPr>
+          <p:cNvPicPr>
+            <a:picLocks noChangeAspect="1"/>
+          </p:cNvPicPr>
+          <p:nvPr/>
+        </p:nvPicPr>
+        <p:blipFill>
+          <a:blip r:embed="rId4"/>
+          <a:stretch>
+            <a:fillRect/>
+          </a:stretch>
+        </p:blipFill>
+        <p:spPr>
+          <a:xfrm>
+            <a:off x="8178194" y="1747237"/>
+            <a:ext cx="3394926" cy="3038458"/>
+          </a:xfrm>
+          <a:prstGeom prst="rect">
+            <a:avLst/>
+          </a:prstGeom>
+        </p:spPr>
+        <p:style>
+          <a:lnRef idx="2">
+            <a:schemeClr val="accent1"/>
+          </a:lnRef>
+          <a:fillRef idx="1">
+            <a:schemeClr val="lt1"/>
+          </a:fillRef>
+          <a:effectRef idx="0">
+            <a:schemeClr val="accent1"/>
+          </a:effectRef>
+          <a:fontRef idx="minor">
+            <a:schemeClr val="dk1"/>
+          </a:fontRef>
+        </p:style>
+      </p:pic>
+      <p:sp>
+        <p:nvSpPr>
+          <p:cNvPr id="20" name="Freeform 11">
+            <a:extLst>
+              <a:ext uri="{FF2B5EF4-FFF2-40B4-BE49-F238E27FC236}">
+                <a16:creationId xmlns:a16="http://schemas.microsoft.com/office/drawing/2014/main" id="{85667E18-65F1-4B6C-B237-5784682F8A63}"/>
+              </a:ext>
+              <a:ext uri="{C183D7F6-B498-43B3-948B-1728B52AA6E4}">
+                <adec:decorative xmlns:adec="http://schemas.microsoft.com/office/drawing/2017/decorative" val="1"/>
+              </a:ext>
+            </a:extLst>
+          </p:cNvPr>
+          <p:cNvSpPr>
+            <a:spLocks noGrp="1" noRot="1" noChangeAspect="1" noMove="1" noResize="1" noEditPoints="1" noAdjustHandles="1" noChangeArrowheads="1" noChangeShapeType="1" noTextEdit="1"/>
+          </p:cNvSpPr>
+          <p:nvPr>
+            <p:extLst>
+              <p:ext uri="{386F3935-93C4-4BCD-93E2-E3B085C9AB24}">
+                <p16:designElem xmlns:p16="http://schemas.microsoft.com/office/powerpoint/2015/main" val="1"/>
+              </p:ext>
+            </p:extLst>
+          </p:nvPr>
+        </p:nvSpPr>
+        <p:spPr>
+          <a:xfrm>
+            <a:off x="-1" y="6061223"/>
+            <a:ext cx="1038036" cy="506277"/>
+          </a:xfrm>
+          <a:custGeom>
+            <a:avLst/>
+            <a:gdLst>
+              <a:gd name="connsiteX0" fmla="*/ 0 w 1038036"/>
+              <a:gd name="connsiteY0" fmla="*/ 0 h 506277"/>
+              <a:gd name="connsiteX1" fmla="*/ 182880 w 1038036"/>
+              <a:gd name="connsiteY1" fmla="*/ 0 h 506277"/>
+              <a:gd name="connsiteX2" fmla="*/ 291705 w 1038036"/>
+              <a:gd name="connsiteY2" fmla="*/ 0 h 506277"/>
+              <a:gd name="connsiteX3" fmla="*/ 291705 w 1038036"/>
+              <a:gd name="connsiteY3" fmla="*/ 151 h 506277"/>
+              <a:gd name="connsiteX4" fmla="*/ 692049 w 1038036"/>
+              <a:gd name="connsiteY4" fmla="*/ 705 h 506277"/>
+              <a:gd name="connsiteX5" fmla="*/ 782744 w 1038036"/>
+              <a:gd name="connsiteY5" fmla="*/ 705 h 506277"/>
+              <a:gd name="connsiteX6" fmla="*/ 797001 w 1038036"/>
+              <a:gd name="connsiteY6" fmla="*/ 5473 h 506277"/>
+              <a:gd name="connsiteX7" fmla="*/ 801982 w 1038036"/>
+              <a:gd name="connsiteY7" fmla="*/ 10242 h 506277"/>
+              <a:gd name="connsiteX8" fmla="*/ 1030951 w 1038036"/>
+              <a:gd name="connsiteY8" fmla="*/ 239185 h 506277"/>
+              <a:gd name="connsiteX9" fmla="*/ 1030951 w 1038036"/>
+              <a:gd name="connsiteY9" fmla="*/ 267797 h 506277"/>
+              <a:gd name="connsiteX10" fmla="*/ 801982 w 1038036"/>
+              <a:gd name="connsiteY10" fmla="*/ 496740 h 506277"/>
+              <a:gd name="connsiteX11" fmla="*/ 797001 w 1038036"/>
+              <a:gd name="connsiteY11" fmla="*/ 501508 h 506277"/>
+              <a:gd name="connsiteX12" fmla="*/ 782744 w 1038036"/>
+              <a:gd name="connsiteY12" fmla="*/ 506277 h 506277"/>
+              <a:gd name="connsiteX13" fmla="*/ 692049 w 1038036"/>
+              <a:gd name="connsiteY13" fmla="*/ 506277 h 506277"/>
+              <a:gd name="connsiteX14" fmla="*/ 291705 w 1038036"/>
+              <a:gd name="connsiteY14" fmla="*/ 505140 h 506277"/>
+              <a:gd name="connsiteX15" fmla="*/ 291705 w 1038036"/>
+              <a:gd name="connsiteY15" fmla="*/ 506277 h 506277"/>
+              <a:gd name="connsiteX16" fmla="*/ 0 w 1038036"/>
+              <a:gd name="connsiteY16" fmla="*/ 506277 h 506277"/>
+            </a:gdLst>
+            <a:ahLst/>
+            <a:cxnLst>
+              <a:cxn ang="0">
+                <a:pos x="connsiteX0" y="connsiteY0"/>
+              </a:cxn>
+              <a:cxn ang="0">
+                <a:pos x="connsiteX1" y="connsiteY1"/>
+              </a:cxn>
+              <a:cxn ang="0">
+                <a:pos x="connsiteX2" y="connsiteY2"/>
+              </a:cxn>
+              <a:cxn ang="0">
+                <a:pos x="connsiteX3" y="connsiteY3"/>
+              </a:cxn>
+              <a:cxn ang="0">
+                <a:pos x="connsiteX4" y="connsiteY4"/>
+              </a:cxn>
+              <a:cxn ang="0">
+                <a:pos x="connsiteX5" y="connsiteY5"/>
+              </a:cxn>
+              <a:cxn ang="0">
+                <a:pos x="connsiteX6" y="connsiteY6"/>
+              </a:cxn>
+              <a:cxn ang="0">
+                <a:pos x="connsiteX7" y="connsiteY7"/>
+              </a:cxn>
+              <a:cxn ang="0">
+                <a:pos x="connsiteX8" y="connsiteY8"/>
+              </a:cxn>
+              <a:cxn ang="0">
+                <a:pos x="connsiteX9" y="connsiteY9"/>
+              </a:cxn>
+              <a:cxn ang="0">
+                <a:pos x="connsiteX10" y="connsiteY10"/>
+              </a:cxn>
+              <a:cxn ang="0">
+                <a:pos x="connsiteX11" y="connsiteY11"/>
+              </a:cxn>
+              <a:cxn ang="0">
+                <a:pos x="connsiteX12" y="connsiteY12"/>
+              </a:cxn>
+              <a:cxn ang="0">
+                <a:pos x="connsiteX13" y="connsiteY13"/>
+              </a:cxn>
+              <a:cxn ang="0">
+                <a:pos x="connsiteX14" y="connsiteY14"/>
+              </a:cxn>
+              <a:cxn ang="0">
+                <a:pos x="connsiteX15" y="connsiteY15"/>
+              </a:cxn>
+              <a:cxn ang="0">
+                <a:pos x="connsiteX16" y="connsiteY16"/>
+              </a:cxn>
+            </a:cxnLst>
+            <a:rect l="l" t="t" r="r" b="b"/>
+            <a:pathLst>
+              <a:path w="1038036" h="506277">
+                <a:moveTo>
+                  <a:pt x="0" y="0"/>
+                </a:moveTo>
+                <a:lnTo>
+                  <a:pt x="182880" y="0"/>
+                </a:lnTo>
+                <a:lnTo>
+                  <a:pt x="291705" y="0"/>
+                </a:lnTo>
+                <a:lnTo>
+                  <a:pt x="291705" y="151"/>
+                </a:lnTo>
+                <a:lnTo>
+                  <a:pt x="692049" y="705"/>
+                </a:lnTo>
+                <a:lnTo>
+                  <a:pt x="782744" y="705"/>
+                </a:lnTo>
+                <a:cubicBezTo>
+                  <a:pt x="787553" y="705"/>
+                  <a:pt x="792363" y="5473"/>
+                  <a:pt x="797001" y="5473"/>
+                </a:cubicBezTo>
+                <a:cubicBezTo>
+                  <a:pt x="797001" y="10242"/>
+                  <a:pt x="801982" y="10242"/>
+                  <a:pt x="801982" y="10242"/>
+                </a:cubicBezTo>
+                <a:lnTo>
+                  <a:pt x="1030951" y="239185"/>
+                </a:lnTo>
+                <a:cubicBezTo>
+                  <a:pt x="1040398" y="248722"/>
+                  <a:pt x="1040398" y="258259"/>
+                  <a:pt x="1030951" y="267797"/>
+                </a:cubicBezTo>
+                <a:lnTo>
+                  <a:pt x="801982" y="496740"/>
+                </a:lnTo>
+                <a:cubicBezTo>
+                  <a:pt x="800436" y="498363"/>
+                  <a:pt x="798547" y="499885"/>
+                  <a:pt x="797001" y="501508"/>
+                </a:cubicBezTo>
+                <a:cubicBezTo>
+                  <a:pt x="792363" y="506277"/>
+                  <a:pt x="787553" y="506277"/>
+                  <a:pt x="782744" y="506277"/>
+                </a:cubicBezTo>
+                <a:lnTo>
+                  <a:pt x="692049" y="506277"/>
+                </a:lnTo>
+                <a:lnTo>
+                  <a:pt x="291705" y="505140"/>
+                </a:lnTo>
+                <a:lnTo>
+                  <a:pt x="291705" y="506277"/>
+                </a:lnTo>
+                <a:lnTo>
+                  <a:pt x="0" y="506277"/>
+                </a:lnTo>
+                <a:close/>
+              </a:path>
+            </a:pathLst>
+          </a:custGeom>
+          <a:ln>
+            <a:noFill/>
+          </a:ln>
+        </p:spPr>
+        <p:style>
+          <a:lnRef idx="2">
+            <a:schemeClr val="accent1">
+              <a:shade val="50000"/>
+            </a:schemeClr>
+          </a:lnRef>
+          <a:fillRef idx="1">
+            <a:schemeClr val="accent1"/>
+          </a:fillRef>
+          <a:effectRef idx="0">
+            <a:schemeClr val="accent1"/>
+          </a:effectRef>
+          <a:fontRef idx="minor">
+            <a:schemeClr val="lt1"/>
+          </a:fontRef>
+        </p:style>
+        <p:txBody>
+          <a:bodyPr rtlCol="0" anchor="ctr"/>
+          <a:lstStyle/>
+          <a:p>
+            <a:pPr algn="ctr"/>
+            <a:endParaRPr lang="en-US"/>
+          </a:p>
+        </p:txBody>
+      </p:sp>
+    </p:spTree>
+    <p:extLst>
+      <p:ext uri="{BB962C8B-B14F-4D97-AF65-F5344CB8AC3E}">
+        <p14:creationId xmlns:p14="http://schemas.microsoft.com/office/powerpoint/2010/main" val="1106575904"/>
+      </p:ext>
+    </p:extLst>
+  </p:cSld>
+  <p:clrMapOvr>
+    <a:masterClrMapping/>
+  </p:clrMapOvr>
+</p:sld>
+</file>
+
+<file path=ppt/slides/slide15.xml><?xml version="1.0" encoding="utf-8"?>
+<p:sld xmlns:a="http://schemas.openxmlformats.org/drawingml/2006/main" xmlns:r="http://schemas.openxmlformats.org/officeDocument/2006/relationships" xmlns:p="http://schemas.openxmlformats.org/presentationml/2006/main">
+  <p:cSld>
+    <p:bg>
+      <p:bgPr>
+        <a:blipFill rotWithShape="1">
+          <a:blip r:embed="rId2">
+            <a:duotone>
+              <a:schemeClr val="bg2">
+                <a:shade val="76000"/>
+                <a:satMod val="180000"/>
+              </a:schemeClr>
+              <a:schemeClr val="bg2">
+                <a:tint val="80000"/>
+                <a:satMod val="120000"/>
+                <a:lumMod val="180000"/>
+              </a:schemeClr>
+            </a:duotone>
+          </a:blip>
+          <a:stretch/>
+        </a:blipFill>
+        <a:effectLst/>
+      </p:bgPr>
+    </p:bg>
+    <p:spTree>
+      <p:nvGrpSpPr>
+        <p:cNvPr id="1" name=""/>
+        <p:cNvGrpSpPr/>
+        <p:nvPr/>
+      </p:nvGrpSpPr>
+      <p:grpSpPr>
+        <a:xfrm>
+          <a:off x="0" y="0"/>
+          <a:ext cx="0" cy="0"/>
+          <a:chOff x="0" y="0"/>
+          <a:chExt cx="0" cy="0"/>
+        </a:xfrm>
+      </p:grpSpPr>
+      <p:sp>
+        <p:nvSpPr>
+          <p:cNvPr id="2" name="Otsikko 1">
+            <a:extLst>
+              <a:ext uri="{FF2B5EF4-FFF2-40B4-BE49-F238E27FC236}">
+                <a16:creationId xmlns:a16="http://schemas.microsoft.com/office/drawing/2014/main" id="{00619EB1-3DA1-4009-A947-B71E1BBF0695}"/>
+              </a:ext>
+            </a:extLst>
+          </p:cNvPr>
+          <p:cNvSpPr>
+            <a:spLocks noGrp="1"/>
+          </p:cNvSpPr>
+          <p:nvPr>
+            <p:ph type="title"/>
+          </p:nvPr>
+        </p:nvSpPr>
+        <p:spPr>
+          <a:xfrm>
+            <a:off x="1484312" y="685800"/>
+            <a:ext cx="5747778" cy="1752599"/>
+          </a:xfrm>
+        </p:spPr>
+        <p:txBody>
+          <a:bodyPr>
+            <a:normAutofit/>
+          </a:bodyPr>
+          <a:lstStyle/>
+          <a:p>
+            <a:r>
+              <a:rPr lang="fi-FI" dirty="0"/>
+              <a:t>Create database / datasource for Oracle</a:t>
+            </a:r>
+            <a:endParaRPr lang="en-US" dirty="0"/>
+          </a:p>
+        </p:txBody>
+      </p:sp>
+      <p:sp>
+        <p:nvSpPr>
+          <p:cNvPr id="5" name="Content Placeholder 4">
+            <a:extLst>
+              <a:ext uri="{FF2B5EF4-FFF2-40B4-BE49-F238E27FC236}">
+                <a16:creationId xmlns:a16="http://schemas.microsoft.com/office/drawing/2014/main" id="{AF8F1177-B63B-4223-B20D-EAB395153FFA}"/>
+              </a:ext>
+            </a:extLst>
+          </p:cNvPr>
+          <p:cNvSpPr>
+            <a:spLocks noGrp="1"/>
+          </p:cNvSpPr>
+          <p:nvPr>
+            <p:ph idx="1"/>
+          </p:nvPr>
+        </p:nvSpPr>
+        <p:spPr>
+          <a:xfrm>
+            <a:off x="1484310" y="2166257"/>
+            <a:ext cx="6712634" cy="4477938"/>
+          </a:xfrm>
+        </p:spPr>
+        <p:txBody>
+          <a:bodyPr>
+            <a:normAutofit fontScale="92500" lnSpcReduction="20000"/>
+          </a:bodyPr>
+          <a:lstStyle/>
+          <a:p>
+            <a:pPr>
+              <a:lnSpc>
+                <a:spcPct val="90000"/>
+              </a:lnSpc>
+            </a:pPr>
+            <a:r>
+              <a:rPr lang="fi-FI" sz="1600" dirty="0"/>
+              <a:t>Download and install Oracle instant client from: </a:t>
+            </a:r>
+            <a:r>
+              <a:rPr lang="en-US" sz="1600" dirty="0">
+                <a:hlinkClick r:id="rId3"/>
+              </a:rPr>
+              <a:t>https://www.oracle.com/database/technologies/instant-client/downloads.html</a:t>
+            </a:r>
+            <a:endParaRPr lang="en-US" sz="1600" dirty="0"/>
+          </a:p>
+          <a:p>
+            <a:pPr lvl="1">
+              <a:lnSpc>
+                <a:spcPct val="90000"/>
+              </a:lnSpc>
+            </a:pPr>
+            <a:r>
+              <a:rPr lang="fi-FI" sz="1600" dirty="0"/>
+              <a:t>Extract file to e.g. C:\Oracle\instantclient_19_5</a:t>
+            </a:r>
+          </a:p>
+          <a:p>
+            <a:pPr lvl="1">
+              <a:lnSpc>
+                <a:spcPct val="90000"/>
+              </a:lnSpc>
+            </a:pPr>
+            <a:r>
+              <a:rPr lang="fi-FI" sz="1600" dirty="0"/>
+              <a:t>Add C:\Oracle\instantclient_19_5 to PATH  (System variables side)</a:t>
+            </a:r>
+          </a:p>
+          <a:p>
+            <a:pPr>
+              <a:lnSpc>
+                <a:spcPct val="90000"/>
+              </a:lnSpc>
+            </a:pPr>
+            <a:r>
+              <a:rPr lang="fi-FI" sz="1600" dirty="0"/>
+              <a:t>Install </a:t>
+            </a:r>
+            <a:r>
+              <a:rPr lang="en-US" sz="1600" dirty="0"/>
+              <a:t>Microsoft Visual C++ Redistributable from </a:t>
+            </a:r>
+            <a:r>
+              <a:rPr lang="en-US" sz="1600" dirty="0">
+                <a:hlinkClick r:id="rId4"/>
+              </a:rPr>
+              <a:t>https://support.microsoft.com/en-us/help/2977003/the-latest-supported-visual-c-downloads</a:t>
+            </a:r>
+            <a:endParaRPr lang="en-US" sz="1600" dirty="0"/>
+          </a:p>
+          <a:p>
+            <a:pPr lvl="1">
+              <a:lnSpc>
+                <a:spcPct val="90000"/>
+              </a:lnSpc>
+            </a:pPr>
+            <a:r>
+              <a:rPr lang="fi-FI" sz="1600" dirty="0"/>
+              <a:t>I installed both 32 &amp; 64-bit</a:t>
+            </a:r>
+          </a:p>
+          <a:p>
+            <a:pPr>
+              <a:lnSpc>
+                <a:spcPct val="90000"/>
+              </a:lnSpc>
+            </a:pPr>
+            <a:r>
+              <a:rPr lang="en-US" sz="1600" dirty="0"/>
+              <a:t>Install python drivers </a:t>
+            </a:r>
+          </a:p>
+          <a:p>
+            <a:pPr lvl="1">
+              <a:lnSpc>
+                <a:spcPct val="90000"/>
+              </a:lnSpc>
+            </a:pPr>
+            <a:r>
+              <a:rPr lang="en-US" sz="1600" dirty="0"/>
+              <a:t>C:\Program Files (x86)\Odoo 12.0\python\Scripts&gt; pip install </a:t>
+            </a:r>
+            <a:r>
+              <a:rPr lang="en-US" sz="1600" dirty="0" err="1"/>
+              <a:t>cx_Oracle</a:t>
+            </a:r>
+            <a:r>
+              <a:rPr lang="en-US" sz="1600" dirty="0"/>
+              <a:t> –upgrade</a:t>
+            </a:r>
+          </a:p>
+          <a:p>
+            <a:pPr>
+              <a:lnSpc>
+                <a:spcPct val="90000"/>
+              </a:lnSpc>
+            </a:pPr>
+            <a:r>
+              <a:rPr lang="en-US" sz="1600" dirty="0"/>
+              <a:t>Reboot</a:t>
+            </a:r>
+          </a:p>
+          <a:p>
+            <a:pPr>
+              <a:lnSpc>
+                <a:spcPct val="90000"/>
+              </a:lnSpc>
+            </a:pPr>
+            <a:r>
+              <a:rPr lang="fi-FI" sz="1600" dirty="0"/>
+              <a:t>Select Databases from menu</a:t>
+            </a:r>
+          </a:p>
+          <a:p>
+            <a:pPr>
+              <a:lnSpc>
+                <a:spcPct val="90000"/>
+              </a:lnSpc>
+            </a:pPr>
+            <a:r>
+              <a:rPr lang="fi-FI" sz="1600" dirty="0"/>
+              <a:t>Create…</a:t>
+            </a:r>
+          </a:p>
+          <a:p>
+            <a:pPr>
+              <a:lnSpc>
+                <a:spcPct val="90000"/>
+              </a:lnSpc>
+            </a:pPr>
+            <a:r>
+              <a:rPr lang="en-US" sz="1600" dirty="0"/>
+              <a:t>Select Oracle driver, Change SID &amp; other data when necessary</a:t>
+            </a:r>
+          </a:p>
+          <a:p>
+            <a:pPr>
+              <a:lnSpc>
+                <a:spcPct val="90000"/>
+              </a:lnSpc>
+            </a:pPr>
+            <a:r>
+              <a:rPr lang="en-US" sz="1600" dirty="0"/>
+              <a:t>Save &amp; Test connection</a:t>
+            </a:r>
+          </a:p>
+        </p:txBody>
+      </p:sp>
+      <p:pic>
+        <p:nvPicPr>
+          <p:cNvPr id="3" name="Picture 2">
+            <a:extLst>
+              <a:ext uri="{FF2B5EF4-FFF2-40B4-BE49-F238E27FC236}">
+                <a16:creationId xmlns:a16="http://schemas.microsoft.com/office/drawing/2014/main" id="{89164C29-51D8-4910-A697-5C0D28326A56}"/>
+              </a:ext>
+            </a:extLst>
+          </p:cNvPr>
+          <p:cNvPicPr>
+            <a:picLocks noChangeAspect="1"/>
+          </p:cNvPicPr>
+          <p:nvPr/>
+        </p:nvPicPr>
+        <p:blipFill>
+          <a:blip r:embed="rId5"/>
+          <a:stretch>
+            <a:fillRect/>
+          </a:stretch>
+        </p:blipFill>
+        <p:spPr>
+          <a:xfrm>
+            <a:off x="8229852" y="1670922"/>
+            <a:ext cx="3236738" cy="2467027"/>
+          </a:xfrm>
+          <a:prstGeom prst="roundRect">
+            <a:avLst>
+              <a:gd name="adj" fmla="val 4380"/>
+            </a:avLst>
+          </a:prstGeom>
+          <a:ln w="38100">
+            <a:gradFill flip="none" rotWithShape="1">
+              <a:gsLst>
+                <a:gs pos="0">
+                  <a:schemeClr val="bg2"/>
+                </a:gs>
+                <a:gs pos="100000">
+                  <a:schemeClr val="bg2">
+                    <a:lumMod val="75000"/>
+                  </a:schemeClr>
+                </a:gs>
+              </a:gsLst>
+              <a:lin ang="5400000" scaled="0"/>
+              <a:tileRect/>
+            </a:gradFill>
+          </a:ln>
+          <a:effectLst>
+            <a:innerShdw blurRad="57150" dist="38100" dir="14460000">
+              <a:srgbClr val="000000">
+                <a:alpha val="70000"/>
+              </a:srgbClr>
+            </a:innerShdw>
+          </a:effectLst>
+        </p:spPr>
+        <p:style>
+          <a:lnRef idx="2">
+            <a:schemeClr val="accent1"/>
+          </a:lnRef>
+          <a:fillRef idx="1">
+            <a:schemeClr val="lt1"/>
+          </a:fillRef>
+          <a:effectRef idx="0">
+            <a:schemeClr val="accent1"/>
+          </a:effectRef>
+          <a:fontRef idx="minor">
+            <a:schemeClr val="dk1"/>
+          </a:fontRef>
+        </p:style>
+      </p:pic>
+      <p:sp>
+        <p:nvSpPr>
+          <p:cNvPr id="4" name="Rectangle 3">
+            <a:extLst>
+              <a:ext uri="{FF2B5EF4-FFF2-40B4-BE49-F238E27FC236}">
+                <a16:creationId xmlns:a16="http://schemas.microsoft.com/office/drawing/2014/main" id="{E95816B8-70EF-467F-8CC6-528BFF5175FD}"/>
+              </a:ext>
+            </a:extLst>
+          </p:cNvPr>
+          <p:cNvSpPr/>
+          <p:nvPr/>
+        </p:nvSpPr>
+        <p:spPr>
+          <a:xfrm>
+            <a:off x="4951873" y="6330032"/>
+            <a:ext cx="6978869" cy="307777"/>
+          </a:xfrm>
+          <a:prstGeom prst="rect">
+            <a:avLst/>
+          </a:prstGeom>
+        </p:spPr>
+        <p:txBody>
+          <a:bodyPr wrap="square">
+            <a:spAutoFit/>
+          </a:bodyPr>
+          <a:lstStyle/>
+          <a:p>
+            <a:pPr>
+              <a:spcAft>
+                <a:spcPts val="600"/>
+              </a:spcAft>
+            </a:pPr>
+            <a:r>
+              <a:rPr lang="en-US" sz="1400" dirty="0">
+                <a:hlinkClick r:id="rId6"/>
+              </a:rPr>
+              <a:t>https://cx-oracle.readthedocs.io/en/latest/user_guide/installation.html</a:t>
+            </a:r>
+            <a:endParaRPr lang="en-US" sz="1400" dirty="0"/>
+          </a:p>
+        </p:txBody>
+      </p:sp>
+      <p:pic>
+        <p:nvPicPr>
+          <p:cNvPr id="6" name="Kuva 5">
+            <a:extLst>
+              <a:ext uri="{FF2B5EF4-FFF2-40B4-BE49-F238E27FC236}">
+                <a16:creationId xmlns:a16="http://schemas.microsoft.com/office/drawing/2014/main" id="{3C5D5E0C-B6AA-4048-A7A1-F0E7C4B784A1}"/>
+              </a:ext>
+            </a:extLst>
+          </p:cNvPr>
+          <p:cNvPicPr>
+            <a:picLocks noChangeAspect="1"/>
+          </p:cNvPicPr>
+          <p:nvPr/>
+        </p:nvPicPr>
+        <p:blipFill>
+          <a:blip r:embed="rId7"/>
+          <a:stretch>
+            <a:fillRect/>
+          </a:stretch>
+        </p:blipFill>
+        <p:spPr>
+          <a:xfrm>
+            <a:off x="10025136" y="3872660"/>
+            <a:ext cx="1905606" cy="1705518"/>
+          </a:xfrm>
+          <a:prstGeom prst="roundRect">
+            <a:avLst>
+              <a:gd name="adj" fmla="val 4380"/>
+            </a:avLst>
+          </a:prstGeom>
+          <a:ln w="38100">
+            <a:gradFill flip="none" rotWithShape="1">
+              <a:gsLst>
+                <a:gs pos="0">
+                  <a:schemeClr val="bg2"/>
+                </a:gs>
+                <a:gs pos="100000">
+                  <a:schemeClr val="bg2">
+                    <a:lumMod val="75000"/>
+                  </a:schemeClr>
+                </a:gs>
+              </a:gsLst>
+              <a:lin ang="5400000" scaled="0"/>
+              <a:tileRect/>
+            </a:gradFill>
+          </a:ln>
+          <a:effectLst>
+            <a:innerShdw blurRad="57150" dist="38100" dir="14460000">
+              <a:srgbClr val="000000">
+                <a:alpha val="70000"/>
+              </a:srgbClr>
+            </a:innerShdw>
+          </a:effectLst>
+        </p:spPr>
+        <p:style>
+          <a:lnRef idx="2">
+            <a:schemeClr val="accent1"/>
+          </a:lnRef>
+          <a:fillRef idx="1">
+            <a:schemeClr val="lt1"/>
+          </a:fillRef>
+          <a:effectRef idx="0">
+            <a:schemeClr val="accent1"/>
+          </a:effectRef>
+          <a:fontRef idx="minor">
+            <a:schemeClr val="dk1"/>
+          </a:fontRef>
+        </p:style>
+      </p:pic>
+      <p:sp>
+        <p:nvSpPr>
+          <p:cNvPr id="7" name="TextBox 6">
+            <a:extLst>
+              <a:ext uri="{FF2B5EF4-FFF2-40B4-BE49-F238E27FC236}">
+                <a16:creationId xmlns:a16="http://schemas.microsoft.com/office/drawing/2014/main" id="{3666D34B-8DB0-4B10-A123-D1B8173E8B52}"/>
+              </a:ext>
+            </a:extLst>
+          </p:cNvPr>
+          <p:cNvSpPr txBox="1"/>
+          <p:nvPr/>
+        </p:nvSpPr>
+        <p:spPr>
+          <a:xfrm>
+            <a:off x="6890046" y="540727"/>
+            <a:ext cx="2238113" cy="369332"/>
+          </a:xfrm>
+          <a:prstGeom prst="rect">
+            <a:avLst/>
+          </a:prstGeom>
+        </p:spPr>
+        <p:style>
+          <a:lnRef idx="1">
+            <a:schemeClr val="accent6"/>
+          </a:lnRef>
+          <a:fillRef idx="2">
+            <a:schemeClr val="accent6"/>
+          </a:fillRef>
+          <a:effectRef idx="1">
+            <a:schemeClr val="accent6"/>
+          </a:effectRef>
+          <a:fontRef idx="minor">
+            <a:schemeClr val="dk1"/>
+          </a:fontRef>
+        </p:style>
+        <p:txBody>
+          <a:bodyPr wrap="none" rtlCol="0">
+            <a:spAutoFit/>
+          </a:bodyPr>
+          <a:lstStyle/>
+          <a:p>
+            <a:r>
+              <a:rPr lang="fi-FI" dirty="0"/>
+              <a:t>Windows </a:t>
+            </a:r>
+            <a:r>
+              <a:rPr lang="fi-FI" dirty="0" err="1"/>
+              <a:t>example</a:t>
+            </a:r>
+            <a:endParaRPr lang="en-US" dirty="0"/>
+          </a:p>
+        </p:txBody>
+      </p:sp>
+    </p:spTree>
+    <p:extLst>
+      <p:ext uri="{BB962C8B-B14F-4D97-AF65-F5344CB8AC3E}">
+        <p14:creationId xmlns:p14="http://schemas.microsoft.com/office/powerpoint/2010/main" val="40515889"/>
+      </p:ext>
+    </p:extLst>
+  </p:cSld>
+  <p:clrMapOvr>
+    <a:masterClrMapping/>
+  </p:clrMapOvr>
+</p:sld>
+</file>
+
+<file path=ppt/slides/slide16.xml><?xml version="1.0" encoding="utf-8"?>
+<p:sld xmlns:a="http://schemas.openxmlformats.org/drawingml/2006/main" xmlns:r="http://schemas.openxmlformats.org/officeDocument/2006/relationships" xmlns:p="http://schemas.openxmlformats.org/presentationml/2006/main">
+  <p:cSld>
+    <p:bg>
+      <p:bgPr>
+        <a:blipFill rotWithShape="1">
+          <a:blip r:embed="rId2">
+            <a:duotone>
+              <a:schemeClr val="bg2">
+                <a:shade val="76000"/>
+                <a:satMod val="180000"/>
+              </a:schemeClr>
+              <a:schemeClr val="bg2">
+                <a:tint val="80000"/>
+                <a:satMod val="120000"/>
+                <a:lumMod val="180000"/>
+              </a:schemeClr>
+            </a:duotone>
+          </a:blip>
+          <a:stretch/>
+        </a:blipFill>
+        <a:effectLst/>
+      </p:bgPr>
+    </p:bg>
+    <p:spTree>
+      <p:nvGrpSpPr>
+        <p:cNvPr id="1" name=""/>
+        <p:cNvGrpSpPr/>
+        <p:nvPr/>
+      </p:nvGrpSpPr>
+      <p:grpSpPr>
+        <a:xfrm>
+          <a:off x="0" y="0"/>
+          <a:ext cx="0" cy="0"/>
+          <a:chOff x="0" y="0"/>
+          <a:chExt cx="0" cy="0"/>
+        </a:xfrm>
+      </p:grpSpPr>
+      <p:sp>
+        <p:nvSpPr>
+          <p:cNvPr id="2" name="Otsikko 1">
+            <a:extLst>
+              <a:ext uri="{FF2B5EF4-FFF2-40B4-BE49-F238E27FC236}">
+                <a16:creationId xmlns:a16="http://schemas.microsoft.com/office/drawing/2014/main" id="{00619EB1-3DA1-4009-A947-B71E1BBF0695}"/>
+              </a:ext>
+            </a:extLst>
+          </p:cNvPr>
+          <p:cNvSpPr>
+            <a:spLocks noGrp="1"/>
+          </p:cNvSpPr>
+          <p:nvPr>
+            <p:ph type="title"/>
+          </p:nvPr>
+        </p:nvSpPr>
+        <p:spPr>
+          <a:xfrm>
+            <a:off x="1414863" y="725393"/>
+            <a:ext cx="9864665" cy="1433285"/>
+          </a:xfrm>
+        </p:spPr>
+        <p:txBody>
+          <a:bodyPr>
+            <a:normAutofit/>
+          </a:bodyPr>
+          <a:lstStyle/>
+          <a:p>
+            <a:r>
+              <a:rPr lang="fi-FI" dirty="0"/>
+              <a:t>Create database / datasource for Oracle</a:t>
+            </a:r>
+            <a:endParaRPr lang="en-US" dirty="0"/>
+          </a:p>
+        </p:txBody>
+      </p:sp>
+      <p:sp>
+        <p:nvSpPr>
+          <p:cNvPr id="5" name="Content Placeholder 4">
+            <a:extLst>
+              <a:ext uri="{FF2B5EF4-FFF2-40B4-BE49-F238E27FC236}">
+                <a16:creationId xmlns:a16="http://schemas.microsoft.com/office/drawing/2014/main" id="{AF8F1177-B63B-4223-B20D-EAB395153FFA}"/>
+              </a:ext>
+            </a:extLst>
+          </p:cNvPr>
+          <p:cNvSpPr>
+            <a:spLocks noGrp="1"/>
+          </p:cNvSpPr>
+          <p:nvPr>
+            <p:ph idx="1"/>
+          </p:nvPr>
+        </p:nvSpPr>
+        <p:spPr>
+          <a:xfrm>
+            <a:off x="1484310" y="2583471"/>
+            <a:ext cx="9982280" cy="4060723"/>
+          </a:xfrm>
+        </p:spPr>
+        <p:txBody>
+          <a:bodyPr>
+            <a:noAutofit/>
+          </a:bodyPr>
+          <a:lstStyle/>
+          <a:p>
+            <a:pPr>
+              <a:lnSpc>
+                <a:spcPct val="90000"/>
+              </a:lnSpc>
+            </a:pPr>
+            <a:r>
+              <a:rPr lang="fi-FI" sz="1600" dirty="0" err="1"/>
+              <a:t>sudo</a:t>
+            </a:r>
+            <a:r>
+              <a:rPr lang="fi-FI" sz="1600" dirty="0"/>
+              <a:t> </a:t>
+            </a:r>
+            <a:r>
+              <a:rPr lang="fi-FI" sz="1600" dirty="0" err="1"/>
+              <a:t>apt-get</a:t>
+            </a:r>
+            <a:r>
+              <a:rPr lang="fi-FI" sz="1600" dirty="0"/>
+              <a:t> </a:t>
+            </a:r>
+            <a:r>
+              <a:rPr lang="fi-FI" sz="1600" dirty="0" err="1"/>
+              <a:t>install</a:t>
+            </a:r>
+            <a:r>
+              <a:rPr lang="fi-FI" sz="1600" dirty="0"/>
+              <a:t> </a:t>
+            </a:r>
+            <a:r>
+              <a:rPr lang="fi-FI" sz="1600" dirty="0" err="1"/>
+              <a:t>build-essential</a:t>
+            </a:r>
+            <a:r>
+              <a:rPr lang="fi-FI" sz="1600" dirty="0"/>
+              <a:t> </a:t>
+            </a:r>
+            <a:r>
+              <a:rPr lang="fi-FI" sz="1600" dirty="0" err="1"/>
+              <a:t>unzip</a:t>
+            </a:r>
+            <a:r>
+              <a:rPr lang="fi-FI" sz="1600" dirty="0"/>
+              <a:t> python-</a:t>
+            </a:r>
+            <a:r>
+              <a:rPr lang="fi-FI" sz="1600" dirty="0" err="1"/>
+              <a:t>dev</a:t>
+            </a:r>
+            <a:r>
+              <a:rPr lang="fi-FI" sz="1600" dirty="0"/>
+              <a:t> </a:t>
+            </a:r>
+            <a:r>
+              <a:rPr lang="fi-FI" sz="1600" dirty="0" err="1"/>
+              <a:t>libaio-dev</a:t>
+            </a:r>
+            <a:endParaRPr lang="fi-FI" sz="1600" dirty="0"/>
+          </a:p>
+          <a:p>
+            <a:pPr>
+              <a:lnSpc>
+                <a:spcPct val="90000"/>
+              </a:lnSpc>
+            </a:pPr>
+            <a:r>
+              <a:rPr lang="fi-FI" sz="1600" dirty="0" err="1"/>
+              <a:t>export</a:t>
+            </a:r>
+            <a:r>
+              <a:rPr lang="fi-FI" sz="1600" dirty="0"/>
+              <a:t> ORACLE_HOME=/home/</a:t>
+            </a:r>
+            <a:r>
+              <a:rPr lang="fi-FI" sz="1600" dirty="0" err="1"/>
+              <a:t>odoo</a:t>
+            </a:r>
+            <a:r>
+              <a:rPr lang="fi-FI" sz="1600" dirty="0"/>
+              <a:t>/instantclient_21_1</a:t>
+            </a:r>
+          </a:p>
+          <a:p>
+            <a:pPr>
+              <a:lnSpc>
+                <a:spcPct val="90000"/>
+              </a:lnSpc>
+            </a:pPr>
+            <a:r>
+              <a:rPr lang="fi-FI" sz="1600" dirty="0"/>
+              <a:t>cd $ORACLE_HOME</a:t>
+            </a:r>
+          </a:p>
+          <a:p>
+            <a:pPr>
+              <a:lnSpc>
+                <a:spcPct val="90000"/>
+              </a:lnSpc>
+            </a:pPr>
+            <a:r>
+              <a:rPr lang="fi-FI" sz="1600" dirty="0" err="1"/>
+              <a:t>ln</a:t>
+            </a:r>
+            <a:r>
+              <a:rPr lang="fi-FI" sz="1600" dirty="0"/>
+              <a:t> -s libclntsh.so.21.1   libclntsh.so  #the version </a:t>
+            </a:r>
+            <a:r>
+              <a:rPr lang="fi-FI" sz="1600" dirty="0" err="1"/>
+              <a:t>number</a:t>
+            </a:r>
+            <a:r>
+              <a:rPr lang="fi-FI" sz="1600" dirty="0"/>
+              <a:t> on </a:t>
+            </a:r>
+            <a:r>
+              <a:rPr lang="fi-FI" sz="1600" dirty="0" err="1"/>
+              <a:t>your</a:t>
+            </a:r>
+            <a:r>
+              <a:rPr lang="fi-FI" sz="1600" dirty="0"/>
+              <a:t> .</a:t>
+            </a:r>
+            <a:r>
+              <a:rPr lang="fi-FI" sz="1600" dirty="0" err="1"/>
+              <a:t>so</a:t>
+            </a:r>
+            <a:r>
+              <a:rPr lang="fi-FI" sz="1600" dirty="0"/>
+              <a:t> </a:t>
+            </a:r>
+            <a:r>
+              <a:rPr lang="fi-FI" sz="1600" dirty="0" err="1"/>
+              <a:t>file</a:t>
+            </a:r>
+            <a:r>
+              <a:rPr lang="fi-FI" sz="1600" dirty="0"/>
+              <a:t> </a:t>
+            </a:r>
+            <a:r>
+              <a:rPr lang="fi-FI" sz="1600" dirty="0" err="1"/>
+              <a:t>might</a:t>
+            </a:r>
+            <a:r>
+              <a:rPr lang="fi-FI" sz="1600" dirty="0"/>
+              <a:t> </a:t>
+            </a:r>
+            <a:r>
+              <a:rPr lang="fi-FI" sz="1600" dirty="0" err="1"/>
+              <a:t>be</a:t>
+            </a:r>
+            <a:r>
+              <a:rPr lang="fi-FI" sz="1600" dirty="0"/>
+              <a:t> </a:t>
+            </a:r>
+            <a:r>
+              <a:rPr lang="fi-FI" sz="1600" dirty="0" err="1"/>
+              <a:t>different</a:t>
+            </a:r>
+            <a:endParaRPr lang="fi-FI" sz="1600" dirty="0"/>
+          </a:p>
+          <a:p>
+            <a:pPr>
+              <a:lnSpc>
+                <a:spcPct val="90000"/>
+              </a:lnSpc>
+            </a:pPr>
+            <a:r>
+              <a:rPr lang="fi-FI" sz="1600" dirty="0" err="1"/>
+              <a:t>export</a:t>
+            </a:r>
+            <a:r>
+              <a:rPr lang="fi-FI" sz="1600" dirty="0"/>
+              <a:t> ORACLE_HOME=/home/</a:t>
+            </a:r>
+            <a:r>
+              <a:rPr lang="fi-FI" sz="1600" dirty="0" err="1"/>
+              <a:t>odoo</a:t>
+            </a:r>
+            <a:r>
+              <a:rPr lang="fi-FI" sz="1600" dirty="0"/>
+              <a:t>/instantclient_21_1</a:t>
+            </a:r>
+          </a:p>
+          <a:p>
+            <a:pPr>
+              <a:lnSpc>
+                <a:spcPct val="90000"/>
+              </a:lnSpc>
+            </a:pPr>
+            <a:r>
+              <a:rPr lang="fi-FI" sz="1600" dirty="0" err="1"/>
+              <a:t>export</a:t>
+            </a:r>
+            <a:r>
+              <a:rPr lang="fi-FI" sz="1600" dirty="0"/>
+              <a:t> LD_LIBRARY_PATH=$LD_LIBRARY_PATH:$ORACLE_HOME</a:t>
+            </a:r>
+          </a:p>
+          <a:p>
+            <a:pPr>
+              <a:lnSpc>
+                <a:spcPct val="90000"/>
+              </a:lnSpc>
+            </a:pPr>
+            <a:r>
+              <a:rPr lang="fi-FI" sz="1600" dirty="0" err="1"/>
+              <a:t>source</a:t>
+            </a:r>
+            <a:r>
+              <a:rPr lang="fi-FI" sz="1600" dirty="0"/>
+              <a:t> ~/.</a:t>
+            </a:r>
+            <a:r>
+              <a:rPr lang="fi-FI" sz="1600" dirty="0" err="1"/>
+              <a:t>bashrc</a:t>
+            </a:r>
+            <a:endParaRPr lang="fi-FI" sz="1600" dirty="0"/>
+          </a:p>
+          <a:p>
+            <a:pPr>
+              <a:lnSpc>
+                <a:spcPct val="90000"/>
+              </a:lnSpc>
+            </a:pPr>
+            <a:r>
+              <a:rPr lang="fi-FI" sz="1600" dirty="0" err="1"/>
+              <a:t>sudo</a:t>
+            </a:r>
+            <a:r>
+              <a:rPr lang="fi-FI" sz="1600" dirty="0"/>
+              <a:t> nano /</a:t>
+            </a:r>
+            <a:r>
+              <a:rPr lang="fi-FI" sz="1600" dirty="0" err="1"/>
+              <a:t>etc</a:t>
+            </a:r>
+            <a:r>
+              <a:rPr lang="fi-FI" sz="1600" dirty="0"/>
+              <a:t>/</a:t>
+            </a:r>
+            <a:r>
+              <a:rPr lang="fi-FI" sz="1600" dirty="0" err="1"/>
+              <a:t>ld.so.conf.d</a:t>
+            </a:r>
+            <a:r>
+              <a:rPr lang="fi-FI" sz="1600" dirty="0"/>
+              <a:t>/</a:t>
+            </a:r>
+            <a:r>
+              <a:rPr lang="fi-FI" sz="1600" dirty="0" err="1"/>
+              <a:t>oracle.conf</a:t>
+            </a:r>
+            <a:endParaRPr lang="fi-FI" sz="1600" dirty="0"/>
+          </a:p>
+          <a:p>
+            <a:pPr>
+              <a:lnSpc>
+                <a:spcPct val="90000"/>
+              </a:lnSpc>
+            </a:pPr>
+            <a:r>
+              <a:rPr lang="fi-FI" sz="1600" dirty="0" err="1"/>
+              <a:t>add</a:t>
+            </a:r>
+            <a:r>
+              <a:rPr lang="fi-FI" sz="1600" dirty="0"/>
+              <a:t> </a:t>
+            </a:r>
+            <a:r>
+              <a:rPr lang="fi-FI" sz="1600" dirty="0" err="1"/>
+              <a:t>row</a:t>
+            </a:r>
+            <a:r>
+              <a:rPr lang="fi-FI" sz="1600" dirty="0"/>
+              <a:t>:</a:t>
+            </a:r>
+          </a:p>
+          <a:p>
+            <a:pPr lvl="1">
+              <a:lnSpc>
+                <a:spcPct val="90000"/>
+              </a:lnSpc>
+            </a:pPr>
+            <a:r>
+              <a:rPr lang="fi-FI" sz="1400" dirty="0"/>
+              <a:t>/home/</a:t>
+            </a:r>
+            <a:r>
+              <a:rPr lang="fi-FI" sz="1400" dirty="0" err="1"/>
+              <a:t>odoo</a:t>
+            </a:r>
+            <a:r>
+              <a:rPr lang="fi-FI" sz="1400" dirty="0"/>
+              <a:t>/instantclient_21_1</a:t>
+            </a:r>
+          </a:p>
+          <a:p>
+            <a:pPr>
+              <a:lnSpc>
+                <a:spcPct val="90000"/>
+              </a:lnSpc>
+            </a:pPr>
+            <a:r>
+              <a:rPr lang="fi-FI" sz="1600" dirty="0" err="1"/>
+              <a:t>sudo</a:t>
+            </a:r>
+            <a:r>
+              <a:rPr lang="fi-FI" sz="1600" dirty="0"/>
+              <a:t> </a:t>
+            </a:r>
+            <a:r>
+              <a:rPr lang="fi-FI" sz="1600" dirty="0" err="1"/>
+              <a:t>ldconfig</a:t>
+            </a:r>
+            <a:endParaRPr lang="fi-FI" sz="1600" dirty="0"/>
+          </a:p>
+          <a:p>
+            <a:pPr>
+              <a:lnSpc>
+                <a:spcPct val="90000"/>
+              </a:lnSpc>
+            </a:pPr>
+            <a:r>
+              <a:rPr lang="fi-FI" sz="1600" dirty="0" err="1"/>
+              <a:t>sudo</a:t>
+            </a:r>
+            <a:r>
+              <a:rPr lang="fi-FI" sz="1600" dirty="0"/>
+              <a:t> pip3 </a:t>
+            </a:r>
+            <a:r>
+              <a:rPr lang="fi-FI" sz="1600" dirty="0" err="1"/>
+              <a:t>install</a:t>
+            </a:r>
+            <a:r>
+              <a:rPr lang="fi-FI" sz="1600" dirty="0"/>
+              <a:t> </a:t>
+            </a:r>
+            <a:r>
+              <a:rPr lang="fi-FI" sz="1600" dirty="0" err="1"/>
+              <a:t>cx_oracle</a:t>
+            </a:r>
+            <a:endParaRPr lang="fi-FI" sz="1600" dirty="0"/>
+          </a:p>
+        </p:txBody>
+      </p:sp>
+      <p:pic>
+        <p:nvPicPr>
+          <p:cNvPr id="3" name="Picture 2">
+            <a:extLst>
+              <a:ext uri="{FF2B5EF4-FFF2-40B4-BE49-F238E27FC236}">
+                <a16:creationId xmlns:a16="http://schemas.microsoft.com/office/drawing/2014/main" id="{89164C29-51D8-4910-A697-5C0D28326A56}"/>
+              </a:ext>
+            </a:extLst>
+          </p:cNvPr>
+          <p:cNvPicPr>
+            <a:picLocks noChangeAspect="1"/>
+          </p:cNvPicPr>
+          <p:nvPr/>
+        </p:nvPicPr>
+        <p:blipFill>
+          <a:blip r:embed="rId3"/>
+          <a:stretch>
+            <a:fillRect/>
+          </a:stretch>
+        </p:blipFill>
+        <p:spPr>
+          <a:xfrm>
+            <a:off x="8229852" y="1670922"/>
+            <a:ext cx="3236738" cy="2467027"/>
+          </a:xfrm>
+          <a:prstGeom prst="roundRect">
+            <a:avLst>
+              <a:gd name="adj" fmla="val 4380"/>
+            </a:avLst>
+          </a:prstGeom>
+          <a:ln w="38100">
+            <a:gradFill flip="none" rotWithShape="1">
+              <a:gsLst>
+                <a:gs pos="0">
+                  <a:schemeClr val="bg2"/>
+                </a:gs>
+                <a:gs pos="100000">
+                  <a:schemeClr val="bg2">
+                    <a:lumMod val="75000"/>
+                  </a:schemeClr>
+                </a:gs>
+              </a:gsLst>
+              <a:lin ang="5400000" scaled="0"/>
+              <a:tileRect/>
+            </a:gradFill>
+          </a:ln>
+          <a:effectLst>
+            <a:innerShdw blurRad="57150" dist="38100" dir="14460000">
+              <a:srgbClr val="000000">
+                <a:alpha val="70000"/>
+              </a:srgbClr>
+            </a:innerShdw>
+          </a:effectLst>
+        </p:spPr>
+        <p:style>
+          <a:lnRef idx="2">
+            <a:schemeClr val="accent1"/>
+          </a:lnRef>
+          <a:fillRef idx="1">
+            <a:schemeClr val="lt1"/>
+          </a:fillRef>
+          <a:effectRef idx="0">
+            <a:schemeClr val="accent1"/>
+          </a:effectRef>
+          <a:fontRef idx="minor">
+            <a:schemeClr val="dk1"/>
+          </a:fontRef>
+        </p:style>
+      </p:pic>
+      <p:sp>
+        <p:nvSpPr>
+          <p:cNvPr id="4" name="Rectangle 3">
+            <a:extLst>
+              <a:ext uri="{FF2B5EF4-FFF2-40B4-BE49-F238E27FC236}">
+                <a16:creationId xmlns:a16="http://schemas.microsoft.com/office/drawing/2014/main" id="{E95816B8-70EF-467F-8CC6-528BFF5175FD}"/>
+              </a:ext>
+            </a:extLst>
+          </p:cNvPr>
+          <p:cNvSpPr/>
+          <p:nvPr/>
+        </p:nvSpPr>
+        <p:spPr>
+          <a:xfrm>
+            <a:off x="5061833" y="6490305"/>
+            <a:ext cx="6978869" cy="307777"/>
+          </a:xfrm>
+          <a:prstGeom prst="rect">
+            <a:avLst/>
+          </a:prstGeom>
+        </p:spPr>
+        <p:txBody>
+          <a:bodyPr wrap="square">
+            <a:spAutoFit/>
+          </a:bodyPr>
+          <a:lstStyle/>
+          <a:p>
+            <a:pPr>
+              <a:spcAft>
+                <a:spcPts val="600"/>
+              </a:spcAft>
+            </a:pPr>
+            <a:r>
+              <a:rPr lang="en-US" sz="1400" dirty="0">
+                <a:hlinkClick r:id="rId4"/>
+              </a:rPr>
+              <a:t>https://cx-oracle.readthedocs.io/en/latest/user_guide/installation.html</a:t>
+            </a:r>
+            <a:endParaRPr lang="en-US" sz="1400" dirty="0"/>
+          </a:p>
+        </p:txBody>
+      </p:sp>
+      <p:pic>
+        <p:nvPicPr>
+          <p:cNvPr id="6" name="Kuva 5">
+            <a:extLst>
+              <a:ext uri="{FF2B5EF4-FFF2-40B4-BE49-F238E27FC236}">
+                <a16:creationId xmlns:a16="http://schemas.microsoft.com/office/drawing/2014/main" id="{3C5D5E0C-B6AA-4048-A7A1-F0E7C4B784A1}"/>
+              </a:ext>
+            </a:extLst>
+          </p:cNvPr>
+          <p:cNvPicPr>
+            <a:picLocks noChangeAspect="1"/>
+          </p:cNvPicPr>
+          <p:nvPr/>
+        </p:nvPicPr>
+        <p:blipFill>
+          <a:blip r:embed="rId5"/>
+          <a:stretch>
+            <a:fillRect/>
+          </a:stretch>
+        </p:blipFill>
+        <p:spPr>
+          <a:xfrm>
+            <a:off x="10025136" y="3872660"/>
+            <a:ext cx="1905606" cy="1705518"/>
+          </a:xfrm>
+          <a:prstGeom prst="roundRect">
+            <a:avLst>
+              <a:gd name="adj" fmla="val 4380"/>
+            </a:avLst>
+          </a:prstGeom>
+          <a:ln w="38100">
+            <a:gradFill flip="none" rotWithShape="1">
+              <a:gsLst>
+                <a:gs pos="0">
+                  <a:schemeClr val="bg2"/>
+                </a:gs>
+                <a:gs pos="100000">
+                  <a:schemeClr val="bg2">
+                    <a:lumMod val="75000"/>
+                  </a:schemeClr>
+                </a:gs>
+              </a:gsLst>
+              <a:lin ang="5400000" scaled="0"/>
+              <a:tileRect/>
+            </a:gradFill>
+          </a:ln>
+          <a:effectLst>
+            <a:innerShdw blurRad="57150" dist="38100" dir="14460000">
+              <a:srgbClr val="000000">
+                <a:alpha val="70000"/>
+              </a:srgbClr>
+            </a:innerShdw>
+          </a:effectLst>
+        </p:spPr>
+        <p:style>
+          <a:lnRef idx="2">
+            <a:schemeClr val="accent1"/>
+          </a:lnRef>
+          <a:fillRef idx="1">
+            <a:schemeClr val="lt1"/>
+          </a:fillRef>
+          <a:effectRef idx="0">
+            <a:schemeClr val="accent1"/>
+          </a:effectRef>
+          <a:fontRef idx="minor">
+            <a:schemeClr val="dk1"/>
+          </a:fontRef>
+        </p:style>
+      </p:pic>
+      <p:sp>
+        <p:nvSpPr>
+          <p:cNvPr id="7" name="TextBox 6">
+            <a:extLst>
+              <a:ext uri="{FF2B5EF4-FFF2-40B4-BE49-F238E27FC236}">
+                <a16:creationId xmlns:a16="http://schemas.microsoft.com/office/drawing/2014/main" id="{3666D34B-8DB0-4B10-A123-D1B8173E8B52}"/>
+              </a:ext>
+            </a:extLst>
+          </p:cNvPr>
+          <p:cNvSpPr txBox="1"/>
+          <p:nvPr/>
+        </p:nvSpPr>
+        <p:spPr>
+          <a:xfrm>
+            <a:off x="6890046" y="540727"/>
+            <a:ext cx="1039067" cy="369332"/>
+          </a:xfrm>
+          <a:prstGeom prst="rect">
+            <a:avLst/>
+          </a:prstGeom>
+        </p:spPr>
+        <p:style>
+          <a:lnRef idx="1">
+            <a:schemeClr val="accent6"/>
+          </a:lnRef>
+          <a:fillRef idx="2">
+            <a:schemeClr val="accent6"/>
+          </a:fillRef>
+          <a:effectRef idx="1">
+            <a:schemeClr val="accent6"/>
+          </a:effectRef>
+          <a:fontRef idx="minor">
+            <a:schemeClr val="dk1"/>
+          </a:fontRef>
+        </p:style>
+        <p:txBody>
+          <a:bodyPr wrap="none" rtlCol="0">
+            <a:spAutoFit/>
+          </a:bodyPr>
+          <a:lstStyle/>
+          <a:p>
+            <a:r>
+              <a:rPr lang="fi-FI" dirty="0"/>
+              <a:t>UBUNTU</a:t>
+            </a:r>
+            <a:endParaRPr lang="en-US" dirty="0"/>
+          </a:p>
+        </p:txBody>
+      </p:sp>
+      <p:sp>
+        <p:nvSpPr>
+          <p:cNvPr id="9" name="TextBox 8">
+            <a:extLst>
+              <a:ext uri="{FF2B5EF4-FFF2-40B4-BE49-F238E27FC236}">
+                <a16:creationId xmlns:a16="http://schemas.microsoft.com/office/drawing/2014/main" id="{6C9011D6-9975-4684-AFC9-8F85195752DD}"/>
+              </a:ext>
+            </a:extLst>
+          </p:cNvPr>
+          <p:cNvSpPr txBox="1"/>
+          <p:nvPr/>
+        </p:nvSpPr>
+        <p:spPr>
+          <a:xfrm>
+            <a:off x="1829255" y="1833449"/>
+            <a:ext cx="6099858" cy="341632"/>
+          </a:xfrm>
+          <a:prstGeom prst="rect">
+            <a:avLst/>
+          </a:prstGeom>
+          <a:noFill/>
+        </p:spPr>
+        <p:txBody>
+          <a:bodyPr wrap="square">
+            <a:spAutoFit/>
+          </a:bodyPr>
+          <a:lstStyle/>
+          <a:p>
+            <a:pPr>
+              <a:lnSpc>
+                <a:spcPct val="90000"/>
+              </a:lnSpc>
+            </a:pPr>
+            <a:r>
+              <a:rPr lang="fi-FI" sz="1800" dirty="0"/>
+              <a:t>https://gist.github.com/kimus/10012910</a:t>
+            </a:r>
+          </a:p>
+        </p:txBody>
+      </p:sp>
+    </p:spTree>
+    <p:extLst>
+      <p:ext uri="{BB962C8B-B14F-4D97-AF65-F5344CB8AC3E}">
+        <p14:creationId xmlns:p14="http://schemas.microsoft.com/office/powerpoint/2010/main" val="2249970706"/>
+      </p:ext>
+    </p:extLst>
+  </p:cSld>
+  <p:clrMapOvr>
+    <a:masterClrMapping/>
+  </p:clrMapOvr>
+</p:sld>
+</file>
+
+<file path=ppt/slides/slide17.xml><?xml version="1.0" encoding="utf-8"?>
+<p:sld xmlns:a="http://schemas.openxmlformats.org/drawingml/2006/main" xmlns:r="http://schemas.openxmlformats.org/officeDocument/2006/relationships" xmlns:p="http://schemas.openxmlformats.org/presentationml/2006/main">
+  <p:cSld>
+    <p:spTree>
+      <p:nvGrpSpPr>
+        <p:cNvPr id="1" name=""/>
+        <p:cNvGrpSpPr/>
+        <p:nvPr/>
+      </p:nvGrpSpPr>
+      <p:grpSpPr>
+        <a:xfrm>
+          <a:off x="0" y="0"/>
+          <a:ext cx="0" cy="0"/>
+          <a:chOff x="0" y="0"/>
+          <a:chExt cx="0" cy="0"/>
+        </a:xfrm>
+      </p:grpSpPr>
+      <p:sp>
+        <p:nvSpPr>
+          <p:cNvPr id="4" name="Title 3">
+            <a:extLst>
+              <a:ext uri="{FF2B5EF4-FFF2-40B4-BE49-F238E27FC236}">
+                <a16:creationId xmlns:a16="http://schemas.microsoft.com/office/drawing/2014/main" id="{FECE8018-8A65-49F4-9CC5-E6BC824369C7}"/>
+              </a:ext>
+            </a:extLst>
+          </p:cNvPr>
+          <p:cNvSpPr>
+            <a:spLocks noGrp="1"/>
+          </p:cNvSpPr>
+          <p:nvPr>
+            <p:ph type="title"/>
+          </p:nvPr>
+        </p:nvSpPr>
+        <p:spPr/>
+        <p:txBody>
+          <a:bodyPr/>
+          <a:lstStyle/>
+          <a:p>
+            <a:r>
+              <a:rPr lang="fi-FI" dirty="0"/>
+              <a:t>Oracle DB </a:t>
+            </a:r>
+            <a:r>
+              <a:rPr lang="fi-FI" dirty="0" err="1"/>
+              <a:t>connection</a:t>
+            </a:r>
+            <a:r>
+              <a:rPr lang="fi-FI" dirty="0"/>
+              <a:t> </a:t>
+            </a:r>
+            <a:endParaRPr lang="en-US" dirty="0"/>
+          </a:p>
+        </p:txBody>
+      </p:sp>
+      <p:pic>
+        <p:nvPicPr>
+          <p:cNvPr id="6" name="Picture 5">
+            <a:extLst>
+              <a:ext uri="{FF2B5EF4-FFF2-40B4-BE49-F238E27FC236}">
+                <a16:creationId xmlns:a16="http://schemas.microsoft.com/office/drawing/2014/main" id="{1C924B7D-3987-4D81-9441-DE0DB4D9E13C}"/>
+              </a:ext>
+            </a:extLst>
+          </p:cNvPr>
+          <p:cNvPicPr>
+            <a:picLocks noChangeAspect="1"/>
+          </p:cNvPicPr>
+          <p:nvPr/>
+        </p:nvPicPr>
+        <p:blipFill>
+          <a:blip r:embed="rId2"/>
+          <a:stretch>
+            <a:fillRect/>
+          </a:stretch>
+        </p:blipFill>
+        <p:spPr>
+          <a:xfrm>
+            <a:off x="2187592" y="2350712"/>
+            <a:ext cx="8073364" cy="3817699"/>
+          </a:xfrm>
+          <a:prstGeom prst="rect">
+            <a:avLst/>
+          </a:prstGeom>
+        </p:spPr>
+      </p:pic>
+    </p:spTree>
+    <p:extLst>
+      <p:ext uri="{BB962C8B-B14F-4D97-AF65-F5344CB8AC3E}">
+        <p14:creationId xmlns:p14="http://schemas.microsoft.com/office/powerpoint/2010/main" val="1087317336"/>
+      </p:ext>
+    </p:extLst>
+  </p:cSld>
+  <p:clrMapOvr>
+    <a:masterClrMapping/>
+  </p:clrMapOvr>
+</p:sld>
+</file>
+
+<file path=ppt/slides/slide18.xml><?xml version="1.0" encoding="utf-8"?>
+<p:sld xmlns:a="http://schemas.openxmlformats.org/drawingml/2006/main" xmlns:r="http://schemas.openxmlformats.org/officeDocument/2006/relationships" xmlns:p="http://schemas.openxmlformats.org/presentationml/2006/main">
+  <p:cSld>
+    <p:spTree>
+      <p:nvGrpSpPr>
+        <p:cNvPr id="1" name=""/>
+        <p:cNvGrpSpPr/>
+        <p:nvPr/>
+      </p:nvGrpSpPr>
+      <p:grpSpPr>
+        <a:xfrm>
+          <a:off x="0" y="0"/>
+          <a:ext cx="0" cy="0"/>
+          <a:chOff x="0" y="0"/>
+          <a:chExt cx="0" cy="0"/>
+        </a:xfrm>
+      </p:grpSpPr>
+      <p:sp>
+        <p:nvSpPr>
+          <p:cNvPr id="2" name="Title 1">
+            <a:extLst>
+              <a:ext uri="{FF2B5EF4-FFF2-40B4-BE49-F238E27FC236}">
+                <a16:creationId xmlns:a16="http://schemas.microsoft.com/office/drawing/2014/main" id="{CC14C66F-2AA3-42B1-B5B0-48554DA02A6B}"/>
+              </a:ext>
+            </a:extLst>
+          </p:cNvPr>
+          <p:cNvSpPr>
+            <a:spLocks noGrp="1"/>
+          </p:cNvSpPr>
+          <p:nvPr>
+            <p:ph type="title"/>
+          </p:nvPr>
+        </p:nvSpPr>
+        <p:spPr/>
+        <p:txBody>
+          <a:bodyPr/>
+          <a:lstStyle/>
+          <a:p>
+            <a:r>
+              <a:rPr lang="fi-FI" dirty="0"/>
+              <a:t>Copy</a:t>
+            </a:r>
+            <a:endParaRPr lang="en-US" dirty="0"/>
+          </a:p>
+        </p:txBody>
+      </p:sp>
+      <p:sp>
+        <p:nvSpPr>
+          <p:cNvPr id="3" name="Content Placeholder 2">
+            <a:extLst>
+              <a:ext uri="{FF2B5EF4-FFF2-40B4-BE49-F238E27FC236}">
+                <a16:creationId xmlns:a16="http://schemas.microsoft.com/office/drawing/2014/main" id="{82655ED1-F5E0-4E5E-A9BF-136D08A7DEB2}"/>
+              </a:ext>
+            </a:extLst>
+          </p:cNvPr>
+          <p:cNvSpPr>
+            <a:spLocks noGrp="1"/>
+          </p:cNvSpPr>
+          <p:nvPr>
+            <p:ph idx="1"/>
+          </p:nvPr>
+        </p:nvSpPr>
+        <p:spPr/>
+        <p:txBody>
+          <a:bodyPr/>
+          <a:lstStyle/>
+          <a:p>
+            <a:r>
+              <a:rPr lang="en-US" dirty="0"/>
+              <a:t>cx_Oracle.cp37-win32.pyd</a:t>
+            </a:r>
+          </a:p>
+          <a:p>
+            <a:r>
+              <a:rPr lang="en-US" dirty="0"/>
+              <a:t>cx_Oracle-8.1.0.dist-info  folder</a:t>
+            </a:r>
+          </a:p>
+          <a:p>
+            <a:endParaRPr lang="en-US" dirty="0"/>
+          </a:p>
+          <a:p>
+            <a:r>
+              <a:rPr lang="en-US" dirty="0"/>
+              <a:t>To</a:t>
+            </a:r>
+          </a:p>
+          <a:p>
+            <a:r>
+              <a:rPr lang="en-US" dirty="0"/>
+              <a:t>C:\Program Files (x86)\Odoo 13.0\python\Lib\site-packages</a:t>
+            </a:r>
+          </a:p>
+        </p:txBody>
+      </p:sp>
+      <p:sp>
+        <p:nvSpPr>
+          <p:cNvPr id="4" name="TextBox 3">
+            <a:extLst>
+              <a:ext uri="{FF2B5EF4-FFF2-40B4-BE49-F238E27FC236}">
+                <a16:creationId xmlns:a16="http://schemas.microsoft.com/office/drawing/2014/main" id="{8F6C26EF-8168-4366-A01B-5EB401B49C64}"/>
+              </a:ext>
+            </a:extLst>
+          </p:cNvPr>
+          <p:cNvSpPr txBox="1"/>
+          <p:nvPr/>
+        </p:nvSpPr>
+        <p:spPr>
+          <a:xfrm>
+            <a:off x="6890046" y="540727"/>
+            <a:ext cx="2238113" cy="369332"/>
+          </a:xfrm>
+          <a:prstGeom prst="rect">
+            <a:avLst/>
+          </a:prstGeom>
+        </p:spPr>
+        <p:style>
+          <a:lnRef idx="1">
+            <a:schemeClr val="accent6"/>
+          </a:lnRef>
+          <a:fillRef idx="2">
+            <a:schemeClr val="accent6"/>
+          </a:fillRef>
+          <a:effectRef idx="1">
+            <a:schemeClr val="accent6"/>
+          </a:effectRef>
+          <a:fontRef idx="minor">
+            <a:schemeClr val="dk1"/>
+          </a:fontRef>
+        </p:style>
+        <p:txBody>
+          <a:bodyPr wrap="none" rtlCol="0">
+            <a:spAutoFit/>
+          </a:bodyPr>
+          <a:lstStyle/>
+          <a:p>
+            <a:r>
+              <a:rPr lang="fi-FI" dirty="0"/>
+              <a:t>Windows </a:t>
+            </a:r>
+            <a:r>
+              <a:rPr lang="fi-FI" dirty="0" err="1"/>
+              <a:t>example</a:t>
+            </a:r>
+            <a:endParaRPr lang="en-US" dirty="0"/>
+          </a:p>
+        </p:txBody>
+      </p:sp>
+    </p:spTree>
+    <p:extLst>
+      <p:ext uri="{BB962C8B-B14F-4D97-AF65-F5344CB8AC3E}">
+        <p14:creationId xmlns:p14="http://schemas.microsoft.com/office/powerpoint/2010/main" val="1339885140"/>
+      </p:ext>
+    </p:extLst>
+  </p:cSld>
+  <p:clrMapOvr>
+    <a:masterClrMapping/>
+  </p:clrMapOvr>
+</p:sld>
+</file>
+
+<file path=ppt/slides/slide19.xml><?xml version="1.0" encoding="utf-8"?>
+<p:sld xmlns:a="http://schemas.openxmlformats.org/drawingml/2006/main" xmlns:r="http://schemas.openxmlformats.org/officeDocument/2006/relationships" xmlns:p="http://schemas.openxmlformats.org/presentationml/2006/main">
+  <p:cSld>
+    <p:bg>
+      <p:bgPr>
+        <a:blipFill rotWithShape="1">
+          <a:blip r:embed="rId2">
+            <a:duotone>
+              <a:schemeClr val="bg2">
+                <a:shade val="76000"/>
+                <a:satMod val="180000"/>
+              </a:schemeClr>
+              <a:schemeClr val="bg2">
+                <a:tint val="80000"/>
+                <a:satMod val="120000"/>
+                <a:lumMod val="180000"/>
+              </a:schemeClr>
+            </a:duotone>
+          </a:blip>
+          <a:stretch/>
+        </a:blipFill>
+        <a:effectLst/>
+      </p:bgPr>
+    </p:bg>
+    <p:spTree>
+      <p:nvGrpSpPr>
+        <p:cNvPr id="1" name=""/>
+        <p:cNvGrpSpPr/>
+        <p:nvPr/>
+      </p:nvGrpSpPr>
+      <p:grpSpPr>
+        <a:xfrm>
+          <a:off x="0" y="0"/>
+          <a:ext cx="0" cy="0"/>
+          <a:chOff x="0" y="0"/>
+          <a:chExt cx="0" cy="0"/>
+        </a:xfrm>
+      </p:grpSpPr>
+      <p:sp>
+        <p:nvSpPr>
+          <p:cNvPr id="3" name="Otsikko 2">
+            <a:extLst>
+              <a:ext uri="{FF2B5EF4-FFF2-40B4-BE49-F238E27FC236}">
+                <a16:creationId xmlns:a16="http://schemas.microsoft.com/office/drawing/2014/main" id="{53E54C8A-907E-4D7A-A2E0-6B4EBEBB3177}"/>
+              </a:ext>
+            </a:extLst>
+          </p:cNvPr>
+          <p:cNvSpPr>
+            <a:spLocks noGrp="1"/>
+          </p:cNvSpPr>
+          <p:nvPr>
+            <p:ph type="title"/>
+          </p:nvPr>
+        </p:nvSpPr>
+        <p:spPr>
+          <a:xfrm>
+            <a:off x="3618200" y="852055"/>
+            <a:ext cx="7257455" cy="1752599"/>
+          </a:xfrm>
+        </p:spPr>
+        <p:txBody>
+          <a:bodyPr>
+            <a:normAutofit/>
+          </a:bodyPr>
+          <a:lstStyle/>
+          <a:p>
+            <a:r>
+              <a:rPr lang="fi-FI" sz="3600" dirty="0"/>
+              <a:t>If </a:t>
+            </a:r>
+            <a:r>
+              <a:rPr lang="fi-FI" sz="3600" dirty="0" err="1"/>
+              <a:t>something</a:t>
+            </a:r>
+            <a:r>
+              <a:rPr lang="fi-FI" sz="3600" dirty="0"/>
+              <a:t> </a:t>
+            </a:r>
+            <a:r>
+              <a:rPr lang="fi-FI" sz="3600" dirty="0" err="1"/>
+              <a:t>goes</a:t>
+            </a:r>
+            <a:r>
+              <a:rPr lang="fi-FI" sz="3600" dirty="0"/>
+              <a:t> </a:t>
+            </a:r>
+            <a:r>
+              <a:rPr lang="fi-FI" sz="3600" dirty="0" err="1"/>
+              <a:t>wrong</a:t>
+            </a:r>
+            <a:endParaRPr lang="en-US" sz="3600" dirty="0"/>
+          </a:p>
+        </p:txBody>
+      </p:sp>
+      <p:sp>
+        <p:nvSpPr>
+          <p:cNvPr id="6" name="Sisällön paikkamerkki 5">
+            <a:extLst>
+              <a:ext uri="{FF2B5EF4-FFF2-40B4-BE49-F238E27FC236}">
+                <a16:creationId xmlns:a16="http://schemas.microsoft.com/office/drawing/2014/main" id="{C47B6C3B-5F2E-47A4-ADC1-AA8C50A11420}"/>
+              </a:ext>
+            </a:extLst>
+          </p:cNvPr>
+          <p:cNvSpPr>
+            <a:spLocks noGrp="1"/>
+          </p:cNvSpPr>
+          <p:nvPr>
+            <p:ph idx="1"/>
+          </p:nvPr>
+        </p:nvSpPr>
+        <p:spPr>
+          <a:xfrm>
+            <a:off x="3613237" y="2839605"/>
+            <a:ext cx="7200236" cy="2712842"/>
+          </a:xfrm>
+        </p:spPr>
+        <p:txBody>
+          <a:bodyPr anchor="t">
+            <a:normAutofit/>
+          </a:bodyPr>
+          <a:lstStyle/>
+          <a:p>
+            <a:pPr>
+              <a:lnSpc>
+                <a:spcPct val="90000"/>
+              </a:lnSpc>
+            </a:pPr>
+            <a:r>
+              <a:rPr lang="fi-FI" dirty="0" err="1"/>
+              <a:t>Start</a:t>
+            </a:r>
+            <a:r>
+              <a:rPr lang="fi-FI" dirty="0"/>
+              <a:t> </a:t>
+            </a:r>
+            <a:r>
+              <a:rPr lang="fi-FI" dirty="0" err="1"/>
+              <a:t>Odoo</a:t>
+            </a:r>
+            <a:r>
+              <a:rPr lang="fi-FI" dirty="0"/>
+              <a:t> in </a:t>
+            </a:r>
+            <a:r>
+              <a:rPr lang="fi-FI" dirty="0" err="1"/>
+              <a:t>Debug</a:t>
+            </a:r>
+            <a:r>
+              <a:rPr lang="fi-FI" dirty="0"/>
+              <a:t> </a:t>
+            </a:r>
+            <a:r>
+              <a:rPr lang="fi-FI" dirty="0" err="1"/>
+              <a:t>mode</a:t>
+            </a:r>
+            <a:br>
+              <a:rPr lang="fi-FI" sz="1800" dirty="0"/>
+            </a:br>
+            <a:br>
+              <a:rPr lang="fi-FI" sz="1800" dirty="0"/>
+            </a:br>
+            <a:r>
+              <a:rPr lang="fi-FI" sz="1800" dirty="0"/>
+              <a:t>"C:\Program Files (x86)\Odoo 12.0\python\python.exe" ./odoo-bin -c odoo.conf --log-level=debug</a:t>
+            </a:r>
+            <a:br>
+              <a:rPr lang="fi-FI" sz="1800" dirty="0"/>
+            </a:br>
+            <a:br>
+              <a:rPr lang="fi-FI" sz="1800" dirty="0"/>
+            </a:br>
+            <a:r>
+              <a:rPr lang="fi-FI" sz="1800" dirty="0"/>
+              <a:t>in C:\Program Files (x86)\Odoo 12.0\server    -folder</a:t>
+            </a:r>
+            <a:br>
+              <a:rPr lang="fi-FI" sz="1800" dirty="0"/>
+            </a:br>
+            <a:endParaRPr lang="fi-FI" sz="1800" dirty="0"/>
+          </a:p>
+          <a:p>
+            <a:pPr>
+              <a:lnSpc>
+                <a:spcPct val="90000"/>
+              </a:lnSpc>
+            </a:pPr>
+            <a:r>
+              <a:rPr lang="fi-FI" sz="1800" dirty="0"/>
+              <a:t>Check odoo.log from </a:t>
+            </a:r>
+          </a:p>
+          <a:p>
+            <a:pPr lvl="1">
+              <a:lnSpc>
+                <a:spcPct val="90000"/>
+              </a:lnSpc>
+            </a:pPr>
+            <a:r>
+              <a:rPr lang="fi-FI" sz="1800" dirty="0"/>
+              <a:t>"C:\Program Files (x86)\Odoo 12.0\server\odoo.log"</a:t>
+            </a:r>
+          </a:p>
+          <a:p>
+            <a:pPr lvl="1">
+              <a:lnSpc>
+                <a:spcPct val="90000"/>
+              </a:lnSpc>
+            </a:pPr>
+            <a:endParaRPr lang="fi-FI" sz="1800" dirty="0"/>
+          </a:p>
+          <a:p>
+            <a:pPr>
+              <a:lnSpc>
+                <a:spcPct val="90000"/>
+              </a:lnSpc>
+            </a:pPr>
+            <a:endParaRPr lang="en-US" sz="1800" dirty="0"/>
+          </a:p>
+        </p:txBody>
+      </p:sp>
+    </p:spTree>
+    <p:extLst>
+      <p:ext uri="{BB962C8B-B14F-4D97-AF65-F5344CB8AC3E}">
+        <p14:creationId xmlns:p14="http://schemas.microsoft.com/office/powerpoint/2010/main" val="3547133680"/>
+      </p:ext>
+    </p:extLst>
+  </p:cSld>
+  <p:clrMapOvr>
+    <a:masterClrMapping/>
+  </p:clrMapOvr>
+</p:sld>
+</file>
+
+<file path=ppt/slides/slide2.xml><?xml version="1.0" encoding="utf-8"?>
+<p:sld xmlns:a="http://schemas.openxmlformats.org/drawingml/2006/main" xmlns:r="http://schemas.openxmlformats.org/officeDocument/2006/relationships" xmlns:p="http://schemas.openxmlformats.org/presentationml/2006/main">
+  <p:cSld>
+    <p:bg>
+      <p:bgPr>
+        <a:blipFill rotWithShape="1">
+          <a:blip r:embed="rId2">
+            <a:duotone>
+              <a:schemeClr val="bg2">
+                <a:shade val="76000"/>
+                <a:satMod val="180000"/>
+              </a:schemeClr>
+              <a:schemeClr val="bg2">
+                <a:tint val="80000"/>
+                <a:satMod val="120000"/>
+                <a:lumMod val="180000"/>
+              </a:schemeClr>
+            </a:duotone>
+          </a:blip>
+          <a:stretch/>
+        </a:blipFill>
+        <a:effectLst/>
+      </p:bgPr>
+    </p:bg>
+    <p:spTree>
+      <p:nvGrpSpPr>
+        <p:cNvPr id="1" name=""/>
+        <p:cNvGrpSpPr/>
+        <p:nvPr/>
+      </p:nvGrpSpPr>
+      <p:grpSpPr>
+        <a:xfrm>
+          <a:off x="0" y="0"/>
+          <a:ext cx="0" cy="0"/>
+          <a:chOff x="0" y="0"/>
+          <a:chExt cx="0" cy="0"/>
+        </a:xfrm>
+      </p:grpSpPr>
+      <p:sp>
+        <p:nvSpPr>
+          <p:cNvPr id="2" name="Otsikko 1">
+            <a:extLst>
+              <a:ext uri="{FF2B5EF4-FFF2-40B4-BE49-F238E27FC236}">
+                <a16:creationId xmlns:a16="http://schemas.microsoft.com/office/drawing/2014/main" id="{38C02522-AFD3-43C9-8F4E-88D387DDADC1}"/>
+              </a:ext>
+            </a:extLst>
+          </p:cNvPr>
+          <p:cNvSpPr>
+            <a:spLocks noGrp="1"/>
+          </p:cNvSpPr>
+          <p:nvPr>
+            <p:ph type="title"/>
+          </p:nvPr>
+        </p:nvSpPr>
+        <p:spPr>
+          <a:xfrm>
+            <a:off x="1484311" y="685800"/>
+            <a:ext cx="10018713" cy="1185333"/>
+          </a:xfrm>
+        </p:spPr>
+        <p:txBody>
+          <a:bodyPr>
+            <a:normAutofit fontScale="90000"/>
+          </a:bodyPr>
+          <a:lstStyle/>
+          <a:p>
+            <a:r>
+              <a:rPr lang="fi-FI" dirty="0"/>
+              <a:t>Install </a:t>
+            </a:r>
+            <a:r>
+              <a:rPr lang="fi-FI" dirty="0" err="1"/>
+              <a:t>Odoo</a:t>
+            </a:r>
+            <a:r>
+              <a:rPr lang="fi-FI" dirty="0"/>
+              <a:t> 12 </a:t>
+            </a:r>
+            <a:r>
+              <a:rPr lang="fi-FI" dirty="0" err="1"/>
+              <a:t>or</a:t>
+            </a:r>
+            <a:r>
+              <a:rPr lang="fi-FI" dirty="0"/>
+              <a:t> </a:t>
+            </a:r>
+            <a:r>
+              <a:rPr lang="fi-FI" dirty="0" err="1"/>
+              <a:t>Odoo</a:t>
+            </a:r>
+            <a:r>
+              <a:rPr lang="fi-FI" dirty="0"/>
+              <a:t> 13 </a:t>
+            </a:r>
+            <a:r>
+              <a:rPr lang="fi-FI" dirty="0" err="1"/>
+              <a:t>or</a:t>
+            </a:r>
+            <a:r>
+              <a:rPr lang="fi-FI" dirty="0"/>
+              <a:t> </a:t>
+            </a:r>
+            <a:r>
+              <a:rPr lang="fi-FI" dirty="0" err="1"/>
+              <a:t>Odoo</a:t>
+            </a:r>
+            <a:r>
+              <a:rPr lang="fi-FI" dirty="0"/>
+              <a:t> 14</a:t>
+            </a:r>
+            <a:br>
+              <a:rPr lang="fi-FI" dirty="0"/>
+            </a:br>
+            <a:r>
+              <a:rPr lang="fi-FI" dirty="0"/>
+              <a:t>Linux / Unix &amp; Windows </a:t>
+            </a:r>
+            <a:r>
+              <a:rPr lang="fi-FI" dirty="0" err="1"/>
+              <a:t>platforms</a:t>
+            </a:r>
+            <a:r>
+              <a:rPr lang="fi-FI" dirty="0"/>
+              <a:t> </a:t>
+            </a:r>
+            <a:r>
+              <a:rPr lang="fi-FI" dirty="0" err="1"/>
+              <a:t>are</a:t>
+            </a:r>
+            <a:r>
+              <a:rPr lang="fi-FI" dirty="0"/>
+              <a:t> </a:t>
+            </a:r>
+            <a:r>
+              <a:rPr lang="fi-FI" dirty="0" err="1"/>
+              <a:t>all</a:t>
+            </a:r>
+            <a:r>
+              <a:rPr lang="fi-FI" dirty="0"/>
+              <a:t> OK</a:t>
+            </a:r>
+            <a:endParaRPr lang="en-US" dirty="0"/>
+          </a:p>
+        </p:txBody>
+      </p:sp>
+      <p:sp>
+        <p:nvSpPr>
+          <p:cNvPr id="3" name="Sisällön paikkamerkki 2">
+            <a:extLst>
+              <a:ext uri="{FF2B5EF4-FFF2-40B4-BE49-F238E27FC236}">
+                <a16:creationId xmlns:a16="http://schemas.microsoft.com/office/drawing/2014/main" id="{220AA5C5-192A-4163-A244-851E946EF725}"/>
+              </a:ext>
+            </a:extLst>
+          </p:cNvPr>
+          <p:cNvSpPr>
+            <a:spLocks noGrp="1"/>
+          </p:cNvSpPr>
+          <p:nvPr>
+            <p:ph idx="1"/>
+          </p:nvPr>
+        </p:nvSpPr>
+        <p:spPr>
+          <a:xfrm>
+            <a:off x="1484310" y="1791948"/>
+            <a:ext cx="7740371" cy="3793067"/>
+          </a:xfrm>
+        </p:spPr>
+        <p:txBody>
+          <a:bodyPr>
+            <a:normAutofit/>
+          </a:bodyPr>
+          <a:lstStyle/>
+          <a:p>
+            <a:r>
+              <a:rPr lang="fi-FI" dirty="0" err="1"/>
+              <a:t>Download</a:t>
+            </a:r>
+            <a:r>
+              <a:rPr lang="fi-FI" dirty="0"/>
+              <a:t> from</a:t>
+            </a:r>
+          </a:p>
+          <a:p>
+            <a:pPr lvl="1"/>
+            <a:r>
+              <a:rPr lang="en-US" dirty="0">
+                <a:hlinkClick r:id="rId3"/>
+              </a:rPr>
+              <a:t>https://www.odoo.com/page/download</a:t>
+            </a:r>
+            <a:endParaRPr lang="en-US" dirty="0"/>
+          </a:p>
+          <a:p>
+            <a:pPr lvl="1"/>
+            <a:endParaRPr lang="en-US" dirty="0"/>
+          </a:p>
+          <a:p>
+            <a:r>
+              <a:rPr lang="en-US" dirty="0">
+                <a:hlinkClick r:id="rId4"/>
+              </a:rPr>
+              <a:t>https://computingforgeeks.com/how-to-install-odoo-on-ubuntu-linux/</a:t>
+            </a:r>
+            <a:endParaRPr lang="en-US" dirty="0"/>
+          </a:p>
+          <a:p>
+            <a:endParaRPr lang="en-US" dirty="0"/>
+          </a:p>
+          <a:p>
+            <a:r>
+              <a:rPr lang="en-US" dirty="0"/>
+              <a:t>Didn’t install </a:t>
+            </a:r>
+            <a:r>
+              <a:rPr lang="en-US" dirty="0" err="1"/>
+              <a:t>nginx</a:t>
+            </a:r>
+            <a:endParaRPr lang="en-US" dirty="0"/>
+          </a:p>
+          <a:p>
+            <a:r>
+              <a:rPr lang="en-US" dirty="0"/>
+              <a:t>Had to create:</a:t>
+            </a:r>
+          </a:p>
+          <a:p>
+            <a:pPr lvl="1"/>
+            <a:r>
+              <a:rPr lang="pt-BR" dirty="0"/>
+              <a:t>odoo@odoo:/var/lib$ sudo mkdir odoo</a:t>
+            </a:r>
+          </a:p>
+          <a:p>
+            <a:endParaRPr lang="en-US" dirty="0"/>
+          </a:p>
+        </p:txBody>
+      </p:sp>
+      <p:sp>
+        <p:nvSpPr>
+          <p:cNvPr id="5" name="TextBox 4">
+            <a:extLst>
+              <a:ext uri="{FF2B5EF4-FFF2-40B4-BE49-F238E27FC236}">
+                <a16:creationId xmlns:a16="http://schemas.microsoft.com/office/drawing/2014/main" id="{00D1ED2B-54F9-4D98-9723-41B5DD9B0E81}"/>
+              </a:ext>
+            </a:extLst>
+          </p:cNvPr>
+          <p:cNvSpPr txBox="1"/>
+          <p:nvPr/>
+        </p:nvSpPr>
+        <p:spPr>
+          <a:xfrm>
+            <a:off x="6597570" y="3877749"/>
+            <a:ext cx="4618298" cy="369332"/>
+          </a:xfrm>
+          <a:prstGeom prst="rect">
+            <a:avLst/>
+          </a:prstGeom>
+          <a:noFill/>
+        </p:spPr>
+        <p:txBody>
+          <a:bodyPr wrap="square">
+            <a:spAutoFit/>
+          </a:bodyPr>
+          <a:lstStyle/>
+          <a:p>
+            <a:r>
+              <a:rPr lang="en-US" dirty="0"/>
+              <a:t>/var/log/</a:t>
+            </a:r>
+            <a:r>
+              <a:rPr lang="en-US" dirty="0" err="1"/>
+              <a:t>odoo</a:t>
+            </a:r>
+            <a:r>
+              <a:rPr lang="en-US" dirty="0"/>
+              <a:t>/odoo-server.log</a:t>
+            </a:r>
+          </a:p>
+        </p:txBody>
+      </p:sp>
+      <p:sp>
+        <p:nvSpPr>
+          <p:cNvPr id="7" name="TextBox 6">
+            <a:extLst>
+              <a:ext uri="{FF2B5EF4-FFF2-40B4-BE49-F238E27FC236}">
+                <a16:creationId xmlns:a16="http://schemas.microsoft.com/office/drawing/2014/main" id="{7FCAA846-48C6-45F0-93B5-AE09DDE2D295}"/>
+              </a:ext>
+            </a:extLst>
+          </p:cNvPr>
+          <p:cNvSpPr txBox="1"/>
+          <p:nvPr/>
+        </p:nvSpPr>
+        <p:spPr>
+          <a:xfrm>
+            <a:off x="6597570" y="4280268"/>
+            <a:ext cx="4618298" cy="369332"/>
+          </a:xfrm>
+          <a:prstGeom prst="rect">
+            <a:avLst/>
+          </a:prstGeom>
+          <a:noFill/>
+        </p:spPr>
+        <p:txBody>
+          <a:bodyPr wrap="square">
+            <a:spAutoFit/>
+          </a:bodyPr>
+          <a:lstStyle/>
+          <a:p>
+            <a:r>
+              <a:rPr lang="en-US" dirty="0"/>
+              <a:t>/</a:t>
+            </a:r>
+            <a:r>
+              <a:rPr lang="en-US" dirty="0" err="1"/>
+              <a:t>etc</a:t>
+            </a:r>
+            <a:r>
+              <a:rPr lang="en-US" dirty="0"/>
+              <a:t>/</a:t>
+            </a:r>
+            <a:r>
+              <a:rPr lang="en-US" dirty="0" err="1"/>
+              <a:t>odoo</a:t>
+            </a:r>
+            <a:r>
+              <a:rPr lang="en-US" dirty="0"/>
+              <a:t>/</a:t>
+            </a:r>
+            <a:r>
+              <a:rPr lang="en-US" dirty="0" err="1"/>
+              <a:t>odoo.conf</a:t>
+            </a:r>
+            <a:endParaRPr lang="en-US" dirty="0"/>
+          </a:p>
+        </p:txBody>
+      </p:sp>
+      <p:sp>
+        <p:nvSpPr>
+          <p:cNvPr id="9" name="TextBox 8">
+            <a:extLst>
+              <a:ext uri="{FF2B5EF4-FFF2-40B4-BE49-F238E27FC236}">
+                <a16:creationId xmlns:a16="http://schemas.microsoft.com/office/drawing/2014/main" id="{9E7070FD-301F-44CA-991B-B11DFCAE5F4A}"/>
+              </a:ext>
+            </a:extLst>
+          </p:cNvPr>
+          <p:cNvSpPr txBox="1"/>
+          <p:nvPr/>
+        </p:nvSpPr>
+        <p:spPr>
+          <a:xfrm>
+            <a:off x="6597570" y="4616431"/>
+            <a:ext cx="5451676" cy="369332"/>
+          </a:xfrm>
+          <a:prstGeom prst="rect">
+            <a:avLst/>
+          </a:prstGeom>
+          <a:noFill/>
+        </p:spPr>
+        <p:txBody>
+          <a:bodyPr wrap="square">
+            <a:spAutoFit/>
+          </a:bodyPr>
+          <a:lstStyle/>
+          <a:p>
+            <a:r>
+              <a:rPr lang="en-US" dirty="0"/>
+              <a:t>/</a:t>
+            </a:r>
+            <a:r>
+              <a:rPr lang="en-US" dirty="0" err="1"/>
+              <a:t>usr</a:t>
+            </a:r>
+            <a:r>
+              <a:rPr lang="en-US" dirty="0"/>
+              <a:t>/lib/python3/</a:t>
+            </a:r>
+            <a:r>
+              <a:rPr lang="en-US" dirty="0" err="1"/>
+              <a:t>dist</a:t>
+            </a:r>
+            <a:r>
+              <a:rPr lang="en-US" dirty="0"/>
+              <a:t>-packages/</a:t>
+            </a:r>
+            <a:r>
+              <a:rPr lang="en-US" dirty="0" err="1"/>
+              <a:t>odoo</a:t>
+            </a:r>
+            <a:r>
+              <a:rPr lang="en-US" dirty="0"/>
+              <a:t>/addons</a:t>
+            </a:r>
+          </a:p>
+        </p:txBody>
+      </p:sp>
+      <p:sp>
+        <p:nvSpPr>
+          <p:cNvPr id="11" name="TextBox 10">
+            <a:extLst>
+              <a:ext uri="{FF2B5EF4-FFF2-40B4-BE49-F238E27FC236}">
+                <a16:creationId xmlns:a16="http://schemas.microsoft.com/office/drawing/2014/main" id="{8DC14320-6CE5-4F91-BF1D-24560B9052ED}"/>
+              </a:ext>
+            </a:extLst>
+          </p:cNvPr>
+          <p:cNvSpPr txBox="1"/>
+          <p:nvPr/>
+        </p:nvSpPr>
+        <p:spPr>
+          <a:xfrm>
+            <a:off x="6597570" y="5100723"/>
+            <a:ext cx="3333509" cy="369332"/>
+          </a:xfrm>
+          <a:prstGeom prst="rect">
+            <a:avLst/>
+          </a:prstGeom>
+          <a:noFill/>
+        </p:spPr>
+        <p:txBody>
+          <a:bodyPr wrap="square">
+            <a:spAutoFit/>
+          </a:bodyPr>
+          <a:lstStyle/>
+          <a:p>
+            <a:r>
+              <a:rPr lang="en-US" dirty="0" err="1"/>
+              <a:t>sudo</a:t>
+            </a:r>
+            <a:r>
+              <a:rPr lang="en-US" dirty="0"/>
+              <a:t> service </a:t>
+            </a:r>
+            <a:r>
+              <a:rPr lang="en-US" dirty="0" err="1"/>
+              <a:t>odoo</a:t>
+            </a:r>
+            <a:r>
+              <a:rPr lang="en-US" dirty="0"/>
+              <a:t> </a:t>
+            </a:r>
+            <a:r>
+              <a:rPr lang="en-US" dirty="0" err="1"/>
+              <a:t>restar</a:t>
+            </a:r>
+            <a:endParaRPr lang="en-US" dirty="0"/>
+          </a:p>
+        </p:txBody>
+      </p:sp>
+    </p:spTree>
+    <p:extLst>
+      <p:ext uri="{BB962C8B-B14F-4D97-AF65-F5344CB8AC3E}">
+        <p14:creationId xmlns:p14="http://schemas.microsoft.com/office/powerpoint/2010/main" val="2931425298"/>
+      </p:ext>
+    </p:extLst>
+  </p:cSld>
+  <p:clrMapOvr>
+    <a:masterClrMapping/>
+  </p:clrMapOvr>
+</p:sld>
+</file>
+
+<file path=ppt/slides/slide3.xml><?xml version="1.0" encoding="utf-8"?>
+<p:sld xmlns:a="http://schemas.openxmlformats.org/drawingml/2006/main" xmlns:r="http://schemas.openxmlformats.org/officeDocument/2006/relationships" xmlns:p="http://schemas.openxmlformats.org/presentationml/2006/main">
+  <p:cSld>
+    <p:spTree>
+      <p:nvGrpSpPr>
+        <p:cNvPr id="1" name=""/>
+        <p:cNvGrpSpPr/>
+        <p:nvPr/>
+      </p:nvGrpSpPr>
+      <p:grpSpPr>
+        <a:xfrm>
+          <a:off x="0" y="0"/>
+          <a:ext cx="0" cy="0"/>
+          <a:chOff x="0" y="0"/>
+          <a:chExt cx="0" cy="0"/>
+        </a:xfrm>
+      </p:grpSpPr>
+      <p:sp>
+        <p:nvSpPr>
+          <p:cNvPr id="2" name="Title 1">
+            <a:extLst>
+              <a:ext uri="{FF2B5EF4-FFF2-40B4-BE49-F238E27FC236}">
+                <a16:creationId xmlns:a16="http://schemas.microsoft.com/office/drawing/2014/main" id="{9047B0D6-4DD6-4E61-96B4-69E091EB6400}"/>
+              </a:ext>
+            </a:extLst>
+          </p:cNvPr>
+          <p:cNvSpPr>
+            <a:spLocks noGrp="1"/>
+          </p:cNvSpPr>
+          <p:nvPr>
+            <p:ph type="title"/>
+          </p:nvPr>
+        </p:nvSpPr>
+        <p:spPr/>
+        <p:txBody>
+          <a:bodyPr/>
+          <a:lstStyle/>
+          <a:p>
+            <a:r>
+              <a:rPr lang="fi-FI" dirty="0" err="1"/>
+              <a:t>Install</a:t>
+            </a:r>
+            <a:r>
+              <a:rPr lang="fi-FI" dirty="0"/>
+              <a:t> some Python </a:t>
+            </a:r>
+            <a:r>
+              <a:rPr lang="fi-FI" dirty="0" err="1"/>
+              <a:t>packages</a:t>
+            </a:r>
+            <a:endParaRPr lang="en-US" dirty="0"/>
+          </a:p>
+        </p:txBody>
+      </p:sp>
+      <p:sp>
+        <p:nvSpPr>
+          <p:cNvPr id="3" name="Content Placeholder 2">
+            <a:extLst>
+              <a:ext uri="{FF2B5EF4-FFF2-40B4-BE49-F238E27FC236}">
+                <a16:creationId xmlns:a16="http://schemas.microsoft.com/office/drawing/2014/main" id="{3918CC8C-D3F1-4384-9FB8-E0738C7F621C}"/>
+              </a:ext>
+            </a:extLst>
+          </p:cNvPr>
+          <p:cNvSpPr>
+            <a:spLocks noGrp="1"/>
+          </p:cNvSpPr>
+          <p:nvPr>
+            <p:ph idx="1"/>
+          </p:nvPr>
+        </p:nvSpPr>
+        <p:spPr>
+          <a:xfrm>
+            <a:off x="1926738" y="2114939"/>
+            <a:ext cx="8915400" cy="3777622"/>
+          </a:xfrm>
+        </p:spPr>
+        <p:txBody>
+          <a:bodyPr/>
+          <a:lstStyle/>
+          <a:p>
+            <a:r>
+              <a:rPr lang="fi-FI" sz="2000" dirty="0" err="1"/>
+              <a:t>sudo</a:t>
+            </a:r>
+            <a:r>
+              <a:rPr lang="fi-FI" sz="2000" dirty="0"/>
+              <a:t> </a:t>
+            </a:r>
+            <a:r>
+              <a:rPr lang="fi-FI" sz="2000" dirty="0" err="1"/>
+              <a:t>apt</a:t>
+            </a:r>
+            <a:r>
+              <a:rPr lang="fi-FI" sz="2000" dirty="0"/>
+              <a:t> </a:t>
+            </a:r>
+            <a:r>
+              <a:rPr lang="fi-FI" sz="2000" dirty="0" err="1"/>
+              <a:t>install</a:t>
+            </a:r>
+            <a:r>
+              <a:rPr lang="fi-FI" sz="2000" dirty="0"/>
+              <a:t> python3-pip</a:t>
+            </a:r>
+          </a:p>
+          <a:p>
+            <a:r>
+              <a:rPr lang="fi-FI" sz="2000" dirty="0" err="1"/>
+              <a:t>sudo</a:t>
+            </a:r>
+            <a:r>
+              <a:rPr lang="fi-FI" sz="2000" dirty="0"/>
+              <a:t> pip3 </a:t>
+            </a:r>
+            <a:r>
+              <a:rPr lang="fi-FI" sz="2000" dirty="0" err="1"/>
+              <a:t>install</a:t>
+            </a:r>
+            <a:r>
+              <a:rPr lang="fi-FI" sz="2000" dirty="0"/>
+              <a:t> </a:t>
+            </a:r>
+            <a:r>
+              <a:rPr lang="fi-FI" sz="2000" dirty="0" err="1"/>
+              <a:t>openpyxl</a:t>
+            </a:r>
+            <a:endParaRPr lang="fi-FI" sz="2000" dirty="0"/>
+          </a:p>
+          <a:p>
+            <a:r>
+              <a:rPr lang="fi-FI" sz="2000" dirty="0" err="1"/>
+              <a:t>sudo</a:t>
+            </a:r>
+            <a:r>
+              <a:rPr lang="fi-FI" sz="2000" dirty="0"/>
+              <a:t> </a:t>
+            </a:r>
+            <a:r>
+              <a:rPr lang="en-US" sz="2000" dirty="0"/>
+              <a:t>pip3 install pandas</a:t>
+            </a:r>
+          </a:p>
+          <a:p>
+            <a:r>
+              <a:rPr lang="fi-FI" sz="2000" dirty="0" err="1"/>
+              <a:t>sudo</a:t>
+            </a:r>
+            <a:r>
+              <a:rPr lang="fi-FI" sz="2000" dirty="0"/>
+              <a:t> p</a:t>
+            </a:r>
+            <a:r>
+              <a:rPr lang="en-US" sz="2000" dirty="0"/>
+              <a:t>ip3 install python-pptx</a:t>
+            </a:r>
+          </a:p>
+          <a:p>
+            <a:r>
+              <a:rPr lang="en-US" sz="2000" dirty="0"/>
+              <a:t>Install needed database drivers</a:t>
+            </a:r>
+          </a:p>
+          <a:p>
+            <a:pPr lvl="1"/>
+            <a:r>
+              <a:rPr lang="en-US" sz="1800" dirty="0"/>
+              <a:t>By default Odoo’s </a:t>
+            </a:r>
+            <a:r>
+              <a:rPr lang="en-US" sz="1800" dirty="0" err="1"/>
+              <a:t>postgresql</a:t>
+            </a:r>
+            <a:r>
+              <a:rPr lang="en-US" sz="1800" dirty="0"/>
+              <a:t> database drivers exist</a:t>
+            </a:r>
+          </a:p>
+          <a:p>
+            <a:pPr lvl="1"/>
+            <a:r>
+              <a:rPr lang="en-US" sz="1800" dirty="0"/>
+              <a:t>You just need to create reporting user</a:t>
+            </a:r>
+          </a:p>
+          <a:p>
+            <a:endParaRPr lang="en-US" sz="2000" b="1" dirty="0"/>
+          </a:p>
+        </p:txBody>
+      </p:sp>
+    </p:spTree>
+    <p:extLst>
+      <p:ext uri="{BB962C8B-B14F-4D97-AF65-F5344CB8AC3E}">
+        <p14:creationId xmlns:p14="http://schemas.microsoft.com/office/powerpoint/2010/main" val="3807908021"/>
+      </p:ext>
+    </p:extLst>
+  </p:cSld>
+  <p:clrMapOvr>
+    <a:masterClrMapping/>
+  </p:clrMapOvr>
+</p:sld>
+</file>
+
+<file path=ppt/slides/slide4.xml><?xml version="1.0" encoding="utf-8"?>
+<p:sld xmlns:a="http://schemas.openxmlformats.org/drawingml/2006/main" xmlns:r="http://schemas.openxmlformats.org/officeDocument/2006/relationships" xmlns:p="http://schemas.openxmlformats.org/presentationml/2006/main">
+  <p:cSld>
+    <p:spTree>
+      <p:nvGrpSpPr>
+        <p:cNvPr id="1" name=""/>
+        <p:cNvGrpSpPr/>
+        <p:nvPr/>
+      </p:nvGrpSpPr>
+      <p:grpSpPr>
+        <a:xfrm>
+          <a:off x="0" y="0"/>
+          <a:ext cx="0" cy="0"/>
+          <a:chOff x="0" y="0"/>
+          <a:chExt cx="0" cy="0"/>
+        </a:xfrm>
+      </p:grpSpPr>
+      <p:sp>
+        <p:nvSpPr>
+          <p:cNvPr id="2" name="Otsikko 1">
+            <a:extLst>
+              <a:ext uri="{FF2B5EF4-FFF2-40B4-BE49-F238E27FC236}">
+                <a16:creationId xmlns:a16="http://schemas.microsoft.com/office/drawing/2014/main" id="{38C02522-AFD3-43C9-8F4E-88D387DDADC1}"/>
+              </a:ext>
+            </a:extLst>
+          </p:cNvPr>
+          <p:cNvSpPr>
+            <a:spLocks noGrp="1"/>
+          </p:cNvSpPr>
+          <p:nvPr>
+            <p:ph type="title"/>
+          </p:nvPr>
+        </p:nvSpPr>
+        <p:spPr>
+          <a:xfrm>
+            <a:off x="1484311" y="685800"/>
+            <a:ext cx="10018713" cy="1185333"/>
+          </a:xfrm>
+        </p:spPr>
+        <p:txBody>
+          <a:bodyPr>
+            <a:normAutofit/>
+          </a:bodyPr>
+          <a:lstStyle/>
+          <a:p>
+            <a:r>
+              <a:rPr lang="fi-FI" dirty="0"/>
+              <a:t>Install </a:t>
+            </a:r>
+            <a:r>
+              <a:rPr lang="fi-FI" dirty="0" err="1"/>
+              <a:t>Odoo</a:t>
+            </a:r>
+            <a:r>
+              <a:rPr lang="fi-FI" dirty="0"/>
+              <a:t> 12 </a:t>
+            </a:r>
+            <a:r>
+              <a:rPr lang="fi-FI" dirty="0" err="1"/>
+              <a:t>or</a:t>
+            </a:r>
+            <a:r>
+              <a:rPr lang="fi-FI" dirty="0"/>
+              <a:t> </a:t>
+            </a:r>
+            <a:r>
+              <a:rPr lang="fi-FI" dirty="0" err="1"/>
+              <a:t>Odoo</a:t>
+            </a:r>
+            <a:r>
+              <a:rPr lang="fi-FI"/>
+              <a:t> 13 </a:t>
+            </a:r>
+            <a:r>
+              <a:rPr lang="fi-FI" dirty="0"/>
+              <a:t>for Windows</a:t>
+            </a:r>
+            <a:endParaRPr lang="en-US" dirty="0"/>
+          </a:p>
+        </p:txBody>
+      </p:sp>
+      <p:sp>
+        <p:nvSpPr>
+          <p:cNvPr id="3" name="Sisällön paikkamerkki 2">
+            <a:extLst>
+              <a:ext uri="{FF2B5EF4-FFF2-40B4-BE49-F238E27FC236}">
+                <a16:creationId xmlns:a16="http://schemas.microsoft.com/office/drawing/2014/main" id="{220AA5C5-192A-4163-A244-851E946EF725}"/>
+              </a:ext>
+            </a:extLst>
+          </p:cNvPr>
+          <p:cNvSpPr>
+            <a:spLocks noGrp="1"/>
+          </p:cNvSpPr>
+          <p:nvPr>
+            <p:ph idx="1"/>
+          </p:nvPr>
+        </p:nvSpPr>
+        <p:spPr>
+          <a:xfrm>
+            <a:off x="1484310" y="1791948"/>
+            <a:ext cx="7740371" cy="3793067"/>
+          </a:xfrm>
+        </p:spPr>
+        <p:txBody>
+          <a:bodyPr>
+            <a:normAutofit/>
+          </a:bodyPr>
+          <a:lstStyle/>
+          <a:p>
+            <a:r>
+              <a:rPr lang="fi-FI" dirty="0"/>
+              <a:t>We are using Win32Com so Windows platform is required</a:t>
+            </a:r>
+          </a:p>
+          <a:p>
+            <a:r>
+              <a:rPr lang="fi-FI" dirty="0"/>
+              <a:t>Download from</a:t>
+            </a:r>
+          </a:p>
+          <a:p>
+            <a:pPr lvl="1"/>
+            <a:r>
+              <a:rPr lang="en-US" dirty="0">
+                <a:hlinkClick r:id="rId2"/>
+              </a:rPr>
+              <a:t>https://www.odoo.com/page/download</a:t>
+            </a:r>
+            <a:endParaRPr lang="en-US" dirty="0"/>
+          </a:p>
+          <a:p>
+            <a:r>
+              <a:rPr lang="en-US" dirty="0"/>
+              <a:t>I used Windows 10 Pro</a:t>
+            </a:r>
+          </a:p>
+        </p:txBody>
+      </p:sp>
+      <p:pic>
+        <p:nvPicPr>
+          <p:cNvPr id="5" name="Kuva 4">
+            <a:extLst>
+              <a:ext uri="{FF2B5EF4-FFF2-40B4-BE49-F238E27FC236}">
+                <a16:creationId xmlns:a16="http://schemas.microsoft.com/office/drawing/2014/main" id="{30DDC685-6F19-4C8E-B0E5-9D2EDBA09642}"/>
+              </a:ext>
+            </a:extLst>
+          </p:cNvPr>
+          <p:cNvPicPr>
+            <a:picLocks noChangeAspect="1"/>
+          </p:cNvPicPr>
+          <p:nvPr/>
+        </p:nvPicPr>
+        <p:blipFill rotWithShape="1">
+          <a:blip r:embed="rId3"/>
+          <a:srcRect t="976" r="-3" b="5566"/>
+          <a:stretch/>
+        </p:blipFill>
+        <p:spPr>
+          <a:xfrm>
+            <a:off x="7796142" y="3353296"/>
+            <a:ext cx="3518622" cy="2564904"/>
+          </a:xfrm>
+          <a:prstGeom prst="roundRect">
+            <a:avLst>
+              <a:gd name="adj" fmla="val 4380"/>
+            </a:avLst>
+          </a:prstGeom>
+          <a:ln w="38100">
+            <a:gradFill flip="none" rotWithShape="1">
+              <a:gsLst>
+                <a:gs pos="0">
+                  <a:schemeClr val="bg2"/>
+                </a:gs>
+                <a:gs pos="100000">
+                  <a:schemeClr val="bg2">
+                    <a:lumMod val="75000"/>
+                  </a:schemeClr>
+                </a:gs>
+              </a:gsLst>
+              <a:lin ang="5400000" scaled="0"/>
+              <a:tileRect/>
+            </a:gradFill>
+          </a:ln>
+          <a:effectLst>
+            <a:innerShdw blurRad="57150" dist="38100" dir="14460000">
+              <a:srgbClr val="000000">
+                <a:alpha val="70000"/>
+              </a:srgbClr>
+            </a:innerShdw>
+          </a:effectLst>
+        </p:spPr>
+      </p:pic>
+      <p:sp>
+        <p:nvSpPr>
+          <p:cNvPr id="6" name="TextBox 5">
+            <a:extLst>
+              <a:ext uri="{FF2B5EF4-FFF2-40B4-BE49-F238E27FC236}">
+                <a16:creationId xmlns:a16="http://schemas.microsoft.com/office/drawing/2014/main" id="{B7D79AC2-2B98-454D-B05B-D584E0BAA21C}"/>
+              </a:ext>
+            </a:extLst>
+          </p:cNvPr>
+          <p:cNvSpPr txBox="1"/>
+          <p:nvPr/>
+        </p:nvSpPr>
+        <p:spPr>
+          <a:xfrm>
+            <a:off x="6722992" y="316468"/>
+            <a:ext cx="2238113" cy="369332"/>
+          </a:xfrm>
+          <a:prstGeom prst="rect">
+            <a:avLst/>
+          </a:prstGeom>
+        </p:spPr>
+        <p:style>
+          <a:lnRef idx="1">
+            <a:schemeClr val="accent6"/>
+          </a:lnRef>
+          <a:fillRef idx="2">
+            <a:schemeClr val="accent6"/>
+          </a:fillRef>
+          <a:effectRef idx="1">
+            <a:schemeClr val="accent6"/>
+          </a:effectRef>
+          <a:fontRef idx="minor">
+            <a:schemeClr val="dk1"/>
+          </a:fontRef>
+        </p:style>
+        <p:txBody>
+          <a:bodyPr wrap="none" rtlCol="0">
+            <a:spAutoFit/>
+          </a:bodyPr>
+          <a:lstStyle/>
+          <a:p>
+            <a:r>
+              <a:rPr lang="fi-FI" dirty="0"/>
+              <a:t>Windows </a:t>
+            </a:r>
+            <a:r>
+              <a:rPr lang="fi-FI" dirty="0" err="1"/>
+              <a:t>example</a:t>
+            </a:r>
+            <a:endParaRPr lang="en-US" dirty="0"/>
+          </a:p>
+        </p:txBody>
+      </p:sp>
+    </p:spTree>
+    <p:extLst>
+      <p:ext uri="{BB962C8B-B14F-4D97-AF65-F5344CB8AC3E}">
+        <p14:creationId xmlns:p14="http://schemas.microsoft.com/office/powerpoint/2010/main" val="29145186"/>
+      </p:ext>
+    </p:extLst>
+  </p:cSld>
+  <p:clrMapOvr>
+    <a:masterClrMapping/>
+  </p:clrMapOvr>
+</p:sld>
+</file>
+
+<file path=ppt/slides/slide5.xml><?xml version="1.0" encoding="utf-8"?>
+<p:sld xmlns:a="http://schemas.openxmlformats.org/drawingml/2006/main" xmlns:r="http://schemas.openxmlformats.org/officeDocument/2006/relationships" xmlns:p="http://schemas.openxmlformats.org/presentationml/2006/main">
+  <p:cSld>
+    <p:spTree>
+      <p:nvGrpSpPr>
+        <p:cNvPr id="1" name=""/>
+        <p:cNvGrpSpPr/>
+        <p:nvPr/>
+      </p:nvGrpSpPr>
+      <p:grpSpPr>
+        <a:xfrm>
+          <a:off x="0" y="0"/>
+          <a:ext cx="0" cy="0"/>
+          <a:chOff x="0" y="0"/>
+          <a:chExt cx="0" cy="0"/>
+        </a:xfrm>
+      </p:grpSpPr>
+      <p:sp>
+        <p:nvSpPr>
+          <p:cNvPr id="2" name="Title 1">
+            <a:extLst>
+              <a:ext uri="{FF2B5EF4-FFF2-40B4-BE49-F238E27FC236}">
+                <a16:creationId xmlns:a16="http://schemas.microsoft.com/office/drawing/2014/main" id="{9047B0D6-4DD6-4E61-96B4-69E091EB6400}"/>
+              </a:ext>
+            </a:extLst>
+          </p:cNvPr>
+          <p:cNvSpPr>
+            <a:spLocks noGrp="1"/>
+          </p:cNvSpPr>
+          <p:nvPr>
+            <p:ph type="title"/>
+          </p:nvPr>
+        </p:nvSpPr>
+        <p:spPr/>
+        <p:txBody>
+          <a:bodyPr/>
+          <a:lstStyle/>
+          <a:p>
+            <a:r>
+              <a:rPr lang="fi-FI" dirty="0" err="1"/>
+              <a:t>PowerPoints</a:t>
+            </a:r>
+            <a:r>
+              <a:rPr lang="fi-FI" dirty="0"/>
+              <a:t>: </a:t>
+            </a:r>
+            <a:r>
+              <a:rPr lang="fi-FI" dirty="0" err="1"/>
+              <a:t>Install</a:t>
+            </a:r>
+            <a:r>
+              <a:rPr lang="fi-FI" dirty="0"/>
+              <a:t> python-</a:t>
+            </a:r>
+            <a:r>
+              <a:rPr lang="fi-FI" dirty="0" err="1"/>
+              <a:t>pptx</a:t>
+            </a:r>
+            <a:endParaRPr lang="en-US" dirty="0"/>
+          </a:p>
+        </p:txBody>
+      </p:sp>
+      <p:sp>
+        <p:nvSpPr>
+          <p:cNvPr id="3" name="Content Placeholder 2">
+            <a:extLst>
+              <a:ext uri="{FF2B5EF4-FFF2-40B4-BE49-F238E27FC236}">
+                <a16:creationId xmlns:a16="http://schemas.microsoft.com/office/drawing/2014/main" id="{3918CC8C-D3F1-4384-9FB8-E0738C7F621C}"/>
+              </a:ext>
+            </a:extLst>
+          </p:cNvPr>
+          <p:cNvSpPr>
+            <a:spLocks noGrp="1"/>
+          </p:cNvSpPr>
+          <p:nvPr>
+            <p:ph idx="1"/>
+          </p:nvPr>
+        </p:nvSpPr>
+        <p:spPr>
+          <a:xfrm>
+            <a:off x="1926738" y="2114939"/>
+            <a:ext cx="8915400" cy="3777622"/>
+          </a:xfrm>
+        </p:spPr>
+        <p:txBody>
+          <a:bodyPr/>
+          <a:lstStyle/>
+          <a:p>
+            <a:r>
+              <a:rPr lang="en-US" sz="2000" b="1" dirty="0"/>
+              <a:t>Start CMD  with Administrator rights</a:t>
+            </a:r>
+          </a:p>
+          <a:p>
+            <a:endParaRPr lang="en-US" dirty="0"/>
+          </a:p>
+          <a:p>
+            <a:r>
+              <a:rPr lang="en-US" dirty="0"/>
+              <a:t>Execute:</a:t>
+            </a:r>
+          </a:p>
+          <a:p>
+            <a:pPr lvl="1"/>
+            <a:r>
+              <a:rPr lang="en-US" sz="2000" b="1" dirty="0"/>
+              <a:t>"C:\Program Files (x86)\Odoo 13.0\python\python" "C:\Program Files (x86)\Odoo 12.0\python\Scripts\pip.exe" install python-pptx</a:t>
+            </a:r>
+          </a:p>
+          <a:p>
+            <a:pPr lvl="1"/>
+            <a:endParaRPr lang="en-US" sz="2000" b="1" dirty="0"/>
+          </a:p>
+          <a:p>
+            <a:pPr lvl="1"/>
+            <a:r>
+              <a:rPr lang="en-US" sz="2000" b="1" dirty="0"/>
+              <a:t>"C:\Program Files (x86)\Odoo 13.0\python\python" pip3.exe install cx-Oracle --upgrade</a:t>
+            </a:r>
+          </a:p>
+          <a:p>
+            <a:pPr lvl="1"/>
+            <a:endParaRPr lang="en-US" sz="2000" b="1" dirty="0"/>
+          </a:p>
+        </p:txBody>
+      </p:sp>
+      <p:pic>
+        <p:nvPicPr>
+          <p:cNvPr id="4" name="Picture 3">
+            <a:extLst>
+              <a:ext uri="{FF2B5EF4-FFF2-40B4-BE49-F238E27FC236}">
+                <a16:creationId xmlns:a16="http://schemas.microsoft.com/office/drawing/2014/main" id="{4FE2E240-C7D2-41A4-B767-25D6BBEE33FE}"/>
+              </a:ext>
+            </a:extLst>
+          </p:cNvPr>
+          <p:cNvPicPr>
+            <a:picLocks noChangeAspect="1"/>
+          </p:cNvPicPr>
+          <p:nvPr/>
+        </p:nvPicPr>
+        <p:blipFill>
+          <a:blip r:embed="rId2"/>
+          <a:stretch>
+            <a:fillRect/>
+          </a:stretch>
+        </p:blipFill>
+        <p:spPr>
+          <a:xfrm>
+            <a:off x="8719131" y="1419958"/>
+            <a:ext cx="2785481" cy="1529918"/>
+          </a:xfrm>
+          <a:prstGeom prst="rect">
+            <a:avLst/>
+          </a:prstGeom>
+        </p:spPr>
+      </p:pic>
+      <p:sp>
+        <p:nvSpPr>
+          <p:cNvPr id="5" name="TextBox 4">
+            <a:extLst>
+              <a:ext uri="{FF2B5EF4-FFF2-40B4-BE49-F238E27FC236}">
+                <a16:creationId xmlns:a16="http://schemas.microsoft.com/office/drawing/2014/main" id="{39A3898D-D1C6-4EB4-A712-FD08BD1879A0}"/>
+              </a:ext>
+            </a:extLst>
+          </p:cNvPr>
+          <p:cNvSpPr txBox="1"/>
+          <p:nvPr/>
+        </p:nvSpPr>
+        <p:spPr>
+          <a:xfrm>
+            <a:off x="7600074" y="149809"/>
+            <a:ext cx="2238113" cy="369332"/>
+          </a:xfrm>
+          <a:prstGeom prst="rect">
+            <a:avLst/>
+          </a:prstGeom>
+        </p:spPr>
+        <p:style>
+          <a:lnRef idx="1">
+            <a:schemeClr val="accent6"/>
+          </a:lnRef>
+          <a:fillRef idx="2">
+            <a:schemeClr val="accent6"/>
+          </a:fillRef>
+          <a:effectRef idx="1">
+            <a:schemeClr val="accent6"/>
+          </a:effectRef>
+          <a:fontRef idx="minor">
+            <a:schemeClr val="dk1"/>
+          </a:fontRef>
+        </p:style>
+        <p:txBody>
+          <a:bodyPr wrap="none" rtlCol="0">
+            <a:spAutoFit/>
+          </a:bodyPr>
+          <a:lstStyle/>
+          <a:p>
+            <a:r>
+              <a:rPr lang="fi-FI" dirty="0"/>
+              <a:t>Windows </a:t>
+            </a:r>
+            <a:r>
+              <a:rPr lang="fi-FI" dirty="0" err="1"/>
+              <a:t>example</a:t>
+            </a:r>
+            <a:endParaRPr lang="en-US" dirty="0"/>
+          </a:p>
+        </p:txBody>
+      </p:sp>
+    </p:spTree>
+    <p:extLst>
+      <p:ext uri="{BB962C8B-B14F-4D97-AF65-F5344CB8AC3E}">
+        <p14:creationId xmlns:p14="http://schemas.microsoft.com/office/powerpoint/2010/main" val="3169658403"/>
+      </p:ext>
+    </p:extLst>
+  </p:cSld>
+  <p:clrMapOvr>
+    <a:masterClrMapping/>
+  </p:clrMapOvr>
+</p:sld>
+</file>
+
+<file path=ppt/slides/slide6.xml><?xml version="1.0" encoding="utf-8"?>
+<p:sld xmlns:a="http://schemas.openxmlformats.org/drawingml/2006/main" xmlns:r="http://schemas.openxmlformats.org/officeDocument/2006/relationships" xmlns:p="http://schemas.openxmlformats.org/presentationml/2006/main">
+  <p:cSld>
+    <p:spTree>
+      <p:nvGrpSpPr>
+        <p:cNvPr id="1" name=""/>
+        <p:cNvGrpSpPr/>
+        <p:nvPr/>
+      </p:nvGrpSpPr>
+      <p:grpSpPr>
+        <a:xfrm>
+          <a:off x="0" y="0"/>
+          <a:ext cx="0" cy="0"/>
+          <a:chOff x="0" y="0"/>
+          <a:chExt cx="0" cy="0"/>
+        </a:xfrm>
+      </p:grpSpPr>
+      <p:sp>
+        <p:nvSpPr>
+          <p:cNvPr id="2" name="Otsikko 1">
+            <a:extLst>
+              <a:ext uri="{FF2B5EF4-FFF2-40B4-BE49-F238E27FC236}">
+                <a16:creationId xmlns:a16="http://schemas.microsoft.com/office/drawing/2014/main" id="{B73305C8-CD7B-4848-9A71-D512275DFDD4}"/>
+              </a:ext>
+            </a:extLst>
+          </p:cNvPr>
+          <p:cNvSpPr>
+            <a:spLocks noGrp="1"/>
+          </p:cNvSpPr>
+          <p:nvPr>
+            <p:ph type="title"/>
+          </p:nvPr>
+        </p:nvSpPr>
+        <p:spPr>
+          <a:xfrm>
+            <a:off x="1836013" y="1072609"/>
+            <a:ext cx="3041557" cy="4522647"/>
+          </a:xfrm>
+          <a:effectLst/>
+        </p:spPr>
+        <p:txBody>
+          <a:bodyPr anchor="ctr">
+            <a:normAutofit/>
+          </a:bodyPr>
+          <a:lstStyle/>
+          <a:p>
+            <a:pPr algn="l"/>
+            <a:r>
+              <a:rPr lang="fi-FI" sz="3200">
+                <a:solidFill>
+                  <a:schemeClr val="tx2"/>
+                </a:solidFill>
+              </a:rPr>
+              <a:t>Download and install rocker_app</a:t>
+            </a:r>
+            <a:endParaRPr lang="en-US" sz="3200">
+              <a:solidFill>
+                <a:schemeClr val="tx2"/>
+              </a:solidFill>
+            </a:endParaRPr>
+          </a:p>
+        </p:txBody>
+      </p:sp>
+      <p:sp>
+        <p:nvSpPr>
+          <p:cNvPr id="3" name="Sisällön paikkamerkki 2">
+            <a:extLst>
+              <a:ext uri="{FF2B5EF4-FFF2-40B4-BE49-F238E27FC236}">
+                <a16:creationId xmlns:a16="http://schemas.microsoft.com/office/drawing/2014/main" id="{E2145EFE-3C3A-40B5-A73A-73DAA80BBC84}"/>
+              </a:ext>
+            </a:extLst>
+          </p:cNvPr>
+          <p:cNvSpPr>
+            <a:spLocks noGrp="1"/>
+          </p:cNvSpPr>
+          <p:nvPr>
+            <p:ph idx="1"/>
+          </p:nvPr>
+        </p:nvSpPr>
+        <p:spPr>
+          <a:xfrm>
+            <a:off x="5149032" y="1072609"/>
+            <a:ext cx="6383207" cy="4522647"/>
+          </a:xfrm>
+        </p:spPr>
+        <p:txBody>
+          <a:bodyPr anchor="ctr">
+            <a:normAutofit/>
+          </a:bodyPr>
+          <a:lstStyle/>
+          <a:p>
+            <a:r>
+              <a:rPr lang="fi-FI" sz="2000" dirty="0"/>
+              <a:t>Download rocker_app.zip from Odoo Apps</a:t>
+            </a:r>
+          </a:p>
+          <a:p>
+            <a:r>
+              <a:rPr lang="fi-FI" sz="2000" dirty="0"/>
+              <a:t>Check addons_path from odoo.conf</a:t>
+            </a:r>
+          </a:p>
+          <a:p>
+            <a:pPr lvl="1"/>
+            <a:r>
+              <a:rPr lang="en-US" dirty="0"/>
+              <a:t>[options]</a:t>
+            </a:r>
+          </a:p>
+          <a:p>
+            <a:pPr lvl="1"/>
+            <a:r>
+              <a:rPr lang="en-US" dirty="0" err="1"/>
+              <a:t>addons_path</a:t>
+            </a:r>
+            <a:r>
+              <a:rPr lang="en-US" dirty="0"/>
+              <a:t> = C:\Program Files (x86)\Odoo 12.0\server\</a:t>
+            </a:r>
+            <a:r>
+              <a:rPr lang="en-US" dirty="0" err="1"/>
+              <a:t>odoo</a:t>
+            </a:r>
+            <a:r>
+              <a:rPr lang="en-US" dirty="0"/>
+              <a:t>\addons</a:t>
+            </a:r>
+          </a:p>
+          <a:p>
+            <a:r>
+              <a:rPr lang="en-US" sz="2000" dirty="0"/>
+              <a:t>Extract rocker_app.zip (to documents folder)</a:t>
+            </a:r>
+          </a:p>
+          <a:p>
+            <a:r>
+              <a:rPr lang="en-US" sz="2000" dirty="0"/>
+              <a:t>Copy </a:t>
+            </a:r>
+            <a:r>
+              <a:rPr lang="en-US" sz="2000" dirty="0" err="1"/>
+              <a:t>rocker_app</a:t>
+            </a:r>
+            <a:r>
+              <a:rPr lang="en-US" sz="2000" dirty="0"/>
+              <a:t> folder to C:\Program Files (x86)\Odoo 12.0\server\</a:t>
+            </a:r>
+            <a:r>
+              <a:rPr lang="en-US" sz="2000" dirty="0" err="1"/>
+              <a:t>odoo</a:t>
+            </a:r>
+            <a:r>
+              <a:rPr lang="en-US" sz="2000" dirty="0"/>
+              <a:t>\addons</a:t>
+            </a:r>
+          </a:p>
+          <a:p>
+            <a:r>
+              <a:rPr lang="en-US" sz="2000" dirty="0"/>
+              <a:t>Restart Odoo service</a:t>
+            </a:r>
+          </a:p>
+          <a:p>
+            <a:endParaRPr lang="en-US" sz="2000" dirty="0"/>
+          </a:p>
+          <a:p>
+            <a:pPr lvl="1"/>
+            <a:endParaRPr lang="en-US" dirty="0"/>
+          </a:p>
+        </p:txBody>
+      </p:sp>
+      <p:sp>
+        <p:nvSpPr>
+          <p:cNvPr id="4" name="TextBox 3">
+            <a:extLst>
+              <a:ext uri="{FF2B5EF4-FFF2-40B4-BE49-F238E27FC236}">
+                <a16:creationId xmlns:a16="http://schemas.microsoft.com/office/drawing/2014/main" id="{6DF4274D-5402-4E4E-AB6B-505BC9B2E0F2}"/>
+              </a:ext>
+            </a:extLst>
+          </p:cNvPr>
+          <p:cNvSpPr txBox="1"/>
+          <p:nvPr/>
+        </p:nvSpPr>
+        <p:spPr>
+          <a:xfrm>
+            <a:off x="8340635" y="4936350"/>
+            <a:ext cx="2369559" cy="369332"/>
+          </a:xfrm>
+          <a:prstGeom prst="rect">
+            <a:avLst/>
+          </a:prstGeom>
+          <a:solidFill>
+            <a:srgbClr val="FFFF00"/>
+          </a:solidFill>
+        </p:spPr>
+        <p:style>
+          <a:lnRef idx="1">
+            <a:schemeClr val="accent5"/>
+          </a:lnRef>
+          <a:fillRef idx="2">
+            <a:schemeClr val="accent5"/>
+          </a:fillRef>
+          <a:effectRef idx="1">
+            <a:schemeClr val="accent5"/>
+          </a:effectRef>
+          <a:fontRef idx="minor">
+            <a:schemeClr val="dk1"/>
+          </a:fontRef>
+        </p:style>
+        <p:txBody>
+          <a:bodyPr wrap="none" rtlCol="0">
+            <a:spAutoFit/>
+          </a:bodyPr>
+          <a:lstStyle/>
+          <a:p>
+            <a:r>
+              <a:rPr lang="fi-FI" dirty="0"/>
+              <a:t>Or </a:t>
+            </a:r>
+            <a:r>
+              <a:rPr lang="fi-FI" dirty="0" err="1"/>
+              <a:t>Odoo</a:t>
+            </a:r>
+            <a:r>
+              <a:rPr lang="fi-FI" dirty="0"/>
+              <a:t> 13.0 / 14.0</a:t>
+            </a:r>
+            <a:endParaRPr lang="en-US" dirty="0"/>
+          </a:p>
+        </p:txBody>
+      </p:sp>
+      <p:sp>
+        <p:nvSpPr>
+          <p:cNvPr id="5" name="TextBox 4">
+            <a:extLst>
+              <a:ext uri="{FF2B5EF4-FFF2-40B4-BE49-F238E27FC236}">
+                <a16:creationId xmlns:a16="http://schemas.microsoft.com/office/drawing/2014/main" id="{04CCBD0A-3A24-400D-96CE-A187FEE92EB8}"/>
+              </a:ext>
+            </a:extLst>
+          </p:cNvPr>
+          <p:cNvSpPr txBox="1"/>
+          <p:nvPr/>
+        </p:nvSpPr>
+        <p:spPr>
+          <a:xfrm>
+            <a:off x="6890046" y="549519"/>
+            <a:ext cx="2238113" cy="369332"/>
+          </a:xfrm>
+          <a:prstGeom prst="rect">
+            <a:avLst/>
+          </a:prstGeom>
+        </p:spPr>
+        <p:style>
+          <a:lnRef idx="1">
+            <a:schemeClr val="accent6"/>
+          </a:lnRef>
+          <a:fillRef idx="2">
+            <a:schemeClr val="accent6"/>
+          </a:fillRef>
+          <a:effectRef idx="1">
+            <a:schemeClr val="accent6"/>
+          </a:effectRef>
+          <a:fontRef idx="minor">
+            <a:schemeClr val="dk1"/>
+          </a:fontRef>
+        </p:style>
+        <p:txBody>
+          <a:bodyPr wrap="none" rtlCol="0">
+            <a:spAutoFit/>
+          </a:bodyPr>
+          <a:lstStyle/>
+          <a:p>
+            <a:r>
+              <a:rPr lang="fi-FI" dirty="0"/>
+              <a:t>Windows </a:t>
+            </a:r>
+            <a:r>
+              <a:rPr lang="fi-FI" dirty="0" err="1"/>
+              <a:t>example</a:t>
+            </a:r>
+            <a:endParaRPr lang="en-US" dirty="0"/>
+          </a:p>
+        </p:txBody>
+      </p:sp>
+    </p:spTree>
+    <p:extLst>
+      <p:ext uri="{BB962C8B-B14F-4D97-AF65-F5344CB8AC3E}">
+        <p14:creationId xmlns:p14="http://schemas.microsoft.com/office/powerpoint/2010/main" val="2177560404"/>
+      </p:ext>
+    </p:extLst>
+  </p:cSld>
+  <p:clrMapOvr>
+    <a:masterClrMapping/>
+  </p:clrMapOvr>
+</p:sld>
+</file>
+
+<file path=ppt/slides/slide7.xml><?xml version="1.0" encoding="utf-8"?>
+<p:sld xmlns:a="http://schemas.openxmlformats.org/drawingml/2006/main" xmlns:r="http://schemas.openxmlformats.org/officeDocument/2006/relationships" xmlns:p="http://schemas.openxmlformats.org/presentationml/2006/main">
+  <p:cSld>
+    <p:bg>
+      <p:bgPr>
+        <a:blipFill rotWithShape="1">
+          <a:blip r:embed="rId2">
+            <a:duotone>
+              <a:schemeClr val="bg2">
+                <a:shade val="76000"/>
+                <a:satMod val="180000"/>
+              </a:schemeClr>
+              <a:schemeClr val="bg2">
+                <a:tint val="80000"/>
+                <a:satMod val="120000"/>
+                <a:lumMod val="180000"/>
+              </a:schemeClr>
+            </a:duotone>
+          </a:blip>
+          <a:stretch/>
+        </a:blipFill>
+        <a:effectLst/>
+      </p:bgPr>
+    </p:bg>
+    <p:spTree>
+      <p:nvGrpSpPr>
+        <p:cNvPr id="1" name=""/>
+        <p:cNvGrpSpPr/>
+        <p:nvPr/>
+      </p:nvGrpSpPr>
+      <p:grpSpPr>
+        <a:xfrm>
+          <a:off x="0" y="0"/>
+          <a:ext cx="0" cy="0"/>
+          <a:chOff x="0" y="0"/>
+          <a:chExt cx="0" cy="0"/>
+        </a:xfrm>
+      </p:grpSpPr>
+      <p:sp>
+        <p:nvSpPr>
+          <p:cNvPr id="2" name="Otsikko 1">
+            <a:extLst>
+              <a:ext uri="{FF2B5EF4-FFF2-40B4-BE49-F238E27FC236}">
+                <a16:creationId xmlns:a16="http://schemas.microsoft.com/office/drawing/2014/main" id="{B73305C8-CD7B-4848-9A71-D512275DFDD4}"/>
+              </a:ext>
+            </a:extLst>
+          </p:cNvPr>
+          <p:cNvSpPr>
+            <a:spLocks noGrp="1"/>
+          </p:cNvSpPr>
+          <p:nvPr>
+            <p:ph type="title"/>
+          </p:nvPr>
+        </p:nvSpPr>
+        <p:spPr>
+          <a:xfrm>
+            <a:off x="1836013" y="1072609"/>
+            <a:ext cx="3041557" cy="4522647"/>
+          </a:xfrm>
+          <a:effectLst/>
+        </p:spPr>
+        <p:txBody>
+          <a:bodyPr anchor="ctr">
+            <a:normAutofit/>
+          </a:bodyPr>
+          <a:lstStyle/>
+          <a:p>
+            <a:pPr algn="l"/>
+            <a:r>
+              <a:rPr lang="fi-FI" sz="3200">
+                <a:solidFill>
+                  <a:schemeClr val="tx2"/>
+                </a:solidFill>
+              </a:rPr>
+              <a:t>Download and install rocker_app</a:t>
+            </a:r>
+            <a:endParaRPr lang="en-US" sz="3200">
+              <a:solidFill>
+                <a:schemeClr val="tx2"/>
+              </a:solidFill>
+            </a:endParaRPr>
+          </a:p>
+        </p:txBody>
+      </p:sp>
+      <p:sp>
+        <p:nvSpPr>
+          <p:cNvPr id="3" name="Sisällön paikkamerkki 2">
+            <a:extLst>
+              <a:ext uri="{FF2B5EF4-FFF2-40B4-BE49-F238E27FC236}">
+                <a16:creationId xmlns:a16="http://schemas.microsoft.com/office/drawing/2014/main" id="{E2145EFE-3C3A-40B5-A73A-73DAA80BBC84}"/>
+              </a:ext>
+            </a:extLst>
+          </p:cNvPr>
+          <p:cNvSpPr>
+            <a:spLocks noGrp="1"/>
+          </p:cNvSpPr>
+          <p:nvPr>
+            <p:ph idx="1"/>
+          </p:nvPr>
+        </p:nvSpPr>
+        <p:spPr>
+          <a:xfrm>
+            <a:off x="5149032" y="1072609"/>
+            <a:ext cx="6383207" cy="4522647"/>
+          </a:xfrm>
+        </p:spPr>
+        <p:txBody>
+          <a:bodyPr anchor="ctr">
+            <a:normAutofit/>
+          </a:bodyPr>
+          <a:lstStyle/>
+          <a:p>
+            <a:r>
+              <a:rPr lang="fi-FI" sz="2000" dirty="0"/>
+              <a:t>Download rocker_app.zip from Odoo Apps</a:t>
+            </a:r>
+          </a:p>
+          <a:p>
+            <a:r>
+              <a:rPr lang="fi-FI" sz="2000" dirty="0"/>
+              <a:t>Check addons_path from odoo.conf</a:t>
+            </a:r>
+          </a:p>
+          <a:p>
+            <a:pPr lvl="1"/>
+            <a:r>
+              <a:rPr lang="en-US" dirty="0"/>
+              <a:t>[options]</a:t>
+            </a:r>
+          </a:p>
+          <a:p>
+            <a:pPr lvl="1"/>
+            <a:r>
+              <a:rPr lang="en-US" dirty="0" err="1"/>
+              <a:t>addons_path</a:t>
+            </a:r>
+            <a:r>
+              <a:rPr lang="en-US" dirty="0"/>
+              <a:t> = C:\Program Files (x86)\Odoo 12.0\server\</a:t>
+            </a:r>
+            <a:r>
+              <a:rPr lang="en-US" dirty="0" err="1"/>
+              <a:t>odoo</a:t>
+            </a:r>
+            <a:r>
+              <a:rPr lang="en-US" dirty="0"/>
+              <a:t>\addons</a:t>
+            </a:r>
+          </a:p>
+          <a:p>
+            <a:r>
+              <a:rPr lang="en-US" sz="2000" dirty="0"/>
+              <a:t>Extract rocker_app.zip (to documents folder)</a:t>
+            </a:r>
+          </a:p>
+          <a:p>
+            <a:r>
+              <a:rPr lang="en-US" sz="2000" dirty="0"/>
+              <a:t>Copy </a:t>
+            </a:r>
+            <a:r>
+              <a:rPr lang="en-US" sz="2000" dirty="0" err="1"/>
+              <a:t>rocker_app</a:t>
+            </a:r>
+            <a:r>
+              <a:rPr lang="en-US" sz="2000" dirty="0"/>
+              <a:t> folder to C:\Program Files (x86)\Odoo 12.0\server\</a:t>
+            </a:r>
+            <a:r>
+              <a:rPr lang="en-US" sz="2000" dirty="0" err="1"/>
+              <a:t>odoo</a:t>
+            </a:r>
+            <a:r>
+              <a:rPr lang="en-US" sz="2000" dirty="0"/>
+              <a:t>\addons</a:t>
+            </a:r>
+          </a:p>
+          <a:p>
+            <a:r>
+              <a:rPr lang="en-US" sz="2000" dirty="0"/>
+              <a:t>Restart Odoo service</a:t>
+            </a:r>
+          </a:p>
+          <a:p>
+            <a:endParaRPr lang="en-US" sz="2000" dirty="0"/>
+          </a:p>
+          <a:p>
+            <a:pPr lvl="1"/>
+            <a:endParaRPr lang="en-US" dirty="0"/>
+          </a:p>
+        </p:txBody>
+      </p:sp>
+      <p:sp>
+        <p:nvSpPr>
+          <p:cNvPr id="4" name="TextBox 3">
+            <a:extLst>
+              <a:ext uri="{FF2B5EF4-FFF2-40B4-BE49-F238E27FC236}">
+                <a16:creationId xmlns:a16="http://schemas.microsoft.com/office/drawing/2014/main" id="{6DF4274D-5402-4E4E-AB6B-505BC9B2E0F2}"/>
+              </a:ext>
+            </a:extLst>
+          </p:cNvPr>
+          <p:cNvSpPr txBox="1"/>
+          <p:nvPr/>
+        </p:nvSpPr>
+        <p:spPr>
+          <a:xfrm>
+            <a:off x="8340635" y="4936350"/>
+            <a:ext cx="2250937" cy="369332"/>
+          </a:xfrm>
+          <a:prstGeom prst="rect">
+            <a:avLst/>
+          </a:prstGeom>
+          <a:solidFill>
+            <a:srgbClr val="FFFF00"/>
+          </a:solidFill>
+        </p:spPr>
+        <p:style>
+          <a:lnRef idx="1">
+            <a:schemeClr val="accent5"/>
+          </a:lnRef>
+          <a:fillRef idx="2">
+            <a:schemeClr val="accent5"/>
+          </a:fillRef>
+          <a:effectRef idx="1">
+            <a:schemeClr val="accent5"/>
+          </a:effectRef>
+          <a:fontRef idx="minor">
+            <a:schemeClr val="dk1"/>
+          </a:fontRef>
+        </p:style>
+        <p:txBody>
+          <a:bodyPr wrap="none" rtlCol="0">
+            <a:spAutoFit/>
+          </a:bodyPr>
+          <a:lstStyle/>
+          <a:p>
+            <a:r>
+              <a:rPr lang="fi-FI" dirty="0"/>
+              <a:t>Or </a:t>
+            </a:r>
+            <a:r>
+              <a:rPr lang="fi-FI" dirty="0" err="1"/>
+              <a:t>Odoo</a:t>
+            </a:r>
+            <a:r>
+              <a:rPr lang="fi-FI" dirty="0"/>
+              <a:t> 13.0 &amp; 14</a:t>
+            </a:r>
+            <a:endParaRPr lang="en-US" dirty="0"/>
+          </a:p>
+        </p:txBody>
+      </p:sp>
+    </p:spTree>
+    <p:extLst>
+      <p:ext uri="{BB962C8B-B14F-4D97-AF65-F5344CB8AC3E}">
+        <p14:creationId xmlns:p14="http://schemas.microsoft.com/office/powerpoint/2010/main" val="305823356"/>
+      </p:ext>
+    </p:extLst>
+  </p:cSld>
+  <p:clrMapOvr>
+    <a:masterClrMapping/>
+  </p:clrMapOvr>
+</p:sld>
+</file>
+
+<file path=ppt/slides/slide8.xml><?xml version="1.0" encoding="utf-8"?>
+<p:sld xmlns:a="http://schemas.openxmlformats.org/drawingml/2006/main" xmlns:r="http://schemas.openxmlformats.org/officeDocument/2006/relationships" xmlns:p="http://schemas.openxmlformats.org/presentationml/2006/main">
+  <p:cSld>
+    <p:bg>
+      <p:bgPr>
+        <a:gradFill rotWithShape="1">
+          <a:gsLst>
+            <a:gs pos="0">
+              <a:schemeClr val="bg2">
+                <a:tint val="90000"/>
+                <a:satMod val="92000"/>
+                <a:lumMod val="120000"/>
+              </a:schemeClr>
+            </a:gs>
+            <a:gs pos="100000">
+              <a:schemeClr val="bg2">
+                <a:shade val="98000"/>
+                <a:satMod val="120000"/>
+                <a:lumMod val="98000"/>
+              </a:schemeClr>
+            </a:gs>
+          </a:gsLst>
+          <a:path path="circle">
+            <a:fillToRect l="50000" t="50000" r="100000" b="100000"/>
+          </a:path>
+        </a:gradFill>
+        <a:effectLst/>
+      </p:bgPr>
+    </p:bg>
+    <p:spTree>
+      <p:nvGrpSpPr>
+        <p:cNvPr id="1" name=""/>
+        <p:cNvGrpSpPr/>
+        <p:nvPr/>
+      </p:nvGrpSpPr>
+      <p:grpSpPr>
+        <a:xfrm>
+          <a:off x="0" y="0"/>
+          <a:ext cx="0" cy="0"/>
+          <a:chOff x="0" y="0"/>
+          <a:chExt cx="0" cy="0"/>
+        </a:xfrm>
+      </p:grpSpPr>
+      <p:sp>
+        <p:nvSpPr>
+          <p:cNvPr id="2" name="Otsikko 1">
+            <a:extLst>
+              <a:ext uri="{FF2B5EF4-FFF2-40B4-BE49-F238E27FC236}">
+                <a16:creationId xmlns:a16="http://schemas.microsoft.com/office/drawing/2014/main" id="{459DE456-70E9-40EC-BDC5-C0FEB972B887}"/>
+              </a:ext>
+            </a:extLst>
+          </p:cNvPr>
+          <p:cNvSpPr>
+            <a:spLocks noGrp="1"/>
+          </p:cNvSpPr>
+          <p:nvPr>
+            <p:ph type="title"/>
+          </p:nvPr>
+        </p:nvSpPr>
+        <p:spPr>
+          <a:xfrm>
+            <a:off x="2592925" y="624110"/>
+            <a:ext cx="8911687" cy="1280890"/>
+          </a:xfrm>
+        </p:spPr>
+        <p:txBody>
+          <a:bodyPr>
+            <a:normAutofit/>
+          </a:bodyPr>
+          <a:lstStyle/>
+          <a:p>
+            <a:r>
+              <a:rPr lang="fi-FI"/>
+              <a:t>Install Rocker module</a:t>
+            </a:r>
+            <a:endParaRPr lang="en-US"/>
+          </a:p>
+        </p:txBody>
+      </p:sp>
+      <p:sp>
+        <p:nvSpPr>
+          <p:cNvPr id="3" name="Sisällön paikkamerkki 2">
+            <a:extLst>
+              <a:ext uri="{FF2B5EF4-FFF2-40B4-BE49-F238E27FC236}">
+                <a16:creationId xmlns:a16="http://schemas.microsoft.com/office/drawing/2014/main" id="{F25C326B-71B1-4131-8337-274B6BEFEF52}"/>
+              </a:ext>
+            </a:extLst>
+          </p:cNvPr>
+          <p:cNvSpPr>
+            <a:spLocks noGrp="1"/>
+          </p:cNvSpPr>
+          <p:nvPr>
+            <p:ph idx="1"/>
+          </p:nvPr>
+        </p:nvSpPr>
+        <p:spPr>
+          <a:xfrm>
+            <a:off x="2589212" y="2125362"/>
+            <a:ext cx="5835121" cy="3785860"/>
+          </a:xfrm>
+        </p:spPr>
+        <p:txBody>
+          <a:bodyPr>
+            <a:normAutofit/>
+          </a:bodyPr>
+          <a:lstStyle/>
+          <a:p>
+            <a:r>
+              <a:rPr lang="fi-FI"/>
+              <a:t>Activate developer mode</a:t>
+            </a:r>
+          </a:p>
+          <a:p>
+            <a:r>
+              <a:rPr lang="fi-FI"/>
+              <a:t>Update Apps List</a:t>
+            </a:r>
+          </a:p>
+          <a:p>
+            <a:r>
+              <a:rPr lang="en-US"/>
+              <a:t>Search for Rocker</a:t>
+            </a:r>
+          </a:p>
+          <a:p>
+            <a:r>
+              <a:rPr lang="en-US"/>
+              <a:t>Install</a:t>
+            </a:r>
+            <a:endParaRPr lang="fi-FI"/>
+          </a:p>
+        </p:txBody>
+      </p:sp>
+      <p:pic>
+        <p:nvPicPr>
+          <p:cNvPr id="4" name="Kuva 3">
+            <a:extLst>
+              <a:ext uri="{FF2B5EF4-FFF2-40B4-BE49-F238E27FC236}">
+                <a16:creationId xmlns:a16="http://schemas.microsoft.com/office/drawing/2014/main" id="{7DCCAE32-D722-4939-8806-9EDD94374808}"/>
+              </a:ext>
+            </a:extLst>
+          </p:cNvPr>
+          <p:cNvPicPr>
+            <a:picLocks noChangeAspect="1"/>
+          </p:cNvPicPr>
+          <p:nvPr/>
+        </p:nvPicPr>
+        <p:blipFill>
+          <a:blip r:embed="rId2"/>
+          <a:stretch>
+            <a:fillRect/>
+          </a:stretch>
+        </p:blipFill>
+        <p:spPr>
+          <a:xfrm>
+            <a:off x="4681474" y="3720123"/>
+            <a:ext cx="6510559" cy="1871785"/>
+          </a:xfrm>
+          <a:prstGeom prst="rect">
+            <a:avLst/>
+          </a:prstGeom>
+        </p:spPr>
+        <p:style>
+          <a:lnRef idx="2">
+            <a:schemeClr val="accent1"/>
+          </a:lnRef>
+          <a:fillRef idx="1">
+            <a:schemeClr val="lt1"/>
+          </a:fillRef>
+          <a:effectRef idx="0">
+            <a:schemeClr val="accent1"/>
+          </a:effectRef>
+          <a:fontRef idx="minor">
+            <a:schemeClr val="dk1"/>
+          </a:fontRef>
+        </p:style>
+      </p:pic>
+    </p:spTree>
+    <p:extLst>
+      <p:ext uri="{BB962C8B-B14F-4D97-AF65-F5344CB8AC3E}">
+        <p14:creationId xmlns:p14="http://schemas.microsoft.com/office/powerpoint/2010/main" val="1438393376"/>
+      </p:ext>
+    </p:extLst>
+  </p:cSld>
+  <p:clrMapOvr>
+    <a:masterClrMapping/>
+  </p:clrMapOvr>
+</p:sld>
+</file>
+
+<file path=ppt/slides/slide9.xml><?xml version="1.0" encoding="utf-8"?>
+<p:sld xmlns:a="http://schemas.openxmlformats.org/drawingml/2006/main" xmlns:r="http://schemas.openxmlformats.org/officeDocument/2006/relationships" xmlns:p="http://schemas.openxmlformats.org/presentationml/2006/main">
+  <p:cSld>
+    <p:spTree>
+      <p:nvGrpSpPr>
+        <p:cNvPr id="1" name=""/>
+        <p:cNvGrpSpPr/>
+        <p:nvPr/>
+      </p:nvGrpSpPr>
+      <p:grpSpPr>
+        <a:xfrm>
+          <a:off x="0" y="0"/>
+          <a:ext cx="0" cy="0"/>
+          <a:chOff x="0" y="0"/>
+          <a:chExt cx="0" cy="0"/>
+        </a:xfrm>
+      </p:grpSpPr>
+      <p:sp>
+        <p:nvSpPr>
+          <p:cNvPr id="2" name="Title 1">
+            <a:extLst>
+              <a:ext uri="{FF2B5EF4-FFF2-40B4-BE49-F238E27FC236}">
+                <a16:creationId xmlns:a16="http://schemas.microsoft.com/office/drawing/2014/main" id="{1A46C0F2-5A13-4675-90D2-C28BA0BE550E}"/>
+              </a:ext>
+            </a:extLst>
+          </p:cNvPr>
+          <p:cNvSpPr>
+            <a:spLocks noGrp="1"/>
+          </p:cNvSpPr>
+          <p:nvPr>
+            <p:ph type="title"/>
+          </p:nvPr>
+        </p:nvSpPr>
+        <p:spPr/>
+        <p:txBody>
+          <a:bodyPr>
+            <a:normAutofit fontScale="90000"/>
+          </a:bodyPr>
+          <a:lstStyle/>
+          <a:p>
+            <a:r>
+              <a:rPr lang="fi-FI" dirty="0" err="1"/>
+              <a:t>Before</a:t>
+            </a:r>
+            <a:r>
+              <a:rPr lang="fi-FI" dirty="0"/>
+              <a:t> </a:t>
+            </a:r>
+            <a:r>
+              <a:rPr lang="fi-FI" dirty="0" err="1"/>
+              <a:t>you</a:t>
+            </a:r>
+            <a:r>
+              <a:rPr lang="fi-FI" dirty="0"/>
+              <a:t> </a:t>
+            </a:r>
+            <a:r>
+              <a:rPr lang="fi-FI" dirty="0" err="1"/>
+              <a:t>can</a:t>
+            </a:r>
+            <a:r>
+              <a:rPr lang="fi-FI" dirty="0"/>
+              <a:t> </a:t>
+            </a:r>
+            <a:r>
+              <a:rPr lang="fi-FI" dirty="0" err="1"/>
+              <a:t>create</a:t>
+            </a:r>
+            <a:r>
+              <a:rPr lang="fi-FI" dirty="0"/>
+              <a:t> </a:t>
+            </a:r>
+            <a:r>
+              <a:rPr lang="fi-FI" dirty="0" err="1"/>
+              <a:t>database</a:t>
+            </a:r>
+            <a:r>
+              <a:rPr lang="fi-FI" dirty="0"/>
+              <a:t> </a:t>
+            </a:r>
+            <a:r>
+              <a:rPr lang="fi-FI" dirty="0" err="1"/>
+              <a:t>connection</a:t>
+            </a:r>
+            <a:r>
+              <a:rPr lang="fi-FI" dirty="0"/>
+              <a:t> in </a:t>
+            </a:r>
+            <a:r>
+              <a:rPr lang="fi-FI" dirty="0" err="1"/>
+              <a:t>Rocker_app</a:t>
+            </a:r>
+            <a:r>
+              <a:rPr lang="fi-FI" dirty="0"/>
+              <a:t> </a:t>
+            </a:r>
+            <a:r>
+              <a:rPr lang="fi-FI" dirty="0" err="1"/>
+              <a:t>you</a:t>
+            </a:r>
+            <a:r>
+              <a:rPr lang="fi-FI" dirty="0"/>
+              <a:t> </a:t>
+            </a:r>
+            <a:r>
+              <a:rPr lang="fi-FI" dirty="0" err="1"/>
+              <a:t>have</a:t>
+            </a:r>
+            <a:r>
+              <a:rPr lang="fi-FI" dirty="0"/>
+              <a:t> to: </a:t>
+            </a:r>
+            <a:r>
+              <a:rPr lang="fi-FI" dirty="0" err="1"/>
+              <a:t>Create</a:t>
+            </a:r>
+            <a:r>
+              <a:rPr lang="fi-FI" dirty="0"/>
+              <a:t> </a:t>
+            </a:r>
+            <a:r>
+              <a:rPr lang="fi-FI" dirty="0" err="1"/>
+              <a:t>reporting</a:t>
+            </a:r>
+            <a:r>
+              <a:rPr lang="fi-FI" dirty="0"/>
+              <a:t> </a:t>
+            </a:r>
+            <a:r>
+              <a:rPr lang="fi-FI" dirty="0" err="1"/>
+              <a:t>user</a:t>
+            </a:r>
+            <a:r>
+              <a:rPr lang="fi-FI" dirty="0"/>
+              <a:t> for </a:t>
+            </a:r>
+            <a:r>
+              <a:rPr lang="fi-FI" dirty="0" err="1"/>
+              <a:t>Odoo</a:t>
+            </a:r>
+            <a:endParaRPr lang="en-US" dirty="0"/>
+          </a:p>
+        </p:txBody>
+      </p:sp>
+      <p:sp>
+        <p:nvSpPr>
+          <p:cNvPr id="3" name="Content Placeholder 2">
+            <a:extLst>
+              <a:ext uri="{FF2B5EF4-FFF2-40B4-BE49-F238E27FC236}">
+                <a16:creationId xmlns:a16="http://schemas.microsoft.com/office/drawing/2014/main" id="{8309473F-B7E0-446C-8CB5-C8D1441BD47C}"/>
+              </a:ext>
+            </a:extLst>
+          </p:cNvPr>
+          <p:cNvSpPr>
+            <a:spLocks noGrp="1"/>
+          </p:cNvSpPr>
+          <p:nvPr>
+            <p:ph idx="1"/>
+          </p:nvPr>
+        </p:nvSpPr>
+        <p:spPr>
+          <a:xfrm>
+            <a:off x="2589212" y="2523280"/>
+            <a:ext cx="8915400" cy="4022204"/>
+          </a:xfrm>
+        </p:spPr>
+        <p:txBody>
+          <a:bodyPr>
+            <a:normAutofit fontScale="92500" lnSpcReduction="20000"/>
+          </a:bodyPr>
+          <a:lstStyle/>
+          <a:p>
+            <a:r>
+              <a:rPr lang="en-US" dirty="0" err="1"/>
+              <a:t>sudo</a:t>
+            </a:r>
+            <a:r>
+              <a:rPr lang="en-US" dirty="0"/>
+              <a:t> -u </a:t>
+            </a:r>
+            <a:r>
+              <a:rPr lang="en-US" dirty="0" err="1"/>
+              <a:t>postgres</a:t>
+            </a:r>
+            <a:r>
+              <a:rPr lang="en-US" dirty="0"/>
+              <a:t> </a:t>
+            </a:r>
+            <a:r>
+              <a:rPr lang="en-US" dirty="0" err="1"/>
+              <a:t>createuser</a:t>
+            </a:r>
+            <a:r>
+              <a:rPr lang="en-US" dirty="0"/>
+              <a:t> --login --</a:t>
+            </a:r>
+            <a:r>
+              <a:rPr lang="en-US" dirty="0" err="1"/>
+              <a:t>pwprompt</a:t>
+            </a:r>
+            <a:r>
+              <a:rPr lang="en-US" dirty="0"/>
+              <a:t> rocker</a:t>
+            </a:r>
+          </a:p>
+          <a:p>
+            <a:endParaRPr lang="en-US" dirty="0"/>
+          </a:p>
+          <a:p>
+            <a:r>
+              <a:rPr lang="en-US" dirty="0"/>
+              <a:t>login with user </a:t>
+            </a:r>
+            <a:r>
+              <a:rPr lang="en-US" dirty="0" err="1"/>
+              <a:t>odoo</a:t>
+            </a:r>
+            <a:endParaRPr lang="en-US" dirty="0"/>
+          </a:p>
+          <a:p>
+            <a:r>
+              <a:rPr lang="en-US" dirty="0"/>
+              <a:t>Execute </a:t>
+            </a:r>
+            <a:r>
+              <a:rPr lang="en-US" dirty="0" err="1"/>
+              <a:t>psql</a:t>
+            </a:r>
+            <a:r>
+              <a:rPr lang="en-US" dirty="0"/>
+              <a:t>, then</a:t>
+            </a:r>
+          </a:p>
+          <a:p>
+            <a:pPr lvl="1"/>
+            <a:r>
+              <a:rPr lang="en-US" dirty="0"/>
+              <a:t>GRANT CONNECT ON DATABASE </a:t>
+            </a:r>
+            <a:r>
+              <a:rPr lang="en-US" dirty="0" err="1"/>
+              <a:t>database_name</a:t>
+            </a:r>
+            <a:r>
+              <a:rPr lang="en-US" dirty="0"/>
+              <a:t> TO username;</a:t>
+            </a:r>
+          </a:p>
+          <a:p>
+            <a:pPr lvl="1"/>
+            <a:r>
+              <a:rPr lang="en-US" dirty="0"/>
+              <a:t>GRANT SELECT ON ALL TABLES IN SCHEMA name TO username;</a:t>
+            </a:r>
+          </a:p>
+          <a:p>
+            <a:pPr lvl="1"/>
+            <a:r>
+              <a:rPr lang="en-US" dirty="0"/>
+              <a:t>GRANT CONNECT ON DATABASE </a:t>
+            </a:r>
+            <a:r>
+              <a:rPr lang="en-US" dirty="0" err="1"/>
+              <a:t>odoo</a:t>
+            </a:r>
+            <a:r>
+              <a:rPr lang="en-US" dirty="0"/>
+              <a:t> TO rocker;</a:t>
+            </a:r>
+          </a:p>
+          <a:p>
+            <a:pPr lvl="1"/>
+            <a:endParaRPr lang="en-US" dirty="0"/>
+          </a:p>
+          <a:p>
+            <a:endParaRPr lang="en-US" dirty="0"/>
+          </a:p>
+          <a:p>
+            <a:endParaRPr lang="en-US" dirty="0"/>
+          </a:p>
+          <a:p>
+            <a:r>
+              <a:rPr lang="en-US" dirty="0"/>
+              <a:t>service </a:t>
+            </a:r>
+            <a:r>
+              <a:rPr lang="en-US" dirty="0" err="1"/>
+              <a:t>odoo</a:t>
+            </a:r>
+            <a:r>
+              <a:rPr lang="en-US" dirty="0"/>
+              <a:t> restart</a:t>
+            </a:r>
+          </a:p>
+          <a:p>
+            <a:pPr lvl="1"/>
+            <a:r>
+              <a:rPr lang="en-US" dirty="0"/>
+              <a:t>Works in Ubuntu </a:t>
+            </a:r>
+            <a:r>
+              <a:rPr lang="en-US" dirty="0">
+                <a:sym typeface="Wingdings" panose="05000000000000000000" pitchFamily="2" charset="2"/>
+              </a:rPr>
+              <a:t></a:t>
+            </a:r>
+            <a:endParaRPr lang="en-US" dirty="0"/>
+          </a:p>
+          <a:p>
+            <a:endParaRPr lang="en-US" dirty="0"/>
+          </a:p>
+          <a:p>
+            <a:endParaRPr lang="en-US" dirty="0"/>
+          </a:p>
+        </p:txBody>
+      </p:sp>
+    </p:spTree>
+    <p:extLst>
+      <p:ext uri="{BB962C8B-B14F-4D97-AF65-F5344CB8AC3E}">
+        <p14:creationId xmlns:p14="http://schemas.microsoft.com/office/powerpoint/2010/main" val="2515539717"/>
       </p:ext>
     </p:extLst>
   </p:cSld>

--- a/rocker_app/static/description/Rocker_install.pptx
+++ b/rocker_app/static/description/Rocker_install.pptx
@@ -139,1652 +139,6 @@
 </p1510:revInfo>
 </file>
 
-<file path=ppt/changesInfos/changesInfo1.xml><?xml version="1.0" encoding="utf-8"?>
-<pc:chgInfo xmlns:a="http://schemas.openxmlformats.org/drawingml/2006/main" xmlns:r="http://schemas.openxmlformats.org/officeDocument/2006/relationships" xmlns:ac="http://schemas.microsoft.com/office/drawing/2013/main/command" xmlns:pc="http://schemas.microsoft.com/office/powerpoint/2013/main/command">
-  <pc:docChgLst>
-    <pc:chgData name="Antti Kärki" userId="ab9f1eaf7ee70c5c" providerId="LiveId" clId="{245EAFD0-4625-4717-A7E4-EFF881F9E981}"/>
-    <pc:docChg chg="modSld">
-      <pc:chgData name="Antti Kärki" userId="ab9f1eaf7ee70c5c" providerId="LiveId" clId="{245EAFD0-4625-4717-A7E4-EFF881F9E981}" dt="2020-03-19T08:51:24.910" v="34" actId="1076"/>
-      <pc:docMkLst>
-        <pc:docMk/>
-      </pc:docMkLst>
-      <pc:sldChg chg="addSp modSp">
-        <pc:chgData name="Antti Kärki" userId="ab9f1eaf7ee70c5c" providerId="LiveId" clId="{245EAFD0-4625-4717-A7E4-EFF881F9E981}" dt="2020-03-19T08:51:24.910" v="34" actId="1076"/>
-        <pc:sldMkLst>
-          <pc:docMk/>
-          <pc:sldMk cId="3807908021" sldId="297"/>
-        </pc:sldMkLst>
-        <pc:spChg chg="mod">
-          <ac:chgData name="Antti Kärki" userId="ab9f1eaf7ee70c5c" providerId="LiveId" clId="{245EAFD0-4625-4717-A7E4-EFF881F9E981}" dt="2020-03-19T08:43:15.677" v="31" actId="113"/>
-          <ac:spMkLst>
-            <pc:docMk/>
-            <pc:sldMk cId="3807908021" sldId="297"/>
-            <ac:spMk id="3" creationId="{3918CC8C-D3F1-4384-9FB8-E0738C7F621C}"/>
-          </ac:spMkLst>
-        </pc:spChg>
-        <pc:picChg chg="add mod">
-          <ac:chgData name="Antti Kärki" userId="ab9f1eaf7ee70c5c" providerId="LiveId" clId="{245EAFD0-4625-4717-A7E4-EFF881F9E981}" dt="2020-03-19T08:51:24.910" v="34" actId="1076"/>
-          <ac:picMkLst>
-            <pc:docMk/>
-            <pc:sldMk cId="3807908021" sldId="297"/>
-            <ac:picMk id="4" creationId="{4FE2E240-C7D2-41A4-B767-25D6BBEE33FE}"/>
-          </ac:picMkLst>
-        </pc:picChg>
-      </pc:sldChg>
-    </pc:docChg>
-  </pc:docChgLst>
-  <pc:docChgLst>
-    <pc:chgData name="Antti Kärki" userId="ab9f1eaf7ee70c5c" providerId="LiveId" clId="{290FC3B9-96DA-48B1-B3BF-D985895C8291}"/>
-    <pc:docChg chg="undo custSel mod addSld delSld modSld modMainMaster">
-      <pc:chgData name="Antti Kärki" userId="ab9f1eaf7ee70c5c" providerId="LiveId" clId="{290FC3B9-96DA-48B1-B3BF-D985895C8291}" dt="2020-01-27T15:39:55.010" v="1376" actId="27636"/>
-      <pc:docMkLst>
-        <pc:docMk/>
-      </pc:docMkLst>
-      <pc:sldChg chg="del">
-        <pc:chgData name="Antti Kärki" userId="ab9f1eaf7ee70c5c" providerId="LiveId" clId="{290FC3B9-96DA-48B1-B3BF-D985895C8291}" dt="2020-01-27T14:52:48.496" v="958" actId="2696"/>
-        <pc:sldMkLst>
-          <pc:docMk/>
-          <pc:sldMk cId="2348366283" sldId="256"/>
-        </pc:sldMkLst>
-      </pc:sldChg>
-      <pc:sldChg chg="del">
-        <pc:chgData name="Antti Kärki" userId="ab9f1eaf7ee70c5c" providerId="LiveId" clId="{290FC3B9-96DA-48B1-B3BF-D985895C8291}" dt="2020-01-27T14:52:48.535" v="968" actId="2696"/>
-        <pc:sldMkLst>
-          <pc:docMk/>
-          <pc:sldMk cId="97694986" sldId="257"/>
-        </pc:sldMkLst>
-      </pc:sldChg>
-      <pc:sldChg chg="del">
-        <pc:chgData name="Antti Kärki" userId="ab9f1eaf7ee70c5c" providerId="LiveId" clId="{290FC3B9-96DA-48B1-B3BF-D985895C8291}" dt="2020-01-27T14:52:48.528" v="966" actId="2696"/>
-        <pc:sldMkLst>
-          <pc:docMk/>
-          <pc:sldMk cId="2544980931" sldId="258"/>
-        </pc:sldMkLst>
-      </pc:sldChg>
-      <pc:sldChg chg="del">
-        <pc:chgData name="Antti Kärki" userId="ab9f1eaf7ee70c5c" providerId="LiveId" clId="{290FC3B9-96DA-48B1-B3BF-D985895C8291}" dt="2020-01-27T14:52:48.532" v="967" actId="2696"/>
-        <pc:sldMkLst>
-          <pc:docMk/>
-          <pc:sldMk cId="1888162908" sldId="259"/>
-        </pc:sldMkLst>
-      </pc:sldChg>
-      <pc:sldChg chg="del">
-        <pc:chgData name="Antti Kärki" userId="ab9f1eaf7ee70c5c" providerId="LiveId" clId="{290FC3B9-96DA-48B1-B3BF-D985895C8291}" dt="2020-01-27T14:52:48.536" v="969" actId="2696"/>
-        <pc:sldMkLst>
-          <pc:docMk/>
-          <pc:sldMk cId="1641484168" sldId="260"/>
-        </pc:sldMkLst>
-      </pc:sldChg>
-      <pc:sldChg chg="del">
-        <pc:chgData name="Antti Kärki" userId="ab9f1eaf7ee70c5c" providerId="LiveId" clId="{290FC3B9-96DA-48B1-B3BF-D985895C8291}" dt="2020-01-27T14:52:48.536" v="970" actId="2696"/>
-        <pc:sldMkLst>
-          <pc:docMk/>
-          <pc:sldMk cId="934970426" sldId="261"/>
-        </pc:sldMkLst>
-      </pc:sldChg>
-      <pc:sldChg chg="del">
-        <pc:chgData name="Antti Kärki" userId="ab9f1eaf7ee70c5c" providerId="LiveId" clId="{290FC3B9-96DA-48B1-B3BF-D985895C8291}" dt="2020-01-27T14:52:48.544" v="971" actId="2696"/>
-        <pc:sldMkLst>
-          <pc:docMk/>
-          <pc:sldMk cId="3938267547" sldId="262"/>
-        </pc:sldMkLst>
-      </pc:sldChg>
-      <pc:sldChg chg="del">
-        <pc:chgData name="Antti Kärki" userId="ab9f1eaf7ee70c5c" providerId="LiveId" clId="{290FC3B9-96DA-48B1-B3BF-D985895C8291}" dt="2020-01-27T14:52:48.547" v="972" actId="2696"/>
-        <pc:sldMkLst>
-          <pc:docMk/>
-          <pc:sldMk cId="2610452875" sldId="263"/>
-        </pc:sldMkLst>
-      </pc:sldChg>
-      <pc:sldChg chg="del">
-        <pc:chgData name="Antti Kärki" userId="ab9f1eaf7ee70c5c" providerId="LiveId" clId="{290FC3B9-96DA-48B1-B3BF-D985895C8291}" dt="2020-01-27T14:52:48.549" v="973" actId="2696"/>
-        <pc:sldMkLst>
-          <pc:docMk/>
-          <pc:sldMk cId="3693001399" sldId="264"/>
-        </pc:sldMkLst>
-      </pc:sldChg>
-      <pc:sldChg chg="modSp del">
-        <pc:chgData name="Antti Kärki" userId="ab9f1eaf7ee70c5c" providerId="LiveId" clId="{290FC3B9-96DA-48B1-B3BF-D985895C8291}" dt="2020-01-27T14:52:48.551" v="974" actId="2696"/>
-        <pc:sldMkLst>
-          <pc:docMk/>
-          <pc:sldMk cId="2106903866" sldId="265"/>
-        </pc:sldMkLst>
-        <pc:picChg chg="mod">
-          <ac:chgData name="Antti Kärki" userId="ab9f1eaf7ee70c5c" providerId="LiveId" clId="{290FC3B9-96DA-48B1-B3BF-D985895C8291}" dt="2020-01-27T10:15:12.345" v="394" actId="1036"/>
-          <ac:picMkLst>
-            <pc:docMk/>
-            <pc:sldMk cId="2106903866" sldId="265"/>
-            <ac:picMk id="3" creationId="{130F2866-7CA8-43CC-9C9E-5C00DE76C049}"/>
-          </ac:picMkLst>
-        </pc:picChg>
-      </pc:sldChg>
-      <pc:sldChg chg="del">
-        <pc:chgData name="Antti Kärki" userId="ab9f1eaf7ee70c5c" providerId="LiveId" clId="{290FC3B9-96DA-48B1-B3BF-D985895C8291}" dt="2020-01-27T14:52:48.551" v="975" actId="2696"/>
-        <pc:sldMkLst>
-          <pc:docMk/>
-          <pc:sldMk cId="497006758" sldId="266"/>
-        </pc:sldMkLst>
-      </pc:sldChg>
-      <pc:sldChg chg="del">
-        <pc:chgData name="Antti Kärki" userId="ab9f1eaf7ee70c5c" providerId="LiveId" clId="{290FC3B9-96DA-48B1-B3BF-D985895C8291}" dt="2020-01-27T14:52:48.551" v="976" actId="2696"/>
-        <pc:sldMkLst>
-          <pc:docMk/>
-          <pc:sldMk cId="2390176505" sldId="267"/>
-        </pc:sldMkLst>
-      </pc:sldChg>
-      <pc:sldChg chg="del">
-        <pc:chgData name="Antti Kärki" userId="ab9f1eaf7ee70c5c" providerId="LiveId" clId="{290FC3B9-96DA-48B1-B3BF-D985895C8291}" dt="2020-01-27T09:16:54.581" v="330" actId="2696"/>
-        <pc:sldMkLst>
-          <pc:docMk/>
-          <pc:sldMk cId="3250507965" sldId="268"/>
-        </pc:sldMkLst>
-      </pc:sldChg>
-      <pc:sldChg chg="del">
-        <pc:chgData name="Antti Kärki" userId="ab9f1eaf7ee70c5c" providerId="LiveId" clId="{290FC3B9-96DA-48B1-B3BF-D985895C8291}" dt="2020-01-27T09:17:02.308" v="331" actId="2696"/>
-        <pc:sldMkLst>
-          <pc:docMk/>
-          <pc:sldMk cId="1383321096" sldId="269"/>
-        </pc:sldMkLst>
-      </pc:sldChg>
-      <pc:sldChg chg="del">
-        <pc:chgData name="Antti Kärki" userId="ab9f1eaf7ee70c5c" providerId="LiveId" clId="{290FC3B9-96DA-48B1-B3BF-D985895C8291}" dt="2020-01-27T14:52:48.551" v="977" actId="2696"/>
-        <pc:sldMkLst>
-          <pc:docMk/>
-          <pc:sldMk cId="1879676310" sldId="270"/>
-        </pc:sldMkLst>
-      </pc:sldChg>
-      <pc:sldChg chg="del">
-        <pc:chgData name="Antti Kärki" userId="ab9f1eaf7ee70c5c" providerId="LiveId" clId="{290FC3B9-96DA-48B1-B3BF-D985895C8291}" dt="2020-01-27T14:52:48.556" v="978" actId="2696"/>
-        <pc:sldMkLst>
-          <pc:docMk/>
-          <pc:sldMk cId="1188854988" sldId="271"/>
-        </pc:sldMkLst>
-      </pc:sldChg>
-      <pc:sldChg chg="del">
-        <pc:chgData name="Antti Kärki" userId="ab9f1eaf7ee70c5c" providerId="LiveId" clId="{290FC3B9-96DA-48B1-B3BF-D985895C8291}" dt="2020-01-27T14:52:48.557" v="979" actId="2696"/>
-        <pc:sldMkLst>
-          <pc:docMk/>
-          <pc:sldMk cId="1290281772" sldId="272"/>
-        </pc:sldMkLst>
-      </pc:sldChg>
-      <pc:sldChg chg="del">
-        <pc:chgData name="Antti Kärki" userId="ab9f1eaf7ee70c5c" providerId="LiveId" clId="{290FC3B9-96DA-48B1-B3BF-D985895C8291}" dt="2020-01-27T14:52:48.521" v="963" actId="2696"/>
-        <pc:sldMkLst>
-          <pc:docMk/>
-          <pc:sldMk cId="4279946922" sldId="273"/>
-        </pc:sldMkLst>
-      </pc:sldChg>
-      <pc:sldChg chg="del">
-        <pc:chgData name="Antti Kärki" userId="ab9f1eaf7ee70c5c" providerId="LiveId" clId="{290FC3B9-96DA-48B1-B3BF-D985895C8291}" dt="2020-01-27T14:52:48.522" v="965" actId="2696"/>
-        <pc:sldMkLst>
-          <pc:docMk/>
-          <pc:sldMk cId="1256004555" sldId="274"/>
-        </pc:sldMkLst>
-      </pc:sldChg>
-      <pc:sldChg chg="del">
-        <pc:chgData name="Antti Kärki" userId="ab9f1eaf7ee70c5c" providerId="LiveId" clId="{290FC3B9-96DA-48B1-B3BF-D985895C8291}" dt="2020-01-27T14:52:48.522" v="964" actId="2696"/>
-        <pc:sldMkLst>
-          <pc:docMk/>
-          <pc:sldMk cId="1666211661" sldId="275"/>
-        </pc:sldMkLst>
-      </pc:sldChg>
-      <pc:sldChg chg="modSp del">
-        <pc:chgData name="Antti Kärki" userId="ab9f1eaf7ee70c5c" providerId="LiveId" clId="{290FC3B9-96DA-48B1-B3BF-D985895C8291}" dt="2020-01-27T14:52:48.515" v="962" actId="2696"/>
-        <pc:sldMkLst>
-          <pc:docMk/>
-          <pc:sldMk cId="2339670494" sldId="276"/>
-        </pc:sldMkLst>
-        <pc:picChg chg="mod">
-          <ac:chgData name="Antti Kärki" userId="ab9f1eaf7ee70c5c" providerId="LiveId" clId="{290FC3B9-96DA-48B1-B3BF-D985895C8291}" dt="2020-01-27T10:46:19.196" v="466" actId="1036"/>
-          <ac:picMkLst>
-            <pc:docMk/>
-            <pc:sldMk cId="2339670494" sldId="276"/>
-            <ac:picMk id="2" creationId="{E111C067-2094-413E-BFBE-756BDCDCBB6F}"/>
-          </ac:picMkLst>
-        </pc:picChg>
-      </pc:sldChg>
-      <pc:sldChg chg="addSp delSp modSp mod setBg setClrOvrMap delDesignElem">
-        <pc:chgData name="Antti Kärki" userId="ab9f1eaf7ee70c5c" providerId="LiveId" clId="{290FC3B9-96DA-48B1-B3BF-D985895C8291}" dt="2020-01-27T15:39:54.810" v="1371"/>
-        <pc:sldMkLst>
-          <pc:docMk/>
-          <pc:sldMk cId="3547133680" sldId="277"/>
-        </pc:sldMkLst>
-        <pc:spChg chg="add del mod">
-          <ac:chgData name="Antti Kärki" userId="ab9f1eaf7ee70c5c" providerId="LiveId" clId="{290FC3B9-96DA-48B1-B3BF-D985895C8291}" dt="2020-01-27T14:56:42.278" v="982"/>
-          <ac:spMkLst>
-            <pc:docMk/>
-            <pc:sldMk cId="3547133680" sldId="277"/>
-            <ac:spMk id="2" creationId="{EC6F0637-9E28-4DA0-B00A-18395C7E34AB}"/>
-          </ac:spMkLst>
-        </pc:spChg>
-        <pc:spChg chg="mod">
-          <ac:chgData name="Antti Kärki" userId="ab9f1eaf7ee70c5c" providerId="LiveId" clId="{290FC3B9-96DA-48B1-B3BF-D985895C8291}" dt="2020-01-27T14:59:37.119" v="1005" actId="26606"/>
-          <ac:spMkLst>
-            <pc:docMk/>
-            <pc:sldMk cId="3547133680" sldId="277"/>
-            <ac:spMk id="3" creationId="{53E54C8A-907E-4D7A-A2E0-6B4EBEBB3177}"/>
-          </ac:spMkLst>
-        </pc:spChg>
-        <pc:spChg chg="add del mod">
-          <ac:chgData name="Antti Kärki" userId="ab9f1eaf7ee70c5c" providerId="LiveId" clId="{290FC3B9-96DA-48B1-B3BF-D985895C8291}" dt="2020-01-27T14:56:42.278" v="982"/>
-          <ac:spMkLst>
-            <pc:docMk/>
-            <pc:sldMk cId="3547133680" sldId="277"/>
-            <ac:spMk id="4" creationId="{21E567B9-3430-4C02-9E35-8DF1611D1F7B}"/>
-          </ac:spMkLst>
-        </pc:spChg>
-        <pc:spChg chg="mod">
-          <ac:chgData name="Antti Kärki" userId="ab9f1eaf7ee70c5c" providerId="LiveId" clId="{290FC3B9-96DA-48B1-B3BF-D985895C8291}" dt="2020-01-27T15:39:16.013" v="1368" actId="20577"/>
-          <ac:spMkLst>
-            <pc:docMk/>
-            <pc:sldMk cId="3547133680" sldId="277"/>
-            <ac:spMk id="6" creationId="{C47B6C3B-5F2E-47A4-ADC1-AA8C50A11420}"/>
-          </ac:spMkLst>
-        </pc:spChg>
-        <pc:spChg chg="add del">
-          <ac:chgData name="Antti Kärki" userId="ab9f1eaf7ee70c5c" providerId="LiveId" clId="{290FC3B9-96DA-48B1-B3BF-D985895C8291}" dt="2020-01-27T14:59:37.053" v="1004" actId="26606"/>
-          <ac:spMkLst>
-            <pc:docMk/>
-            <pc:sldMk cId="3547133680" sldId="277"/>
-            <ac:spMk id="11" creationId="{99CAC3B1-4879-424D-8F15-206277196159}"/>
-          </ac:spMkLst>
-        </pc:spChg>
-        <pc:spChg chg="add del">
-          <ac:chgData name="Antti Kärki" userId="ab9f1eaf7ee70c5c" providerId="LiveId" clId="{290FC3B9-96DA-48B1-B3BF-D985895C8291}" dt="2020-01-27T15:39:54.810" v="1371"/>
-          <ac:spMkLst>
-            <pc:docMk/>
-            <pc:sldMk cId="3547133680" sldId="277"/>
-            <ac:spMk id="15" creationId="{D6B38644-B85D-4211-9526-5B4C2A662BF7}"/>
-          </ac:spMkLst>
-        </pc:spChg>
-        <pc:spChg chg="add del">
-          <ac:chgData name="Antti Kärki" userId="ab9f1eaf7ee70c5c" providerId="LiveId" clId="{290FC3B9-96DA-48B1-B3BF-D985895C8291}" dt="2020-01-27T15:39:54.810" v="1371"/>
-          <ac:spMkLst>
-            <pc:docMk/>
-            <pc:sldMk cId="3547133680" sldId="277"/>
-            <ac:spMk id="17" creationId="{8A8B2820-6B8F-4C19-BFC5-D28EE44E54CB}"/>
-          </ac:spMkLst>
-        </pc:spChg>
-        <pc:spChg chg="add del">
-          <ac:chgData name="Antti Kärki" userId="ab9f1eaf7ee70c5c" providerId="LiveId" clId="{290FC3B9-96DA-48B1-B3BF-D985895C8291}" dt="2020-01-27T15:39:54.810" v="1371"/>
-          <ac:spMkLst>
-            <pc:docMk/>
-            <pc:sldMk cId="3547133680" sldId="277"/>
-            <ac:spMk id="19" creationId="{DCA45AB7-441E-40A8-A98B-557D68F48A48}"/>
-          </ac:spMkLst>
-        </pc:spChg>
-        <pc:spChg chg="del">
-          <ac:chgData name="Antti Kärki" userId="ab9f1eaf7ee70c5c" providerId="LiveId" clId="{290FC3B9-96DA-48B1-B3BF-D985895C8291}" dt="2020-01-27T14:54:36.257" v="981"/>
-          <ac:spMkLst>
-            <pc:docMk/>
-            <pc:sldMk cId="3547133680" sldId="277"/>
-            <ac:spMk id="20" creationId="{4351DFE5-F63D-4BE0-BDA9-E3EB88F01AA5}"/>
-          </ac:spMkLst>
-        </pc:spChg>
-        <pc:spChg chg="add del">
-          <ac:chgData name="Antti Kärki" userId="ab9f1eaf7ee70c5c" providerId="LiveId" clId="{290FC3B9-96DA-48B1-B3BF-D985895C8291}" dt="2020-01-27T15:39:54.810" v="1371"/>
-          <ac:spMkLst>
-            <pc:docMk/>
-            <pc:sldMk cId="3547133680" sldId="277"/>
-            <ac:spMk id="21" creationId="{5F516030-4F00-4C48-AD93-91EFA17A1AC3}"/>
-          </ac:spMkLst>
-        </pc:spChg>
-        <pc:spChg chg="add del">
-          <ac:chgData name="Antti Kärki" userId="ab9f1eaf7ee70c5c" providerId="LiveId" clId="{290FC3B9-96DA-48B1-B3BF-D985895C8291}" dt="2020-01-27T15:39:54.810" v="1371"/>
-          <ac:spMkLst>
-            <pc:docMk/>
-            <pc:sldMk cId="3547133680" sldId="277"/>
-            <ac:spMk id="23" creationId="{5820085E-2582-4A95-98EE-45DFFD5C017C}"/>
-          </ac:spMkLst>
-        </pc:spChg>
-        <pc:spChg chg="add del">
-          <ac:chgData name="Antti Kärki" userId="ab9f1eaf7ee70c5c" providerId="LiveId" clId="{290FC3B9-96DA-48B1-B3BF-D985895C8291}" dt="2020-01-27T15:39:54.810" v="1371"/>
-          <ac:spMkLst>
-            <pc:docMk/>
-            <pc:sldMk cId="3547133680" sldId="277"/>
-            <ac:spMk id="24" creationId="{99CAC3B1-4879-424D-8F15-206277196159}"/>
-          </ac:spMkLst>
-        </pc:spChg>
-        <pc:spChg chg="add del">
-          <ac:chgData name="Antti Kärki" userId="ab9f1eaf7ee70c5c" providerId="LiveId" clId="{290FC3B9-96DA-48B1-B3BF-D985895C8291}" dt="2020-01-27T15:39:54.810" v="1371"/>
-          <ac:spMkLst>
-            <pc:docMk/>
-            <pc:sldMk cId="3547133680" sldId="277"/>
-            <ac:spMk id="25" creationId="{E34CC1C8-EBDD-4AEA-83E6-B27575B62E2E}"/>
-          </ac:spMkLst>
-        </pc:spChg>
-        <pc:grpChg chg="add del">
-          <ac:chgData name="Antti Kärki" userId="ab9f1eaf7ee70c5c" providerId="LiveId" clId="{290FC3B9-96DA-48B1-B3BF-D985895C8291}" dt="2020-01-27T14:59:37.053" v="1004" actId="26606"/>
-          <ac:grpSpMkLst>
-            <pc:docMk/>
-            <pc:sldMk cId="3547133680" sldId="277"/>
-            <ac:grpSpMk id="13" creationId="{4B8492CB-DFBA-4A82-9778-F21493DA36C1}"/>
-          </ac:grpSpMkLst>
-        </pc:grpChg>
-        <pc:picChg chg="del">
-          <ac:chgData name="Antti Kärki" userId="ab9f1eaf7ee70c5c" providerId="LiveId" clId="{290FC3B9-96DA-48B1-B3BF-D985895C8291}" dt="2020-01-27T14:54:36.257" v="981"/>
-          <ac:picMkLst>
-            <pc:docMk/>
-            <pc:sldMk cId="3547133680" sldId="277"/>
-            <ac:picMk id="22" creationId="{3AA16612-ACD2-4A16-8F2B-4514FD6BF28F}"/>
-          </ac:picMkLst>
-        </pc:picChg>
-      </pc:sldChg>
-      <pc:sldChg chg="del">
-        <pc:chgData name="Antti Kärki" userId="ab9f1eaf7ee70c5c" providerId="LiveId" clId="{290FC3B9-96DA-48B1-B3BF-D985895C8291}" dt="2020-01-27T14:52:48.500" v="959" actId="2696"/>
-        <pc:sldMkLst>
-          <pc:docMk/>
-          <pc:sldMk cId="3246367306" sldId="278"/>
-        </pc:sldMkLst>
-      </pc:sldChg>
-      <pc:sldChg chg="del">
-        <pc:chgData name="Antti Kärki" userId="ab9f1eaf7ee70c5c" providerId="LiveId" clId="{290FC3B9-96DA-48B1-B3BF-D985895C8291}" dt="2020-01-27T14:52:48.507" v="961" actId="2696"/>
-        <pc:sldMkLst>
-          <pc:docMk/>
-          <pc:sldMk cId="1857736420" sldId="279"/>
-        </pc:sldMkLst>
-      </pc:sldChg>
-      <pc:sldChg chg="del">
-        <pc:chgData name="Antti Kärki" userId="ab9f1eaf7ee70c5c" providerId="LiveId" clId="{290FC3B9-96DA-48B1-B3BF-D985895C8291}" dt="2020-01-27T14:52:48.506" v="960" actId="2696"/>
-        <pc:sldMkLst>
-          <pc:docMk/>
-          <pc:sldMk cId="1060104493" sldId="280"/>
-        </pc:sldMkLst>
-      </pc:sldChg>
-      <pc:sldChg chg="del">
-        <pc:chgData name="Antti Kärki" userId="ab9f1eaf7ee70c5c" providerId="LiveId" clId="{290FC3B9-96DA-48B1-B3BF-D985895C8291}" dt="2020-01-27T14:52:48.492" v="957" actId="2696"/>
-        <pc:sldMkLst>
-          <pc:docMk/>
-          <pc:sldMk cId="1564508440" sldId="281"/>
-        </pc:sldMkLst>
-      </pc:sldChg>
-      <pc:sldChg chg="addSp delSp modSp mod setBg">
-        <pc:chgData name="Antti Kärki" userId="ab9f1eaf7ee70c5c" providerId="LiveId" clId="{290FC3B9-96DA-48B1-B3BF-D985895C8291}" dt="2020-01-27T15:29:52.062" v="1279" actId="1076"/>
-        <pc:sldMkLst>
-          <pc:docMk/>
-          <pc:sldMk cId="342802734" sldId="282"/>
-        </pc:sldMkLst>
-        <pc:spChg chg="mod">
-          <ac:chgData name="Antti Kärki" userId="ab9f1eaf7ee70c5c" providerId="LiveId" clId="{290FC3B9-96DA-48B1-B3BF-D985895C8291}" dt="2020-01-27T15:18:09.275" v="1120" actId="26606"/>
-          <ac:spMkLst>
-            <pc:docMk/>
-            <pc:sldMk cId="342802734" sldId="282"/>
-            <ac:spMk id="2" creationId="{64396577-12B3-4832-80D2-C0C8812DA24E}"/>
-          </ac:spMkLst>
-        </pc:spChg>
-        <pc:spChg chg="mod">
-          <ac:chgData name="Antti Kärki" userId="ab9f1eaf7ee70c5c" providerId="LiveId" clId="{290FC3B9-96DA-48B1-B3BF-D985895C8291}" dt="2020-01-27T15:18:09.275" v="1120" actId="26606"/>
-          <ac:spMkLst>
-            <pc:docMk/>
-            <pc:sldMk cId="342802734" sldId="282"/>
-            <ac:spMk id="3" creationId="{49F049E8-602E-4363-A40A-655E1B478FB7}"/>
-          </ac:spMkLst>
-        </pc:spChg>
-        <pc:spChg chg="add del mod">
-          <ac:chgData name="Antti Kärki" userId="ab9f1eaf7ee70c5c" providerId="LiveId" clId="{290FC3B9-96DA-48B1-B3BF-D985895C8291}" dt="2020-01-27T14:56:42.278" v="982"/>
-          <ac:spMkLst>
-            <pc:docMk/>
-            <pc:sldMk cId="342802734" sldId="282"/>
-            <ac:spMk id="4" creationId="{6D27E9FF-4F9E-4DDD-9265-9F0E464F7649}"/>
-          </ac:spMkLst>
-        </pc:spChg>
-        <pc:spChg chg="add del mod">
-          <ac:chgData name="Antti Kärki" userId="ab9f1eaf7ee70c5c" providerId="LiveId" clId="{290FC3B9-96DA-48B1-B3BF-D985895C8291}" dt="2020-01-27T14:56:42.278" v="982"/>
-          <ac:spMkLst>
-            <pc:docMk/>
-            <pc:sldMk cId="342802734" sldId="282"/>
-            <ac:spMk id="5" creationId="{38CF26C5-26BA-4F84-AB13-C66AA17D1D8E}"/>
-          </ac:spMkLst>
-        </pc:spChg>
-        <pc:spChg chg="add del">
-          <ac:chgData name="Antti Kärki" userId="ab9f1eaf7ee70c5c" providerId="LiveId" clId="{290FC3B9-96DA-48B1-B3BF-D985895C8291}" dt="2020-01-27T15:18:00.368" v="1116" actId="26606"/>
-          <ac:spMkLst>
-            <pc:docMk/>
-            <pc:sldMk cId="342802734" sldId="282"/>
-            <ac:spMk id="17" creationId="{260615AE-7DBC-4FF7-9107-9FE957695B02}"/>
-          </ac:spMkLst>
-        </pc:spChg>
-        <pc:spChg chg="add del">
-          <ac:chgData name="Antti Kärki" userId="ab9f1eaf7ee70c5c" providerId="LiveId" clId="{290FC3B9-96DA-48B1-B3BF-D985895C8291}" dt="2020-01-27T15:18:01.955" v="1118" actId="26606"/>
-          <ac:spMkLst>
-            <pc:docMk/>
-            <pc:sldMk cId="342802734" sldId="282"/>
-            <ac:spMk id="26" creationId="{6C686317-9C96-4A02-88CE-7319FF590580}"/>
-          </ac:spMkLst>
-        </pc:spChg>
-        <pc:spChg chg="add del">
-          <ac:chgData name="Antti Kärki" userId="ab9f1eaf7ee70c5c" providerId="LiveId" clId="{290FC3B9-96DA-48B1-B3BF-D985895C8291}" dt="2020-01-27T15:18:01.955" v="1118" actId="26606"/>
-          <ac:spMkLst>
-            <pc:docMk/>
-            <pc:sldMk cId="342802734" sldId="282"/>
-            <ac:spMk id="27" creationId="{EB9A9756-A5DB-460E-A867-A2AE77834D3A}"/>
-          </ac:spMkLst>
-        </pc:spChg>
-        <pc:grpChg chg="add del">
-          <ac:chgData name="Antti Kärki" userId="ab9f1eaf7ee70c5c" providerId="LiveId" clId="{290FC3B9-96DA-48B1-B3BF-D985895C8291}" dt="2020-01-27T15:18:01.955" v="1118" actId="26606"/>
-          <ac:grpSpMkLst>
-            <pc:docMk/>
-            <pc:sldMk cId="342802734" sldId="282"/>
-            <ac:grpSpMk id="19" creationId="{E0E25B5C-98A3-47D8-A4D7-10C2E1758981}"/>
-          </ac:grpSpMkLst>
-        </pc:grpChg>
-        <pc:picChg chg="add del mod modCrop">
-          <ac:chgData name="Antti Kärki" userId="ab9f1eaf7ee70c5c" providerId="LiveId" clId="{290FC3B9-96DA-48B1-B3BF-D985895C8291}" dt="2020-01-27T15:09:34.092" v="1104" actId="478"/>
-          <ac:picMkLst>
-            <pc:docMk/>
-            <pc:sldMk cId="342802734" sldId="282"/>
-            <ac:picMk id="7" creationId="{BA704B86-CE28-4657-BD00-72CF4D7F3C05}"/>
-          </ac:picMkLst>
-        </pc:picChg>
-        <pc:picChg chg="add del mod">
-          <ac:chgData name="Antti Kärki" userId="ab9f1eaf7ee70c5c" providerId="LiveId" clId="{290FC3B9-96DA-48B1-B3BF-D985895C8291}" dt="2020-01-27T15:08:19.161" v="1097" actId="478"/>
-          <ac:picMkLst>
-            <pc:docMk/>
-            <pc:sldMk cId="342802734" sldId="282"/>
-            <ac:picMk id="9" creationId="{0EB888AB-FC0F-4E18-B644-00BA686B0001}"/>
-          </ac:picMkLst>
-        </pc:picChg>
-        <pc:picChg chg="add del mod">
-          <ac:chgData name="Antti Kärki" userId="ab9f1eaf7ee70c5c" providerId="LiveId" clId="{290FC3B9-96DA-48B1-B3BF-D985895C8291}" dt="2020-01-27T15:15:47.564" v="1108" actId="478"/>
-          <ac:picMkLst>
-            <pc:docMk/>
-            <pc:sldMk cId="342802734" sldId="282"/>
-            <ac:picMk id="11" creationId="{540D153D-ABF4-4790-832C-5EDE6172249B}"/>
-          </ac:picMkLst>
-        </pc:picChg>
-        <pc:picChg chg="add mod">
-          <ac:chgData name="Antti Kärki" userId="ab9f1eaf7ee70c5c" providerId="LiveId" clId="{290FC3B9-96DA-48B1-B3BF-D985895C8291}" dt="2020-01-27T15:29:52.062" v="1279" actId="1076"/>
-          <ac:picMkLst>
-            <pc:docMk/>
-            <pc:sldMk cId="342802734" sldId="282"/>
-            <ac:picMk id="12" creationId="{807CDF7D-A680-4616-AB9A-556293FE6652}"/>
-          </ac:picMkLst>
-        </pc:picChg>
-      </pc:sldChg>
-      <pc:sldChg chg="addSp delSp modSp mod setBg">
-        <pc:chgData name="Antti Kärki" userId="ab9f1eaf7ee70c5c" providerId="LiveId" clId="{290FC3B9-96DA-48B1-B3BF-D985895C8291}" dt="2020-01-27T15:18:56.768" v="1150" actId="1035"/>
-        <pc:sldMkLst>
-          <pc:docMk/>
-          <pc:sldMk cId="2931425298" sldId="283"/>
-        </pc:sldMkLst>
-        <pc:spChg chg="mod">
-          <ac:chgData name="Antti Kärki" userId="ab9f1eaf7ee70c5c" providerId="LiveId" clId="{290FC3B9-96DA-48B1-B3BF-D985895C8291}" dt="2020-01-27T15:18:37.080" v="1127" actId="6549"/>
-          <ac:spMkLst>
-            <pc:docMk/>
-            <pc:sldMk cId="2931425298" sldId="283"/>
-            <ac:spMk id="2" creationId="{38C02522-AFD3-43C9-8F4E-88D387DDADC1}"/>
-          </ac:spMkLst>
-        </pc:spChg>
-        <pc:spChg chg="mod">
-          <ac:chgData name="Antti Kärki" userId="ab9f1eaf7ee70c5c" providerId="LiveId" clId="{290FC3B9-96DA-48B1-B3BF-D985895C8291}" dt="2020-01-27T15:18:56.768" v="1150" actId="1035"/>
-          <ac:spMkLst>
-            <pc:docMk/>
-            <pc:sldMk cId="2931425298" sldId="283"/>
-            <ac:spMk id="3" creationId="{220AA5C5-192A-4163-A244-851E946EF725}"/>
-          </ac:spMkLst>
-        </pc:spChg>
-        <pc:spChg chg="add del mod">
-          <ac:chgData name="Antti Kärki" userId="ab9f1eaf7ee70c5c" providerId="LiveId" clId="{290FC3B9-96DA-48B1-B3BF-D985895C8291}" dt="2020-01-27T14:56:42.278" v="982"/>
-          <ac:spMkLst>
-            <pc:docMk/>
-            <pc:sldMk cId="2931425298" sldId="283"/>
-            <ac:spMk id="4" creationId="{14249340-8498-464D-A6BB-DD731C952133}"/>
-          </ac:spMkLst>
-        </pc:spChg>
-        <pc:spChg chg="add del mod">
-          <ac:chgData name="Antti Kärki" userId="ab9f1eaf7ee70c5c" providerId="LiveId" clId="{290FC3B9-96DA-48B1-B3BF-D985895C8291}" dt="2020-01-27T14:56:42.278" v="982"/>
-          <ac:spMkLst>
-            <pc:docMk/>
-            <pc:sldMk cId="2931425298" sldId="283"/>
-            <ac:spMk id="6" creationId="{551F56B8-4B4C-4A6B-BEF7-85DD1EE9B1D9}"/>
-          </ac:spMkLst>
-        </pc:spChg>
-        <pc:spChg chg="add del">
-          <ac:chgData name="Antti Kärki" userId="ab9f1eaf7ee70c5c" providerId="LiveId" clId="{290FC3B9-96DA-48B1-B3BF-D985895C8291}" dt="2020-01-27T15:18:30.260" v="1121" actId="26606"/>
-          <ac:spMkLst>
-            <pc:docMk/>
-            <pc:sldMk cId="2931425298" sldId="283"/>
-            <ac:spMk id="18" creationId="{55599FE3-8CCE-4364-9F89-0C11699C4F6A}"/>
-          </ac:spMkLst>
-        </pc:spChg>
-        <pc:grpChg chg="add del">
-          <ac:chgData name="Antti Kärki" userId="ab9f1eaf7ee70c5c" providerId="LiveId" clId="{290FC3B9-96DA-48B1-B3BF-D985895C8291}" dt="2020-01-27T15:18:30.260" v="1121" actId="26606"/>
-          <ac:grpSpMkLst>
-            <pc:docMk/>
-            <pc:sldMk cId="2931425298" sldId="283"/>
-            <ac:grpSpMk id="10" creationId="{E4C39A5A-6D63-4FAC-B6C2-D37778B97ACD}"/>
-          </ac:grpSpMkLst>
-        </pc:grpChg>
-        <pc:picChg chg="mod">
-          <ac:chgData name="Antti Kärki" userId="ab9f1eaf7ee70c5c" providerId="LiveId" clId="{290FC3B9-96DA-48B1-B3BF-D985895C8291}" dt="2020-01-27T15:18:47.232" v="1129" actId="1076"/>
-          <ac:picMkLst>
-            <pc:docMk/>
-            <pc:sldMk cId="2931425298" sldId="283"/>
-            <ac:picMk id="5" creationId="{30DDC685-6F19-4C8E-B0E5-9D2EDBA09642}"/>
-          </ac:picMkLst>
-        </pc:picChg>
-      </pc:sldChg>
-      <pc:sldChg chg="addSp delSp modSp mod setBg delDesignElem">
-        <pc:chgData name="Antti Kärki" userId="ab9f1eaf7ee70c5c" providerId="LiveId" clId="{290FC3B9-96DA-48B1-B3BF-D985895C8291}" dt="2020-01-27T15:31:54.461" v="1295" actId="20577"/>
-        <pc:sldMkLst>
-          <pc:docMk/>
-          <pc:sldMk cId="2434442818" sldId="284"/>
-        </pc:sldMkLst>
-        <pc:spChg chg="mod">
-          <ac:chgData name="Antti Kärki" userId="ab9f1eaf7ee70c5c" providerId="LiveId" clId="{290FC3B9-96DA-48B1-B3BF-D985895C8291}" dt="2020-01-27T15:26:46.875" v="1249" actId="26606"/>
-          <ac:spMkLst>
-            <pc:docMk/>
-            <pc:sldMk cId="2434442818" sldId="284"/>
-            <ac:spMk id="2" creationId="{8BF0E5DB-8044-43F3-9C66-8D165781CCD7}"/>
-          </ac:spMkLst>
-        </pc:spChg>
-        <pc:spChg chg="del mod">
-          <ac:chgData name="Antti Kärki" userId="ab9f1eaf7ee70c5c" providerId="LiveId" clId="{290FC3B9-96DA-48B1-B3BF-D985895C8291}" dt="2020-01-27T14:57:20.334" v="991" actId="26606"/>
-          <ac:spMkLst>
-            <pc:docMk/>
-            <pc:sldMk cId="2434442818" sldId="284"/>
-            <ac:spMk id="3" creationId="{A0C5D38E-6CF1-41AE-8089-D2544C0BC488}"/>
-          </ac:spMkLst>
-        </pc:spChg>
-        <pc:spChg chg="add del mod">
-          <ac:chgData name="Antti Kärki" userId="ab9f1eaf7ee70c5c" providerId="LiveId" clId="{290FC3B9-96DA-48B1-B3BF-D985895C8291}" dt="2020-01-27T14:56:42.278" v="982"/>
-          <ac:spMkLst>
-            <pc:docMk/>
-            <pc:sldMk cId="2434442818" sldId="284"/>
-            <ac:spMk id="4" creationId="{8400C670-F5B9-45F4-AE36-32673F389BF4}"/>
-          </ac:spMkLst>
-        </pc:spChg>
-        <pc:spChg chg="add del mod">
-          <ac:chgData name="Antti Kärki" userId="ab9f1eaf7ee70c5c" providerId="LiveId" clId="{290FC3B9-96DA-48B1-B3BF-D985895C8291}" dt="2020-01-27T14:56:42.278" v="982"/>
-          <ac:spMkLst>
-            <pc:docMk/>
-            <pc:sldMk cId="2434442818" sldId="284"/>
-            <ac:spMk id="5" creationId="{904AE0F9-6ACF-4C4B-9D26-0E07B2D46FEE}"/>
-          </ac:spMkLst>
-        </pc:spChg>
-        <pc:spChg chg="add del mod">
-          <ac:chgData name="Antti Kärki" userId="ab9f1eaf7ee70c5c" providerId="LiveId" clId="{290FC3B9-96DA-48B1-B3BF-D985895C8291}" dt="2020-01-27T15:26:15.951" v="1243"/>
-          <ac:spMkLst>
-            <pc:docMk/>
-            <pc:sldMk cId="2434442818" sldId="284"/>
-            <ac:spMk id="7" creationId="{3BEDC787-BFF9-4C55-85B6-CD114D74BD8D}"/>
-          </ac:spMkLst>
-        </pc:spChg>
-        <pc:spChg chg="add del mod">
-          <ac:chgData name="Antti Kärki" userId="ab9f1eaf7ee70c5c" providerId="LiveId" clId="{290FC3B9-96DA-48B1-B3BF-D985895C8291}" dt="2020-01-27T15:26:36.826" v="1246"/>
-          <ac:spMkLst>
-            <pc:docMk/>
-            <pc:sldMk cId="2434442818" sldId="284"/>
-            <ac:spMk id="8" creationId="{DEA7D7EF-E7D9-4CA5-8E33-976C4E30CF7A}"/>
-          </ac:spMkLst>
-        </pc:spChg>
-        <pc:spChg chg="add del mod">
-          <ac:chgData name="Antti Kärki" userId="ab9f1eaf7ee70c5c" providerId="LiveId" clId="{290FC3B9-96DA-48B1-B3BF-D985895C8291}" dt="2020-01-27T15:30:52.902" v="1281"/>
-          <ac:spMkLst>
-            <pc:docMk/>
-            <pc:sldMk cId="2434442818" sldId="284"/>
-            <ac:spMk id="9" creationId="{5EEE08A6-4B18-47CA-BA6E-AD3E65167C62}"/>
-          </ac:spMkLst>
-        </pc:spChg>
-        <pc:spChg chg="add del mod">
-          <ac:chgData name="Antti Kärki" userId="ab9f1eaf7ee70c5c" providerId="LiveId" clId="{290FC3B9-96DA-48B1-B3BF-D985895C8291}" dt="2020-01-27T15:30:52.902" v="1281"/>
-          <ac:spMkLst>
-            <pc:docMk/>
-            <pc:sldMk cId="2434442818" sldId="284"/>
-            <ac:spMk id="10" creationId="{850E93D7-D445-4E69-84C3-DE80CF183F1D}"/>
-          </ac:spMkLst>
-        </pc:spChg>
-        <pc:spChg chg="add del">
-          <ac:chgData name="Antti Kärki" userId="ab9f1eaf7ee70c5c" providerId="LiveId" clId="{290FC3B9-96DA-48B1-B3BF-D985895C8291}" dt="2020-01-27T15:23:41.643" v="1202" actId="26606"/>
-          <ac:spMkLst>
-            <pc:docMk/>
-            <pc:sldMk cId="2434442818" sldId="284"/>
-            <ac:spMk id="11" creationId="{94C52C56-BEF2-4E22-8C8E-A7AC96B03A72}"/>
-          </ac:spMkLst>
-        </pc:spChg>
-        <pc:spChg chg="add mod">
-          <ac:chgData name="Antti Kärki" userId="ab9f1eaf7ee70c5c" providerId="LiveId" clId="{290FC3B9-96DA-48B1-B3BF-D985895C8291}" dt="2020-01-27T15:30:52.902" v="1281"/>
-          <ac:spMkLst>
-            <pc:docMk/>
-            <pc:sldMk cId="2434442818" sldId="284"/>
-            <ac:spMk id="12" creationId="{46BE2DB7-F244-4BCE-B976-517064189896}"/>
-          </ac:spMkLst>
-        </pc:spChg>
-        <pc:spChg chg="add del">
-          <ac:chgData name="Antti Kärki" userId="ab9f1eaf7ee70c5c" providerId="LiveId" clId="{290FC3B9-96DA-48B1-B3BF-D985895C8291}" dt="2020-01-27T15:23:41.643" v="1202" actId="26606"/>
-          <ac:spMkLst>
-            <pc:docMk/>
-            <pc:sldMk cId="2434442818" sldId="284"/>
-            <ac:spMk id="13" creationId="{42285737-90EE-47DC-AC80-8AE156B11969}"/>
-          </ac:spMkLst>
-        </pc:spChg>
-        <pc:spChg chg="add del">
-          <ac:chgData name="Antti Kärki" userId="ab9f1eaf7ee70c5c" providerId="LiveId" clId="{290FC3B9-96DA-48B1-B3BF-D985895C8291}" dt="2020-01-27T15:26:46.875" v="1249" actId="26606"/>
-          <ac:spMkLst>
-            <pc:docMk/>
-            <pc:sldMk cId="2434442818" sldId="284"/>
-            <ac:spMk id="28" creationId="{94C52C56-BEF2-4E22-8C8E-A7AC96B03A72}"/>
-          </ac:spMkLst>
-        </pc:spChg>
-        <pc:spChg chg="add del">
-          <ac:chgData name="Antti Kärki" userId="ab9f1eaf7ee70c5c" providerId="LiveId" clId="{290FC3B9-96DA-48B1-B3BF-D985895C8291}" dt="2020-01-27T15:26:46.875" v="1249" actId="26606"/>
-          <ac:spMkLst>
-            <pc:docMk/>
-            <pc:sldMk cId="2434442818" sldId="284"/>
-            <ac:spMk id="30" creationId="{42285737-90EE-47DC-AC80-8AE156B11969}"/>
-          </ac:spMkLst>
-        </pc:spChg>
-        <pc:spChg chg="add mod">
-          <ac:chgData name="Antti Kärki" userId="ab9f1eaf7ee70c5c" providerId="LiveId" clId="{290FC3B9-96DA-48B1-B3BF-D985895C8291}" dt="2020-01-27T15:27:07.784" v="1254" actId="6549"/>
-          <ac:spMkLst>
-            <pc:docMk/>
-            <pc:sldMk cId="2434442818" sldId="284"/>
-            <ac:spMk id="39" creationId="{668A76AD-9D78-4BBC-9719-F66A2C188F2C}"/>
-          </ac:spMkLst>
-        </pc:spChg>
-        <pc:spChg chg="add del">
-          <ac:chgData name="Antti Kärki" userId="ab9f1eaf7ee70c5c" providerId="LiveId" clId="{290FC3B9-96DA-48B1-B3BF-D985895C8291}" dt="2020-01-27T15:26:46.809" v="1248" actId="26606"/>
-          <ac:spMkLst>
-            <pc:docMk/>
-            <pc:sldMk cId="2434442818" sldId="284"/>
-            <ac:spMk id="43" creationId="{94C52C56-BEF2-4E22-8C8E-A7AC96B03A72}"/>
-          </ac:spMkLst>
-        </pc:spChg>
-        <pc:spChg chg="add del">
-          <ac:chgData name="Antti Kärki" userId="ab9f1eaf7ee70c5c" providerId="LiveId" clId="{290FC3B9-96DA-48B1-B3BF-D985895C8291}" dt="2020-01-27T15:26:46.809" v="1248" actId="26606"/>
-          <ac:spMkLst>
-            <pc:docMk/>
-            <pc:sldMk cId="2434442818" sldId="284"/>
-            <ac:spMk id="45" creationId="{42285737-90EE-47DC-AC80-8AE156B11969}"/>
-          </ac:spMkLst>
-        </pc:spChg>
-        <pc:grpChg chg="add del">
-          <ac:chgData name="Antti Kärki" userId="ab9f1eaf7ee70c5c" providerId="LiveId" clId="{290FC3B9-96DA-48B1-B3BF-D985895C8291}" dt="2020-01-27T15:23:41.643" v="1202" actId="26606"/>
-          <ac:grpSpMkLst>
-            <pc:docMk/>
-            <pc:sldMk cId="2434442818" sldId="284"/>
-            <ac:grpSpMk id="15" creationId="{B57BDC17-F1B3-455F-BBF1-680AA1F25C06}"/>
-          </ac:grpSpMkLst>
-        </pc:grpChg>
-        <pc:grpChg chg="add del">
-          <ac:chgData name="Antti Kärki" userId="ab9f1eaf7ee70c5c" providerId="LiveId" clId="{290FC3B9-96DA-48B1-B3BF-D985895C8291}" dt="2020-01-27T15:26:46.875" v="1249" actId="26606"/>
-          <ac:grpSpMkLst>
-            <pc:docMk/>
-            <pc:sldMk cId="2434442818" sldId="284"/>
-            <ac:grpSpMk id="32" creationId="{B57BDC17-F1B3-455F-BBF1-680AA1F25C06}"/>
-          </ac:grpSpMkLst>
-        </pc:grpChg>
-        <pc:grpChg chg="add del">
-          <ac:chgData name="Antti Kärki" userId="ab9f1eaf7ee70c5c" providerId="LiveId" clId="{290FC3B9-96DA-48B1-B3BF-D985895C8291}" dt="2020-01-27T15:26:46.809" v="1248" actId="26606"/>
-          <ac:grpSpMkLst>
-            <pc:docMk/>
-            <pc:sldMk cId="2434442818" sldId="284"/>
-            <ac:grpSpMk id="47" creationId="{B57BDC17-F1B3-455F-BBF1-680AA1F25C06}"/>
-          </ac:grpSpMkLst>
-        </pc:grpChg>
-        <pc:graphicFrameChg chg="add del mod modGraphic">
-          <ac:chgData name="Antti Kärki" userId="ab9f1eaf7ee70c5c" providerId="LiveId" clId="{290FC3B9-96DA-48B1-B3BF-D985895C8291}" dt="2020-01-27T15:23:41.643" v="1202" actId="26606"/>
-          <ac:graphicFrameMkLst>
-            <pc:docMk/>
-            <pc:sldMk cId="2434442818" sldId="284"/>
-            <ac:graphicFrameMk id="6" creationId="{E23F219E-C654-406E-88E0-0898AF6141B4}"/>
-          </ac:graphicFrameMkLst>
-        </pc:graphicFrameChg>
-        <pc:graphicFrameChg chg="add mod modGraphic">
-          <ac:chgData name="Antti Kärki" userId="ab9f1eaf7ee70c5c" providerId="LiveId" clId="{290FC3B9-96DA-48B1-B3BF-D985895C8291}" dt="2020-01-27T15:31:54.461" v="1295" actId="20577"/>
-          <ac:graphicFrameMkLst>
-            <pc:docMk/>
-            <pc:sldMk cId="2434442818" sldId="284"/>
-            <ac:graphicFrameMk id="23" creationId="{091F8B85-F050-4B1D-B6E9-D69DCE5D1865}"/>
-          </ac:graphicFrameMkLst>
-        </pc:graphicFrameChg>
-      </pc:sldChg>
-      <pc:sldChg chg="addSp delSp modSp mod setBg delDesignElem">
-        <pc:chgData name="Antti Kärki" userId="ab9f1eaf7ee70c5c" providerId="LiveId" clId="{290FC3B9-96DA-48B1-B3BF-D985895C8291}" dt="2020-01-27T15:39:54.810" v="1371"/>
-        <pc:sldMkLst>
-          <pc:docMk/>
-          <pc:sldMk cId="305823356" sldId="285"/>
-        </pc:sldMkLst>
-        <pc:spChg chg="mod">
-          <ac:chgData name="Antti Kärki" userId="ab9f1eaf7ee70c5c" providerId="LiveId" clId="{290FC3B9-96DA-48B1-B3BF-D985895C8291}" dt="2020-01-27T15:28:20.181" v="1258" actId="26606"/>
-          <ac:spMkLst>
-            <pc:docMk/>
-            <pc:sldMk cId="305823356" sldId="285"/>
-            <ac:spMk id="2" creationId="{B73305C8-CD7B-4848-9A71-D512275DFDD4}"/>
-          </ac:spMkLst>
-        </pc:spChg>
-        <pc:spChg chg="add del mod">
-          <ac:chgData name="Antti Kärki" userId="ab9f1eaf7ee70c5c" providerId="LiveId" clId="{290FC3B9-96DA-48B1-B3BF-D985895C8291}" dt="2020-01-27T15:28:50.266" v="1277" actId="20577"/>
-          <ac:spMkLst>
-            <pc:docMk/>
-            <pc:sldMk cId="305823356" sldId="285"/>
-            <ac:spMk id="3" creationId="{E2145EFE-3C3A-40B5-A73A-73DAA80BBC84}"/>
-          </ac:spMkLst>
-        </pc:spChg>
-        <pc:spChg chg="add del mod">
-          <ac:chgData name="Antti Kärki" userId="ab9f1eaf7ee70c5c" providerId="LiveId" clId="{290FC3B9-96DA-48B1-B3BF-D985895C8291}" dt="2020-01-27T14:56:42.278" v="982"/>
-          <ac:spMkLst>
-            <pc:docMk/>
-            <pc:sldMk cId="305823356" sldId="285"/>
-            <ac:spMk id="4" creationId="{83D8AA6A-7A64-439E-94AD-9AD8066E37A2}"/>
-          </ac:spMkLst>
-        </pc:spChg>
-        <pc:spChg chg="add del mod">
-          <ac:chgData name="Antti Kärki" userId="ab9f1eaf7ee70c5c" providerId="LiveId" clId="{290FC3B9-96DA-48B1-B3BF-D985895C8291}" dt="2020-01-27T14:56:42.278" v="982"/>
-          <ac:spMkLst>
-            <pc:docMk/>
-            <pc:sldMk cId="305823356" sldId="285"/>
-            <ac:spMk id="5" creationId="{83797258-0DB3-43FF-8A53-1BB886350FE9}"/>
-          </ac:spMkLst>
-        </pc:spChg>
-        <pc:spChg chg="add del">
-          <ac:chgData name="Antti Kärki" userId="ab9f1eaf7ee70c5c" providerId="LiveId" clId="{290FC3B9-96DA-48B1-B3BF-D985895C8291}" dt="2020-01-27T15:00:54.869" v="1035" actId="26606"/>
-          <ac:spMkLst>
-            <pc:docMk/>
-            <pc:sldMk cId="305823356" sldId="285"/>
-            <ac:spMk id="8" creationId="{C8643778-7F6C-4E8D-84D1-D5CDB9928191}"/>
-          </ac:spMkLst>
-        </pc:spChg>
-        <pc:spChg chg="add del">
-          <ac:chgData name="Antti Kärki" userId="ab9f1eaf7ee70c5c" providerId="LiveId" clId="{290FC3B9-96DA-48B1-B3BF-D985895C8291}" dt="2020-01-27T15:00:54.869" v="1035" actId="26606"/>
-          <ac:spMkLst>
-            <pc:docMk/>
-            <pc:sldMk cId="305823356" sldId="285"/>
-            <ac:spMk id="10" creationId="{1D22F88D-6907-48AF-B024-346E855E0D96}"/>
-          </ac:spMkLst>
-        </pc:spChg>
-        <pc:spChg chg="add del">
-          <ac:chgData name="Antti Kärki" userId="ab9f1eaf7ee70c5c" providerId="LiveId" clId="{290FC3B9-96DA-48B1-B3BF-D985895C8291}" dt="2020-01-27T15:25:04.254" v="1213" actId="26606"/>
-          <ac:spMkLst>
-            <pc:docMk/>
-            <pc:sldMk cId="305823356" sldId="285"/>
-            <ac:spMk id="23" creationId="{01355D4F-439D-46D1-9007-6D39B8422A19}"/>
-          </ac:spMkLst>
-        </pc:spChg>
-        <pc:spChg chg="add del">
-          <ac:chgData name="Antti Kärki" userId="ab9f1eaf7ee70c5c" providerId="LiveId" clId="{290FC3B9-96DA-48B1-B3BF-D985895C8291}" dt="2020-01-27T15:39:54.810" v="1371"/>
-          <ac:spMkLst>
-            <pc:docMk/>
-            <pc:sldMk cId="305823356" sldId="285"/>
-            <ac:spMk id="36" creationId="{E03BF673-8C68-4092-BF1B-53C57EFEC21F}"/>
-          </ac:spMkLst>
-        </pc:spChg>
-        <pc:spChg chg="add del">
-          <ac:chgData name="Antti Kärki" userId="ab9f1eaf7ee70c5c" providerId="LiveId" clId="{290FC3B9-96DA-48B1-B3BF-D985895C8291}" dt="2020-01-27T15:39:54.810" v="1371"/>
-          <ac:spMkLst>
-            <pc:docMk/>
-            <pc:sldMk cId="305823356" sldId="285"/>
-            <ac:spMk id="38" creationId="{B1BDB70B-F0E6-4867-818F-C582494FB6D6}"/>
-          </ac:spMkLst>
-        </pc:spChg>
-        <pc:spChg chg="add del">
-          <ac:chgData name="Antti Kärki" userId="ab9f1eaf7ee70c5c" providerId="LiveId" clId="{290FC3B9-96DA-48B1-B3BF-D985895C8291}" dt="2020-01-27T15:28:20.181" v="1258" actId="26606"/>
-          <ac:spMkLst>
-            <pc:docMk/>
-            <pc:sldMk cId="305823356" sldId="285"/>
-            <ac:spMk id="51" creationId="{24C41CF4-4A13-4AA9-9300-CB7A2E37C861}"/>
-          </ac:spMkLst>
-        </pc:spChg>
-        <pc:grpChg chg="add del">
-          <ac:chgData name="Antti Kärki" userId="ab9f1eaf7ee70c5c" providerId="LiveId" clId="{290FC3B9-96DA-48B1-B3BF-D985895C8291}" dt="2020-01-27T15:00:54.869" v="1035" actId="26606"/>
-          <ac:grpSpMkLst>
-            <pc:docMk/>
-            <pc:sldMk cId="305823356" sldId="285"/>
-            <ac:grpSpMk id="12" creationId="{F3842748-48B5-4DD0-A06A-A31C74024A99}"/>
-          </ac:grpSpMkLst>
-        </pc:grpChg>
-        <pc:grpChg chg="add del">
-          <ac:chgData name="Antti Kärki" userId="ab9f1eaf7ee70c5c" providerId="LiveId" clId="{290FC3B9-96DA-48B1-B3BF-D985895C8291}" dt="2020-01-27T15:25:04.254" v="1213" actId="26606"/>
-          <ac:grpSpMkLst>
-            <pc:docMk/>
-            <pc:sldMk cId="305823356" sldId="285"/>
-            <ac:grpSpMk id="25" creationId="{BAACB4EA-FD87-4345-AC16-8265F9596779}"/>
-          </ac:grpSpMkLst>
-        </pc:grpChg>
-        <pc:grpChg chg="add del">
-          <ac:chgData name="Antti Kärki" userId="ab9f1eaf7ee70c5c" providerId="LiveId" clId="{290FC3B9-96DA-48B1-B3BF-D985895C8291}" dt="2020-01-27T15:39:54.810" v="1371"/>
-          <ac:grpSpMkLst>
-            <pc:docMk/>
-            <pc:sldMk cId="305823356" sldId="285"/>
-            <ac:grpSpMk id="40" creationId="{1E52C707-F508-47B5-8864-8CC3EE0F030B}"/>
-          </ac:grpSpMkLst>
-        </pc:grpChg>
-        <pc:graphicFrameChg chg="add del">
-          <ac:chgData name="Antti Kärki" userId="ab9f1eaf7ee70c5c" providerId="LiveId" clId="{290FC3B9-96DA-48B1-B3BF-D985895C8291}" dt="2020-01-27T15:28:15.142" v="1257" actId="26606"/>
-          <ac:graphicFrameMkLst>
-            <pc:docMk/>
-            <pc:sldMk cId="305823356" sldId="285"/>
-            <ac:graphicFrameMk id="55" creationId="{AB3CB4C1-51B1-4977-949F-FE76E2BA8CDE}"/>
-          </ac:graphicFrameMkLst>
-        </pc:graphicFrameChg>
-        <pc:cxnChg chg="add del">
-          <ac:chgData name="Antti Kärki" userId="ab9f1eaf7ee70c5c" providerId="LiveId" clId="{290FC3B9-96DA-48B1-B3BF-D985895C8291}" dt="2020-01-27T15:28:20.181" v="1258" actId="26606"/>
-          <ac:cxnSpMkLst>
-            <pc:docMk/>
-            <pc:sldMk cId="305823356" sldId="285"/>
-            <ac:cxnSpMk id="53" creationId="{7A77B115-9FF3-46AE-AE08-826DEB9A6246}"/>
-          </ac:cxnSpMkLst>
-        </pc:cxnChg>
-      </pc:sldChg>
-      <pc:sldChg chg="addSp delSp modSp mod setBg">
-        <pc:chgData name="Antti Kärki" userId="ab9f1eaf7ee70c5c" providerId="LiveId" clId="{290FC3B9-96DA-48B1-B3BF-D985895C8291}" dt="2020-01-27T15:01:06.570" v="1038" actId="26606"/>
-        <pc:sldMkLst>
-          <pc:docMk/>
-          <pc:sldMk cId="1438393376" sldId="286"/>
-        </pc:sldMkLst>
-        <pc:spChg chg="mod">
-          <ac:chgData name="Antti Kärki" userId="ab9f1eaf7ee70c5c" providerId="LiveId" clId="{290FC3B9-96DA-48B1-B3BF-D985895C8291}" dt="2020-01-27T15:01:06.570" v="1038" actId="26606"/>
-          <ac:spMkLst>
-            <pc:docMk/>
-            <pc:sldMk cId="1438393376" sldId="286"/>
-            <ac:spMk id="2" creationId="{459DE456-70E9-40EC-BDC5-C0FEB972B887}"/>
-          </ac:spMkLst>
-        </pc:spChg>
-        <pc:spChg chg="mod">
-          <ac:chgData name="Antti Kärki" userId="ab9f1eaf7ee70c5c" providerId="LiveId" clId="{290FC3B9-96DA-48B1-B3BF-D985895C8291}" dt="2020-01-27T15:01:06.570" v="1038" actId="26606"/>
-          <ac:spMkLst>
-            <pc:docMk/>
-            <pc:sldMk cId="1438393376" sldId="286"/>
-            <ac:spMk id="3" creationId="{F25C326B-71B1-4131-8337-274B6BEFEF52}"/>
-          </ac:spMkLst>
-        </pc:spChg>
-        <pc:spChg chg="add del mod">
-          <ac:chgData name="Antti Kärki" userId="ab9f1eaf7ee70c5c" providerId="LiveId" clId="{290FC3B9-96DA-48B1-B3BF-D985895C8291}" dt="2020-01-27T14:56:42.278" v="982"/>
-          <ac:spMkLst>
-            <pc:docMk/>
-            <pc:sldMk cId="1438393376" sldId="286"/>
-            <ac:spMk id="5" creationId="{DCC10C98-B868-418C-BF52-9A0242E11CA5}"/>
-          </ac:spMkLst>
-        </pc:spChg>
-        <pc:spChg chg="add del mod">
-          <ac:chgData name="Antti Kärki" userId="ab9f1eaf7ee70c5c" providerId="LiveId" clId="{290FC3B9-96DA-48B1-B3BF-D985895C8291}" dt="2020-01-27T14:56:42.278" v="982"/>
-          <ac:spMkLst>
-            <pc:docMk/>
-            <pc:sldMk cId="1438393376" sldId="286"/>
-            <ac:spMk id="6" creationId="{DB5380F7-0E51-4F09-8EB2-FAB8CEF3B5E2}"/>
-          </ac:spMkLst>
-        </pc:spChg>
-        <pc:spChg chg="add del">
-          <ac:chgData name="Antti Kärki" userId="ab9f1eaf7ee70c5c" providerId="LiveId" clId="{290FC3B9-96DA-48B1-B3BF-D985895C8291}" dt="2020-01-27T15:01:06.557" v="1037" actId="26606"/>
-          <ac:spMkLst>
-            <pc:docMk/>
-            <pc:sldMk cId="1438393376" sldId="286"/>
-            <ac:spMk id="17" creationId="{63A60C88-7443-4827-9241-5019758CB4F0}"/>
-          </ac:spMkLst>
-        </pc:spChg>
-        <pc:grpChg chg="add del">
-          <ac:chgData name="Antti Kärki" userId="ab9f1eaf7ee70c5c" providerId="LiveId" clId="{290FC3B9-96DA-48B1-B3BF-D985895C8291}" dt="2020-01-27T15:01:06.557" v="1037" actId="26606"/>
-          <ac:grpSpMkLst>
-            <pc:docMk/>
-            <pc:sldMk cId="1438393376" sldId="286"/>
-            <ac:grpSpMk id="9" creationId="{DF8D5C46-63E5-40C5-A208-4B2189FA1032}"/>
-          </ac:grpSpMkLst>
-        </pc:grpChg>
-        <pc:picChg chg="mod">
-          <ac:chgData name="Antti Kärki" userId="ab9f1eaf7ee70c5c" providerId="LiveId" clId="{290FC3B9-96DA-48B1-B3BF-D985895C8291}" dt="2020-01-27T15:01:06.570" v="1038" actId="26606"/>
-          <ac:picMkLst>
-            <pc:docMk/>
-            <pc:sldMk cId="1438393376" sldId="286"/>
-            <ac:picMk id="4" creationId="{7DCCAE32-D722-4939-8806-9EDD94374808}"/>
-          </ac:picMkLst>
-        </pc:picChg>
-      </pc:sldChg>
-      <pc:sldChg chg="addSp delSp modSp mod setBg">
-        <pc:chgData name="Antti Kärki" userId="ab9f1eaf7ee70c5c" providerId="LiveId" clId="{290FC3B9-96DA-48B1-B3BF-D985895C8291}" dt="2020-01-27T15:39:54.988" v="1373" actId="27636"/>
-        <pc:sldMkLst>
-          <pc:docMk/>
-          <pc:sldMk cId="3304412282" sldId="288"/>
-        </pc:sldMkLst>
-        <pc:spChg chg="mod">
-          <ac:chgData name="Antti Kärki" userId="ab9f1eaf7ee70c5c" providerId="LiveId" clId="{290FC3B9-96DA-48B1-B3BF-D985895C8291}" dt="2020-01-27T15:39:54.988" v="1373" actId="27636"/>
-          <ac:spMkLst>
-            <pc:docMk/>
-            <pc:sldMk cId="3304412282" sldId="288"/>
-            <ac:spMk id="2" creationId="{00619EB1-3DA1-4009-A947-B71E1BBF0695}"/>
-          </ac:spMkLst>
-        </pc:spChg>
-        <pc:spChg chg="add del mod">
-          <ac:chgData name="Antti Kärki" userId="ab9f1eaf7ee70c5c" providerId="LiveId" clId="{290FC3B9-96DA-48B1-B3BF-D985895C8291}" dt="2020-01-27T14:56:42.278" v="982"/>
-          <ac:spMkLst>
-            <pc:docMk/>
-            <pc:sldMk cId="3304412282" sldId="288"/>
-            <ac:spMk id="3" creationId="{9250D108-5B5E-4C8E-A287-1A17E1B4A906}"/>
-          </ac:spMkLst>
-        </pc:spChg>
-        <pc:spChg chg="add del mod">
-          <ac:chgData name="Antti Kärki" userId="ab9f1eaf7ee70c5c" providerId="LiveId" clId="{290FC3B9-96DA-48B1-B3BF-D985895C8291}" dt="2020-01-27T14:56:42.278" v="982"/>
-          <ac:spMkLst>
-            <pc:docMk/>
-            <pc:sldMk cId="3304412282" sldId="288"/>
-            <ac:spMk id="7" creationId="{40C5698F-A380-41F2-854D-9F7540D8AF4D}"/>
-          </ac:spMkLst>
-        </pc:spChg>
-        <pc:spChg chg="mod">
-          <ac:chgData name="Antti Kärki" userId="ab9f1eaf7ee70c5c" providerId="LiveId" clId="{290FC3B9-96DA-48B1-B3BF-D985895C8291}" dt="2020-01-27T15:39:54.973" v="1372" actId="27636"/>
-          <ac:spMkLst>
-            <pc:docMk/>
-            <pc:sldMk cId="3304412282" sldId="288"/>
-            <ac:spMk id="8" creationId="{1E86017D-A4ED-4C23-BEFB-3386A1BD9842}"/>
-          </ac:spMkLst>
-        </pc:spChg>
-        <pc:picChg chg="mod">
-          <ac:chgData name="Antti Kärki" userId="ab9f1eaf7ee70c5c" providerId="LiveId" clId="{290FC3B9-96DA-48B1-B3BF-D985895C8291}" dt="2020-01-27T15:32:40.131" v="1296" actId="1076"/>
-          <ac:picMkLst>
-            <pc:docMk/>
-            <pc:sldMk cId="3304412282" sldId="288"/>
-            <ac:picMk id="4" creationId="{34CEDE75-796B-4FD5-86EB-FA6A745FFC82}"/>
-          </ac:picMkLst>
-        </pc:picChg>
-        <pc:picChg chg="mod">
-          <ac:chgData name="Antti Kärki" userId="ab9f1eaf7ee70c5c" providerId="LiveId" clId="{290FC3B9-96DA-48B1-B3BF-D985895C8291}" dt="2020-01-27T15:32:52.153" v="1301" actId="1076"/>
-          <ac:picMkLst>
-            <pc:docMk/>
-            <pc:sldMk cId="3304412282" sldId="288"/>
-            <ac:picMk id="5" creationId="{11202564-AF1A-428F-8E5C-48BE023ED0EF}"/>
-          </ac:picMkLst>
-        </pc:picChg>
-        <pc:picChg chg="mod ord">
-          <ac:chgData name="Antti Kärki" userId="ab9f1eaf7ee70c5c" providerId="LiveId" clId="{290FC3B9-96DA-48B1-B3BF-D985895C8291}" dt="2020-01-27T15:32:49.310" v="1300" actId="1076"/>
-          <ac:picMkLst>
-            <pc:docMk/>
-            <pc:sldMk cId="3304412282" sldId="288"/>
-            <ac:picMk id="6" creationId="{3C5D5E0C-B6AA-4048-A7A1-F0E7C4B784A1}"/>
-          </ac:picMkLst>
-        </pc:picChg>
-      </pc:sldChg>
-      <pc:sldChg chg="addSp delSp modSp del">
-        <pc:chgData name="Antti Kärki" userId="ab9f1eaf7ee70c5c" providerId="LiveId" clId="{290FC3B9-96DA-48B1-B3BF-D985895C8291}" dt="2020-01-27T15:05:44.010" v="1082" actId="2696"/>
-        <pc:sldMkLst>
-          <pc:docMk/>
-          <pc:sldMk cId="2209794161" sldId="289"/>
-        </pc:sldMkLst>
-        <pc:spChg chg="mod">
-          <ac:chgData name="Antti Kärki" userId="ab9f1eaf7ee70c5c" providerId="LiveId" clId="{290FC3B9-96DA-48B1-B3BF-D985895C8291}" dt="2020-01-27T09:08:49.296" v="278" actId="20577"/>
-          <ac:spMkLst>
-            <pc:docMk/>
-            <pc:sldMk cId="2209794161" sldId="289"/>
-            <ac:spMk id="3" creationId="{6DA7008D-82DD-4984-B316-A3B38EE020F9}"/>
-          </ac:spMkLst>
-        </pc:spChg>
-        <pc:spChg chg="mod">
-          <ac:chgData name="Antti Kärki" userId="ab9f1eaf7ee70c5c" providerId="LiveId" clId="{290FC3B9-96DA-48B1-B3BF-D985895C8291}" dt="2020-01-27T09:06:34.815" v="148" actId="1076"/>
-          <ac:spMkLst>
-            <pc:docMk/>
-            <pc:sldMk cId="2209794161" sldId="289"/>
-            <ac:spMk id="4" creationId="{F909802F-CCE7-439E-B842-684BD2694F4E}"/>
-          </ac:spMkLst>
-        </pc:spChg>
-        <pc:spChg chg="mod">
-          <ac:chgData name="Antti Kärki" userId="ab9f1eaf7ee70c5c" providerId="LiveId" clId="{290FC3B9-96DA-48B1-B3BF-D985895C8291}" dt="2020-01-27T14:58:58.366" v="999" actId="1076"/>
-          <ac:spMkLst>
-            <pc:docMk/>
-            <pc:sldMk cId="2209794161" sldId="289"/>
-            <ac:spMk id="6" creationId="{7B636D56-28C1-4F2E-956D-67BC65C5311C}"/>
-          </ac:spMkLst>
-        </pc:spChg>
-        <pc:spChg chg="add del mod">
-          <ac:chgData name="Antti Kärki" userId="ab9f1eaf7ee70c5c" providerId="LiveId" clId="{290FC3B9-96DA-48B1-B3BF-D985895C8291}" dt="2020-01-27T14:56:42.278" v="982"/>
-          <ac:spMkLst>
-            <pc:docMk/>
-            <pc:sldMk cId="2209794161" sldId="289"/>
-            <ac:spMk id="7" creationId="{B6D06E49-9769-41E4-A992-CA82B9DDB671}"/>
-          </ac:spMkLst>
-        </pc:spChg>
-        <pc:spChg chg="del">
-          <ac:chgData name="Antti Kärki" userId="ab9f1eaf7ee70c5c" providerId="LiveId" clId="{290FC3B9-96DA-48B1-B3BF-D985895C8291}" dt="2020-01-27T09:01:40.328" v="5" actId="478"/>
-          <ac:spMkLst>
-            <pc:docMk/>
-            <pc:sldMk cId="2209794161" sldId="289"/>
-            <ac:spMk id="8" creationId="{26104AB3-7D3C-4327-9286-07AE97B73415}"/>
-          </ac:spMkLst>
-        </pc:spChg>
-        <pc:spChg chg="add del mod">
-          <ac:chgData name="Antti Kärki" userId="ab9f1eaf7ee70c5c" providerId="LiveId" clId="{290FC3B9-96DA-48B1-B3BF-D985895C8291}" dt="2020-01-27T14:56:42.278" v="982"/>
-          <ac:spMkLst>
-            <pc:docMk/>
-            <pc:sldMk cId="2209794161" sldId="289"/>
-            <ac:spMk id="8" creationId="{BD0FA92D-9E2F-4970-83F6-51EC571BB063}"/>
-          </ac:spMkLst>
-        </pc:spChg>
-        <pc:spChg chg="add mod">
-          <ac:chgData name="Antti Kärki" userId="ab9f1eaf7ee70c5c" providerId="LiveId" clId="{290FC3B9-96DA-48B1-B3BF-D985895C8291}" dt="2020-01-27T09:06:45.712" v="179" actId="1036"/>
-          <ac:spMkLst>
-            <pc:docMk/>
-            <pc:sldMk cId="2209794161" sldId="289"/>
-            <ac:spMk id="10" creationId="{74412DC0-1D59-4025-AFD5-DE36E5C5E810}"/>
-          </ac:spMkLst>
-        </pc:spChg>
-        <pc:spChg chg="add mod">
-          <ac:chgData name="Antti Kärki" userId="ab9f1eaf7ee70c5c" providerId="LiveId" clId="{290FC3B9-96DA-48B1-B3BF-D985895C8291}" dt="2020-01-27T09:08:05.922" v="271" actId="11529"/>
-          <ac:spMkLst>
-            <pc:docMk/>
-            <pc:sldMk cId="2209794161" sldId="289"/>
-            <ac:spMk id="11" creationId="{569AF064-E16C-418F-A37B-F589DB50790D}"/>
-          </ac:spMkLst>
-        </pc:spChg>
-        <pc:picChg chg="mod">
-          <ac:chgData name="Antti Kärki" userId="ab9f1eaf7ee70c5c" providerId="LiveId" clId="{290FC3B9-96DA-48B1-B3BF-D985895C8291}" dt="2020-01-27T09:10:17.115" v="280" actId="13822"/>
-          <ac:picMkLst>
-            <pc:docMk/>
-            <pc:sldMk cId="2209794161" sldId="289"/>
-            <ac:picMk id="5" creationId="{DF38C455-1E59-4721-923F-ED702BEBD7C2}"/>
-          </ac:picMkLst>
-        </pc:picChg>
-        <pc:picChg chg="add del mod">
-          <ac:chgData name="Antti Kärki" userId="ab9f1eaf7ee70c5c" providerId="LiveId" clId="{290FC3B9-96DA-48B1-B3BF-D985895C8291}" dt="2020-01-27T09:01:18.732" v="3" actId="478"/>
-          <ac:picMkLst>
-            <pc:docMk/>
-            <pc:sldMk cId="2209794161" sldId="289"/>
-            <ac:picMk id="7" creationId="{91B83475-50CA-4445-9A3B-7003A2E6037C}"/>
-          </ac:picMkLst>
-        </pc:picChg>
-        <pc:picChg chg="add mod">
-          <ac:chgData name="Antti Kärki" userId="ab9f1eaf7ee70c5c" providerId="LiveId" clId="{290FC3B9-96DA-48B1-B3BF-D985895C8291}" dt="2020-01-27T09:10:11.939" v="279" actId="13822"/>
-          <ac:picMkLst>
-            <pc:docMk/>
-            <pc:sldMk cId="2209794161" sldId="289"/>
-            <ac:picMk id="9" creationId="{D181ACF7-B517-427C-9B1C-EB278D39A33A}"/>
-          </ac:picMkLst>
-        </pc:picChg>
-      </pc:sldChg>
-      <pc:sldChg chg="addSp modSp del">
-        <pc:chgData name="Antti Kärki" userId="ab9f1eaf7ee70c5c" providerId="LiveId" clId="{290FC3B9-96DA-48B1-B3BF-D985895C8291}" dt="2020-01-27T14:52:48.486" v="956" actId="2696"/>
-        <pc:sldMkLst>
-          <pc:docMk/>
-          <pc:sldMk cId="3304386255" sldId="290"/>
-        </pc:sldMkLst>
-        <pc:cxnChg chg="add mod">
-          <ac:chgData name="Antti Kärki" userId="ab9f1eaf7ee70c5c" providerId="LiveId" clId="{290FC3B9-96DA-48B1-B3BF-D985895C8291}" dt="2020-01-27T09:38:43.614" v="337" actId="11529"/>
-          <ac:cxnSpMkLst>
-            <pc:docMk/>
-            <pc:sldMk cId="3304386255" sldId="290"/>
-            <ac:cxnSpMk id="5" creationId="{EE777690-3591-4334-8A79-71080EB58DE1}"/>
-          </ac:cxnSpMkLst>
-        </pc:cxnChg>
-      </pc:sldChg>
-      <pc:sldChg chg="addSp delSp modSp mod setBg">
-        <pc:chgData name="Antti Kärki" userId="ab9f1eaf7ee70c5c" providerId="LiveId" clId="{290FC3B9-96DA-48B1-B3BF-D985895C8291}" dt="2020-01-27T15:39:54.988" v="1374" actId="27636"/>
-        <pc:sldMkLst>
-          <pc:docMk/>
-          <pc:sldMk cId="2140034028" sldId="291"/>
-        </pc:sldMkLst>
-        <pc:spChg chg="mod">
-          <ac:chgData name="Antti Kärki" userId="ab9f1eaf7ee70c5c" providerId="LiveId" clId="{290FC3B9-96DA-48B1-B3BF-D985895C8291}" dt="2020-01-27T15:39:54.988" v="1374" actId="27636"/>
-          <ac:spMkLst>
-            <pc:docMk/>
-            <pc:sldMk cId="2140034028" sldId="291"/>
-            <ac:spMk id="2" creationId="{00619EB1-3DA1-4009-A947-B71E1BBF0695}"/>
-          </ac:spMkLst>
-        </pc:spChg>
-        <pc:spChg chg="add del mod">
-          <ac:chgData name="Antti Kärki" userId="ab9f1eaf7ee70c5c" providerId="LiveId" clId="{290FC3B9-96DA-48B1-B3BF-D985895C8291}" dt="2020-01-27T14:56:42.278" v="982"/>
-          <ac:spMkLst>
-            <pc:docMk/>
-            <pc:sldMk cId="2140034028" sldId="291"/>
-            <ac:spMk id="3" creationId="{A4693AAB-D2D2-4D5C-B83D-B77847E3DCF5}"/>
-          </ac:spMkLst>
-        </pc:spChg>
-        <pc:spChg chg="add del mod">
-          <ac:chgData name="Antti Kärki" userId="ab9f1eaf7ee70c5c" providerId="LiveId" clId="{290FC3B9-96DA-48B1-B3BF-D985895C8291}" dt="2020-01-27T14:56:42.278" v="982"/>
-          <ac:spMkLst>
-            <pc:docMk/>
-            <pc:sldMk cId="2140034028" sldId="291"/>
-            <ac:spMk id="4" creationId="{41A11EFB-5229-43EA-A0DB-6DA29AB983A2}"/>
-          </ac:spMkLst>
-        </pc:spChg>
-        <pc:spChg chg="mod">
-          <ac:chgData name="Antti Kärki" userId="ab9f1eaf7ee70c5c" providerId="LiveId" clId="{290FC3B9-96DA-48B1-B3BF-D985895C8291}" dt="2020-01-27T14:59:06.844" v="1000" actId="26606"/>
-          <ac:spMkLst>
-            <pc:docMk/>
-            <pc:sldMk cId="2140034028" sldId="291"/>
-            <ac:spMk id="8" creationId="{1E86017D-A4ED-4C23-BEFB-3386A1BD9842}"/>
-          </ac:spMkLst>
-        </pc:spChg>
-        <pc:picChg chg="add del mod">
-          <ac:chgData name="Antti Kärki" userId="ab9f1eaf7ee70c5c" providerId="LiveId" clId="{290FC3B9-96DA-48B1-B3BF-D985895C8291}" dt="2020-01-27T10:25:23.504" v="395" actId="478"/>
-          <ac:picMkLst>
-            <pc:docMk/>
-            <pc:sldMk cId="2140034028" sldId="291"/>
-            <ac:picMk id="3" creationId="{E9301834-3842-45F2-9CF4-893664F18F0C}"/>
-          </ac:picMkLst>
-        </pc:picChg>
-        <pc:picChg chg="del">
-          <ac:chgData name="Antti Kärki" userId="ab9f1eaf7ee70c5c" providerId="LiveId" clId="{290FC3B9-96DA-48B1-B3BF-D985895C8291}" dt="2020-01-27T10:25:35.454" v="399" actId="478"/>
-          <ac:picMkLst>
-            <pc:docMk/>
-            <pc:sldMk cId="2140034028" sldId="291"/>
-            <ac:picMk id="4" creationId="{34CEDE75-796B-4FD5-86EB-FA6A745FFC82}"/>
-          </ac:picMkLst>
-        </pc:picChg>
-        <pc:picChg chg="del">
-          <ac:chgData name="Antti Kärki" userId="ab9f1eaf7ee70c5c" providerId="LiveId" clId="{290FC3B9-96DA-48B1-B3BF-D985895C8291}" dt="2020-01-27T09:38:54.062" v="338" actId="478"/>
-          <ac:picMkLst>
-            <pc:docMk/>
-            <pc:sldMk cId="2140034028" sldId="291"/>
-            <ac:picMk id="5" creationId="{11202564-AF1A-428F-8E5C-48BE023ED0EF}"/>
-          </ac:picMkLst>
-        </pc:picChg>
-        <pc:picChg chg="mod ord">
-          <ac:chgData name="Antti Kärki" userId="ab9f1eaf7ee70c5c" providerId="LiveId" clId="{290FC3B9-96DA-48B1-B3BF-D985895C8291}" dt="2020-01-27T15:34:50.087" v="1318" actId="1076"/>
-          <ac:picMkLst>
-            <pc:docMk/>
-            <pc:sldMk cId="2140034028" sldId="291"/>
-            <ac:picMk id="6" creationId="{3C5D5E0C-B6AA-4048-A7A1-F0E7C4B784A1}"/>
-          </ac:picMkLst>
-        </pc:picChg>
-        <pc:picChg chg="add del mod">
-          <ac:chgData name="Antti Kärki" userId="ab9f1eaf7ee70c5c" providerId="LiveId" clId="{290FC3B9-96DA-48B1-B3BF-D985895C8291}" dt="2020-01-27T09:40:58.188" v="349" actId="478"/>
-          <ac:picMkLst>
-            <pc:docMk/>
-            <pc:sldMk cId="2140034028" sldId="291"/>
-            <ac:picMk id="7" creationId="{EE592D27-E785-4BF7-9C3E-278A9FA9D34D}"/>
-          </ac:picMkLst>
-        </pc:picChg>
-        <pc:picChg chg="add del mod ord">
-          <ac:chgData name="Antti Kärki" userId="ab9f1eaf7ee70c5c" providerId="LiveId" clId="{290FC3B9-96DA-48B1-B3BF-D985895C8291}" dt="2020-01-27T10:25:46.685" v="401" actId="478"/>
-          <ac:picMkLst>
-            <pc:docMk/>
-            <pc:sldMk cId="2140034028" sldId="291"/>
-            <ac:picMk id="9" creationId="{679EF443-BC5E-49C9-A63C-E6E4FEA28A7F}"/>
-          </ac:picMkLst>
-        </pc:picChg>
-        <pc:picChg chg="add del mod">
-          <ac:chgData name="Antti Kärki" userId="ab9f1eaf7ee70c5c" providerId="LiveId" clId="{290FC3B9-96DA-48B1-B3BF-D985895C8291}" dt="2020-01-27T10:29:06.249" v="423" actId="478"/>
-          <ac:picMkLst>
-            <pc:docMk/>
-            <pc:sldMk cId="2140034028" sldId="291"/>
-            <ac:picMk id="10" creationId="{A96868F4-7B89-45A3-9D54-CFAE7D08ACFF}"/>
-          </ac:picMkLst>
-        </pc:picChg>
-        <pc:picChg chg="add del mod">
-          <ac:chgData name="Antti Kärki" userId="ab9f1eaf7ee70c5c" providerId="LiveId" clId="{290FC3B9-96DA-48B1-B3BF-D985895C8291}" dt="2020-01-27T10:29:08.150" v="424" actId="478"/>
-          <ac:picMkLst>
-            <pc:docMk/>
-            <pc:sldMk cId="2140034028" sldId="291"/>
-            <ac:picMk id="11" creationId="{B3861906-CAFC-4302-89FC-134AB1AA505B}"/>
-          </ac:picMkLst>
-        </pc:picChg>
-        <pc:picChg chg="add del mod">
-          <ac:chgData name="Antti Kärki" userId="ab9f1eaf7ee70c5c" providerId="LiveId" clId="{290FC3B9-96DA-48B1-B3BF-D985895C8291}" dt="2020-01-27T10:27:59.001" v="413" actId="478"/>
-          <ac:picMkLst>
-            <pc:docMk/>
-            <pc:sldMk cId="2140034028" sldId="291"/>
-            <ac:picMk id="12" creationId="{8813D582-ADBD-4098-8BC2-82C416BE360C}"/>
-          </ac:picMkLst>
-        </pc:picChg>
-        <pc:picChg chg="add mod ord">
-          <ac:chgData name="Antti Kärki" userId="ab9f1eaf7ee70c5c" providerId="LiveId" clId="{290FC3B9-96DA-48B1-B3BF-D985895C8291}" dt="2020-01-27T15:34:33.846" v="1312" actId="167"/>
-          <ac:picMkLst>
-            <pc:docMk/>
-            <pc:sldMk cId="2140034028" sldId="291"/>
-            <ac:picMk id="13" creationId="{62B67FC7-1A51-441D-B033-8F84C2C1EF61}"/>
-          </ac:picMkLst>
-        </pc:picChg>
-        <pc:picChg chg="add mod">
-          <ac:chgData name="Antti Kärki" userId="ab9f1eaf7ee70c5c" providerId="LiveId" clId="{290FC3B9-96DA-48B1-B3BF-D985895C8291}" dt="2020-01-27T15:34:47.834" v="1317" actId="14100"/>
-          <ac:picMkLst>
-            <pc:docMk/>
-            <pc:sldMk cId="2140034028" sldId="291"/>
-            <ac:picMk id="14" creationId="{FB6CCE64-454C-415F-A7B2-1090BFFFECE4}"/>
-          </ac:picMkLst>
-        </pc:picChg>
-        <pc:picChg chg="add mod ord">
-          <ac:chgData name="Antti Kärki" userId="ab9f1eaf7ee70c5c" providerId="LiveId" clId="{290FC3B9-96DA-48B1-B3BF-D985895C8291}" dt="2020-01-27T15:34:59.310" v="1319" actId="167"/>
-          <ac:picMkLst>
-            <pc:docMk/>
-            <pc:sldMk cId="2140034028" sldId="291"/>
-            <ac:picMk id="15" creationId="{49487EDF-D0D9-48C3-9029-D46ADC14EBCE}"/>
-          </ac:picMkLst>
-        </pc:picChg>
-      </pc:sldChg>
-      <pc:sldChg chg="addSp delSp modSp add mod setBg">
-        <pc:chgData name="Antti Kärki" userId="ab9f1eaf7ee70c5c" providerId="LiveId" clId="{290FC3B9-96DA-48B1-B3BF-D985895C8291}" dt="2020-01-27T15:39:54.988" v="1375" actId="27636"/>
-        <pc:sldMkLst>
-          <pc:docMk/>
-          <pc:sldMk cId="3753466296" sldId="292"/>
-        </pc:sldMkLst>
-        <pc:spChg chg="mod">
-          <ac:chgData name="Antti Kärki" userId="ab9f1eaf7ee70c5c" providerId="LiveId" clId="{290FC3B9-96DA-48B1-B3BF-D985895C8291}" dt="2020-01-27T15:39:54.988" v="1375" actId="27636"/>
-          <ac:spMkLst>
-            <pc:docMk/>
-            <pc:sldMk cId="3753466296" sldId="292"/>
-            <ac:spMk id="2" creationId="{00619EB1-3DA1-4009-A947-B71E1BBF0695}"/>
-          </ac:spMkLst>
-        </pc:spChg>
-        <pc:spChg chg="add del mod">
-          <ac:chgData name="Antti Kärki" userId="ab9f1eaf7ee70c5c" providerId="LiveId" clId="{290FC3B9-96DA-48B1-B3BF-D985895C8291}" dt="2020-01-27T14:56:42.278" v="982"/>
-          <ac:spMkLst>
-            <pc:docMk/>
-            <pc:sldMk cId="3753466296" sldId="292"/>
-            <ac:spMk id="3" creationId="{1DB4D835-D1BD-4D12-9F8D-85609E14C428}"/>
-          </ac:spMkLst>
-        </pc:spChg>
-        <pc:spChg chg="add del mod">
-          <ac:chgData name="Antti Kärki" userId="ab9f1eaf7ee70c5c" providerId="LiveId" clId="{290FC3B9-96DA-48B1-B3BF-D985895C8291}" dt="2020-01-27T14:56:42.278" v="982"/>
-          <ac:spMkLst>
-            <pc:docMk/>
-            <pc:sldMk cId="3753466296" sldId="292"/>
-            <ac:spMk id="4" creationId="{589AB5B1-0F96-47D5-AA4D-6111469D3E91}"/>
-          </ac:spMkLst>
-        </pc:spChg>
-        <pc:spChg chg="mod">
-          <ac:chgData name="Antti Kärki" userId="ab9f1eaf7ee70c5c" providerId="LiveId" clId="{290FC3B9-96DA-48B1-B3BF-D985895C8291}" dt="2020-01-27T14:59:12.806" v="1001" actId="26606"/>
-          <ac:spMkLst>
-            <pc:docMk/>
-            <pc:sldMk cId="3753466296" sldId="292"/>
-            <ac:spMk id="8" creationId="{1E86017D-A4ED-4C23-BEFB-3386A1BD9842}"/>
-          </ac:spMkLst>
-        </pc:spChg>
-        <pc:picChg chg="del">
-          <ac:chgData name="Antti Kärki" userId="ab9f1eaf7ee70c5c" providerId="LiveId" clId="{290FC3B9-96DA-48B1-B3BF-D985895C8291}" dt="2020-01-27T10:28:32.370" v="418" actId="478"/>
-          <ac:picMkLst>
-            <pc:docMk/>
-            <pc:sldMk cId="3753466296" sldId="292"/>
-            <ac:picMk id="3" creationId="{E9301834-3842-45F2-9CF4-893664F18F0C}"/>
-          </ac:picMkLst>
-        </pc:picChg>
-        <pc:picChg chg="del">
-          <ac:chgData name="Antti Kärki" userId="ab9f1eaf7ee70c5c" providerId="LiveId" clId="{290FC3B9-96DA-48B1-B3BF-D985895C8291}" dt="2020-01-27T10:28:30.211" v="417" actId="478"/>
-          <ac:picMkLst>
-            <pc:docMk/>
-            <pc:sldMk cId="3753466296" sldId="292"/>
-            <ac:picMk id="4" creationId="{34CEDE75-796B-4FD5-86EB-FA6A745FFC82}"/>
-          </ac:picMkLst>
-        </pc:picChg>
-        <pc:picChg chg="mod ord">
-          <ac:chgData name="Antti Kärki" userId="ab9f1eaf7ee70c5c" providerId="LiveId" clId="{290FC3B9-96DA-48B1-B3BF-D985895C8291}" dt="2020-01-27T15:35:37.716" v="1325" actId="1076"/>
-          <ac:picMkLst>
-            <pc:docMk/>
-            <pc:sldMk cId="3753466296" sldId="292"/>
-            <ac:picMk id="6" creationId="{3C5D5E0C-B6AA-4048-A7A1-F0E7C4B784A1}"/>
-          </ac:picMkLst>
-        </pc:picChg>
-        <pc:picChg chg="del">
-          <ac:chgData name="Antti Kärki" userId="ab9f1eaf7ee70c5c" providerId="LiveId" clId="{290FC3B9-96DA-48B1-B3BF-D985895C8291}" dt="2020-01-27T10:29:50.790" v="436" actId="478"/>
-          <ac:picMkLst>
-            <pc:docMk/>
-            <pc:sldMk cId="3753466296" sldId="292"/>
-            <ac:picMk id="9" creationId="{679EF443-BC5E-49C9-A63C-E6E4FEA28A7F}"/>
-          </ac:picMkLst>
-        </pc:picChg>
-        <pc:picChg chg="add mod">
-          <ac:chgData name="Antti Kärki" userId="ab9f1eaf7ee70c5c" providerId="LiveId" clId="{290FC3B9-96DA-48B1-B3BF-D985895C8291}" dt="2020-01-27T15:35:25.865" v="1321" actId="1076"/>
-          <ac:picMkLst>
-            <pc:docMk/>
-            <pc:sldMk cId="3753466296" sldId="292"/>
-            <ac:picMk id="10" creationId="{2C93426E-37D2-40B9-8CEB-2DA7DBEE2D4C}"/>
-          </ac:picMkLst>
-        </pc:picChg>
-        <pc:picChg chg="add mod">
-          <ac:chgData name="Antti Kärki" userId="ab9f1eaf7ee70c5c" providerId="LiveId" clId="{290FC3B9-96DA-48B1-B3BF-D985895C8291}" dt="2020-01-27T15:35:32.349" v="1323" actId="14100"/>
-          <ac:picMkLst>
-            <pc:docMk/>
-            <pc:sldMk cId="3753466296" sldId="292"/>
-            <ac:picMk id="11" creationId="{FF45B3DD-4EF4-451F-BC0B-9A61676FAD65}"/>
-          </ac:picMkLst>
-        </pc:picChg>
-      </pc:sldChg>
-      <pc:sldChg chg="modSp add del">
-        <pc:chgData name="Antti Kärki" userId="ab9f1eaf7ee70c5c" providerId="LiveId" clId="{290FC3B9-96DA-48B1-B3BF-D985895C8291}" dt="2020-01-27T14:52:11.472" v="955" actId="2696"/>
-        <pc:sldMkLst>
-          <pc:docMk/>
-          <pc:sldMk cId="3107251812" sldId="293"/>
-        </pc:sldMkLst>
-        <pc:spChg chg="mod">
-          <ac:chgData name="Antti Kärki" userId="ab9f1eaf7ee70c5c" providerId="LiveId" clId="{290FC3B9-96DA-48B1-B3BF-D985895C8291}" dt="2020-01-27T14:48:13.278" v="876" actId="20577"/>
-          <ac:spMkLst>
-            <pc:docMk/>
-            <pc:sldMk cId="3107251812" sldId="293"/>
-            <ac:spMk id="3" creationId="{1371415F-3714-40D4-8372-3048749C8E62}"/>
-          </ac:spMkLst>
-        </pc:spChg>
-      </pc:sldChg>
-      <pc:sldChg chg="addSp delSp modSp add mod setBg">
-        <pc:chgData name="Antti Kärki" userId="ab9f1eaf7ee70c5c" providerId="LiveId" clId="{290FC3B9-96DA-48B1-B3BF-D985895C8291}" dt="2020-01-27T15:39:55.010" v="1376" actId="27636"/>
-        <pc:sldMkLst>
-          <pc:docMk/>
-          <pc:sldMk cId="40515889" sldId="294"/>
-        </pc:sldMkLst>
-        <pc:spChg chg="mod">
-          <ac:chgData name="Antti Kärki" userId="ab9f1eaf7ee70c5c" providerId="LiveId" clId="{290FC3B9-96DA-48B1-B3BF-D985895C8291}" dt="2020-01-27T14:59:18.260" v="1002" actId="26606"/>
-          <ac:spMkLst>
-            <pc:docMk/>
-            <pc:sldMk cId="40515889" sldId="294"/>
-            <ac:spMk id="2" creationId="{00619EB1-3DA1-4009-A947-B71E1BBF0695}"/>
-          </ac:spMkLst>
-        </pc:spChg>
-        <pc:spChg chg="add mod">
-          <ac:chgData name="Antti Kärki" userId="ab9f1eaf7ee70c5c" providerId="LiveId" clId="{290FC3B9-96DA-48B1-B3BF-D985895C8291}" dt="2020-01-27T15:37:59.472" v="1362" actId="404"/>
-          <ac:spMkLst>
-            <pc:docMk/>
-            <pc:sldMk cId="40515889" sldId="294"/>
-            <ac:spMk id="4" creationId="{E95816B8-70EF-467F-8CC6-528BFF5175FD}"/>
-          </ac:spMkLst>
-        </pc:spChg>
-        <pc:spChg chg="add mod">
-          <ac:chgData name="Antti Kärki" userId="ab9f1eaf7ee70c5c" providerId="LiveId" clId="{290FC3B9-96DA-48B1-B3BF-D985895C8291}" dt="2020-01-27T15:39:55.010" v="1376" actId="27636"/>
-          <ac:spMkLst>
-            <pc:docMk/>
-            <pc:sldMk cId="40515889" sldId="294"/>
-            <ac:spMk id="5" creationId="{AF8F1177-B63B-4223-B20D-EAB395153FFA}"/>
-          </ac:spMkLst>
-        </pc:spChg>
-        <pc:spChg chg="add del mod">
-          <ac:chgData name="Antti Kärki" userId="ab9f1eaf7ee70c5c" providerId="LiveId" clId="{290FC3B9-96DA-48B1-B3BF-D985895C8291}" dt="2020-01-27T14:56:42.278" v="982"/>
-          <ac:spMkLst>
-            <pc:docMk/>
-            <pc:sldMk cId="40515889" sldId="294"/>
-            <ac:spMk id="7" creationId="{24B43BC7-11C0-4EF0-A81E-50929881EE24}"/>
-          </ac:spMkLst>
-        </pc:spChg>
-        <pc:spChg chg="del mod">
-          <ac:chgData name="Antti Kärki" userId="ab9f1eaf7ee70c5c" providerId="LiveId" clId="{290FC3B9-96DA-48B1-B3BF-D985895C8291}" dt="2020-01-27T14:49:25.102" v="890" actId="478"/>
-          <ac:spMkLst>
-            <pc:docMk/>
-            <pc:sldMk cId="40515889" sldId="294"/>
-            <ac:spMk id="8" creationId="{1E86017D-A4ED-4C23-BEFB-3386A1BD9842}"/>
-          </ac:spMkLst>
-        </pc:spChg>
-        <pc:spChg chg="add del mod">
-          <ac:chgData name="Antti Kärki" userId="ab9f1eaf7ee70c5c" providerId="LiveId" clId="{290FC3B9-96DA-48B1-B3BF-D985895C8291}" dt="2020-01-27T14:56:42.278" v="982"/>
-          <ac:spMkLst>
-            <pc:docMk/>
-            <pc:sldMk cId="40515889" sldId="294"/>
-            <ac:spMk id="9" creationId="{96C1D3D6-5F3B-4A3E-B096-768B73C209DA}"/>
-          </ac:spMkLst>
-        </pc:spChg>
-        <pc:picChg chg="add mod">
-          <ac:chgData name="Antti Kärki" userId="ab9f1eaf7ee70c5c" providerId="LiveId" clId="{290FC3B9-96DA-48B1-B3BF-D985895C8291}" dt="2020-01-27T15:36:25.872" v="1339" actId="1076"/>
-          <ac:picMkLst>
-            <pc:docMk/>
-            <pc:sldMk cId="40515889" sldId="294"/>
-            <ac:picMk id="3" creationId="{89164C29-51D8-4910-A697-5C0D28326A56}"/>
-          </ac:picMkLst>
-        </pc:picChg>
-        <pc:picChg chg="mod ord">
-          <ac:chgData name="Antti Kärki" userId="ab9f1eaf7ee70c5c" providerId="LiveId" clId="{290FC3B9-96DA-48B1-B3BF-D985895C8291}" dt="2020-01-27T15:36:32.997" v="1341" actId="166"/>
-          <ac:picMkLst>
-            <pc:docMk/>
-            <pc:sldMk cId="40515889" sldId="294"/>
-            <ac:picMk id="6" creationId="{3C5D5E0C-B6AA-4048-A7A1-F0E7C4B784A1}"/>
-          </ac:picMkLst>
-        </pc:picChg>
-        <pc:picChg chg="del">
-          <ac:chgData name="Antti Kärki" userId="ab9f1eaf7ee70c5c" providerId="LiveId" clId="{290FC3B9-96DA-48B1-B3BF-D985895C8291}" dt="2020-01-27T14:37:43.385" v="625" actId="478"/>
-          <ac:picMkLst>
-            <pc:docMk/>
-            <pc:sldMk cId="40515889" sldId="294"/>
-            <ac:picMk id="10" creationId="{2C93426E-37D2-40B9-8CEB-2DA7DBEE2D4C}"/>
-          </ac:picMkLst>
-        </pc:picChg>
-        <pc:picChg chg="del">
-          <ac:chgData name="Antti Kärki" userId="ab9f1eaf7ee70c5c" providerId="LiveId" clId="{290FC3B9-96DA-48B1-B3BF-D985895C8291}" dt="2020-01-27T14:37:41.662" v="624" actId="478"/>
-          <ac:picMkLst>
-            <pc:docMk/>
-            <pc:sldMk cId="40515889" sldId="294"/>
-            <ac:picMk id="11" creationId="{FF45B3DD-4EF4-451F-BC0B-9A61676FAD65}"/>
-          </ac:picMkLst>
-        </pc:picChg>
-      </pc:sldChg>
-      <pc:sldChg chg="addSp delSp modSp add mod setBg">
-        <pc:chgData name="Antti Kärki" userId="ab9f1eaf7ee70c5c" providerId="LiveId" clId="{290FC3B9-96DA-48B1-B3BF-D985895C8291}" dt="2020-01-27T15:34:07.778" v="1309" actId="14100"/>
-        <pc:sldMkLst>
-          <pc:docMk/>
-          <pc:sldMk cId="618657341" sldId="295"/>
-        </pc:sldMkLst>
-        <pc:spChg chg="mod">
-          <ac:chgData name="Antti Kärki" userId="ab9f1eaf7ee70c5c" providerId="LiveId" clId="{290FC3B9-96DA-48B1-B3BF-D985895C8291}" dt="2020-01-27T15:04:42.611" v="1069" actId="26606"/>
-          <ac:spMkLst>
-            <pc:docMk/>
-            <pc:sldMk cId="618657341" sldId="295"/>
-            <ac:spMk id="2" creationId="{774C77D7-B979-4EE8-AC57-9056A14711DC}"/>
-          </ac:spMkLst>
-        </pc:spChg>
-        <pc:spChg chg="mod">
-          <ac:chgData name="Antti Kärki" userId="ab9f1eaf7ee70c5c" providerId="LiveId" clId="{290FC3B9-96DA-48B1-B3BF-D985895C8291}" dt="2020-01-27T15:34:07.778" v="1309" actId="14100"/>
-          <ac:spMkLst>
-            <pc:docMk/>
-            <pc:sldMk cId="618657341" sldId="295"/>
-            <ac:spMk id="3" creationId="{6DA7008D-82DD-4984-B316-A3B38EE020F9}"/>
-          </ac:spMkLst>
-        </pc:spChg>
-        <pc:spChg chg="del mod">
-          <ac:chgData name="Antti Kärki" userId="ab9f1eaf7ee70c5c" providerId="LiveId" clId="{290FC3B9-96DA-48B1-B3BF-D985895C8291}" dt="2020-01-27T15:02:18.200" v="1045" actId="478"/>
-          <ac:spMkLst>
-            <pc:docMk/>
-            <pc:sldMk cId="618657341" sldId="295"/>
-            <ac:spMk id="4" creationId="{F909802F-CCE7-439E-B842-684BD2694F4E}"/>
-          </ac:spMkLst>
-        </pc:spChg>
-        <pc:spChg chg="del">
-          <ac:chgData name="Antti Kärki" userId="ab9f1eaf7ee70c5c" providerId="LiveId" clId="{290FC3B9-96DA-48B1-B3BF-D985895C8291}" dt="2020-01-27T15:01:25.895" v="1040" actId="478"/>
-          <ac:spMkLst>
-            <pc:docMk/>
-            <pc:sldMk cId="618657341" sldId="295"/>
-            <ac:spMk id="6" creationId="{7B636D56-28C1-4F2E-956D-67BC65C5311C}"/>
-          </ac:spMkLst>
-        </pc:spChg>
-        <pc:spChg chg="add del">
-          <ac:chgData name="Antti Kärki" userId="ab9f1eaf7ee70c5c" providerId="LiveId" clId="{290FC3B9-96DA-48B1-B3BF-D985895C8291}" dt="2020-01-27T15:03:17.259" v="1055" actId="26606"/>
-          <ac:spMkLst>
-            <pc:docMk/>
-            <pc:sldMk cId="618657341" sldId="295"/>
-            <ac:spMk id="7" creationId="{1D22F88D-6907-48AF-B024-346E855E0D96}"/>
-          </ac:spMkLst>
-        </pc:spChg>
-        <pc:spChg chg="add del">
-          <ac:chgData name="Antti Kärki" userId="ab9f1eaf7ee70c5c" providerId="LiveId" clId="{290FC3B9-96DA-48B1-B3BF-D985895C8291}" dt="2020-01-27T15:03:17.259" v="1055" actId="26606"/>
-          <ac:spMkLst>
-            <pc:docMk/>
-            <pc:sldMk cId="618657341" sldId="295"/>
-            <ac:spMk id="8" creationId="{C8643778-7F6C-4E8D-84D1-D5CDB9928191}"/>
-          </ac:spMkLst>
-        </pc:spChg>
-        <pc:spChg chg="del">
-          <ac:chgData name="Antti Kärki" userId="ab9f1eaf7ee70c5c" providerId="LiveId" clId="{290FC3B9-96DA-48B1-B3BF-D985895C8291}" dt="2020-01-27T15:02:21.801" v="1046" actId="478"/>
-          <ac:spMkLst>
-            <pc:docMk/>
-            <pc:sldMk cId="618657341" sldId="295"/>
-            <ac:spMk id="10" creationId="{74412DC0-1D59-4025-AFD5-DE36E5C5E810}"/>
-          </ac:spMkLst>
-        </pc:spChg>
-        <pc:spChg chg="del">
-          <ac:chgData name="Antti Kärki" userId="ab9f1eaf7ee70c5c" providerId="LiveId" clId="{290FC3B9-96DA-48B1-B3BF-D985895C8291}" dt="2020-01-27T15:01:30.636" v="1042" actId="478"/>
-          <ac:spMkLst>
-            <pc:docMk/>
-            <pc:sldMk cId="618657341" sldId="295"/>
-            <ac:spMk id="11" creationId="{569AF064-E16C-418F-A37B-F589DB50790D}"/>
-          </ac:spMkLst>
-        </pc:spChg>
-        <pc:spChg chg="add del mod">
-          <ac:chgData name="Antti Kärki" userId="ab9f1eaf7ee70c5c" providerId="LiveId" clId="{290FC3B9-96DA-48B1-B3BF-D985895C8291}" dt="2020-01-27T15:04:28.966" v="1068" actId="478"/>
-          <ac:spMkLst>
-            <pc:docMk/>
-            <pc:sldMk cId="618657341" sldId="295"/>
-            <ac:spMk id="23" creationId="{E27AF837-1D50-4A32-8DBB-1B351AD652FC}"/>
-          </ac:spMkLst>
-        </pc:spChg>
-        <pc:spChg chg="add mod">
-          <ac:chgData name="Antti Kärki" userId="ab9f1eaf7ee70c5c" providerId="LiveId" clId="{290FC3B9-96DA-48B1-B3BF-D985895C8291}" dt="2020-01-27T15:05:34.152" v="1081" actId="1076"/>
-          <ac:spMkLst>
-            <pc:docMk/>
-            <pc:sldMk cId="618657341" sldId="295"/>
-            <ac:spMk id="24" creationId="{BEC9806E-7E0F-43E7-91CE-9BB71E3DAF44}"/>
-          </ac:spMkLst>
-        </pc:spChg>
-        <pc:grpChg chg="add del">
-          <ac:chgData name="Antti Kärki" userId="ab9f1eaf7ee70c5c" providerId="LiveId" clId="{290FC3B9-96DA-48B1-B3BF-D985895C8291}" dt="2020-01-27T15:03:17.259" v="1055" actId="26606"/>
-          <ac:grpSpMkLst>
-            <pc:docMk/>
-            <pc:sldMk cId="618657341" sldId="295"/>
-            <ac:grpSpMk id="12" creationId="{F3842748-48B5-4DD0-A06A-A31C74024A99}"/>
-          </ac:grpSpMkLst>
-        </pc:grpChg>
-        <pc:picChg chg="del">
-          <ac:chgData name="Antti Kärki" userId="ab9f1eaf7ee70c5c" providerId="LiveId" clId="{290FC3B9-96DA-48B1-B3BF-D985895C8291}" dt="2020-01-27T15:01:28.374" v="1041" actId="478"/>
-          <ac:picMkLst>
-            <pc:docMk/>
-            <pc:sldMk cId="618657341" sldId="295"/>
-            <ac:picMk id="5" creationId="{DF38C455-1E59-4721-923F-ED702BEBD7C2}"/>
-          </ac:picMkLst>
-        </pc:picChg>
-        <pc:picChg chg="del">
-          <ac:chgData name="Antti Kärki" userId="ab9f1eaf7ee70c5c" providerId="LiveId" clId="{290FC3B9-96DA-48B1-B3BF-D985895C8291}" dt="2020-01-27T15:02:12.369" v="1043" actId="478"/>
-          <ac:picMkLst>
-            <pc:docMk/>
-            <pc:sldMk cId="618657341" sldId="295"/>
-            <ac:picMk id="9" creationId="{D181ACF7-B517-427C-9B1C-EB278D39A33A}"/>
-          </ac:picMkLst>
-        </pc:picChg>
-        <pc:picChg chg="add mod ord">
-          <ac:chgData name="Antti Kärki" userId="ab9f1eaf7ee70c5c" providerId="LiveId" clId="{290FC3B9-96DA-48B1-B3BF-D985895C8291}" dt="2020-01-27T15:33:54.752" v="1308" actId="1076"/>
-          <ac:picMkLst>
-            <pc:docMk/>
-            <pc:sldMk cId="618657341" sldId="295"/>
-            <ac:picMk id="19" creationId="{480D4C43-4073-48C9-B3F7-4B1D1189D58A}"/>
-          </ac:picMkLst>
-        </pc:picChg>
-        <pc:picChg chg="add del mod">
-          <ac:chgData name="Antti Kärki" userId="ab9f1eaf7ee70c5c" providerId="LiveId" clId="{290FC3B9-96DA-48B1-B3BF-D985895C8291}" dt="2020-01-27T15:03:09.264" v="1052" actId="478"/>
-          <ac:picMkLst>
-            <pc:docMk/>
-            <pc:sldMk cId="618657341" sldId="295"/>
-            <ac:picMk id="20" creationId="{D4EC1575-F773-49BA-AF9B-8F9AAF1C1440}"/>
-          </ac:picMkLst>
-        </pc:picChg>
-        <pc:picChg chg="add mod">
-          <ac:chgData name="Antti Kärki" userId="ab9f1eaf7ee70c5c" providerId="LiveId" clId="{290FC3B9-96DA-48B1-B3BF-D985895C8291}" dt="2020-01-27T15:04:56.497" v="1073" actId="1076"/>
-          <ac:picMkLst>
-            <pc:docMk/>
-            <pc:sldMk cId="618657341" sldId="295"/>
-            <ac:picMk id="21" creationId="{9A4D8260-B534-4CF4-9A4C-DEA9017DB644}"/>
-          </ac:picMkLst>
-        </pc:picChg>
-        <pc:picChg chg="add del mod">
-          <ac:chgData name="Antti Kärki" userId="ab9f1eaf7ee70c5c" providerId="LiveId" clId="{290FC3B9-96DA-48B1-B3BF-D985895C8291}" dt="2020-01-27T15:04:14.110" v="1065"/>
-          <ac:picMkLst>
-            <pc:docMk/>
-            <pc:sldMk cId="618657341" sldId="295"/>
-            <ac:picMk id="22" creationId="{F63D6B07-FF08-4B70-9E77-5A38F97A25B6}"/>
-          </ac:picMkLst>
-        </pc:picChg>
-      </pc:sldChg>
-      <pc:sldMasterChg chg="modSldLayout">
-        <pc:chgData name="Antti Kärki" userId="ab9f1eaf7ee70c5c" providerId="LiveId" clId="{290FC3B9-96DA-48B1-B3BF-D985895C8291}" dt="2020-01-27T15:17:09.559" v="1114" actId="1076"/>
-        <pc:sldMasterMkLst>
-          <pc:docMk/>
-          <pc:sldMasterMk cId="3734901022" sldId="2147483720"/>
-        </pc:sldMasterMkLst>
-        <pc:sldLayoutChg chg="addSp modSp">
-          <pc:chgData name="Antti Kärki" userId="ab9f1eaf7ee70c5c" providerId="LiveId" clId="{290FC3B9-96DA-48B1-B3BF-D985895C8291}" dt="2020-01-27T15:17:09.559" v="1114" actId="1076"/>
-          <pc:sldLayoutMkLst>
-            <pc:docMk/>
-            <pc:sldMasterMk cId="3734901022" sldId="2147483720"/>
-            <pc:sldLayoutMk cId="2766382530" sldId="2147483722"/>
-          </pc:sldLayoutMkLst>
-          <pc:picChg chg="add mod">
-            <ac:chgData name="Antti Kärki" userId="ab9f1eaf7ee70c5c" providerId="LiveId" clId="{290FC3B9-96DA-48B1-B3BF-D985895C8291}" dt="2020-01-27T15:17:09.559" v="1114" actId="1076"/>
-            <ac:picMkLst>
-              <pc:docMk/>
-              <pc:sldMasterMk cId="3734901022" sldId="2147483720"/>
-              <pc:sldLayoutMk cId="2766382530" sldId="2147483722"/>
-              <ac:picMk id="7" creationId="{CA2C5719-AAE2-4F75-AAC2-709AA6F28311}"/>
-            </ac:picMkLst>
-          </pc:picChg>
-        </pc:sldLayoutChg>
-      </pc:sldMasterChg>
-      <pc:sldMasterChg chg="modSldLayout">
-        <pc:chgData name="Antti Kärki" userId="ab9f1eaf7ee70c5c" providerId="LiveId" clId="{290FC3B9-96DA-48B1-B3BF-D985895C8291}" dt="2020-01-27T15:39:54.810" v="1371"/>
-        <pc:sldMasterMkLst>
-          <pc:docMk/>
-          <pc:sldMasterMk cId="2011896331" sldId="2147483738"/>
-        </pc:sldMasterMkLst>
-        <pc:sldLayoutChg chg="addSp">
-          <pc:chgData name="Antti Kärki" userId="ab9f1eaf7ee70c5c" providerId="LiveId" clId="{290FC3B9-96DA-48B1-B3BF-D985895C8291}" dt="2020-01-27T15:39:54.810" v="1371"/>
-          <pc:sldLayoutMkLst>
-            <pc:docMk/>
-            <pc:sldMasterMk cId="2011896331" sldId="2147483738"/>
-            <pc:sldLayoutMk cId="2706997293" sldId="2147483740"/>
-          </pc:sldLayoutMkLst>
-          <pc:picChg chg="add">
-            <ac:chgData name="Antti Kärki" userId="ab9f1eaf7ee70c5c" providerId="LiveId" clId="{290FC3B9-96DA-48B1-B3BF-D985895C8291}" dt="2020-01-27T15:39:54.810" v="1371"/>
-            <ac:picMkLst>
-              <pc:docMk/>
-              <pc:sldMasterMk cId="2011896331" sldId="2147483738"/>
-              <pc:sldLayoutMk cId="2706997293" sldId="2147483740"/>
-              <ac:picMk id="9" creationId="{57A0DBF6-B7F7-443B-ABA3-E80FC0AFEBC9}"/>
-            </ac:picMkLst>
-          </pc:picChg>
-        </pc:sldLayoutChg>
-      </pc:sldMasterChg>
-    </pc:docChg>
-  </pc:docChgLst>
-  <pc:docChgLst>
-    <pc:chgData name="Antti Kärki" userId="ab9f1eaf7ee70c5c" providerId="LiveId" clId="{16214568-00C9-4FC1-93E5-88FD43C19225}"/>
-    <pc:docChg chg="custSel modSld">
-      <pc:chgData name="Antti Kärki" userId="ab9f1eaf7ee70c5c" providerId="LiveId" clId="{16214568-00C9-4FC1-93E5-88FD43C19225}" dt="2020-01-23T15:15:11.827" v="63" actId="20577"/>
-      <pc:docMkLst>
-        <pc:docMk/>
-      </pc:docMkLst>
-      <pc:sldChg chg="addSp delSp modSp">
-        <pc:chgData name="Antti Kärki" userId="ab9f1eaf7ee70c5c" providerId="LiveId" clId="{16214568-00C9-4FC1-93E5-88FD43C19225}" dt="2020-01-23T15:15:11.827" v="63" actId="20577"/>
-        <pc:sldMkLst>
-          <pc:docMk/>
-          <pc:sldMk cId="2209794161" sldId="289"/>
-        </pc:sldMkLst>
-        <pc:spChg chg="add del mod">
-          <ac:chgData name="Antti Kärki" userId="ab9f1eaf7ee70c5c" providerId="LiveId" clId="{16214568-00C9-4FC1-93E5-88FD43C19225}" dt="2020-01-23T15:14:30.495" v="2" actId="478"/>
-          <ac:spMkLst>
-            <pc:docMk/>
-            <pc:sldMk cId="2209794161" sldId="289"/>
-            <ac:spMk id="7" creationId="{4CAFFAF7-EBB6-4200-BA7F-A9CB0277C383}"/>
-          </ac:spMkLst>
-        </pc:spChg>
-        <pc:spChg chg="add mod">
-          <ac:chgData name="Antti Kärki" userId="ab9f1eaf7ee70c5c" providerId="LiveId" clId="{16214568-00C9-4FC1-93E5-88FD43C19225}" dt="2020-01-23T15:15:11.827" v="63" actId="20577"/>
-          <ac:spMkLst>
-            <pc:docMk/>
-            <pc:sldMk cId="2209794161" sldId="289"/>
-            <ac:spMk id="8" creationId="{26104AB3-7D3C-4327-9286-07AE97B73415}"/>
-          </ac:spMkLst>
-        </pc:spChg>
-      </pc:sldChg>
-    </pc:docChg>
-  </pc:docChgLst>
-  <pc:docChgLst>
-    <pc:chgData name="Antti Kärki" userId="ab9f1eaf7ee70c5c" providerId="LiveId" clId="{BF661082-BE8A-4C72-83E5-4795344B30AD}"/>
-    <pc:docChg chg="custSel delSld modSld">
-      <pc:chgData name="Antti Kärki" userId="ab9f1eaf7ee70c5c" providerId="LiveId" clId="{BF661082-BE8A-4C72-83E5-4795344B30AD}" dt="2020-03-19T09:46:19.292" v="17" actId="207"/>
-      <pc:docMkLst>
-        <pc:docMk/>
-      </pc:docMkLst>
-      <pc:sldChg chg="addSp modSp">
-        <pc:chgData name="Antti Kärki" userId="ab9f1eaf7ee70c5c" providerId="LiveId" clId="{BF661082-BE8A-4C72-83E5-4795344B30AD}" dt="2020-03-19T09:46:19.292" v="17" actId="207"/>
-        <pc:sldMkLst>
-          <pc:docMk/>
-          <pc:sldMk cId="305823356" sldId="285"/>
-        </pc:sldMkLst>
-        <pc:spChg chg="add mod">
-          <ac:chgData name="Antti Kärki" userId="ab9f1eaf7ee70c5c" providerId="LiveId" clId="{BF661082-BE8A-4C72-83E5-4795344B30AD}" dt="2020-03-19T09:46:19.292" v="17" actId="207"/>
-          <ac:spMkLst>
-            <pc:docMk/>
-            <pc:sldMk cId="305823356" sldId="285"/>
-            <ac:spMk id="4" creationId="{6DF4274D-5402-4E4E-AB6B-505BC9B2E0F2}"/>
-          </ac:spMkLst>
-        </pc:spChg>
-      </pc:sldChg>
-      <pc:sldChg chg="del">
-        <pc:chgData name="Antti Kärki" userId="ab9f1eaf7ee70c5c" providerId="LiveId" clId="{BF661082-BE8A-4C72-83E5-4795344B30AD}" dt="2020-03-19T09:45:29.287" v="0" actId="2696"/>
-        <pc:sldMkLst>
-          <pc:docMk/>
-          <pc:sldMk cId="2410279594" sldId="296"/>
-        </pc:sldMkLst>
-      </pc:sldChg>
-    </pc:docChg>
-  </pc:docChgLst>
-</pc:chgInfo>
-</file>
-
 <file path=ppt/slideLayouts/slideLayout1.xml><?xml version="1.0" encoding="utf-8"?>
 <p:sldLayout xmlns:a="http://schemas.openxmlformats.org/drawingml/2006/main" xmlns:r="http://schemas.openxmlformats.org/officeDocument/2006/relationships" xmlns:p="http://schemas.openxmlformats.org/presentationml/2006/main" type="title" preserve="1">
   <p:cSld name="Title Slide">
@@ -1973,7 +327,7 @@
           <a:p>
             <a:fld id="{2BA53152-5DF5-4979-A537-0FE8AB80BD2D}" type="datetimeFigureOut">
               <a:rPr lang="fi-FI" smtClean="0"/>
-              <a:t>27.1.2021</a:t>
+              <a:t>28.1.2021</a:t>
             </a:fld>
             <a:endParaRPr lang="fi-FI"/>
           </a:p>
@@ -2311,7 +665,7 @@
           <a:p>
             <a:fld id="{2BA53152-5DF5-4979-A537-0FE8AB80BD2D}" type="datetimeFigureOut">
               <a:rPr lang="fi-FI" smtClean="0"/>
-              <a:t>27.1.2021</a:t>
+              <a:t>28.1.2021</a:t>
             </a:fld>
             <a:endParaRPr lang="fi-FI"/>
           </a:p>
@@ -2712,7 +1066,7 @@
           <a:p>
             <a:fld id="{2BA53152-5DF5-4979-A537-0FE8AB80BD2D}" type="datetimeFigureOut">
               <a:rPr lang="fi-FI" smtClean="0"/>
-              <a:t>27.1.2021</a:t>
+              <a:t>28.1.2021</a:t>
             </a:fld>
             <a:endParaRPr lang="fi-FI"/>
           </a:p>
@@ -3048,7 +1402,7 @@
           <a:p>
             <a:fld id="{2BA53152-5DF5-4979-A537-0FE8AB80BD2D}" type="datetimeFigureOut">
               <a:rPr lang="fi-FI" smtClean="0"/>
-              <a:t>27.1.2021</a:t>
+              <a:t>28.1.2021</a:t>
             </a:fld>
             <a:endParaRPr lang="fi-FI"/>
           </a:p>
@@ -3368,7 +1722,7 @@
           <a:p>
             <a:fld id="{2BA53152-5DF5-4979-A537-0FE8AB80BD2D}" type="datetimeFigureOut">
               <a:rPr lang="fi-FI" smtClean="0"/>
-              <a:t>27.1.2021</a:t>
+              <a:t>28.1.2021</a:t>
             </a:fld>
             <a:endParaRPr lang="fi-FI"/>
           </a:p>
@@ -3764,7 +2118,7 @@
           <a:p>
             <a:fld id="{2BA53152-5DF5-4979-A537-0FE8AB80BD2D}" type="datetimeFigureOut">
               <a:rPr lang="fi-FI" smtClean="0"/>
-              <a:t>27.1.2021</a:t>
+              <a:t>28.1.2021</a:t>
             </a:fld>
             <a:endParaRPr lang="fi-FI"/>
           </a:p>
@@ -4021,7 +2375,7 @@
           <a:p>
             <a:fld id="{2BA53152-5DF5-4979-A537-0FE8AB80BD2D}" type="datetimeFigureOut">
               <a:rPr lang="fi-FI" smtClean="0"/>
-              <a:t>27.1.2021</a:t>
+              <a:t>28.1.2021</a:t>
             </a:fld>
             <a:endParaRPr lang="fi-FI"/>
           </a:p>
@@ -4283,7 +2637,7 @@
           <a:p>
             <a:fld id="{2BA53152-5DF5-4979-A537-0FE8AB80BD2D}" type="datetimeFigureOut">
               <a:rPr lang="fi-FI" smtClean="0"/>
-              <a:t>27.1.2021</a:t>
+              <a:t>28.1.2021</a:t>
             </a:fld>
             <a:endParaRPr lang="fi-FI"/>
           </a:p>
@@ -4545,7 +2899,7 @@
           <a:p>
             <a:fld id="{2BA53152-5DF5-4979-A537-0FE8AB80BD2D}" type="datetimeFigureOut">
               <a:rPr lang="fi-FI" smtClean="0"/>
-              <a:t>27.1.2021</a:t>
+              <a:t>28.1.2021</a:t>
             </a:fld>
             <a:endParaRPr lang="fi-FI"/>
           </a:p>
@@ -4904,7 +3258,7 @@
           <a:p>
             <a:fld id="{2BA53152-5DF5-4979-A537-0FE8AB80BD2D}" type="datetimeFigureOut">
               <a:rPr lang="fi-FI" smtClean="0"/>
-              <a:t>27.1.2021</a:t>
+              <a:t>28.1.2021</a:t>
             </a:fld>
             <a:endParaRPr lang="fi-FI"/>
           </a:p>
@@ -5227,7 +3581,7 @@
           <a:p>
             <a:fld id="{2BA53152-5DF5-4979-A537-0FE8AB80BD2D}" type="datetimeFigureOut">
               <a:rPr lang="fi-FI" smtClean="0"/>
-              <a:t>27.1.2021</a:t>
+              <a:t>28.1.2021</a:t>
             </a:fld>
             <a:endParaRPr lang="fi-FI"/>
           </a:p>
@@ -5684,7 +4038,7 @@
           <a:p>
             <a:fld id="{2BA53152-5DF5-4979-A537-0FE8AB80BD2D}" type="datetimeFigureOut">
               <a:rPr lang="fi-FI" smtClean="0"/>
-              <a:t>27.1.2021</a:t>
+              <a:t>28.1.2021</a:t>
             </a:fld>
             <a:endParaRPr lang="fi-FI"/>
           </a:p>
@@ -5889,7 +4243,7 @@
           <a:p>
             <a:fld id="{2BA53152-5DF5-4979-A537-0FE8AB80BD2D}" type="datetimeFigureOut">
               <a:rPr lang="fi-FI" smtClean="0"/>
-              <a:t>27.1.2021</a:t>
+              <a:t>28.1.2021</a:t>
             </a:fld>
             <a:endParaRPr lang="fi-FI"/>
           </a:p>
@@ -6096,7 +4450,7 @@
           <a:p>
             <a:fld id="{2BA53152-5DF5-4979-A537-0FE8AB80BD2D}" type="datetimeFigureOut">
               <a:rPr lang="fi-FI" smtClean="0"/>
-              <a:t>27.1.2021</a:t>
+              <a:t>28.1.2021</a:t>
             </a:fld>
             <a:endParaRPr lang="fi-FI"/>
           </a:p>
@@ -6429,7 +4783,7 @@
           <a:p>
             <a:fld id="{2BA53152-5DF5-4979-A537-0FE8AB80BD2D}" type="datetimeFigureOut">
               <a:rPr lang="fi-FI" smtClean="0"/>
-              <a:t>27.1.2021</a:t>
+              <a:t>28.1.2021</a:t>
             </a:fld>
             <a:endParaRPr lang="fi-FI"/>
           </a:p>
@@ -6774,7 +5128,7 @@
           <a:p>
             <a:fld id="{2BA53152-5DF5-4979-A537-0FE8AB80BD2D}" type="datetimeFigureOut">
               <a:rPr lang="fi-FI" smtClean="0"/>
-              <a:t>27.1.2021</a:t>
+              <a:t>28.1.2021</a:t>
             </a:fld>
             <a:endParaRPr lang="fi-FI"/>
           </a:p>
@@ -8891,7 +7245,7 @@
           <a:p>
             <a:fld id="{2BA53152-5DF5-4979-A537-0FE8AB80BD2D}" type="datetimeFigureOut">
               <a:rPr lang="fi-FI" smtClean="0"/>
-              <a:t>27.1.2021</a:t>
+              <a:t>28.1.2021</a:t>
             </a:fld>
             <a:endParaRPr lang="fi-FI"/>
           </a:p>
@@ -9465,18 +7819,20 @@
         </p:nvSpPr>
         <p:spPr/>
         <p:txBody>
-          <a:bodyPr/>
+          <a:bodyPr>
+            <a:normAutofit/>
+          </a:bodyPr>
           <a:lstStyle/>
           <a:p>
             <a:r>
-              <a:rPr lang="fi-FI" dirty="0" err="1"/>
+              <a:rPr lang="fi-FI" sz="3600" dirty="0" err="1"/>
               <a:t>Installation</a:t>
             </a:r>
             <a:r>
-              <a:rPr lang="fi-FI" dirty="0"/>
+              <a:rPr lang="fi-FI" sz="3600" dirty="0"/>
               <a:t> Guide</a:t>
             </a:r>
-            <a:endParaRPr lang="en-US" dirty="0"/>
+            <a:endParaRPr lang="en-US" sz="3600" dirty="0"/>
           </a:p>
         </p:txBody>
       </p:sp>
@@ -13356,7 +11712,11 @@
           <a:p>
             <a:r>
               <a:rPr lang="fi-FI" dirty="0"/>
-              <a:t>Copy</a:t>
+              <a:t>Copy </a:t>
+            </a:r>
+            <a:r>
+              <a:rPr lang="fi-FI" dirty="0" err="1"/>
+              <a:t>files</a:t>
             </a:r>
             <a:endParaRPr lang="en-US" dirty="0"/>
           </a:p>
@@ -14359,6 +12719,45 @@
           </a:p>
         </p:txBody>
       </p:sp>
+      <p:sp>
+        <p:nvSpPr>
+          <p:cNvPr id="5" name="TextBox 4">
+            <a:extLst>
+              <a:ext uri="{FF2B5EF4-FFF2-40B4-BE49-F238E27FC236}">
+                <a16:creationId xmlns:a16="http://schemas.microsoft.com/office/drawing/2014/main" id="{36E986F0-D1C3-4C71-A294-8133FAEF77EC}"/>
+              </a:ext>
+            </a:extLst>
+          </p:cNvPr>
+          <p:cNvSpPr txBox="1"/>
+          <p:nvPr/>
+        </p:nvSpPr>
+        <p:spPr>
+          <a:xfrm>
+            <a:off x="7546694" y="2167888"/>
+            <a:ext cx="4109012" cy="369332"/>
+          </a:xfrm>
+          <a:prstGeom prst="rect">
+            <a:avLst/>
+          </a:prstGeom>
+          <a:noFill/>
+        </p:spPr>
+        <p:txBody>
+          <a:bodyPr wrap="square">
+            <a:spAutoFit/>
+          </a:bodyPr>
+          <a:lstStyle/>
+          <a:p>
+            <a:r>
+              <a:rPr lang="en-US" dirty="0" err="1"/>
+              <a:t>openpyxl</a:t>
+            </a:r>
+            <a:r>
+              <a:rPr lang="en-US" dirty="0"/>
+              <a:t> version 3.0.6 (2021-01-14)</a:t>
+            </a:r>
+          </a:p>
+        </p:txBody>
+      </p:sp>
     </p:spTree>
     <p:extLst>
       <p:ext uri="{BB962C8B-B14F-4D97-AF65-F5344CB8AC3E}">
@@ -14427,27 +12826,7 @@
             </a:r>
             <a:r>
               <a:rPr lang="fi-FI" dirty="0"/>
-              <a:t> 12 </a:t>
-            </a:r>
-            <a:r>
-              <a:rPr lang="fi-FI" dirty="0" err="1"/>
-              <a:t>or</a:t>
-            </a:r>
-            <a:r>
-              <a:rPr lang="fi-FI" dirty="0"/>
-              <a:t> </a:t>
-            </a:r>
-            <a:r>
-              <a:rPr lang="fi-FI" dirty="0" err="1"/>
-              <a:t>Odoo</a:t>
-            </a:r>
-            <a:r>
-              <a:rPr lang="fi-FI"/>
-              <a:t> 13 </a:t>
-            </a:r>
-            <a:r>
-              <a:rPr lang="fi-FI" dirty="0"/>
-              <a:t>for Windows</a:t>
+              <a:t> for Windows</a:t>
             </a:r>
             <a:endParaRPr lang="en-US" dirty="0"/>
           </a:p>
@@ -14482,14 +12861,12 @@
           <a:lstStyle/>
           <a:p>
             <a:r>
+              <a:rPr lang="fi-FI" dirty="0" err="1"/>
+              <a:t>Download</a:t>
+            </a:r>
+            <a:r>
               <a:rPr lang="fi-FI" dirty="0"/>
-              <a:t>We are using Win32Com so Windows platform is required</a:t>
-            </a:r>
-          </a:p>
-          <a:p>
-            <a:r>
-              <a:rPr lang="fi-FI" dirty="0"/>
-              <a:t>Download from</a:t>
+              <a:t> from</a:t>
             </a:r>
           </a:p>
           <a:p>
@@ -14507,6 +12884,9 @@
               <a:rPr lang="en-US" dirty="0"/>
               <a:t>I used Windows 10 Pro</a:t>
             </a:r>
+          </a:p>
+          <a:p>
+            <a:endParaRPr lang="en-US" dirty="0"/>
           </a:p>
         </p:txBody>
       </p:sp>
@@ -14612,6 +12992,241 @@
             <a:r>
               <a:rPr lang="fi-FI" dirty="0" err="1"/>
               <a:t>example</a:t>
+            </a:r>
+            <a:endParaRPr lang="en-US" dirty="0"/>
+          </a:p>
+        </p:txBody>
+      </p:sp>
+      <p:sp>
+        <p:nvSpPr>
+          <p:cNvPr id="4" name="TextBox 3">
+            <a:extLst>
+              <a:ext uri="{FF2B5EF4-FFF2-40B4-BE49-F238E27FC236}">
+                <a16:creationId xmlns:a16="http://schemas.microsoft.com/office/drawing/2014/main" id="{D80A8828-6E83-4B1E-A2DE-E40FA9902220}"/>
+              </a:ext>
+            </a:extLst>
+          </p:cNvPr>
+          <p:cNvSpPr txBox="1"/>
+          <p:nvPr/>
+        </p:nvSpPr>
+        <p:spPr>
+          <a:xfrm>
+            <a:off x="1019801" y="3815326"/>
+            <a:ext cx="6228164" cy="1754326"/>
+          </a:xfrm>
+          <a:prstGeom prst="rect">
+            <a:avLst/>
+          </a:prstGeom>
+        </p:spPr>
+        <p:style>
+          <a:lnRef idx="1">
+            <a:schemeClr val="accent6"/>
+          </a:lnRef>
+          <a:fillRef idx="2">
+            <a:schemeClr val="accent6"/>
+          </a:fillRef>
+          <a:effectRef idx="1">
+            <a:schemeClr val="accent6"/>
+          </a:effectRef>
+          <a:fontRef idx="minor">
+            <a:schemeClr val="dk1"/>
+          </a:fontRef>
+        </p:style>
+        <p:txBody>
+          <a:bodyPr wrap="square" rtlCol="0">
+            <a:spAutoFit/>
+          </a:bodyPr>
+          <a:lstStyle/>
+          <a:p>
+            <a:r>
+              <a:rPr lang="fi-FI" dirty="0"/>
+              <a:t>NOTE:</a:t>
+            </a:r>
+          </a:p>
+          <a:p>
+            <a:r>
+              <a:rPr lang="fi-FI" dirty="0" err="1"/>
+              <a:t>There</a:t>
+            </a:r>
+            <a:r>
+              <a:rPr lang="fi-FI" dirty="0"/>
+              <a:t> is </a:t>
+            </a:r>
+            <a:r>
+              <a:rPr lang="fi-FI" dirty="0" err="1"/>
+              <a:t>also</a:t>
+            </a:r>
+            <a:r>
+              <a:rPr lang="fi-FI" dirty="0"/>
+              <a:t> a </a:t>
+            </a:r>
+            <a:r>
+              <a:rPr lang="fi-FI" dirty="0" err="1"/>
+              <a:t>special</a:t>
+            </a:r>
+            <a:r>
+              <a:rPr lang="fi-FI" dirty="0"/>
+              <a:t> version of </a:t>
+            </a:r>
+            <a:r>
+              <a:rPr lang="fi-FI" dirty="0" err="1"/>
+              <a:t>Rocker</a:t>
+            </a:r>
+            <a:r>
+              <a:rPr lang="fi-FI" dirty="0"/>
+              <a:t> Reporting for Windows. It </a:t>
+            </a:r>
+            <a:r>
+              <a:rPr lang="fi-FI" dirty="0" err="1"/>
+              <a:t>uses</a:t>
+            </a:r>
+            <a:r>
+              <a:rPr lang="fi-FI" dirty="0"/>
+              <a:t> win32api and </a:t>
+            </a:r>
+            <a:r>
+              <a:rPr lang="fi-FI" dirty="0" err="1"/>
+              <a:t>therefore</a:t>
+            </a:r>
+            <a:r>
+              <a:rPr lang="fi-FI" dirty="0"/>
+              <a:t> </a:t>
+            </a:r>
+            <a:r>
+              <a:rPr lang="fi-FI" dirty="0" err="1"/>
+              <a:t>can</a:t>
+            </a:r>
+            <a:r>
+              <a:rPr lang="fi-FI" dirty="0"/>
+              <a:t> </a:t>
+            </a:r>
+            <a:r>
+              <a:rPr lang="fi-FI" dirty="0" err="1"/>
+              <a:t>not</a:t>
+            </a:r>
+            <a:r>
+              <a:rPr lang="fi-FI" dirty="0"/>
+              <a:t> </a:t>
+            </a:r>
+            <a:r>
+              <a:rPr lang="fi-FI" dirty="0" err="1"/>
+              <a:t>be</a:t>
+            </a:r>
+            <a:r>
+              <a:rPr lang="fi-FI" dirty="0"/>
+              <a:t> </a:t>
+            </a:r>
+            <a:r>
+              <a:rPr lang="fi-FI" dirty="0" err="1"/>
+              <a:t>used</a:t>
+            </a:r>
+            <a:r>
+              <a:rPr lang="fi-FI" dirty="0"/>
+              <a:t> on Linux </a:t>
+            </a:r>
+            <a:r>
+              <a:rPr lang="fi-FI" dirty="0" err="1"/>
+              <a:t>platform</a:t>
+            </a:r>
+            <a:r>
+              <a:rPr lang="fi-FI" dirty="0"/>
+              <a:t>. </a:t>
+            </a:r>
+            <a:r>
+              <a:rPr lang="fi-FI" dirty="0" err="1"/>
+              <a:t>But</a:t>
+            </a:r>
+            <a:r>
+              <a:rPr lang="fi-FI" dirty="0"/>
+              <a:t> it </a:t>
+            </a:r>
+            <a:r>
+              <a:rPr lang="fi-FI" dirty="0" err="1"/>
+              <a:t>runs</a:t>
+            </a:r>
+            <a:r>
+              <a:rPr lang="fi-FI" dirty="0"/>
+              <a:t> </a:t>
+            </a:r>
+            <a:r>
+              <a:rPr lang="fi-FI" dirty="0" err="1"/>
+              <a:t>real</a:t>
+            </a:r>
+            <a:r>
+              <a:rPr lang="fi-FI" dirty="0"/>
+              <a:t> Excel and </a:t>
+            </a:r>
+            <a:r>
+              <a:rPr lang="fi-FI" dirty="0" err="1"/>
+              <a:t>supports</a:t>
+            </a:r>
+            <a:r>
+              <a:rPr lang="fi-FI" dirty="0"/>
+              <a:t> </a:t>
+            </a:r>
+            <a:r>
+              <a:rPr lang="fi-FI" dirty="0" err="1"/>
+              <a:t>all</a:t>
+            </a:r>
+            <a:r>
+              <a:rPr lang="fi-FI" dirty="0"/>
+              <a:t> </a:t>
+            </a:r>
+            <a:r>
+              <a:rPr lang="fi-FI" dirty="0" err="1"/>
+              <a:t>excel</a:t>
+            </a:r>
+            <a:r>
+              <a:rPr lang="fi-FI" dirty="0"/>
+              <a:t> </a:t>
+            </a:r>
+            <a:r>
+              <a:rPr lang="fi-FI" dirty="0" err="1"/>
+              <a:t>functionalities</a:t>
+            </a:r>
+            <a:r>
+              <a:rPr lang="fi-FI" dirty="0"/>
+              <a:t> </a:t>
+            </a:r>
+            <a:r>
+              <a:rPr lang="fi-FI" dirty="0" err="1"/>
+              <a:t>like</a:t>
+            </a:r>
+            <a:r>
+              <a:rPr lang="fi-FI" dirty="0"/>
+              <a:t> </a:t>
+            </a:r>
+            <a:r>
+              <a:rPr lang="fi-FI" dirty="0" err="1"/>
+              <a:t>PowerPivot</a:t>
+            </a:r>
+            <a:r>
+              <a:rPr lang="fi-FI" dirty="0"/>
+              <a:t>. Look </a:t>
+            </a:r>
+            <a:r>
+              <a:rPr lang="fi-FI" dirty="0" err="1"/>
+              <a:t>from</a:t>
+            </a:r>
+            <a:r>
+              <a:rPr lang="fi-FI" dirty="0"/>
+              <a:t> </a:t>
+            </a:r>
+            <a:r>
+              <a:rPr lang="fi-FI" dirty="0" err="1"/>
+              <a:t>Odoo</a:t>
+            </a:r>
+            <a:r>
+              <a:rPr lang="fi-FI" dirty="0"/>
+              <a:t> </a:t>
+            </a:r>
+            <a:r>
+              <a:rPr lang="fi-FI" dirty="0" err="1"/>
+              <a:t>Apps</a:t>
+            </a:r>
+            <a:r>
+              <a:rPr lang="fi-FI" dirty="0"/>
+              <a:t> </a:t>
             </a:r>
             <a:endParaRPr lang="en-US" dirty="0"/>
           </a:p>

--- a/rocker_app/static/description/Rocker_install.pptx
+++ b/rocker_app/static/description/Rocker_install.pptx
@@ -327,7 +327,7 @@
           <a:p>
             <a:fld id="{2BA53152-5DF5-4979-A537-0FE8AB80BD2D}" type="datetimeFigureOut">
               <a:rPr lang="fi-FI" smtClean="0"/>
-              <a:t>28.1.2021</a:t>
+              <a:t>29.1.2021</a:t>
             </a:fld>
             <a:endParaRPr lang="fi-FI"/>
           </a:p>
@@ -665,7 +665,7 @@
           <a:p>
             <a:fld id="{2BA53152-5DF5-4979-A537-0FE8AB80BD2D}" type="datetimeFigureOut">
               <a:rPr lang="fi-FI" smtClean="0"/>
-              <a:t>28.1.2021</a:t>
+              <a:t>29.1.2021</a:t>
             </a:fld>
             <a:endParaRPr lang="fi-FI"/>
           </a:p>
@@ -1066,7 +1066,7 @@
           <a:p>
             <a:fld id="{2BA53152-5DF5-4979-A537-0FE8AB80BD2D}" type="datetimeFigureOut">
               <a:rPr lang="fi-FI" smtClean="0"/>
-              <a:t>28.1.2021</a:t>
+              <a:t>29.1.2021</a:t>
             </a:fld>
             <a:endParaRPr lang="fi-FI"/>
           </a:p>
@@ -1402,7 +1402,7 @@
           <a:p>
             <a:fld id="{2BA53152-5DF5-4979-A537-0FE8AB80BD2D}" type="datetimeFigureOut">
               <a:rPr lang="fi-FI" smtClean="0"/>
-              <a:t>28.1.2021</a:t>
+              <a:t>29.1.2021</a:t>
             </a:fld>
             <a:endParaRPr lang="fi-FI"/>
           </a:p>
@@ -1722,7 +1722,7 @@
           <a:p>
             <a:fld id="{2BA53152-5DF5-4979-A537-0FE8AB80BD2D}" type="datetimeFigureOut">
               <a:rPr lang="fi-FI" smtClean="0"/>
-              <a:t>28.1.2021</a:t>
+              <a:t>29.1.2021</a:t>
             </a:fld>
             <a:endParaRPr lang="fi-FI"/>
           </a:p>
@@ -2118,7 +2118,7 @@
           <a:p>
             <a:fld id="{2BA53152-5DF5-4979-A537-0FE8AB80BD2D}" type="datetimeFigureOut">
               <a:rPr lang="fi-FI" smtClean="0"/>
-              <a:t>28.1.2021</a:t>
+              <a:t>29.1.2021</a:t>
             </a:fld>
             <a:endParaRPr lang="fi-FI"/>
           </a:p>
@@ -2375,7 +2375,7 @@
           <a:p>
             <a:fld id="{2BA53152-5DF5-4979-A537-0FE8AB80BD2D}" type="datetimeFigureOut">
               <a:rPr lang="fi-FI" smtClean="0"/>
-              <a:t>28.1.2021</a:t>
+              <a:t>29.1.2021</a:t>
             </a:fld>
             <a:endParaRPr lang="fi-FI"/>
           </a:p>
@@ -2637,7 +2637,7 @@
           <a:p>
             <a:fld id="{2BA53152-5DF5-4979-A537-0FE8AB80BD2D}" type="datetimeFigureOut">
               <a:rPr lang="fi-FI" smtClean="0"/>
-              <a:t>28.1.2021</a:t>
+              <a:t>29.1.2021</a:t>
             </a:fld>
             <a:endParaRPr lang="fi-FI"/>
           </a:p>
@@ -2899,7 +2899,7 @@
           <a:p>
             <a:fld id="{2BA53152-5DF5-4979-A537-0FE8AB80BD2D}" type="datetimeFigureOut">
               <a:rPr lang="fi-FI" smtClean="0"/>
-              <a:t>28.1.2021</a:t>
+              <a:t>29.1.2021</a:t>
             </a:fld>
             <a:endParaRPr lang="fi-FI"/>
           </a:p>
@@ -3258,7 +3258,7 @@
           <a:p>
             <a:fld id="{2BA53152-5DF5-4979-A537-0FE8AB80BD2D}" type="datetimeFigureOut">
               <a:rPr lang="fi-FI" smtClean="0"/>
-              <a:t>28.1.2021</a:t>
+              <a:t>29.1.2021</a:t>
             </a:fld>
             <a:endParaRPr lang="fi-FI"/>
           </a:p>
@@ -3581,7 +3581,7 @@
           <a:p>
             <a:fld id="{2BA53152-5DF5-4979-A537-0FE8AB80BD2D}" type="datetimeFigureOut">
               <a:rPr lang="fi-FI" smtClean="0"/>
-              <a:t>28.1.2021</a:t>
+              <a:t>29.1.2021</a:t>
             </a:fld>
             <a:endParaRPr lang="fi-FI"/>
           </a:p>
@@ -4038,7 +4038,7 @@
           <a:p>
             <a:fld id="{2BA53152-5DF5-4979-A537-0FE8AB80BD2D}" type="datetimeFigureOut">
               <a:rPr lang="fi-FI" smtClean="0"/>
-              <a:t>28.1.2021</a:t>
+              <a:t>29.1.2021</a:t>
             </a:fld>
             <a:endParaRPr lang="fi-FI"/>
           </a:p>
@@ -4243,7 +4243,7 @@
           <a:p>
             <a:fld id="{2BA53152-5DF5-4979-A537-0FE8AB80BD2D}" type="datetimeFigureOut">
               <a:rPr lang="fi-FI" smtClean="0"/>
-              <a:t>28.1.2021</a:t>
+              <a:t>29.1.2021</a:t>
             </a:fld>
             <a:endParaRPr lang="fi-FI"/>
           </a:p>
@@ -4450,7 +4450,7 @@
           <a:p>
             <a:fld id="{2BA53152-5DF5-4979-A537-0FE8AB80BD2D}" type="datetimeFigureOut">
               <a:rPr lang="fi-FI" smtClean="0"/>
-              <a:t>28.1.2021</a:t>
+              <a:t>29.1.2021</a:t>
             </a:fld>
             <a:endParaRPr lang="fi-FI"/>
           </a:p>
@@ -4783,7 +4783,7 @@
           <a:p>
             <a:fld id="{2BA53152-5DF5-4979-A537-0FE8AB80BD2D}" type="datetimeFigureOut">
               <a:rPr lang="fi-FI" smtClean="0"/>
-              <a:t>28.1.2021</a:t>
+              <a:t>29.1.2021</a:t>
             </a:fld>
             <a:endParaRPr lang="fi-FI"/>
           </a:p>
@@ -5128,7 +5128,7 @@
           <a:p>
             <a:fld id="{2BA53152-5DF5-4979-A537-0FE8AB80BD2D}" type="datetimeFigureOut">
               <a:rPr lang="fi-FI" smtClean="0"/>
-              <a:t>28.1.2021</a:t>
+              <a:t>29.1.2021</a:t>
             </a:fld>
             <a:endParaRPr lang="fi-FI"/>
           </a:p>
@@ -7245,7 +7245,7 @@
           <a:p>
             <a:fld id="{2BA53152-5DF5-4979-A537-0FE8AB80BD2D}" type="datetimeFigureOut">
               <a:rPr lang="fi-FI" smtClean="0"/>
-              <a:t>28.1.2021</a:t>
+              <a:t>29.1.2021</a:t>
             </a:fld>
             <a:endParaRPr lang="fi-FI"/>
           </a:p>
@@ -12758,6 +12758,55 @@
           </a:p>
         </p:txBody>
       </p:sp>
+      <p:sp>
+        <p:nvSpPr>
+          <p:cNvPr id="6" name="TextBox 5">
+            <a:extLst>
+              <a:ext uri="{FF2B5EF4-FFF2-40B4-BE49-F238E27FC236}">
+                <a16:creationId xmlns:a16="http://schemas.microsoft.com/office/drawing/2014/main" id="{E147997A-F99F-4620-91BF-2E53C7EC5D8B}"/>
+              </a:ext>
+            </a:extLst>
+          </p:cNvPr>
+          <p:cNvSpPr txBox="1"/>
+          <p:nvPr/>
+        </p:nvSpPr>
+        <p:spPr>
+          <a:xfrm>
+            <a:off x="8961915" y="254778"/>
+            <a:ext cx="1039067" cy="369332"/>
+          </a:xfrm>
+          <a:prstGeom prst="rect">
+            <a:avLst/>
+          </a:prstGeom>
+        </p:spPr>
+        <p:style>
+          <a:lnRef idx="1">
+            <a:schemeClr val="accent6"/>
+          </a:lnRef>
+          <a:fillRef idx="2">
+            <a:schemeClr val="accent6"/>
+          </a:fillRef>
+          <a:effectRef idx="1">
+            <a:schemeClr val="accent6"/>
+          </a:effectRef>
+          <a:fontRef idx="minor">
+            <a:schemeClr val="dk1"/>
+          </a:fontRef>
+        </p:style>
+        <p:txBody>
+          <a:bodyPr wrap="none" rtlCol="0">
+            <a:spAutoFit/>
+          </a:bodyPr>
+          <a:lstStyle/>
+          <a:p>
+            <a:r>
+              <a:rPr lang="fi-FI" dirty="0"/>
+              <a:t>UBUNTU</a:t>
+            </a:r>
+            <a:endParaRPr lang="en-US" dirty="0"/>
+          </a:p>
+        </p:txBody>
+      </p:sp>
     </p:spTree>
     <p:extLst>
       <p:ext uri="{BB962C8B-B14F-4D97-AF65-F5344CB8AC3E}">
